--- a/FinalPresentation.pptx
+++ b/FinalPresentation.pptx
@@ -1,62 +1,62 @@
 
 <file path=ppt/presentation.xml><?xml version="1.0" encoding="utf-8"?>
-<p:presentation xmlns:a="http://schemas.openxmlformats.org/drawingml/2006/main" xmlns:r="http://schemas.openxmlformats.org/officeDocument/2006/relationships" xmlns:mc="http://schemas.openxmlformats.org/markup-compatibility/2006" xmlns:mv="urn:schemas-microsoft-com:mac:vml" xmlns:p="http://schemas.openxmlformats.org/presentationml/2006/main" xmlns:c="http://schemas.openxmlformats.org/drawingml/2006/chart" xmlns:dgm="http://schemas.openxmlformats.org/drawingml/2006/diagram" xmlns:o="urn:schemas-microsoft-com:office:office" xmlns:v="urn:schemas-microsoft-com:vml" xmlns:pvml="urn:schemas-microsoft-com:office:powerpoint" xmlns:com="http://schemas.openxmlformats.org/drawingml/2006/compatibility" xmlns:p14="http://schemas.microsoft.com/office/powerpoint/2010/main" xmlns:p15="http://schemas.microsoft.com/office/powerpoint/2012/main" autoCompressPictures="0" embedTrueTypeFonts="1" strictFirstAndLastChars="0" saveSubsetFonts="1">
+<p:presentation xmlns:a="http://schemas.openxmlformats.org/drawingml/2006/main" xmlns:r="http://schemas.openxmlformats.org/officeDocument/2006/relationships" xmlns:p="http://schemas.openxmlformats.org/presentationml/2006/main" strictFirstAndLastChars="0" embedTrueTypeFonts="1" saveSubsetFonts="1" autoCompressPictures="0">
   <p:sldMasterIdLst>
-    <p:sldMasterId id="2147483659" r:id="rId4"/>
+    <p:sldMasterId id="2147483659" r:id="rId1"/>
   </p:sldMasterIdLst>
   <p:notesMasterIdLst>
-    <p:notesMasterId r:id="rId5"/>
+    <p:notesMasterId r:id="rId23"/>
   </p:notesMasterIdLst>
   <p:sldIdLst>
-    <p:sldId id="256" r:id="rId6"/>
-    <p:sldId id="257" r:id="rId7"/>
-    <p:sldId id="258" r:id="rId8"/>
-    <p:sldId id="259" r:id="rId9"/>
-    <p:sldId id="260" r:id="rId10"/>
-    <p:sldId id="261" r:id="rId11"/>
-    <p:sldId id="262" r:id="rId12"/>
-    <p:sldId id="263" r:id="rId13"/>
-    <p:sldId id="264" r:id="rId14"/>
-    <p:sldId id="265" r:id="rId15"/>
-    <p:sldId id="266" r:id="rId16"/>
-    <p:sldId id="267" r:id="rId17"/>
-    <p:sldId id="268" r:id="rId18"/>
-    <p:sldId id="269" r:id="rId19"/>
-    <p:sldId id="270" r:id="rId20"/>
-    <p:sldId id="271" r:id="rId21"/>
-    <p:sldId id="272" r:id="rId22"/>
-    <p:sldId id="273" r:id="rId23"/>
-    <p:sldId id="274" r:id="rId24"/>
-    <p:sldId id="275" r:id="rId25"/>
-    <p:sldId id="276" r:id="rId26"/>
+    <p:sldId id="256" r:id="rId2"/>
+    <p:sldId id="257" r:id="rId3"/>
+    <p:sldId id="258" r:id="rId4"/>
+    <p:sldId id="259" r:id="rId5"/>
+    <p:sldId id="260" r:id="rId6"/>
+    <p:sldId id="261" r:id="rId7"/>
+    <p:sldId id="262" r:id="rId8"/>
+    <p:sldId id="263" r:id="rId9"/>
+    <p:sldId id="264" r:id="rId10"/>
+    <p:sldId id="265" r:id="rId11"/>
+    <p:sldId id="266" r:id="rId12"/>
+    <p:sldId id="267" r:id="rId13"/>
+    <p:sldId id="268" r:id="rId14"/>
+    <p:sldId id="269" r:id="rId15"/>
+    <p:sldId id="270" r:id="rId16"/>
+    <p:sldId id="271" r:id="rId17"/>
+    <p:sldId id="272" r:id="rId18"/>
+    <p:sldId id="273" r:id="rId19"/>
+    <p:sldId id="274" r:id="rId20"/>
+    <p:sldId id="275" r:id="rId21"/>
+    <p:sldId id="276" r:id="rId22"/>
   </p:sldIdLst>
-  <p:sldSz cy="5143500" cx="9144000"/>
+  <p:sldSz cx="9144000" cy="5143500" type="screen16x9"/>
   <p:notesSz cx="6858000" cy="9144000"/>
   <p:embeddedFontLst>
     <p:embeddedFont>
-      <p:font typeface="Raleway"/>
-      <p:regular r:id="rId27"/>
-      <p:bold r:id="rId28"/>
-      <p:italic r:id="rId29"/>
-      <p:boldItalic r:id="rId30"/>
+      <p:font typeface="Lato" panose="020F0502020204030203" pitchFamily="34" charset="77"/>
+      <p:regular r:id="rId24"/>
+      <p:bold r:id="rId25"/>
+      <p:italic r:id="rId26"/>
+      <p:boldItalic r:id="rId27"/>
     </p:embeddedFont>
     <p:embeddedFont>
-      <p:font typeface="Roboto"/>
-      <p:regular r:id="rId31"/>
-      <p:bold r:id="rId32"/>
-      <p:italic r:id="rId33"/>
-      <p:boldItalic r:id="rId34"/>
+      <p:font typeface="Raleway" panose="020B0503030101060003" pitchFamily="34" charset="77"/>
+      <p:regular r:id="rId28"/>
+      <p:bold r:id="rId29"/>
+      <p:italic r:id="rId30"/>
+      <p:boldItalic r:id="rId31"/>
     </p:embeddedFont>
     <p:embeddedFont>
-      <p:font typeface="Lato"/>
-      <p:regular r:id="rId35"/>
-      <p:bold r:id="rId36"/>
-      <p:italic r:id="rId37"/>
-      <p:boldItalic r:id="rId38"/>
+      <p:font typeface="Roboto" panose="02000000000000000000" pitchFamily="2" charset="0"/>
+      <p:regular r:id="rId32"/>
+      <p:bold r:id="rId33"/>
+      <p:italic r:id="rId34"/>
+      <p:boldItalic r:id="rId35"/>
     </p:embeddedFont>
   </p:embeddedFontLst>
   <p:defaultTextStyle>
-    <a:defPPr lvl="0" marR="0" rtl="0" algn="l">
+    <a:defPPr marR="0" lvl="0" algn="l" rtl="0">
       <a:lnSpc>
         <a:spcPct val="100000"/>
       </a:lnSpc>
@@ -67,7 +67,7 @@
         <a:spcPts val="0"/>
       </a:spcAft>
     </a:defPPr>
-    <a:lvl1pPr lvl="0" marR="0" rtl="0" algn="l">
+    <a:lvl1pPr marR="0" lvl="0" algn="l" rtl="0">
       <a:lnSpc>
         <a:spcPct val="100000"/>
       </a:lnSpc>
@@ -81,7 +81,7 @@
         <a:srgbClr val="000000"/>
       </a:buClr>
       <a:buFont typeface="Arial"/>
-      <a:defRPr b="0" i="0" sz="1400" u="none" cap="none" strike="noStrike">
+      <a:defRPr sz="1400" b="0" i="0" u="none" strike="noStrike" cap="none">
         <a:solidFill>
           <a:srgbClr val="000000"/>
         </a:solidFill>
@@ -91,7 +91,7 @@
         <a:sym typeface="Arial"/>
       </a:defRPr>
     </a:lvl1pPr>
-    <a:lvl2pPr lvl="1" marR="0" rtl="0" algn="l">
+    <a:lvl2pPr marR="0" lvl="1" algn="l" rtl="0">
       <a:lnSpc>
         <a:spcPct val="100000"/>
       </a:lnSpc>
@@ -105,7 +105,7 @@
         <a:srgbClr val="000000"/>
       </a:buClr>
       <a:buFont typeface="Arial"/>
-      <a:defRPr b="0" i="0" sz="1400" u="none" cap="none" strike="noStrike">
+      <a:defRPr sz="1400" b="0" i="0" u="none" strike="noStrike" cap="none">
         <a:solidFill>
           <a:srgbClr val="000000"/>
         </a:solidFill>
@@ -115,7 +115,7 @@
         <a:sym typeface="Arial"/>
       </a:defRPr>
     </a:lvl2pPr>
-    <a:lvl3pPr lvl="2" marR="0" rtl="0" algn="l">
+    <a:lvl3pPr marR="0" lvl="2" algn="l" rtl="0">
       <a:lnSpc>
         <a:spcPct val="100000"/>
       </a:lnSpc>
@@ -129,7 +129,7 @@
         <a:srgbClr val="000000"/>
       </a:buClr>
       <a:buFont typeface="Arial"/>
-      <a:defRPr b="0" i="0" sz="1400" u="none" cap="none" strike="noStrike">
+      <a:defRPr sz="1400" b="0" i="0" u="none" strike="noStrike" cap="none">
         <a:solidFill>
           <a:srgbClr val="000000"/>
         </a:solidFill>
@@ -139,7 +139,7 @@
         <a:sym typeface="Arial"/>
       </a:defRPr>
     </a:lvl3pPr>
-    <a:lvl4pPr lvl="3" marR="0" rtl="0" algn="l">
+    <a:lvl4pPr marR="0" lvl="3" algn="l" rtl="0">
       <a:lnSpc>
         <a:spcPct val="100000"/>
       </a:lnSpc>
@@ -153,7 +153,7 @@
         <a:srgbClr val="000000"/>
       </a:buClr>
       <a:buFont typeface="Arial"/>
-      <a:defRPr b="0" i="0" sz="1400" u="none" cap="none" strike="noStrike">
+      <a:defRPr sz="1400" b="0" i="0" u="none" strike="noStrike" cap="none">
         <a:solidFill>
           <a:srgbClr val="000000"/>
         </a:solidFill>
@@ -163,7 +163,7 @@
         <a:sym typeface="Arial"/>
       </a:defRPr>
     </a:lvl4pPr>
-    <a:lvl5pPr lvl="4" marR="0" rtl="0" algn="l">
+    <a:lvl5pPr marR="0" lvl="4" algn="l" rtl="0">
       <a:lnSpc>
         <a:spcPct val="100000"/>
       </a:lnSpc>
@@ -177,7 +177,7 @@
         <a:srgbClr val="000000"/>
       </a:buClr>
       <a:buFont typeface="Arial"/>
-      <a:defRPr b="0" i="0" sz="1400" u="none" cap="none" strike="noStrike">
+      <a:defRPr sz="1400" b="0" i="0" u="none" strike="noStrike" cap="none">
         <a:solidFill>
           <a:srgbClr val="000000"/>
         </a:solidFill>
@@ -187,7 +187,7 @@
         <a:sym typeface="Arial"/>
       </a:defRPr>
     </a:lvl5pPr>
-    <a:lvl6pPr lvl="5" marR="0" rtl="0" algn="l">
+    <a:lvl6pPr marR="0" lvl="5" algn="l" rtl="0">
       <a:lnSpc>
         <a:spcPct val="100000"/>
       </a:lnSpc>
@@ -201,7 +201,7 @@
         <a:srgbClr val="000000"/>
       </a:buClr>
       <a:buFont typeface="Arial"/>
-      <a:defRPr b="0" i="0" sz="1400" u="none" cap="none" strike="noStrike">
+      <a:defRPr sz="1400" b="0" i="0" u="none" strike="noStrike" cap="none">
         <a:solidFill>
           <a:srgbClr val="000000"/>
         </a:solidFill>
@@ -211,7 +211,7 @@
         <a:sym typeface="Arial"/>
       </a:defRPr>
     </a:lvl6pPr>
-    <a:lvl7pPr lvl="6" marR="0" rtl="0" algn="l">
+    <a:lvl7pPr marR="0" lvl="6" algn="l" rtl="0">
       <a:lnSpc>
         <a:spcPct val="100000"/>
       </a:lnSpc>
@@ -225,7 +225,7 @@
         <a:srgbClr val="000000"/>
       </a:buClr>
       <a:buFont typeface="Arial"/>
-      <a:defRPr b="0" i="0" sz="1400" u="none" cap="none" strike="noStrike">
+      <a:defRPr sz="1400" b="0" i="0" u="none" strike="noStrike" cap="none">
         <a:solidFill>
           <a:srgbClr val="000000"/>
         </a:solidFill>
@@ -235,7 +235,7 @@
         <a:sym typeface="Arial"/>
       </a:defRPr>
     </a:lvl7pPr>
-    <a:lvl8pPr lvl="7" marR="0" rtl="0" algn="l">
+    <a:lvl8pPr marR="0" lvl="7" algn="l" rtl="0">
       <a:lnSpc>
         <a:spcPct val="100000"/>
       </a:lnSpc>
@@ -249,7 +249,7 @@
         <a:srgbClr val="000000"/>
       </a:buClr>
       <a:buFont typeface="Arial"/>
-      <a:defRPr b="0" i="0" sz="1400" u="none" cap="none" strike="noStrike">
+      <a:defRPr sz="1400" b="0" i="0" u="none" strike="noStrike" cap="none">
         <a:solidFill>
           <a:srgbClr val="000000"/>
         </a:solidFill>
@@ -259,7 +259,7 @@
         <a:sym typeface="Arial"/>
       </a:defRPr>
     </a:lvl8pPr>
-    <a:lvl9pPr lvl="8" marR="0" rtl="0" algn="l">
+    <a:lvl9pPr marR="0" lvl="8" algn="l" rtl="0">
       <a:lnSpc>
         <a:spcPct val="100000"/>
       </a:lnSpc>
@@ -273,7 +273,7 @@
         <a:srgbClr val="000000"/>
       </a:buClr>
       <a:buFont typeface="Arial"/>
-      <a:defRPr b="0" i="0" sz="1400" u="none" cap="none" strike="noStrike">
+      <a:defRPr sz="1400" b="0" i="0" u="none" strike="noStrike" cap="none">
         <a:solidFill>
           <a:srgbClr val="000000"/>
         </a:solidFill>
@@ -286,7 +286,7 @@
   </p:defaultTextStyle>
   <p:extLst>
     <p:ext uri="{EFAFB233-063F-42B5-8137-9DF3F51BA10A}">
-      <p15:sldGuideLst>
+      <p15:sldGuideLst xmlns:p15="http://schemas.microsoft.com/office/powerpoint/2012/main">
         <p15:guide id="1" orient="horz" pos="1620">
           <p15:clr>
             <a:srgbClr val="A4A3A4"/>
@@ -304,11 +304,16 @@
 </file>
 
 <file path=ppt/notesMasters/notesMaster1.xml><?xml version="1.0" encoding="utf-8"?>
-<p:notesMaster xmlns:a="http://schemas.openxmlformats.org/drawingml/2006/main" xmlns:r="http://schemas.openxmlformats.org/officeDocument/2006/relationships" xmlns:mc="http://schemas.openxmlformats.org/markup-compatibility/2006" xmlns:mv="urn:schemas-microsoft-com:mac:vml" xmlns:p="http://schemas.openxmlformats.org/presentationml/2006/main" xmlns:c="http://schemas.openxmlformats.org/drawingml/2006/chart" xmlns:dgm="http://schemas.openxmlformats.org/drawingml/2006/diagram" xmlns:o="urn:schemas-microsoft-com:office:office" xmlns:v="urn:schemas-microsoft-com:vml" xmlns:pvml="urn:schemas-microsoft-com:office:powerpoint" xmlns:com="http://schemas.openxmlformats.org/drawingml/2006/compatibility" xmlns:p14="http://schemas.microsoft.com/office/powerpoint/2010/main" xmlns:p15="http://schemas.microsoft.com/office/powerpoint/2012/main">
+<p:notesMaster xmlns:a="http://schemas.openxmlformats.org/drawingml/2006/main" xmlns:r="http://schemas.openxmlformats.org/officeDocument/2006/relationships" xmlns:p="http://schemas.openxmlformats.org/presentationml/2006/main">
   <p:cSld>
+    <p:bg>
+      <p:bgRef idx="1001">
+        <a:schemeClr val="bg1"/>
+      </p:bgRef>
+    </p:bg>
     <p:spTree>
       <p:nvGrpSpPr>
-        <p:cNvPr id="2" name="Shape 2"/>
+        <p:cNvPr id="1" name="Shape 2"/>
         <p:cNvGrpSpPr/>
         <p:nvPr/>
       </p:nvGrpSpPr>
@@ -323,9 +328,11 @@
       <p:sp>
         <p:nvSpPr>
           <p:cNvPr id="3" name="Google Shape;3;n"/>
-          <p:cNvSpPr/>
+          <p:cNvSpPr>
+            <a:spLocks noGrp="1" noRot="1" noChangeAspect="1"/>
+          </p:cNvSpPr>
           <p:nvPr>
-            <p:ph idx="2" type="sldImg"/>
+            <p:ph type="sldImg" idx="2"/>
           </p:nvPr>
         </p:nvSpPr>
         <p:spPr>
@@ -334,9 +341,13 @@
             <a:ext cx="6096075" cy="3429000"/>
           </a:xfrm>
           <a:custGeom>
-            <a:rect b="b" l="l" r="r" t="t"/>
+            <a:avLst/>
+            <a:gdLst/>
+            <a:ahLst/>
+            <a:cxnLst/>
+            <a:rect l="l" t="t" r="r" b="b"/>
             <a:pathLst>
-              <a:path extrusionOk="0" h="120000" w="120000">
+              <a:path w="120000" h="120000" extrusionOk="0">
                 <a:moveTo>
                   <a:pt x="0" y="0"/>
                 </a:moveTo>
@@ -354,23 +365,25 @@
             </a:pathLst>
           </a:custGeom>
           <a:noFill/>
-          <a:ln cap="flat" cmpd="sng" w="9525">
+          <a:ln w="9525" cap="flat" cmpd="sng">
             <a:solidFill>
               <a:srgbClr val="000000"/>
             </a:solidFill>
             <a:prstDash val="solid"/>
             <a:round/>
-            <a:headEnd len="sm" w="sm" type="none"/>
-            <a:tailEnd len="sm" w="sm" type="none"/>
+            <a:headEnd type="none" w="sm" len="sm"/>
+            <a:tailEnd type="none" w="sm" len="sm"/>
           </a:ln>
         </p:spPr>
       </p:sp>
       <p:sp>
         <p:nvSpPr>
           <p:cNvPr id="4" name="Google Shape;4;n"/>
-          <p:cNvSpPr txBox="1"/>
+          <p:cNvSpPr txBox="1">
+            <a:spLocks noGrp="1"/>
+          </p:cNvSpPr>
           <p:nvPr>
-            <p:ph idx="1" type="body"/>
+            <p:ph type="body" idx="1"/>
           </p:nvPr>
         </p:nvSpPr>
         <p:spPr>
@@ -387,11 +400,11 @@
           </a:ln>
         </p:spPr>
         <p:txBody>
-          <a:bodyPr anchorCtr="0" anchor="t" bIns="91425" lIns="91425" spcFirstLastPara="1" rIns="91425" wrap="square" tIns="91425">
+          <a:bodyPr spcFirstLastPara="1" wrap="square" lIns="91425" tIns="91425" rIns="91425" bIns="91425" anchor="t" anchorCtr="0">
             <a:noAutofit/>
           </a:bodyPr>
           <a:lstStyle>
-            <a:lvl1pPr indent="-298450" lvl="0" marL="457200">
+            <a:lvl1pPr marL="457200" lvl="0" indent="-298450">
               <a:spcBef>
                 <a:spcPts val="0"/>
               </a:spcBef>
@@ -402,7 +415,7 @@
               <a:buChar char="●"/>
               <a:defRPr sz="1100"/>
             </a:lvl1pPr>
-            <a:lvl2pPr indent="-298450" lvl="1" marL="914400">
+            <a:lvl2pPr marL="914400" lvl="1" indent="-298450">
               <a:spcBef>
                 <a:spcPts val="0"/>
               </a:spcBef>
@@ -413,7 +426,7 @@
               <a:buChar char="○"/>
               <a:defRPr sz="1100"/>
             </a:lvl2pPr>
-            <a:lvl3pPr indent="-298450" lvl="2" marL="1371600">
+            <a:lvl3pPr marL="1371600" lvl="2" indent="-298450">
               <a:spcBef>
                 <a:spcPts val="0"/>
               </a:spcBef>
@@ -424,7 +437,7 @@
               <a:buChar char="■"/>
               <a:defRPr sz="1100"/>
             </a:lvl3pPr>
-            <a:lvl4pPr indent="-298450" lvl="3" marL="1828800">
+            <a:lvl4pPr marL="1828800" lvl="3" indent="-298450">
               <a:spcBef>
                 <a:spcPts val="0"/>
               </a:spcBef>
@@ -435,7 +448,7 @@
               <a:buChar char="●"/>
               <a:defRPr sz="1100"/>
             </a:lvl4pPr>
-            <a:lvl5pPr indent="-298450" lvl="4" marL="2286000">
+            <a:lvl5pPr marL="2286000" lvl="4" indent="-298450">
               <a:spcBef>
                 <a:spcPts val="0"/>
               </a:spcBef>
@@ -446,7 +459,7 @@
               <a:buChar char="○"/>
               <a:defRPr sz="1100"/>
             </a:lvl5pPr>
-            <a:lvl6pPr indent="-298450" lvl="5" marL="2743200">
+            <a:lvl6pPr marL="2743200" lvl="5" indent="-298450">
               <a:spcBef>
                 <a:spcPts val="0"/>
               </a:spcBef>
@@ -457,7 +470,7 @@
               <a:buChar char="■"/>
               <a:defRPr sz="1100"/>
             </a:lvl6pPr>
-            <a:lvl7pPr indent="-298450" lvl="6" marL="3200400">
+            <a:lvl7pPr marL="3200400" lvl="6" indent="-298450">
               <a:spcBef>
                 <a:spcPts val="0"/>
               </a:spcBef>
@@ -468,7 +481,7 @@
               <a:buChar char="●"/>
               <a:defRPr sz="1100"/>
             </a:lvl7pPr>
-            <a:lvl8pPr indent="-298450" lvl="7" marL="3657600">
+            <a:lvl8pPr marL="3657600" lvl="7" indent="-298450">
               <a:spcBef>
                 <a:spcPts val="0"/>
               </a:spcBef>
@@ -479,7 +492,7 @@
               <a:buChar char="○"/>
               <a:defRPr sz="1100"/>
             </a:lvl8pPr>
-            <a:lvl9pPr indent="-298450" lvl="8" marL="4114800">
+            <a:lvl9pPr marL="4114800" lvl="8" indent="-298450">
               <a:spcBef>
                 <a:spcPts val="0"/>
               </a:spcBef>
@@ -491,14 +504,16 @@
               <a:defRPr sz="1100"/>
             </a:lvl9pPr>
           </a:lstStyle>
-          <a:p/>
+          <a:p>
+            <a:endParaRPr/>
+          </a:p>
         </p:txBody>
       </p:sp>
     </p:spTree>
   </p:cSld>
-  <p:clrMap accent1="accent1" accent2="accent2" accent3="accent3" accent4="accent4" accent5="accent5" accent6="accent6" bg1="lt1" bg2="dk2" tx1="dk1" tx2="lt2" folHlink="folHlink" hlink="hlink"/>
+  <p:clrMap bg1="lt1" tx1="dk1" bg2="dk2" tx2="lt2" accent1="accent1" accent2="accent2" accent3="accent3" accent4="accent4" accent5="accent5" accent6="accent6" hlink="hlink" folHlink="folHlink"/>
   <p:notesStyle>
-    <a:defPPr lvl="0" marR="0" rtl="0" algn="l">
+    <a:defPPr marR="0" lvl="0" algn="l" rtl="0">
       <a:lnSpc>
         <a:spcPct val="100000"/>
       </a:lnSpc>
@@ -509,7 +524,7 @@
         <a:spcPts val="0"/>
       </a:spcAft>
     </a:defPPr>
-    <a:lvl1pPr lvl="0" marR="0" rtl="0" algn="l">
+    <a:lvl1pPr marR="0" lvl="0" algn="l" rtl="0">
       <a:lnSpc>
         <a:spcPct val="100000"/>
       </a:lnSpc>
@@ -523,7 +538,7 @@
         <a:srgbClr val="000000"/>
       </a:buClr>
       <a:buFont typeface="Arial"/>
-      <a:defRPr b="0" i="0" sz="1400" u="none" cap="none" strike="noStrike">
+      <a:defRPr sz="1400" b="0" i="0" u="none" strike="noStrike" cap="none">
         <a:solidFill>
           <a:srgbClr val="000000"/>
         </a:solidFill>
@@ -533,7 +548,7 @@
         <a:sym typeface="Arial"/>
       </a:defRPr>
     </a:lvl1pPr>
-    <a:lvl2pPr lvl="1" marR="0" rtl="0" algn="l">
+    <a:lvl2pPr marR="0" lvl="1" algn="l" rtl="0">
       <a:lnSpc>
         <a:spcPct val="100000"/>
       </a:lnSpc>
@@ -547,7 +562,7 @@
         <a:srgbClr val="000000"/>
       </a:buClr>
       <a:buFont typeface="Arial"/>
-      <a:defRPr b="0" i="0" sz="1400" u="none" cap="none" strike="noStrike">
+      <a:defRPr sz="1400" b="0" i="0" u="none" strike="noStrike" cap="none">
         <a:solidFill>
           <a:srgbClr val="000000"/>
         </a:solidFill>
@@ -557,7 +572,7 @@
         <a:sym typeface="Arial"/>
       </a:defRPr>
     </a:lvl2pPr>
-    <a:lvl3pPr lvl="2" marR="0" rtl="0" algn="l">
+    <a:lvl3pPr marR="0" lvl="2" algn="l" rtl="0">
       <a:lnSpc>
         <a:spcPct val="100000"/>
       </a:lnSpc>
@@ -571,7 +586,7 @@
         <a:srgbClr val="000000"/>
       </a:buClr>
       <a:buFont typeface="Arial"/>
-      <a:defRPr b="0" i="0" sz="1400" u="none" cap="none" strike="noStrike">
+      <a:defRPr sz="1400" b="0" i="0" u="none" strike="noStrike" cap="none">
         <a:solidFill>
           <a:srgbClr val="000000"/>
         </a:solidFill>
@@ -581,7 +596,7 @@
         <a:sym typeface="Arial"/>
       </a:defRPr>
     </a:lvl3pPr>
-    <a:lvl4pPr lvl="3" marR="0" rtl="0" algn="l">
+    <a:lvl4pPr marR="0" lvl="3" algn="l" rtl="0">
       <a:lnSpc>
         <a:spcPct val="100000"/>
       </a:lnSpc>
@@ -595,7 +610,7 @@
         <a:srgbClr val="000000"/>
       </a:buClr>
       <a:buFont typeface="Arial"/>
-      <a:defRPr b="0" i="0" sz="1400" u="none" cap="none" strike="noStrike">
+      <a:defRPr sz="1400" b="0" i="0" u="none" strike="noStrike" cap="none">
         <a:solidFill>
           <a:srgbClr val="000000"/>
         </a:solidFill>
@@ -605,7 +620,7 @@
         <a:sym typeface="Arial"/>
       </a:defRPr>
     </a:lvl4pPr>
-    <a:lvl5pPr lvl="4" marR="0" rtl="0" algn="l">
+    <a:lvl5pPr marR="0" lvl="4" algn="l" rtl="0">
       <a:lnSpc>
         <a:spcPct val="100000"/>
       </a:lnSpc>
@@ -619,7 +634,7 @@
         <a:srgbClr val="000000"/>
       </a:buClr>
       <a:buFont typeface="Arial"/>
-      <a:defRPr b="0" i="0" sz="1400" u="none" cap="none" strike="noStrike">
+      <a:defRPr sz="1400" b="0" i="0" u="none" strike="noStrike" cap="none">
         <a:solidFill>
           <a:srgbClr val="000000"/>
         </a:solidFill>
@@ -629,7 +644,7 @@
         <a:sym typeface="Arial"/>
       </a:defRPr>
     </a:lvl5pPr>
-    <a:lvl6pPr lvl="5" marR="0" rtl="0" algn="l">
+    <a:lvl6pPr marR="0" lvl="5" algn="l" rtl="0">
       <a:lnSpc>
         <a:spcPct val="100000"/>
       </a:lnSpc>
@@ -643,7 +658,7 @@
         <a:srgbClr val="000000"/>
       </a:buClr>
       <a:buFont typeface="Arial"/>
-      <a:defRPr b="0" i="0" sz="1400" u="none" cap="none" strike="noStrike">
+      <a:defRPr sz="1400" b="0" i="0" u="none" strike="noStrike" cap="none">
         <a:solidFill>
           <a:srgbClr val="000000"/>
         </a:solidFill>
@@ -653,7 +668,7 @@
         <a:sym typeface="Arial"/>
       </a:defRPr>
     </a:lvl6pPr>
-    <a:lvl7pPr lvl="6" marR="0" rtl="0" algn="l">
+    <a:lvl7pPr marR="0" lvl="6" algn="l" rtl="0">
       <a:lnSpc>
         <a:spcPct val="100000"/>
       </a:lnSpc>
@@ -667,7 +682,7 @@
         <a:srgbClr val="000000"/>
       </a:buClr>
       <a:buFont typeface="Arial"/>
-      <a:defRPr b="0" i="0" sz="1400" u="none" cap="none" strike="noStrike">
+      <a:defRPr sz="1400" b="0" i="0" u="none" strike="noStrike" cap="none">
         <a:solidFill>
           <a:srgbClr val="000000"/>
         </a:solidFill>
@@ -677,7 +692,7 @@
         <a:sym typeface="Arial"/>
       </a:defRPr>
     </a:lvl7pPr>
-    <a:lvl8pPr lvl="7" marR="0" rtl="0" algn="l">
+    <a:lvl8pPr marR="0" lvl="7" algn="l" rtl="0">
       <a:lnSpc>
         <a:spcPct val="100000"/>
       </a:lnSpc>
@@ -691,7 +706,7 @@
         <a:srgbClr val="000000"/>
       </a:buClr>
       <a:buFont typeface="Arial"/>
-      <a:defRPr b="0" i="0" sz="1400" u="none" cap="none" strike="noStrike">
+      <a:defRPr sz="1400" b="0" i="0" u="none" strike="noStrike" cap="none">
         <a:solidFill>
           <a:srgbClr val="000000"/>
         </a:solidFill>
@@ -701,7 +716,7 @@
         <a:sym typeface="Arial"/>
       </a:defRPr>
     </a:lvl8pPr>
-    <a:lvl9pPr lvl="8" marR="0" rtl="0" algn="l">
+    <a:lvl9pPr marR="0" lvl="8" algn="l" rtl="0">
       <a:lnSpc>
         <a:spcPct val="100000"/>
       </a:lnSpc>
@@ -715,7 +730,7 @@
         <a:srgbClr val="000000"/>
       </a:buClr>
       <a:buFont typeface="Arial"/>
-      <a:defRPr b="0" i="0" sz="1400" u="none" cap="none" strike="noStrike">
+      <a:defRPr sz="1400" b="0" i="0" u="none" strike="noStrike" cap="none">
         <a:solidFill>
           <a:srgbClr val="000000"/>
         </a:solidFill>
@@ -730,11 +745,11 @@
 </file>
 
 <file path=ppt/notesSlides/notesSlide1.xml><?xml version="1.0" encoding="utf-8"?>
-<p:notes xmlns:a="http://schemas.openxmlformats.org/drawingml/2006/main" xmlns:r="http://schemas.openxmlformats.org/officeDocument/2006/relationships" xmlns:mc="http://schemas.openxmlformats.org/markup-compatibility/2006" xmlns:mv="urn:schemas-microsoft-com:mac:vml" xmlns:p="http://schemas.openxmlformats.org/presentationml/2006/main" xmlns:c="http://schemas.openxmlformats.org/drawingml/2006/chart" xmlns:dgm="http://schemas.openxmlformats.org/drawingml/2006/diagram" xmlns:o="urn:schemas-microsoft-com:office:office" xmlns:v="urn:schemas-microsoft-com:vml" xmlns:pvml="urn:schemas-microsoft-com:office:powerpoint" xmlns:com="http://schemas.openxmlformats.org/drawingml/2006/compatibility" xmlns:p14="http://schemas.microsoft.com/office/powerpoint/2010/main" xmlns:p15="http://schemas.microsoft.com/office/powerpoint/2012/main" showMasterPhAnim="0" showMasterSp="0">
+<p:notes xmlns:a="http://schemas.openxmlformats.org/drawingml/2006/main" xmlns:r="http://schemas.openxmlformats.org/officeDocument/2006/relationships" xmlns:p="http://schemas.openxmlformats.org/presentationml/2006/main" showMasterSp="0" showMasterPhAnim="0">
   <p:cSld>
     <p:spTree>
       <p:nvGrpSpPr>
-        <p:cNvPr id="82" name="Shape 82"/>
+        <p:cNvPr id="1" name="Shape 82"/>
         <p:cNvGrpSpPr/>
         <p:nvPr/>
       </p:nvGrpSpPr>
@@ -749,9 +764,11 @@
       <p:sp>
         <p:nvSpPr>
           <p:cNvPr id="83" name="Google Shape;83;p:notes"/>
-          <p:cNvSpPr/>
+          <p:cNvSpPr>
+            <a:spLocks noGrp="1" noRot="1" noChangeAspect="1"/>
+          </p:cNvSpPr>
           <p:nvPr>
-            <p:ph idx="2" type="sldImg"/>
+            <p:ph type="sldImg" idx="2"/>
           </p:nvPr>
         </p:nvSpPr>
         <p:spPr>
@@ -760,9 +777,13 @@
             <a:ext cx="6096075" cy="3429000"/>
           </a:xfrm>
           <a:custGeom>
-            <a:rect b="b" l="l" r="r" t="t"/>
+            <a:avLst/>
+            <a:gdLst/>
+            <a:ahLst/>
+            <a:cxnLst/>
+            <a:rect l="l" t="t" r="r" b="b"/>
             <a:pathLst>
-              <a:path extrusionOk="0" h="120000" w="120000">
+              <a:path w="120000" h="120000" extrusionOk="0">
                 <a:moveTo>
                   <a:pt x="0" y="0"/>
                 </a:moveTo>
@@ -784,9 +805,11 @@
       <p:sp>
         <p:nvSpPr>
           <p:cNvPr id="84" name="Google Shape;84;p:notes"/>
-          <p:cNvSpPr txBox="1"/>
+          <p:cNvSpPr txBox="1">
+            <a:spLocks noGrp="1"/>
+          </p:cNvSpPr>
           <p:nvPr>
-            <p:ph idx="1" type="body"/>
+            <p:ph type="body" idx="1"/>
           </p:nvPr>
         </p:nvSpPr>
         <p:spPr>
@@ -799,12 +822,12 @@
           </a:prstGeom>
         </p:spPr>
         <p:txBody>
-          <a:bodyPr anchorCtr="0" anchor="t" bIns="91425" lIns="91425" spcFirstLastPara="1" rIns="91425" wrap="square" tIns="91425">
+          <a:bodyPr spcFirstLastPara="1" wrap="square" lIns="91425" tIns="91425" rIns="91425" bIns="91425" anchor="t" anchorCtr="0">
             <a:noAutofit/>
           </a:bodyPr>
           <a:lstStyle/>
           <a:p>
-            <a:pPr indent="0" lvl="0" marL="0" rtl="0" algn="l">
+            <a:pPr marL="0" lvl="0" indent="0" algn="l" rtl="0">
               <a:spcBef>
                 <a:spcPts val="0"/>
               </a:spcBef>
@@ -813,9 +836,6 @@
               </a:spcAft>
               <a:buNone/>
             </a:pPr>
-            <a:r>
-              <a:t/>
-            </a:r>
             <a:endParaRPr/>
           </a:p>
         </p:txBody>
@@ -829,11 +849,11 @@
 </file>
 
 <file path=ppt/notesSlides/notesSlide10.xml><?xml version="1.0" encoding="utf-8"?>
-<p:notes xmlns:a="http://schemas.openxmlformats.org/drawingml/2006/main" xmlns:r="http://schemas.openxmlformats.org/officeDocument/2006/relationships" xmlns:mc="http://schemas.openxmlformats.org/markup-compatibility/2006" xmlns:mv="urn:schemas-microsoft-com:mac:vml" xmlns:p="http://schemas.openxmlformats.org/presentationml/2006/main" xmlns:c="http://schemas.openxmlformats.org/drawingml/2006/chart" xmlns:dgm="http://schemas.openxmlformats.org/drawingml/2006/diagram" xmlns:o="urn:schemas-microsoft-com:office:office" xmlns:v="urn:schemas-microsoft-com:vml" xmlns:pvml="urn:schemas-microsoft-com:office:powerpoint" xmlns:com="http://schemas.openxmlformats.org/drawingml/2006/compatibility" xmlns:p14="http://schemas.microsoft.com/office/powerpoint/2010/main" xmlns:p15="http://schemas.microsoft.com/office/powerpoint/2012/main" showMasterPhAnim="0" showMasterSp="0">
+<p:notes xmlns:a="http://schemas.openxmlformats.org/drawingml/2006/main" xmlns:r="http://schemas.openxmlformats.org/officeDocument/2006/relationships" xmlns:p="http://schemas.openxmlformats.org/presentationml/2006/main" showMasterSp="0" showMasterPhAnim="0">
   <p:cSld>
     <p:spTree>
       <p:nvGrpSpPr>
-        <p:cNvPr id="159" name="Shape 159"/>
+        <p:cNvPr id="1" name="Shape 159"/>
         <p:cNvGrpSpPr/>
         <p:nvPr/>
       </p:nvGrpSpPr>
@@ -848,9 +868,11 @@
       <p:sp>
         <p:nvSpPr>
           <p:cNvPr id="160" name="Google Shape;160;g87e0a9af3d_1_104:notes"/>
-          <p:cNvSpPr/>
+          <p:cNvSpPr>
+            <a:spLocks noGrp="1" noRot="1" noChangeAspect="1"/>
+          </p:cNvSpPr>
           <p:nvPr>
-            <p:ph idx="2" type="sldImg"/>
+            <p:ph type="sldImg" idx="2"/>
           </p:nvPr>
         </p:nvSpPr>
         <p:spPr>
@@ -859,9 +881,13 @@
             <a:ext cx="6096000" cy="3429000"/>
           </a:xfrm>
           <a:custGeom>
-            <a:rect b="b" l="l" r="r" t="t"/>
+            <a:avLst/>
+            <a:gdLst/>
+            <a:ahLst/>
+            <a:cxnLst/>
+            <a:rect l="l" t="t" r="r" b="b"/>
             <a:pathLst>
-              <a:path extrusionOk="0" h="120000" w="120000">
+              <a:path w="120000" h="120000" extrusionOk="0">
                 <a:moveTo>
                   <a:pt x="0" y="0"/>
                 </a:moveTo>
@@ -883,9 +909,11 @@
       <p:sp>
         <p:nvSpPr>
           <p:cNvPr id="161" name="Google Shape;161;g87e0a9af3d_1_104:notes"/>
-          <p:cNvSpPr txBox="1"/>
+          <p:cNvSpPr txBox="1">
+            <a:spLocks noGrp="1"/>
+          </p:cNvSpPr>
           <p:nvPr>
-            <p:ph idx="1" type="body"/>
+            <p:ph type="body" idx="1"/>
           </p:nvPr>
         </p:nvSpPr>
         <p:spPr>
@@ -898,12 +926,12 @@
           </a:prstGeom>
         </p:spPr>
         <p:txBody>
-          <a:bodyPr anchorCtr="0" anchor="t" bIns="91425" lIns="91425" spcFirstLastPara="1" rIns="91425" wrap="square" tIns="91425">
+          <a:bodyPr spcFirstLastPara="1" wrap="square" lIns="91425" tIns="91425" rIns="91425" bIns="91425" anchor="t" anchorCtr="0">
             <a:noAutofit/>
           </a:bodyPr>
           <a:lstStyle/>
           <a:p>
-            <a:pPr indent="0" lvl="0" marL="0" rtl="0" algn="l">
+            <a:pPr marL="0" lvl="0" indent="0" algn="l" rtl="0">
               <a:spcBef>
                 <a:spcPts val="0"/>
               </a:spcBef>
@@ -912,9 +940,6 @@
               </a:spcAft>
               <a:buNone/>
             </a:pPr>
-            <a:r>
-              <a:t/>
-            </a:r>
             <a:endParaRPr/>
           </a:p>
         </p:txBody>
@@ -928,11 +953,11 @@
 </file>
 
 <file path=ppt/notesSlides/notesSlide11.xml><?xml version="1.0" encoding="utf-8"?>
-<p:notes xmlns:a="http://schemas.openxmlformats.org/drawingml/2006/main" xmlns:r="http://schemas.openxmlformats.org/officeDocument/2006/relationships" xmlns:mc="http://schemas.openxmlformats.org/markup-compatibility/2006" xmlns:mv="urn:schemas-microsoft-com:mac:vml" xmlns:p="http://schemas.openxmlformats.org/presentationml/2006/main" xmlns:c="http://schemas.openxmlformats.org/drawingml/2006/chart" xmlns:dgm="http://schemas.openxmlformats.org/drawingml/2006/diagram" xmlns:o="urn:schemas-microsoft-com:office:office" xmlns:v="urn:schemas-microsoft-com:vml" xmlns:pvml="urn:schemas-microsoft-com:office:powerpoint" xmlns:com="http://schemas.openxmlformats.org/drawingml/2006/compatibility" xmlns:p14="http://schemas.microsoft.com/office/powerpoint/2010/main" xmlns:p15="http://schemas.microsoft.com/office/powerpoint/2012/main" showMasterPhAnim="0" showMasterSp="0">
+<p:notes xmlns:a="http://schemas.openxmlformats.org/drawingml/2006/main" xmlns:r="http://schemas.openxmlformats.org/officeDocument/2006/relationships" xmlns:p="http://schemas.openxmlformats.org/presentationml/2006/main" showMasterSp="0" showMasterPhAnim="0">
   <p:cSld>
     <p:spTree>
       <p:nvGrpSpPr>
-        <p:cNvPr id="171" name="Shape 171"/>
+        <p:cNvPr id="1" name="Shape 171"/>
         <p:cNvGrpSpPr/>
         <p:nvPr/>
       </p:nvGrpSpPr>
@@ -947,9 +972,11 @@
       <p:sp>
         <p:nvSpPr>
           <p:cNvPr id="172" name="Google Shape;172;g87e0a9af3d_1_136:notes"/>
-          <p:cNvSpPr/>
+          <p:cNvSpPr>
+            <a:spLocks noGrp="1" noRot="1" noChangeAspect="1"/>
+          </p:cNvSpPr>
           <p:nvPr>
-            <p:ph idx="2" type="sldImg"/>
+            <p:ph type="sldImg" idx="2"/>
           </p:nvPr>
         </p:nvSpPr>
         <p:spPr>
@@ -958,9 +985,13 @@
             <a:ext cx="6096000" cy="3429000"/>
           </a:xfrm>
           <a:custGeom>
-            <a:rect b="b" l="l" r="r" t="t"/>
+            <a:avLst/>
+            <a:gdLst/>
+            <a:ahLst/>
+            <a:cxnLst/>
+            <a:rect l="l" t="t" r="r" b="b"/>
             <a:pathLst>
-              <a:path extrusionOk="0" h="120000" w="120000">
+              <a:path w="120000" h="120000" extrusionOk="0">
                 <a:moveTo>
                   <a:pt x="0" y="0"/>
                 </a:moveTo>
@@ -982,9 +1013,11 @@
       <p:sp>
         <p:nvSpPr>
           <p:cNvPr id="173" name="Google Shape;173;g87e0a9af3d_1_136:notes"/>
-          <p:cNvSpPr txBox="1"/>
+          <p:cNvSpPr txBox="1">
+            <a:spLocks noGrp="1"/>
+          </p:cNvSpPr>
           <p:nvPr>
-            <p:ph idx="1" type="body"/>
+            <p:ph type="body" idx="1"/>
           </p:nvPr>
         </p:nvSpPr>
         <p:spPr>
@@ -997,12 +1030,12 @@
           </a:prstGeom>
         </p:spPr>
         <p:txBody>
-          <a:bodyPr anchorCtr="0" anchor="t" bIns="91425" lIns="91425" spcFirstLastPara="1" rIns="91425" wrap="square" tIns="91425">
+          <a:bodyPr spcFirstLastPara="1" wrap="square" lIns="91425" tIns="91425" rIns="91425" bIns="91425" anchor="t" anchorCtr="0">
             <a:noAutofit/>
           </a:bodyPr>
           <a:lstStyle/>
           <a:p>
-            <a:pPr indent="0" lvl="0" marL="0" rtl="0" algn="l">
+            <a:pPr marL="0" lvl="0" indent="0" algn="l" rtl="0">
               <a:spcBef>
                 <a:spcPts val="0"/>
               </a:spcBef>
@@ -1011,9 +1044,6 @@
               </a:spcAft>
               <a:buNone/>
             </a:pPr>
-            <a:r>
-              <a:t/>
-            </a:r>
             <a:endParaRPr/>
           </a:p>
         </p:txBody>
@@ -1027,11 +1057,11 @@
 </file>
 
 <file path=ppt/notesSlides/notesSlide12.xml><?xml version="1.0" encoding="utf-8"?>
-<p:notes xmlns:a="http://schemas.openxmlformats.org/drawingml/2006/main" xmlns:r="http://schemas.openxmlformats.org/officeDocument/2006/relationships" xmlns:mc="http://schemas.openxmlformats.org/markup-compatibility/2006" xmlns:mv="urn:schemas-microsoft-com:mac:vml" xmlns:p="http://schemas.openxmlformats.org/presentationml/2006/main" xmlns:c="http://schemas.openxmlformats.org/drawingml/2006/chart" xmlns:dgm="http://schemas.openxmlformats.org/drawingml/2006/diagram" xmlns:o="urn:schemas-microsoft-com:office:office" xmlns:v="urn:schemas-microsoft-com:vml" xmlns:pvml="urn:schemas-microsoft-com:office:powerpoint" xmlns:com="http://schemas.openxmlformats.org/drawingml/2006/compatibility" xmlns:p14="http://schemas.microsoft.com/office/powerpoint/2010/main" xmlns:p15="http://schemas.microsoft.com/office/powerpoint/2012/main" showMasterPhAnim="0" showMasterSp="0">
+<p:notes xmlns:a="http://schemas.openxmlformats.org/drawingml/2006/main" xmlns:r="http://schemas.openxmlformats.org/officeDocument/2006/relationships" xmlns:p="http://schemas.openxmlformats.org/presentationml/2006/main" showMasterSp="0" showMasterPhAnim="0">
   <p:cSld>
     <p:spTree>
       <p:nvGrpSpPr>
-        <p:cNvPr id="179" name="Shape 179"/>
+        <p:cNvPr id="1" name="Shape 179"/>
         <p:cNvGrpSpPr/>
         <p:nvPr/>
       </p:nvGrpSpPr>
@@ -1046,9 +1076,11 @@
       <p:sp>
         <p:nvSpPr>
           <p:cNvPr id="180" name="Google Shape;180;g87e0a9af3d_1_49:notes"/>
-          <p:cNvSpPr/>
+          <p:cNvSpPr>
+            <a:spLocks noGrp="1" noRot="1" noChangeAspect="1"/>
+          </p:cNvSpPr>
           <p:nvPr>
-            <p:ph idx="2" type="sldImg"/>
+            <p:ph type="sldImg" idx="2"/>
           </p:nvPr>
         </p:nvSpPr>
         <p:spPr>
@@ -1057,9 +1089,13 @@
             <a:ext cx="6096000" cy="3429000"/>
           </a:xfrm>
           <a:custGeom>
-            <a:rect b="b" l="l" r="r" t="t"/>
+            <a:avLst/>
+            <a:gdLst/>
+            <a:ahLst/>
+            <a:cxnLst/>
+            <a:rect l="l" t="t" r="r" b="b"/>
             <a:pathLst>
-              <a:path extrusionOk="0" h="120000" w="120000">
+              <a:path w="120000" h="120000" extrusionOk="0">
                 <a:moveTo>
                   <a:pt x="0" y="0"/>
                 </a:moveTo>
@@ -1081,9 +1117,11 @@
       <p:sp>
         <p:nvSpPr>
           <p:cNvPr id="181" name="Google Shape;181;g87e0a9af3d_1_49:notes"/>
-          <p:cNvSpPr txBox="1"/>
+          <p:cNvSpPr txBox="1">
+            <a:spLocks noGrp="1"/>
+          </p:cNvSpPr>
           <p:nvPr>
-            <p:ph idx="1" type="body"/>
+            <p:ph type="body" idx="1"/>
           </p:nvPr>
         </p:nvSpPr>
         <p:spPr>
@@ -1096,12 +1134,12 @@
           </a:prstGeom>
         </p:spPr>
         <p:txBody>
-          <a:bodyPr anchorCtr="0" anchor="t" bIns="91425" lIns="91425" spcFirstLastPara="1" rIns="91425" wrap="square" tIns="91425">
+          <a:bodyPr spcFirstLastPara="1" wrap="square" lIns="91425" tIns="91425" rIns="91425" bIns="91425" anchor="t" anchorCtr="0">
             <a:noAutofit/>
           </a:bodyPr>
           <a:lstStyle/>
           <a:p>
-            <a:pPr indent="0" lvl="0" marL="0" rtl="0" algn="l">
+            <a:pPr marL="0" lvl="0" indent="0" algn="l" rtl="0">
               <a:spcBef>
                 <a:spcPts val="0"/>
               </a:spcBef>
@@ -1110,9 +1148,6 @@
               </a:spcAft>
               <a:buNone/>
             </a:pPr>
-            <a:r>
-              <a:t/>
-            </a:r>
             <a:endParaRPr/>
           </a:p>
         </p:txBody>
@@ -1126,11 +1161,11 @@
 </file>
 
 <file path=ppt/notesSlides/notesSlide13.xml><?xml version="1.0" encoding="utf-8"?>
-<p:notes xmlns:a="http://schemas.openxmlformats.org/drawingml/2006/main" xmlns:r="http://schemas.openxmlformats.org/officeDocument/2006/relationships" xmlns:mc="http://schemas.openxmlformats.org/markup-compatibility/2006" xmlns:mv="urn:schemas-microsoft-com:mac:vml" xmlns:p="http://schemas.openxmlformats.org/presentationml/2006/main" xmlns:c="http://schemas.openxmlformats.org/drawingml/2006/chart" xmlns:dgm="http://schemas.openxmlformats.org/drawingml/2006/diagram" xmlns:o="urn:schemas-microsoft-com:office:office" xmlns:v="urn:schemas-microsoft-com:vml" xmlns:pvml="urn:schemas-microsoft-com:office:powerpoint" xmlns:com="http://schemas.openxmlformats.org/drawingml/2006/compatibility" xmlns:p14="http://schemas.microsoft.com/office/powerpoint/2010/main" xmlns:p15="http://schemas.microsoft.com/office/powerpoint/2012/main" showMasterPhAnim="0" showMasterSp="0">
+<p:notes xmlns:a="http://schemas.openxmlformats.org/drawingml/2006/main" xmlns:r="http://schemas.openxmlformats.org/officeDocument/2006/relationships" xmlns:p="http://schemas.openxmlformats.org/presentationml/2006/main" showMasterSp="0" showMasterPhAnim="0">
   <p:cSld>
     <p:spTree>
       <p:nvGrpSpPr>
-        <p:cNvPr id="189" name="Shape 189"/>
+        <p:cNvPr id="1" name="Shape 189"/>
         <p:cNvGrpSpPr/>
         <p:nvPr/>
       </p:nvGrpSpPr>
@@ -1145,9 +1180,11 @@
       <p:sp>
         <p:nvSpPr>
           <p:cNvPr id="190" name="Google Shape;190;g880a19c8de_0_0:notes"/>
-          <p:cNvSpPr/>
+          <p:cNvSpPr>
+            <a:spLocks noGrp="1" noRot="1" noChangeAspect="1"/>
+          </p:cNvSpPr>
           <p:nvPr>
-            <p:ph idx="2" type="sldImg"/>
+            <p:ph type="sldImg" idx="2"/>
           </p:nvPr>
         </p:nvSpPr>
         <p:spPr>
@@ -1156,9 +1193,13 @@
             <a:ext cx="6096000" cy="3429000"/>
           </a:xfrm>
           <a:custGeom>
-            <a:rect b="b" l="l" r="r" t="t"/>
+            <a:avLst/>
+            <a:gdLst/>
+            <a:ahLst/>
+            <a:cxnLst/>
+            <a:rect l="l" t="t" r="r" b="b"/>
             <a:pathLst>
-              <a:path extrusionOk="0" h="120000" w="120000">
+              <a:path w="120000" h="120000" extrusionOk="0">
                 <a:moveTo>
                   <a:pt x="0" y="0"/>
                 </a:moveTo>
@@ -1180,9 +1221,11 @@
       <p:sp>
         <p:nvSpPr>
           <p:cNvPr id="191" name="Google Shape;191;g880a19c8de_0_0:notes"/>
-          <p:cNvSpPr txBox="1"/>
+          <p:cNvSpPr txBox="1">
+            <a:spLocks noGrp="1"/>
+          </p:cNvSpPr>
           <p:nvPr>
-            <p:ph idx="1" type="body"/>
+            <p:ph type="body" idx="1"/>
           </p:nvPr>
         </p:nvSpPr>
         <p:spPr>
@@ -1195,12 +1238,12 @@
           </a:prstGeom>
         </p:spPr>
         <p:txBody>
-          <a:bodyPr anchorCtr="0" anchor="t" bIns="91425" lIns="91425" spcFirstLastPara="1" rIns="91425" wrap="square" tIns="91425">
+          <a:bodyPr spcFirstLastPara="1" wrap="square" lIns="91425" tIns="91425" rIns="91425" bIns="91425" anchor="t" anchorCtr="0">
             <a:noAutofit/>
           </a:bodyPr>
           <a:lstStyle/>
           <a:p>
-            <a:pPr indent="0" lvl="0" marL="0" rtl="0" algn="l">
+            <a:pPr marL="0" lvl="0" indent="0" algn="l" rtl="0">
               <a:spcBef>
                 <a:spcPts val="0"/>
               </a:spcBef>
@@ -1209,9 +1252,6 @@
               </a:spcAft>
               <a:buNone/>
             </a:pPr>
-            <a:r>
-              <a:t/>
-            </a:r>
             <a:endParaRPr/>
           </a:p>
         </p:txBody>
@@ -1225,11 +1265,11 @@
 </file>
 
 <file path=ppt/notesSlides/notesSlide14.xml><?xml version="1.0" encoding="utf-8"?>
-<p:notes xmlns:a="http://schemas.openxmlformats.org/drawingml/2006/main" xmlns:r="http://schemas.openxmlformats.org/officeDocument/2006/relationships" xmlns:mc="http://schemas.openxmlformats.org/markup-compatibility/2006" xmlns:mv="urn:schemas-microsoft-com:mac:vml" xmlns:p="http://schemas.openxmlformats.org/presentationml/2006/main" xmlns:c="http://schemas.openxmlformats.org/drawingml/2006/chart" xmlns:dgm="http://schemas.openxmlformats.org/drawingml/2006/diagram" xmlns:o="urn:schemas-microsoft-com:office:office" xmlns:v="urn:schemas-microsoft-com:vml" xmlns:pvml="urn:schemas-microsoft-com:office:powerpoint" xmlns:com="http://schemas.openxmlformats.org/drawingml/2006/compatibility" xmlns:p14="http://schemas.microsoft.com/office/powerpoint/2010/main" xmlns:p15="http://schemas.microsoft.com/office/powerpoint/2012/main" showMasterPhAnim="0" showMasterSp="0">
+<p:notes xmlns:a="http://schemas.openxmlformats.org/drawingml/2006/main" xmlns:r="http://schemas.openxmlformats.org/officeDocument/2006/relationships" xmlns:p="http://schemas.openxmlformats.org/presentationml/2006/main" showMasterSp="0" showMasterPhAnim="0">
   <p:cSld>
     <p:spTree>
       <p:nvGrpSpPr>
-        <p:cNvPr id="195" name="Shape 195"/>
+        <p:cNvPr id="1" name="Shape 195"/>
         <p:cNvGrpSpPr/>
         <p:nvPr/>
       </p:nvGrpSpPr>
@@ -1244,9 +1284,11 @@
       <p:sp>
         <p:nvSpPr>
           <p:cNvPr id="196" name="Google Shape;196;g880a19c8de_1_3:notes"/>
-          <p:cNvSpPr/>
+          <p:cNvSpPr>
+            <a:spLocks noGrp="1" noRot="1" noChangeAspect="1"/>
+          </p:cNvSpPr>
           <p:nvPr>
-            <p:ph idx="2" type="sldImg"/>
+            <p:ph type="sldImg" idx="2"/>
           </p:nvPr>
         </p:nvSpPr>
         <p:spPr>
@@ -1255,9 +1297,13 @@
             <a:ext cx="6096000" cy="3429000"/>
           </a:xfrm>
           <a:custGeom>
-            <a:rect b="b" l="l" r="r" t="t"/>
+            <a:avLst/>
+            <a:gdLst/>
+            <a:ahLst/>
+            <a:cxnLst/>
+            <a:rect l="l" t="t" r="r" b="b"/>
             <a:pathLst>
-              <a:path extrusionOk="0" h="120000" w="120000">
+              <a:path w="120000" h="120000" extrusionOk="0">
                 <a:moveTo>
                   <a:pt x="0" y="0"/>
                 </a:moveTo>
@@ -1279,9 +1325,11 @@
       <p:sp>
         <p:nvSpPr>
           <p:cNvPr id="197" name="Google Shape;197;g880a19c8de_1_3:notes"/>
-          <p:cNvSpPr txBox="1"/>
+          <p:cNvSpPr txBox="1">
+            <a:spLocks noGrp="1"/>
+          </p:cNvSpPr>
           <p:nvPr>
-            <p:ph idx="1" type="body"/>
+            <p:ph type="body" idx="1"/>
           </p:nvPr>
         </p:nvSpPr>
         <p:spPr>
@@ -1294,12 +1342,12 @@
           </a:prstGeom>
         </p:spPr>
         <p:txBody>
-          <a:bodyPr anchorCtr="0" anchor="t" bIns="91425" lIns="91425" spcFirstLastPara="1" rIns="91425" wrap="square" tIns="91425">
+          <a:bodyPr spcFirstLastPara="1" wrap="square" lIns="91425" tIns="91425" rIns="91425" bIns="91425" anchor="t" anchorCtr="0">
             <a:noAutofit/>
           </a:bodyPr>
           <a:lstStyle/>
           <a:p>
-            <a:pPr indent="0" lvl="0" marL="0" rtl="0" algn="l">
+            <a:pPr marL="0" lvl="0" indent="0" algn="l" rtl="0">
               <a:spcBef>
                 <a:spcPts val="0"/>
               </a:spcBef>
@@ -1308,9 +1356,6 @@
               </a:spcAft>
               <a:buNone/>
             </a:pPr>
-            <a:r>
-              <a:t/>
-            </a:r>
             <a:endParaRPr/>
           </a:p>
         </p:txBody>
@@ -1324,11 +1369,11 @@
 </file>
 
 <file path=ppt/notesSlides/notesSlide15.xml><?xml version="1.0" encoding="utf-8"?>
-<p:notes xmlns:a="http://schemas.openxmlformats.org/drawingml/2006/main" xmlns:r="http://schemas.openxmlformats.org/officeDocument/2006/relationships" xmlns:mc="http://schemas.openxmlformats.org/markup-compatibility/2006" xmlns:mv="urn:schemas-microsoft-com:mac:vml" xmlns:p="http://schemas.openxmlformats.org/presentationml/2006/main" xmlns:c="http://schemas.openxmlformats.org/drawingml/2006/chart" xmlns:dgm="http://schemas.openxmlformats.org/drawingml/2006/diagram" xmlns:o="urn:schemas-microsoft-com:office:office" xmlns:v="urn:schemas-microsoft-com:vml" xmlns:pvml="urn:schemas-microsoft-com:office:powerpoint" xmlns:com="http://schemas.openxmlformats.org/drawingml/2006/compatibility" xmlns:p14="http://schemas.microsoft.com/office/powerpoint/2010/main" xmlns:p15="http://schemas.microsoft.com/office/powerpoint/2012/main" showMasterPhAnim="0" showMasterSp="0">
+<p:notes xmlns:a="http://schemas.openxmlformats.org/drawingml/2006/main" xmlns:r="http://schemas.openxmlformats.org/officeDocument/2006/relationships" xmlns:p="http://schemas.openxmlformats.org/presentationml/2006/main" showMasterSp="0" showMasterPhAnim="0">
   <p:cSld>
     <p:spTree>
       <p:nvGrpSpPr>
-        <p:cNvPr id="202" name="Shape 202"/>
+        <p:cNvPr id="1" name="Shape 202"/>
         <p:cNvGrpSpPr/>
         <p:nvPr/>
       </p:nvGrpSpPr>
@@ -1343,9 +1388,11 @@
       <p:sp>
         <p:nvSpPr>
           <p:cNvPr id="203" name="Google Shape;203;g880a19c8de_1_14:notes"/>
-          <p:cNvSpPr/>
+          <p:cNvSpPr>
+            <a:spLocks noGrp="1" noRot="1" noChangeAspect="1"/>
+          </p:cNvSpPr>
           <p:nvPr>
-            <p:ph idx="2" type="sldImg"/>
+            <p:ph type="sldImg" idx="2"/>
           </p:nvPr>
         </p:nvSpPr>
         <p:spPr>
@@ -1354,9 +1401,13 @@
             <a:ext cx="6096000" cy="3429000"/>
           </a:xfrm>
           <a:custGeom>
-            <a:rect b="b" l="l" r="r" t="t"/>
+            <a:avLst/>
+            <a:gdLst/>
+            <a:ahLst/>
+            <a:cxnLst/>
+            <a:rect l="l" t="t" r="r" b="b"/>
             <a:pathLst>
-              <a:path extrusionOk="0" h="120000" w="120000">
+              <a:path w="120000" h="120000" extrusionOk="0">
                 <a:moveTo>
                   <a:pt x="0" y="0"/>
                 </a:moveTo>
@@ -1378,9 +1429,11 @@
       <p:sp>
         <p:nvSpPr>
           <p:cNvPr id="204" name="Google Shape;204;g880a19c8de_1_14:notes"/>
-          <p:cNvSpPr txBox="1"/>
+          <p:cNvSpPr txBox="1">
+            <a:spLocks noGrp="1"/>
+          </p:cNvSpPr>
           <p:nvPr>
-            <p:ph idx="1" type="body"/>
+            <p:ph type="body" idx="1"/>
           </p:nvPr>
         </p:nvSpPr>
         <p:spPr>
@@ -1393,12 +1446,12 @@
           </a:prstGeom>
         </p:spPr>
         <p:txBody>
-          <a:bodyPr anchorCtr="0" anchor="t" bIns="91425" lIns="91425" spcFirstLastPara="1" rIns="91425" wrap="square" tIns="91425">
+          <a:bodyPr spcFirstLastPara="1" wrap="square" lIns="91425" tIns="91425" rIns="91425" bIns="91425" anchor="t" anchorCtr="0">
             <a:noAutofit/>
           </a:bodyPr>
           <a:lstStyle/>
           <a:p>
-            <a:pPr indent="0" lvl="0" marL="0" rtl="0" algn="l">
+            <a:pPr marL="0" lvl="0" indent="0" algn="l" rtl="0">
               <a:spcBef>
                 <a:spcPts val="0"/>
               </a:spcBef>
@@ -1407,9 +1460,6 @@
               </a:spcAft>
               <a:buNone/>
             </a:pPr>
-            <a:r>
-              <a:t/>
-            </a:r>
             <a:endParaRPr/>
           </a:p>
         </p:txBody>
@@ -1423,11 +1473,11 @@
 </file>
 
 <file path=ppt/notesSlides/notesSlide16.xml><?xml version="1.0" encoding="utf-8"?>
-<p:notes xmlns:a="http://schemas.openxmlformats.org/drawingml/2006/main" xmlns:r="http://schemas.openxmlformats.org/officeDocument/2006/relationships" xmlns:mc="http://schemas.openxmlformats.org/markup-compatibility/2006" xmlns:mv="urn:schemas-microsoft-com:mac:vml" xmlns:p="http://schemas.openxmlformats.org/presentationml/2006/main" xmlns:c="http://schemas.openxmlformats.org/drawingml/2006/chart" xmlns:dgm="http://schemas.openxmlformats.org/drawingml/2006/diagram" xmlns:o="urn:schemas-microsoft-com:office:office" xmlns:v="urn:schemas-microsoft-com:vml" xmlns:pvml="urn:schemas-microsoft-com:office:powerpoint" xmlns:com="http://schemas.openxmlformats.org/drawingml/2006/compatibility" xmlns:p14="http://schemas.microsoft.com/office/powerpoint/2010/main" xmlns:p15="http://schemas.microsoft.com/office/powerpoint/2012/main" showMasterPhAnim="0" showMasterSp="0">
+<p:notes xmlns:a="http://schemas.openxmlformats.org/drawingml/2006/main" xmlns:r="http://schemas.openxmlformats.org/officeDocument/2006/relationships" xmlns:p="http://schemas.openxmlformats.org/presentationml/2006/main" showMasterSp="0" showMasterPhAnim="0">
   <p:cSld>
     <p:spTree>
       <p:nvGrpSpPr>
-        <p:cNvPr id="209" name="Shape 209"/>
+        <p:cNvPr id="1" name="Shape 209"/>
         <p:cNvGrpSpPr/>
         <p:nvPr/>
       </p:nvGrpSpPr>
@@ -1442,9 +1492,11 @@
       <p:sp>
         <p:nvSpPr>
           <p:cNvPr id="210" name="Google Shape;210;g880a19c8de_1_24:notes"/>
-          <p:cNvSpPr/>
+          <p:cNvSpPr>
+            <a:spLocks noGrp="1" noRot="1" noChangeAspect="1"/>
+          </p:cNvSpPr>
           <p:nvPr>
-            <p:ph idx="2" type="sldImg"/>
+            <p:ph type="sldImg" idx="2"/>
           </p:nvPr>
         </p:nvSpPr>
         <p:spPr>
@@ -1453,9 +1505,13 @@
             <a:ext cx="6096000" cy="3429000"/>
           </a:xfrm>
           <a:custGeom>
-            <a:rect b="b" l="l" r="r" t="t"/>
+            <a:avLst/>
+            <a:gdLst/>
+            <a:ahLst/>
+            <a:cxnLst/>
+            <a:rect l="l" t="t" r="r" b="b"/>
             <a:pathLst>
-              <a:path extrusionOk="0" h="120000" w="120000">
+              <a:path w="120000" h="120000" extrusionOk="0">
                 <a:moveTo>
                   <a:pt x="0" y="0"/>
                 </a:moveTo>
@@ -1477,9 +1533,11 @@
       <p:sp>
         <p:nvSpPr>
           <p:cNvPr id="211" name="Google Shape;211;g880a19c8de_1_24:notes"/>
-          <p:cNvSpPr txBox="1"/>
+          <p:cNvSpPr txBox="1">
+            <a:spLocks noGrp="1"/>
+          </p:cNvSpPr>
           <p:nvPr>
-            <p:ph idx="1" type="body"/>
+            <p:ph type="body" idx="1"/>
           </p:nvPr>
         </p:nvSpPr>
         <p:spPr>
@@ -1492,12 +1550,12 @@
           </a:prstGeom>
         </p:spPr>
         <p:txBody>
-          <a:bodyPr anchorCtr="0" anchor="t" bIns="91425" lIns="91425" spcFirstLastPara="1" rIns="91425" wrap="square" tIns="91425">
+          <a:bodyPr spcFirstLastPara="1" wrap="square" lIns="91425" tIns="91425" rIns="91425" bIns="91425" anchor="t" anchorCtr="0">
             <a:noAutofit/>
           </a:bodyPr>
           <a:lstStyle/>
           <a:p>
-            <a:pPr indent="0" lvl="0" marL="0" rtl="0" algn="l">
+            <a:pPr marL="0" lvl="0" indent="0" algn="l" rtl="0">
               <a:spcBef>
                 <a:spcPts val="0"/>
               </a:spcBef>
@@ -1506,9 +1564,6 @@
               </a:spcAft>
               <a:buNone/>
             </a:pPr>
-            <a:r>
-              <a:t/>
-            </a:r>
             <a:endParaRPr/>
           </a:p>
         </p:txBody>
@@ -1522,11 +1577,11 @@
 </file>
 
 <file path=ppt/notesSlides/notesSlide17.xml><?xml version="1.0" encoding="utf-8"?>
-<p:notes xmlns:a="http://schemas.openxmlformats.org/drawingml/2006/main" xmlns:r="http://schemas.openxmlformats.org/officeDocument/2006/relationships" xmlns:mc="http://schemas.openxmlformats.org/markup-compatibility/2006" xmlns:mv="urn:schemas-microsoft-com:mac:vml" xmlns:p="http://schemas.openxmlformats.org/presentationml/2006/main" xmlns:c="http://schemas.openxmlformats.org/drawingml/2006/chart" xmlns:dgm="http://schemas.openxmlformats.org/drawingml/2006/diagram" xmlns:o="urn:schemas-microsoft-com:office:office" xmlns:v="urn:schemas-microsoft-com:vml" xmlns:pvml="urn:schemas-microsoft-com:office:powerpoint" xmlns:com="http://schemas.openxmlformats.org/drawingml/2006/compatibility" xmlns:p14="http://schemas.microsoft.com/office/powerpoint/2010/main" xmlns:p15="http://schemas.microsoft.com/office/powerpoint/2012/main" showMasterPhAnim="0" showMasterSp="0">
+<p:notes xmlns:a="http://schemas.openxmlformats.org/drawingml/2006/main" xmlns:r="http://schemas.openxmlformats.org/officeDocument/2006/relationships" xmlns:p="http://schemas.openxmlformats.org/presentationml/2006/main" showMasterSp="0" showMasterPhAnim="0">
   <p:cSld>
     <p:spTree>
       <p:nvGrpSpPr>
-        <p:cNvPr id="216" name="Shape 216"/>
+        <p:cNvPr id="1" name="Shape 216"/>
         <p:cNvGrpSpPr/>
         <p:nvPr/>
       </p:nvGrpSpPr>
@@ -1541,9 +1596,11 @@
       <p:sp>
         <p:nvSpPr>
           <p:cNvPr id="217" name="Google Shape;217;g880a19c8de_0_44:notes"/>
-          <p:cNvSpPr/>
+          <p:cNvSpPr>
+            <a:spLocks noGrp="1" noRot="1" noChangeAspect="1"/>
+          </p:cNvSpPr>
           <p:nvPr>
-            <p:ph idx="2" type="sldImg"/>
+            <p:ph type="sldImg" idx="2"/>
           </p:nvPr>
         </p:nvSpPr>
         <p:spPr>
@@ -1552,9 +1609,13 @@
             <a:ext cx="6096000" cy="3429000"/>
           </a:xfrm>
           <a:custGeom>
-            <a:rect b="b" l="l" r="r" t="t"/>
+            <a:avLst/>
+            <a:gdLst/>
+            <a:ahLst/>
+            <a:cxnLst/>
+            <a:rect l="l" t="t" r="r" b="b"/>
             <a:pathLst>
-              <a:path extrusionOk="0" h="120000" w="120000">
+              <a:path w="120000" h="120000" extrusionOk="0">
                 <a:moveTo>
                   <a:pt x="0" y="0"/>
                 </a:moveTo>
@@ -1576,9 +1637,11 @@
       <p:sp>
         <p:nvSpPr>
           <p:cNvPr id="218" name="Google Shape;218;g880a19c8de_0_44:notes"/>
-          <p:cNvSpPr txBox="1"/>
+          <p:cNvSpPr txBox="1">
+            <a:spLocks noGrp="1"/>
+          </p:cNvSpPr>
           <p:nvPr>
-            <p:ph idx="1" type="body"/>
+            <p:ph type="body" idx="1"/>
           </p:nvPr>
         </p:nvSpPr>
         <p:spPr>
@@ -1591,12 +1654,12 @@
           </a:prstGeom>
         </p:spPr>
         <p:txBody>
-          <a:bodyPr anchorCtr="0" anchor="t" bIns="91425" lIns="91425" spcFirstLastPara="1" rIns="91425" wrap="square" tIns="91425">
+          <a:bodyPr spcFirstLastPara="1" wrap="square" lIns="91425" tIns="91425" rIns="91425" bIns="91425" anchor="t" anchorCtr="0">
             <a:noAutofit/>
           </a:bodyPr>
           <a:lstStyle/>
           <a:p>
-            <a:pPr indent="0" lvl="0" marL="0" rtl="0" algn="l">
+            <a:pPr marL="0" lvl="0" indent="0" algn="l" rtl="0">
               <a:spcBef>
                 <a:spcPts val="0"/>
               </a:spcBef>
@@ -1605,9 +1668,6 @@
               </a:spcAft>
               <a:buNone/>
             </a:pPr>
-            <a:r>
-              <a:t/>
-            </a:r>
             <a:endParaRPr/>
           </a:p>
         </p:txBody>
@@ -1621,11 +1681,11 @@
 </file>
 
 <file path=ppt/notesSlides/notesSlide18.xml><?xml version="1.0" encoding="utf-8"?>
-<p:notes xmlns:a="http://schemas.openxmlformats.org/drawingml/2006/main" xmlns:r="http://schemas.openxmlformats.org/officeDocument/2006/relationships" xmlns:mc="http://schemas.openxmlformats.org/markup-compatibility/2006" xmlns:mv="urn:schemas-microsoft-com:mac:vml" xmlns:p="http://schemas.openxmlformats.org/presentationml/2006/main" xmlns:c="http://schemas.openxmlformats.org/drawingml/2006/chart" xmlns:dgm="http://schemas.openxmlformats.org/drawingml/2006/diagram" xmlns:o="urn:schemas-microsoft-com:office:office" xmlns:v="urn:schemas-microsoft-com:vml" xmlns:pvml="urn:schemas-microsoft-com:office:powerpoint" xmlns:com="http://schemas.openxmlformats.org/drawingml/2006/compatibility" xmlns:p14="http://schemas.microsoft.com/office/powerpoint/2010/main" xmlns:p15="http://schemas.microsoft.com/office/powerpoint/2012/main" showMasterPhAnim="0" showMasterSp="0">
+<p:notes xmlns:a="http://schemas.openxmlformats.org/drawingml/2006/main" xmlns:r="http://schemas.openxmlformats.org/officeDocument/2006/relationships" xmlns:p="http://schemas.openxmlformats.org/presentationml/2006/main" showMasterSp="0" showMasterPhAnim="0">
   <p:cSld>
     <p:spTree>
       <p:nvGrpSpPr>
-        <p:cNvPr id="222" name="Shape 222"/>
+        <p:cNvPr id="1" name="Shape 222"/>
         <p:cNvGrpSpPr/>
         <p:nvPr/>
       </p:nvGrpSpPr>
@@ -1640,9 +1700,11 @@
       <p:sp>
         <p:nvSpPr>
           <p:cNvPr id="223" name="Google Shape;223;g880a19c8de_0_35:notes"/>
-          <p:cNvSpPr/>
+          <p:cNvSpPr>
+            <a:spLocks noGrp="1" noRot="1" noChangeAspect="1"/>
+          </p:cNvSpPr>
           <p:nvPr>
-            <p:ph idx="2" type="sldImg"/>
+            <p:ph type="sldImg" idx="2"/>
           </p:nvPr>
         </p:nvSpPr>
         <p:spPr>
@@ -1651,9 +1713,13 @@
             <a:ext cx="6096000" cy="3429000"/>
           </a:xfrm>
           <a:custGeom>
-            <a:rect b="b" l="l" r="r" t="t"/>
+            <a:avLst/>
+            <a:gdLst/>
+            <a:ahLst/>
+            <a:cxnLst/>
+            <a:rect l="l" t="t" r="r" b="b"/>
             <a:pathLst>
-              <a:path extrusionOk="0" h="120000" w="120000">
+              <a:path w="120000" h="120000" extrusionOk="0">
                 <a:moveTo>
                   <a:pt x="0" y="0"/>
                 </a:moveTo>
@@ -1675,9 +1741,11 @@
       <p:sp>
         <p:nvSpPr>
           <p:cNvPr id="224" name="Google Shape;224;g880a19c8de_0_35:notes"/>
-          <p:cNvSpPr txBox="1"/>
+          <p:cNvSpPr txBox="1">
+            <a:spLocks noGrp="1"/>
+          </p:cNvSpPr>
           <p:nvPr>
-            <p:ph idx="1" type="body"/>
+            <p:ph type="body" idx="1"/>
           </p:nvPr>
         </p:nvSpPr>
         <p:spPr>
@@ -1690,12 +1758,12 @@
           </a:prstGeom>
         </p:spPr>
         <p:txBody>
-          <a:bodyPr anchorCtr="0" anchor="t" bIns="91425" lIns="91425" spcFirstLastPara="1" rIns="91425" wrap="square" tIns="91425">
+          <a:bodyPr spcFirstLastPara="1" wrap="square" lIns="91425" tIns="91425" rIns="91425" bIns="91425" anchor="t" anchorCtr="0">
             <a:noAutofit/>
           </a:bodyPr>
           <a:lstStyle/>
           <a:p>
-            <a:pPr indent="0" lvl="0" marL="0" rtl="0" algn="l">
+            <a:pPr marL="0" lvl="0" indent="0" algn="l" rtl="0">
               <a:spcBef>
                 <a:spcPts val="0"/>
               </a:spcBef>
@@ -1704,9 +1772,6 @@
               </a:spcAft>
               <a:buNone/>
             </a:pPr>
-            <a:r>
-              <a:t/>
-            </a:r>
             <a:endParaRPr/>
           </a:p>
         </p:txBody>
@@ -1720,11 +1785,11 @@
 </file>
 
 <file path=ppt/notesSlides/notesSlide19.xml><?xml version="1.0" encoding="utf-8"?>
-<p:notes xmlns:a="http://schemas.openxmlformats.org/drawingml/2006/main" xmlns:r="http://schemas.openxmlformats.org/officeDocument/2006/relationships" xmlns:mc="http://schemas.openxmlformats.org/markup-compatibility/2006" xmlns:mv="urn:schemas-microsoft-com:mac:vml" xmlns:p="http://schemas.openxmlformats.org/presentationml/2006/main" xmlns:c="http://schemas.openxmlformats.org/drawingml/2006/chart" xmlns:dgm="http://schemas.openxmlformats.org/drawingml/2006/diagram" xmlns:o="urn:schemas-microsoft-com:office:office" xmlns:v="urn:schemas-microsoft-com:vml" xmlns:pvml="urn:schemas-microsoft-com:office:powerpoint" xmlns:com="http://schemas.openxmlformats.org/drawingml/2006/compatibility" xmlns:p14="http://schemas.microsoft.com/office/powerpoint/2010/main" xmlns:p15="http://schemas.microsoft.com/office/powerpoint/2012/main" showMasterPhAnim="0" showMasterSp="0">
+<p:notes xmlns:a="http://schemas.openxmlformats.org/drawingml/2006/main" xmlns:r="http://schemas.openxmlformats.org/officeDocument/2006/relationships" xmlns:p="http://schemas.openxmlformats.org/presentationml/2006/main" showMasterSp="0" showMasterPhAnim="0">
   <p:cSld>
     <p:spTree>
       <p:nvGrpSpPr>
-        <p:cNvPr id="228" name="Shape 228"/>
+        <p:cNvPr id="1" name="Shape 228"/>
         <p:cNvGrpSpPr/>
         <p:nvPr/>
       </p:nvGrpSpPr>
@@ -1739,9 +1804,11 @@
       <p:sp>
         <p:nvSpPr>
           <p:cNvPr id="229" name="Google Shape;229;g87e0a9af3d_1_178:notes"/>
-          <p:cNvSpPr/>
+          <p:cNvSpPr>
+            <a:spLocks noGrp="1" noRot="1" noChangeAspect="1"/>
+          </p:cNvSpPr>
           <p:nvPr>
-            <p:ph idx="2" type="sldImg"/>
+            <p:ph type="sldImg" idx="2"/>
           </p:nvPr>
         </p:nvSpPr>
         <p:spPr>
@@ -1750,9 +1817,13 @@
             <a:ext cx="6096000" cy="3429000"/>
           </a:xfrm>
           <a:custGeom>
-            <a:rect b="b" l="l" r="r" t="t"/>
+            <a:avLst/>
+            <a:gdLst/>
+            <a:ahLst/>
+            <a:cxnLst/>
+            <a:rect l="l" t="t" r="r" b="b"/>
             <a:pathLst>
-              <a:path extrusionOk="0" h="120000" w="120000">
+              <a:path w="120000" h="120000" extrusionOk="0">
                 <a:moveTo>
                   <a:pt x="0" y="0"/>
                 </a:moveTo>
@@ -1774,9 +1845,11 @@
       <p:sp>
         <p:nvSpPr>
           <p:cNvPr id="230" name="Google Shape;230;g87e0a9af3d_1_178:notes"/>
-          <p:cNvSpPr txBox="1"/>
+          <p:cNvSpPr txBox="1">
+            <a:spLocks noGrp="1"/>
+          </p:cNvSpPr>
           <p:nvPr>
-            <p:ph idx="1" type="body"/>
+            <p:ph type="body" idx="1"/>
           </p:nvPr>
         </p:nvSpPr>
         <p:spPr>
@@ -1789,12 +1862,12 @@
           </a:prstGeom>
         </p:spPr>
         <p:txBody>
-          <a:bodyPr anchorCtr="0" anchor="t" bIns="91425" lIns="91425" spcFirstLastPara="1" rIns="91425" wrap="square" tIns="91425">
+          <a:bodyPr spcFirstLastPara="1" wrap="square" lIns="91425" tIns="91425" rIns="91425" bIns="91425" anchor="t" anchorCtr="0">
             <a:noAutofit/>
           </a:bodyPr>
           <a:lstStyle/>
           <a:p>
-            <a:pPr indent="0" lvl="0" marL="0" rtl="0" algn="l">
+            <a:pPr marL="0" lvl="0" indent="0" algn="l" rtl="0">
               <a:spcBef>
                 <a:spcPts val="0"/>
               </a:spcBef>
@@ -1803,9 +1876,6 @@
               </a:spcAft>
               <a:buNone/>
             </a:pPr>
-            <a:r>
-              <a:t/>
-            </a:r>
             <a:endParaRPr/>
           </a:p>
         </p:txBody>
@@ -1819,11 +1889,11 @@
 </file>
 
 <file path=ppt/notesSlides/notesSlide2.xml><?xml version="1.0" encoding="utf-8"?>
-<p:notes xmlns:a="http://schemas.openxmlformats.org/drawingml/2006/main" xmlns:r="http://schemas.openxmlformats.org/officeDocument/2006/relationships" xmlns:mc="http://schemas.openxmlformats.org/markup-compatibility/2006" xmlns:mv="urn:schemas-microsoft-com:mac:vml" xmlns:p="http://schemas.openxmlformats.org/presentationml/2006/main" xmlns:c="http://schemas.openxmlformats.org/drawingml/2006/chart" xmlns:dgm="http://schemas.openxmlformats.org/drawingml/2006/diagram" xmlns:o="urn:schemas-microsoft-com:office:office" xmlns:v="urn:schemas-microsoft-com:vml" xmlns:pvml="urn:schemas-microsoft-com:office:powerpoint" xmlns:com="http://schemas.openxmlformats.org/drawingml/2006/compatibility" xmlns:p14="http://schemas.microsoft.com/office/powerpoint/2010/main" xmlns:p15="http://schemas.microsoft.com/office/powerpoint/2012/main" showMasterPhAnim="0" showMasterSp="0">
+<p:notes xmlns:a="http://schemas.openxmlformats.org/drawingml/2006/main" xmlns:r="http://schemas.openxmlformats.org/officeDocument/2006/relationships" xmlns:p="http://schemas.openxmlformats.org/presentationml/2006/main" showMasterSp="0" showMasterPhAnim="0">
   <p:cSld>
     <p:spTree>
       <p:nvGrpSpPr>
-        <p:cNvPr id="90" name="Shape 90"/>
+        <p:cNvPr id="1" name="Shape 90"/>
         <p:cNvGrpSpPr/>
         <p:nvPr/>
       </p:nvGrpSpPr>
@@ -1838,9 +1908,11 @@
       <p:sp>
         <p:nvSpPr>
           <p:cNvPr id="91" name="Google Shape;91;g87e0a9af3d_0_82:notes"/>
-          <p:cNvSpPr/>
+          <p:cNvSpPr>
+            <a:spLocks noGrp="1" noRot="1" noChangeAspect="1"/>
+          </p:cNvSpPr>
           <p:nvPr>
-            <p:ph idx="2" type="sldImg"/>
+            <p:ph type="sldImg" idx="2"/>
           </p:nvPr>
         </p:nvSpPr>
         <p:spPr>
@@ -1849,9 +1921,13 @@
             <a:ext cx="6096000" cy="3429000"/>
           </a:xfrm>
           <a:custGeom>
-            <a:rect b="b" l="l" r="r" t="t"/>
+            <a:avLst/>
+            <a:gdLst/>
+            <a:ahLst/>
+            <a:cxnLst/>
+            <a:rect l="l" t="t" r="r" b="b"/>
             <a:pathLst>
-              <a:path extrusionOk="0" h="120000" w="120000">
+              <a:path w="120000" h="120000" extrusionOk="0">
                 <a:moveTo>
                   <a:pt x="0" y="0"/>
                 </a:moveTo>
@@ -1873,9 +1949,11 @@
       <p:sp>
         <p:nvSpPr>
           <p:cNvPr id="92" name="Google Shape;92;g87e0a9af3d_0_82:notes"/>
-          <p:cNvSpPr txBox="1"/>
+          <p:cNvSpPr txBox="1">
+            <a:spLocks noGrp="1"/>
+          </p:cNvSpPr>
           <p:nvPr>
-            <p:ph idx="1" type="body"/>
+            <p:ph type="body" idx="1"/>
           </p:nvPr>
         </p:nvSpPr>
         <p:spPr>
@@ -1888,12 +1966,12 @@
           </a:prstGeom>
         </p:spPr>
         <p:txBody>
-          <a:bodyPr anchorCtr="0" anchor="t" bIns="91425" lIns="91425" spcFirstLastPara="1" rIns="91425" wrap="square" tIns="91425">
+          <a:bodyPr spcFirstLastPara="1" wrap="square" lIns="91425" tIns="91425" rIns="91425" bIns="91425" anchor="t" anchorCtr="0">
             <a:noAutofit/>
           </a:bodyPr>
           <a:lstStyle/>
           <a:p>
-            <a:pPr indent="0" lvl="0" marL="0" rtl="0" algn="l">
+            <a:pPr marL="0" lvl="0" indent="0" algn="l" rtl="0">
               <a:spcBef>
                 <a:spcPts val="0"/>
               </a:spcBef>
@@ -1902,9 +1980,6 @@
               </a:spcAft>
               <a:buNone/>
             </a:pPr>
-            <a:r>
-              <a:t/>
-            </a:r>
             <a:endParaRPr/>
           </a:p>
         </p:txBody>
@@ -1918,11 +1993,11 @@
 </file>
 
 <file path=ppt/notesSlides/notesSlide20.xml><?xml version="1.0" encoding="utf-8"?>
-<p:notes xmlns:a="http://schemas.openxmlformats.org/drawingml/2006/main" xmlns:r="http://schemas.openxmlformats.org/officeDocument/2006/relationships" xmlns:mc="http://schemas.openxmlformats.org/markup-compatibility/2006" xmlns:mv="urn:schemas-microsoft-com:mac:vml" xmlns:p="http://schemas.openxmlformats.org/presentationml/2006/main" xmlns:c="http://schemas.openxmlformats.org/drawingml/2006/chart" xmlns:dgm="http://schemas.openxmlformats.org/drawingml/2006/diagram" xmlns:o="urn:schemas-microsoft-com:office:office" xmlns:v="urn:schemas-microsoft-com:vml" xmlns:pvml="urn:schemas-microsoft-com:office:powerpoint" xmlns:com="http://schemas.openxmlformats.org/drawingml/2006/compatibility" xmlns:p14="http://schemas.microsoft.com/office/powerpoint/2010/main" xmlns:p15="http://schemas.microsoft.com/office/powerpoint/2012/main" showMasterPhAnim="0" showMasterSp="0">
+<p:notes xmlns:a="http://schemas.openxmlformats.org/drawingml/2006/main" xmlns:r="http://schemas.openxmlformats.org/officeDocument/2006/relationships" xmlns:p="http://schemas.openxmlformats.org/presentationml/2006/main" showMasterSp="0" showMasterPhAnim="0">
   <p:cSld>
     <p:spTree>
       <p:nvGrpSpPr>
-        <p:cNvPr id="237" name="Shape 237"/>
+        <p:cNvPr id="1" name="Shape 237"/>
         <p:cNvGrpSpPr/>
         <p:nvPr/>
       </p:nvGrpSpPr>
@@ -1937,9 +2012,11 @@
       <p:sp>
         <p:nvSpPr>
           <p:cNvPr id="238" name="Google Shape;238;g880a19c8de_0_15:notes"/>
-          <p:cNvSpPr/>
+          <p:cNvSpPr>
+            <a:spLocks noGrp="1" noRot="1" noChangeAspect="1"/>
+          </p:cNvSpPr>
           <p:nvPr>
-            <p:ph idx="2" type="sldImg"/>
+            <p:ph type="sldImg" idx="2"/>
           </p:nvPr>
         </p:nvSpPr>
         <p:spPr>
@@ -1948,9 +2025,13 @@
             <a:ext cx="6096000" cy="3429000"/>
           </a:xfrm>
           <a:custGeom>
-            <a:rect b="b" l="l" r="r" t="t"/>
+            <a:avLst/>
+            <a:gdLst/>
+            <a:ahLst/>
+            <a:cxnLst/>
+            <a:rect l="l" t="t" r="r" b="b"/>
             <a:pathLst>
-              <a:path extrusionOk="0" h="120000" w="120000">
+              <a:path w="120000" h="120000" extrusionOk="0">
                 <a:moveTo>
                   <a:pt x="0" y="0"/>
                 </a:moveTo>
@@ -1972,9 +2053,11 @@
       <p:sp>
         <p:nvSpPr>
           <p:cNvPr id="239" name="Google Shape;239;g880a19c8de_0_15:notes"/>
-          <p:cNvSpPr txBox="1"/>
+          <p:cNvSpPr txBox="1">
+            <a:spLocks noGrp="1"/>
+          </p:cNvSpPr>
           <p:nvPr>
-            <p:ph idx="1" type="body"/>
+            <p:ph type="body" idx="1"/>
           </p:nvPr>
         </p:nvSpPr>
         <p:spPr>
@@ -1987,12 +2070,12 @@
           </a:prstGeom>
         </p:spPr>
         <p:txBody>
-          <a:bodyPr anchorCtr="0" anchor="t" bIns="91425" lIns="91425" spcFirstLastPara="1" rIns="91425" wrap="square" tIns="91425">
+          <a:bodyPr spcFirstLastPara="1" wrap="square" lIns="91425" tIns="91425" rIns="91425" bIns="91425" anchor="t" anchorCtr="0">
             <a:noAutofit/>
           </a:bodyPr>
           <a:lstStyle/>
           <a:p>
-            <a:pPr indent="0" lvl="0" marL="0" rtl="0" algn="l">
+            <a:pPr marL="0" lvl="0" indent="0" algn="l" rtl="0">
               <a:spcBef>
                 <a:spcPts val="0"/>
               </a:spcBef>
@@ -2001,9 +2084,6 @@
               </a:spcAft>
               <a:buNone/>
             </a:pPr>
-            <a:r>
-              <a:t/>
-            </a:r>
             <a:endParaRPr/>
           </a:p>
         </p:txBody>
@@ -2017,11 +2097,11 @@
 </file>
 
 <file path=ppt/notesSlides/notesSlide21.xml><?xml version="1.0" encoding="utf-8"?>
-<p:notes xmlns:a="http://schemas.openxmlformats.org/drawingml/2006/main" xmlns:r="http://schemas.openxmlformats.org/officeDocument/2006/relationships" xmlns:mc="http://schemas.openxmlformats.org/markup-compatibility/2006" xmlns:mv="urn:schemas-microsoft-com:mac:vml" xmlns:p="http://schemas.openxmlformats.org/presentationml/2006/main" xmlns:c="http://schemas.openxmlformats.org/drawingml/2006/chart" xmlns:dgm="http://schemas.openxmlformats.org/drawingml/2006/diagram" xmlns:o="urn:schemas-microsoft-com:office:office" xmlns:v="urn:schemas-microsoft-com:vml" xmlns:pvml="urn:schemas-microsoft-com:office:powerpoint" xmlns:com="http://schemas.openxmlformats.org/drawingml/2006/compatibility" xmlns:p14="http://schemas.microsoft.com/office/powerpoint/2010/main" xmlns:p15="http://schemas.microsoft.com/office/powerpoint/2012/main" showMasterPhAnim="0" showMasterSp="0">
+<p:notes xmlns:a="http://schemas.openxmlformats.org/drawingml/2006/main" xmlns:r="http://schemas.openxmlformats.org/officeDocument/2006/relationships" xmlns:p="http://schemas.openxmlformats.org/presentationml/2006/main" showMasterSp="0" showMasterPhAnim="0">
   <p:cSld>
     <p:spTree>
       <p:nvGrpSpPr>
-        <p:cNvPr id="247" name="Shape 247"/>
+        <p:cNvPr id="1" name="Shape 247"/>
         <p:cNvGrpSpPr/>
         <p:nvPr/>
       </p:nvGrpSpPr>
@@ -2036,9 +2116,11 @@
       <p:sp>
         <p:nvSpPr>
           <p:cNvPr id="248" name="Google Shape;248;g87e0a9af3d_1_148:notes"/>
-          <p:cNvSpPr/>
+          <p:cNvSpPr>
+            <a:spLocks noGrp="1" noRot="1" noChangeAspect="1"/>
+          </p:cNvSpPr>
           <p:nvPr>
-            <p:ph idx="2" type="sldImg"/>
+            <p:ph type="sldImg" idx="2"/>
           </p:nvPr>
         </p:nvSpPr>
         <p:spPr>
@@ -2047,9 +2129,13 @@
             <a:ext cx="6096000" cy="3429000"/>
           </a:xfrm>
           <a:custGeom>
-            <a:rect b="b" l="l" r="r" t="t"/>
+            <a:avLst/>
+            <a:gdLst/>
+            <a:ahLst/>
+            <a:cxnLst/>
+            <a:rect l="l" t="t" r="r" b="b"/>
             <a:pathLst>
-              <a:path extrusionOk="0" h="120000" w="120000">
+              <a:path w="120000" h="120000" extrusionOk="0">
                 <a:moveTo>
                   <a:pt x="0" y="0"/>
                 </a:moveTo>
@@ -2071,9 +2157,11 @@
       <p:sp>
         <p:nvSpPr>
           <p:cNvPr id="249" name="Google Shape;249;g87e0a9af3d_1_148:notes"/>
-          <p:cNvSpPr txBox="1"/>
+          <p:cNvSpPr txBox="1">
+            <a:spLocks noGrp="1"/>
+          </p:cNvSpPr>
           <p:nvPr>
-            <p:ph idx="1" type="body"/>
+            <p:ph type="body" idx="1"/>
           </p:nvPr>
         </p:nvSpPr>
         <p:spPr>
@@ -2086,12 +2174,12 @@
           </a:prstGeom>
         </p:spPr>
         <p:txBody>
-          <a:bodyPr anchorCtr="0" anchor="t" bIns="91425" lIns="91425" spcFirstLastPara="1" rIns="91425" wrap="square" tIns="91425">
+          <a:bodyPr spcFirstLastPara="1" wrap="square" lIns="91425" tIns="91425" rIns="91425" bIns="91425" anchor="t" anchorCtr="0">
             <a:noAutofit/>
           </a:bodyPr>
           <a:lstStyle/>
           <a:p>
-            <a:pPr indent="0" lvl="0" marL="0" rtl="0" algn="l">
+            <a:pPr marL="0" lvl="0" indent="0" algn="l" rtl="0">
               <a:spcBef>
                 <a:spcPts val="0"/>
               </a:spcBef>
@@ -2100,9 +2188,6 @@
               </a:spcAft>
               <a:buNone/>
             </a:pPr>
-            <a:r>
-              <a:t/>
-            </a:r>
             <a:endParaRPr/>
           </a:p>
         </p:txBody>
@@ -2116,11 +2201,11 @@
 </file>
 
 <file path=ppt/notesSlides/notesSlide3.xml><?xml version="1.0" encoding="utf-8"?>
-<p:notes xmlns:a="http://schemas.openxmlformats.org/drawingml/2006/main" xmlns:r="http://schemas.openxmlformats.org/officeDocument/2006/relationships" xmlns:mc="http://schemas.openxmlformats.org/markup-compatibility/2006" xmlns:mv="urn:schemas-microsoft-com:mac:vml" xmlns:p="http://schemas.openxmlformats.org/presentationml/2006/main" xmlns:c="http://schemas.openxmlformats.org/drawingml/2006/chart" xmlns:dgm="http://schemas.openxmlformats.org/drawingml/2006/diagram" xmlns:o="urn:schemas-microsoft-com:office:office" xmlns:v="urn:schemas-microsoft-com:vml" xmlns:pvml="urn:schemas-microsoft-com:office:powerpoint" xmlns:com="http://schemas.openxmlformats.org/drawingml/2006/compatibility" xmlns:p14="http://schemas.microsoft.com/office/powerpoint/2010/main" xmlns:p15="http://schemas.microsoft.com/office/powerpoint/2012/main" showMasterPhAnim="0" showMasterSp="0">
+<p:notes xmlns:a="http://schemas.openxmlformats.org/drawingml/2006/main" xmlns:r="http://schemas.openxmlformats.org/officeDocument/2006/relationships" xmlns:p="http://schemas.openxmlformats.org/presentationml/2006/main" showMasterSp="0" showMasterPhAnim="0">
   <p:cSld>
     <p:spTree>
       <p:nvGrpSpPr>
-        <p:cNvPr id="97" name="Shape 97"/>
+        <p:cNvPr id="1" name="Shape 97"/>
         <p:cNvGrpSpPr/>
         <p:nvPr/>
       </p:nvGrpSpPr>
@@ -2135,9 +2220,11 @@
       <p:sp>
         <p:nvSpPr>
           <p:cNvPr id="98" name="Google Shape;98;g87e0a9af3d_0_90:notes"/>
-          <p:cNvSpPr/>
+          <p:cNvSpPr>
+            <a:spLocks noGrp="1" noRot="1" noChangeAspect="1"/>
+          </p:cNvSpPr>
           <p:nvPr>
-            <p:ph idx="2" type="sldImg"/>
+            <p:ph type="sldImg" idx="2"/>
           </p:nvPr>
         </p:nvSpPr>
         <p:spPr>
@@ -2146,9 +2233,13 @@
             <a:ext cx="6096000" cy="3429000"/>
           </a:xfrm>
           <a:custGeom>
-            <a:rect b="b" l="l" r="r" t="t"/>
+            <a:avLst/>
+            <a:gdLst/>
+            <a:ahLst/>
+            <a:cxnLst/>
+            <a:rect l="l" t="t" r="r" b="b"/>
             <a:pathLst>
-              <a:path extrusionOk="0" h="120000" w="120000">
+              <a:path w="120000" h="120000" extrusionOk="0">
                 <a:moveTo>
                   <a:pt x="0" y="0"/>
                 </a:moveTo>
@@ -2170,9 +2261,11 @@
       <p:sp>
         <p:nvSpPr>
           <p:cNvPr id="99" name="Google Shape;99;g87e0a9af3d_0_90:notes"/>
-          <p:cNvSpPr txBox="1"/>
+          <p:cNvSpPr txBox="1">
+            <a:spLocks noGrp="1"/>
+          </p:cNvSpPr>
           <p:nvPr>
-            <p:ph idx="1" type="body"/>
+            <p:ph type="body" idx="1"/>
           </p:nvPr>
         </p:nvSpPr>
         <p:spPr>
@@ -2185,12 +2278,12 @@
           </a:prstGeom>
         </p:spPr>
         <p:txBody>
-          <a:bodyPr anchorCtr="0" anchor="t" bIns="91425" lIns="91425" spcFirstLastPara="1" rIns="91425" wrap="square" tIns="91425">
+          <a:bodyPr spcFirstLastPara="1" wrap="square" lIns="91425" tIns="91425" rIns="91425" bIns="91425" anchor="t" anchorCtr="0">
             <a:noAutofit/>
           </a:bodyPr>
           <a:lstStyle/>
           <a:p>
-            <a:pPr indent="0" lvl="0" marL="0" rtl="0" algn="l">
+            <a:pPr marL="0" lvl="0" indent="0" algn="l" rtl="0">
               <a:spcBef>
                 <a:spcPts val="0"/>
               </a:spcBef>
@@ -2199,9 +2292,6 @@
               </a:spcAft>
               <a:buNone/>
             </a:pPr>
-            <a:r>
-              <a:t/>
-            </a:r>
             <a:endParaRPr/>
           </a:p>
         </p:txBody>
@@ -2215,11 +2305,11 @@
 </file>
 
 <file path=ppt/notesSlides/notesSlide4.xml><?xml version="1.0" encoding="utf-8"?>
-<p:notes xmlns:a="http://schemas.openxmlformats.org/drawingml/2006/main" xmlns:r="http://schemas.openxmlformats.org/officeDocument/2006/relationships" xmlns:mc="http://schemas.openxmlformats.org/markup-compatibility/2006" xmlns:mv="urn:schemas-microsoft-com:mac:vml" xmlns:p="http://schemas.openxmlformats.org/presentationml/2006/main" xmlns:c="http://schemas.openxmlformats.org/drawingml/2006/chart" xmlns:dgm="http://schemas.openxmlformats.org/drawingml/2006/diagram" xmlns:o="urn:schemas-microsoft-com:office:office" xmlns:v="urn:schemas-microsoft-com:vml" xmlns:pvml="urn:schemas-microsoft-com:office:powerpoint" xmlns:com="http://schemas.openxmlformats.org/drawingml/2006/compatibility" xmlns:p14="http://schemas.microsoft.com/office/powerpoint/2010/main" xmlns:p15="http://schemas.microsoft.com/office/powerpoint/2012/main" showMasterPhAnim="0" showMasterSp="0">
+<p:notes xmlns:a="http://schemas.openxmlformats.org/drawingml/2006/main" xmlns:r="http://schemas.openxmlformats.org/officeDocument/2006/relationships" xmlns:p="http://schemas.openxmlformats.org/presentationml/2006/main" showMasterSp="0" showMasterPhAnim="0">
   <p:cSld>
     <p:spTree>
       <p:nvGrpSpPr>
-        <p:cNvPr id="106" name="Shape 106"/>
+        <p:cNvPr id="1" name="Shape 106"/>
         <p:cNvGrpSpPr/>
         <p:nvPr/>
       </p:nvGrpSpPr>
@@ -2234,9 +2324,11 @@
       <p:sp>
         <p:nvSpPr>
           <p:cNvPr id="107" name="Google Shape;107;g87e0a9af3d_1_4:notes"/>
-          <p:cNvSpPr/>
+          <p:cNvSpPr>
+            <a:spLocks noGrp="1" noRot="1" noChangeAspect="1"/>
+          </p:cNvSpPr>
           <p:nvPr>
-            <p:ph idx="2" type="sldImg"/>
+            <p:ph type="sldImg" idx="2"/>
           </p:nvPr>
         </p:nvSpPr>
         <p:spPr>
@@ -2245,9 +2337,13 @@
             <a:ext cx="6096000" cy="3429000"/>
           </a:xfrm>
           <a:custGeom>
-            <a:rect b="b" l="l" r="r" t="t"/>
+            <a:avLst/>
+            <a:gdLst/>
+            <a:ahLst/>
+            <a:cxnLst/>
+            <a:rect l="l" t="t" r="r" b="b"/>
             <a:pathLst>
-              <a:path extrusionOk="0" h="120000" w="120000">
+              <a:path w="120000" h="120000" extrusionOk="0">
                 <a:moveTo>
                   <a:pt x="0" y="0"/>
                 </a:moveTo>
@@ -2269,9 +2365,11 @@
       <p:sp>
         <p:nvSpPr>
           <p:cNvPr id="108" name="Google Shape;108;g87e0a9af3d_1_4:notes"/>
-          <p:cNvSpPr txBox="1"/>
+          <p:cNvSpPr txBox="1">
+            <a:spLocks noGrp="1"/>
+          </p:cNvSpPr>
           <p:nvPr>
-            <p:ph idx="1" type="body"/>
+            <p:ph type="body" idx="1"/>
           </p:nvPr>
         </p:nvSpPr>
         <p:spPr>
@@ -2284,12 +2382,12 @@
           </a:prstGeom>
         </p:spPr>
         <p:txBody>
-          <a:bodyPr anchorCtr="0" anchor="t" bIns="91425" lIns="91425" spcFirstLastPara="1" rIns="91425" wrap="square" tIns="91425">
+          <a:bodyPr spcFirstLastPara="1" wrap="square" lIns="91425" tIns="91425" rIns="91425" bIns="91425" anchor="t" anchorCtr="0">
             <a:noAutofit/>
           </a:bodyPr>
           <a:lstStyle/>
           <a:p>
-            <a:pPr indent="0" lvl="0" marL="0" rtl="0" algn="l">
+            <a:pPr marL="0" lvl="0" indent="0" algn="l" rtl="0">
               <a:spcBef>
                 <a:spcPts val="0"/>
               </a:spcBef>
@@ -2298,9 +2396,6 @@
               </a:spcAft>
               <a:buNone/>
             </a:pPr>
-            <a:r>
-              <a:t/>
-            </a:r>
             <a:endParaRPr/>
           </a:p>
         </p:txBody>
@@ -2314,11 +2409,11 @@
 </file>
 
 <file path=ppt/notesSlides/notesSlide5.xml><?xml version="1.0" encoding="utf-8"?>
-<p:notes xmlns:a="http://schemas.openxmlformats.org/drawingml/2006/main" xmlns:r="http://schemas.openxmlformats.org/officeDocument/2006/relationships" xmlns:mc="http://schemas.openxmlformats.org/markup-compatibility/2006" xmlns:mv="urn:schemas-microsoft-com:mac:vml" xmlns:p="http://schemas.openxmlformats.org/presentationml/2006/main" xmlns:c="http://schemas.openxmlformats.org/drawingml/2006/chart" xmlns:dgm="http://schemas.openxmlformats.org/drawingml/2006/diagram" xmlns:o="urn:schemas-microsoft-com:office:office" xmlns:v="urn:schemas-microsoft-com:vml" xmlns:pvml="urn:schemas-microsoft-com:office:powerpoint" xmlns:com="http://schemas.openxmlformats.org/drawingml/2006/compatibility" xmlns:p14="http://schemas.microsoft.com/office/powerpoint/2010/main" xmlns:p15="http://schemas.microsoft.com/office/powerpoint/2012/main" showMasterPhAnim="0" showMasterSp="0">
+<p:notes xmlns:a="http://schemas.openxmlformats.org/drawingml/2006/main" xmlns:r="http://schemas.openxmlformats.org/officeDocument/2006/relationships" xmlns:p="http://schemas.openxmlformats.org/presentationml/2006/main" showMasterSp="0" showMasterPhAnim="0">
   <p:cSld>
     <p:spTree>
       <p:nvGrpSpPr>
-        <p:cNvPr id="113" name="Shape 113"/>
+        <p:cNvPr id="1" name="Shape 113"/>
         <p:cNvGrpSpPr/>
         <p:nvPr/>
       </p:nvGrpSpPr>
@@ -2333,9 +2428,11 @@
       <p:sp>
         <p:nvSpPr>
           <p:cNvPr id="114" name="Google Shape;114;g87e0a9af3d_1_10:notes"/>
-          <p:cNvSpPr/>
+          <p:cNvSpPr>
+            <a:spLocks noGrp="1" noRot="1" noChangeAspect="1"/>
+          </p:cNvSpPr>
           <p:nvPr>
-            <p:ph idx="2" type="sldImg"/>
+            <p:ph type="sldImg" idx="2"/>
           </p:nvPr>
         </p:nvSpPr>
         <p:spPr>
@@ -2344,9 +2441,13 @@
             <a:ext cx="6096000" cy="3429000"/>
           </a:xfrm>
           <a:custGeom>
-            <a:rect b="b" l="l" r="r" t="t"/>
+            <a:avLst/>
+            <a:gdLst/>
+            <a:ahLst/>
+            <a:cxnLst/>
+            <a:rect l="l" t="t" r="r" b="b"/>
             <a:pathLst>
-              <a:path extrusionOk="0" h="120000" w="120000">
+              <a:path w="120000" h="120000" extrusionOk="0">
                 <a:moveTo>
                   <a:pt x="0" y="0"/>
                 </a:moveTo>
@@ -2368,9 +2469,11 @@
       <p:sp>
         <p:nvSpPr>
           <p:cNvPr id="115" name="Google Shape;115;g87e0a9af3d_1_10:notes"/>
-          <p:cNvSpPr txBox="1"/>
+          <p:cNvSpPr txBox="1">
+            <a:spLocks noGrp="1"/>
+          </p:cNvSpPr>
           <p:nvPr>
-            <p:ph idx="1" type="body"/>
+            <p:ph type="body" idx="1"/>
           </p:nvPr>
         </p:nvSpPr>
         <p:spPr>
@@ -2383,12 +2486,12 @@
           </a:prstGeom>
         </p:spPr>
         <p:txBody>
-          <a:bodyPr anchorCtr="0" anchor="t" bIns="91425" lIns="91425" spcFirstLastPara="1" rIns="91425" wrap="square" tIns="91425">
+          <a:bodyPr spcFirstLastPara="1" wrap="square" lIns="91425" tIns="91425" rIns="91425" bIns="91425" anchor="t" anchorCtr="0">
             <a:noAutofit/>
           </a:bodyPr>
           <a:lstStyle/>
           <a:p>
-            <a:pPr indent="0" lvl="0" marL="0" rtl="0" algn="l">
+            <a:pPr marL="0" lvl="0" indent="0" algn="l" rtl="0">
               <a:spcBef>
                 <a:spcPts val="0"/>
               </a:spcBef>
@@ -2397,9 +2500,6 @@
               </a:spcAft>
               <a:buNone/>
             </a:pPr>
-            <a:r>
-              <a:t/>
-            </a:r>
             <a:endParaRPr/>
           </a:p>
         </p:txBody>
@@ -2413,11 +2513,11 @@
 </file>
 
 <file path=ppt/notesSlides/notesSlide6.xml><?xml version="1.0" encoding="utf-8"?>
-<p:notes xmlns:a="http://schemas.openxmlformats.org/drawingml/2006/main" xmlns:r="http://schemas.openxmlformats.org/officeDocument/2006/relationships" xmlns:mc="http://schemas.openxmlformats.org/markup-compatibility/2006" xmlns:mv="urn:schemas-microsoft-com:mac:vml" xmlns:p="http://schemas.openxmlformats.org/presentationml/2006/main" xmlns:c="http://schemas.openxmlformats.org/drawingml/2006/chart" xmlns:dgm="http://schemas.openxmlformats.org/drawingml/2006/diagram" xmlns:o="urn:schemas-microsoft-com:office:office" xmlns:v="urn:schemas-microsoft-com:vml" xmlns:pvml="urn:schemas-microsoft-com:office:powerpoint" xmlns:com="http://schemas.openxmlformats.org/drawingml/2006/compatibility" xmlns:p14="http://schemas.microsoft.com/office/powerpoint/2010/main" xmlns:p15="http://schemas.microsoft.com/office/powerpoint/2012/main" showMasterPhAnim="0" showMasterSp="0">
+<p:notes xmlns:a="http://schemas.openxmlformats.org/drawingml/2006/main" xmlns:r="http://schemas.openxmlformats.org/officeDocument/2006/relationships" xmlns:p="http://schemas.openxmlformats.org/presentationml/2006/main" showMasterSp="0" showMasterPhAnim="0">
   <p:cSld>
     <p:spTree>
       <p:nvGrpSpPr>
-        <p:cNvPr id="120" name="Shape 120"/>
+        <p:cNvPr id="1" name="Shape 120"/>
         <p:cNvGrpSpPr/>
         <p:nvPr/>
       </p:nvGrpSpPr>
@@ -2432,9 +2532,11 @@
       <p:sp>
         <p:nvSpPr>
           <p:cNvPr id="121" name="Google Shape;121;g87e0a9af3d_3_0:notes"/>
-          <p:cNvSpPr/>
+          <p:cNvSpPr>
+            <a:spLocks noGrp="1" noRot="1" noChangeAspect="1"/>
+          </p:cNvSpPr>
           <p:nvPr>
-            <p:ph idx="2" type="sldImg"/>
+            <p:ph type="sldImg" idx="2"/>
           </p:nvPr>
         </p:nvSpPr>
         <p:spPr>
@@ -2443,9 +2545,13 @@
             <a:ext cx="6096000" cy="3429000"/>
           </a:xfrm>
           <a:custGeom>
-            <a:rect b="b" l="l" r="r" t="t"/>
+            <a:avLst/>
+            <a:gdLst/>
+            <a:ahLst/>
+            <a:cxnLst/>
+            <a:rect l="l" t="t" r="r" b="b"/>
             <a:pathLst>
-              <a:path extrusionOk="0" h="120000" w="120000">
+              <a:path w="120000" h="120000" extrusionOk="0">
                 <a:moveTo>
                   <a:pt x="0" y="0"/>
                 </a:moveTo>
@@ -2467,9 +2573,11 @@
       <p:sp>
         <p:nvSpPr>
           <p:cNvPr id="122" name="Google Shape;122;g87e0a9af3d_3_0:notes"/>
-          <p:cNvSpPr txBox="1"/>
+          <p:cNvSpPr txBox="1">
+            <a:spLocks noGrp="1"/>
+          </p:cNvSpPr>
           <p:nvPr>
-            <p:ph idx="1" type="body"/>
+            <p:ph type="body" idx="1"/>
           </p:nvPr>
         </p:nvSpPr>
         <p:spPr>
@@ -2482,12 +2590,12 @@
           </a:prstGeom>
         </p:spPr>
         <p:txBody>
-          <a:bodyPr anchorCtr="0" anchor="t" bIns="91425" lIns="91425" spcFirstLastPara="1" rIns="91425" wrap="square" tIns="91425">
+          <a:bodyPr spcFirstLastPara="1" wrap="square" lIns="91425" tIns="91425" rIns="91425" bIns="91425" anchor="t" anchorCtr="0">
             <a:noAutofit/>
           </a:bodyPr>
           <a:lstStyle/>
           <a:p>
-            <a:pPr indent="0" lvl="0" marL="0" rtl="0" algn="l">
+            <a:pPr marL="0" lvl="0" indent="0" algn="l" rtl="0">
               <a:spcBef>
                 <a:spcPts val="0"/>
               </a:spcBef>
@@ -2496,9 +2604,6 @@
               </a:spcAft>
               <a:buNone/>
             </a:pPr>
-            <a:r>
-              <a:t/>
-            </a:r>
             <a:endParaRPr/>
           </a:p>
         </p:txBody>
@@ -2512,11 +2617,11 @@
 </file>
 
 <file path=ppt/notesSlides/notesSlide7.xml><?xml version="1.0" encoding="utf-8"?>
-<p:notes xmlns:a="http://schemas.openxmlformats.org/drawingml/2006/main" xmlns:r="http://schemas.openxmlformats.org/officeDocument/2006/relationships" xmlns:mc="http://schemas.openxmlformats.org/markup-compatibility/2006" xmlns:mv="urn:schemas-microsoft-com:mac:vml" xmlns:p="http://schemas.openxmlformats.org/presentationml/2006/main" xmlns:c="http://schemas.openxmlformats.org/drawingml/2006/chart" xmlns:dgm="http://schemas.openxmlformats.org/drawingml/2006/diagram" xmlns:o="urn:schemas-microsoft-com:office:office" xmlns:v="urn:schemas-microsoft-com:vml" xmlns:pvml="urn:schemas-microsoft-com:office:powerpoint" xmlns:com="http://schemas.openxmlformats.org/drawingml/2006/compatibility" xmlns:p14="http://schemas.microsoft.com/office/powerpoint/2010/main" xmlns:p15="http://schemas.microsoft.com/office/powerpoint/2012/main" showMasterPhAnim="0" showMasterSp="0">
+<p:notes xmlns:a="http://schemas.openxmlformats.org/drawingml/2006/main" xmlns:r="http://schemas.openxmlformats.org/officeDocument/2006/relationships" xmlns:p="http://schemas.openxmlformats.org/presentationml/2006/main" showMasterSp="0" showMasterPhAnim="0">
   <p:cSld>
     <p:spTree>
       <p:nvGrpSpPr>
-        <p:cNvPr id="128" name="Shape 128"/>
+        <p:cNvPr id="1" name="Shape 128"/>
         <p:cNvGrpSpPr/>
         <p:nvPr/>
       </p:nvGrpSpPr>
@@ -2531,9 +2636,11 @@
       <p:sp>
         <p:nvSpPr>
           <p:cNvPr id="129" name="Google Shape;129;g87e0a9af3d_1_80:notes"/>
-          <p:cNvSpPr/>
+          <p:cNvSpPr>
+            <a:spLocks noGrp="1" noRot="1" noChangeAspect="1"/>
+          </p:cNvSpPr>
           <p:nvPr>
-            <p:ph idx="2" type="sldImg"/>
+            <p:ph type="sldImg" idx="2"/>
           </p:nvPr>
         </p:nvSpPr>
         <p:spPr>
@@ -2542,9 +2649,13 @@
             <a:ext cx="6096000" cy="3429000"/>
           </a:xfrm>
           <a:custGeom>
-            <a:rect b="b" l="l" r="r" t="t"/>
+            <a:avLst/>
+            <a:gdLst/>
+            <a:ahLst/>
+            <a:cxnLst/>
+            <a:rect l="l" t="t" r="r" b="b"/>
             <a:pathLst>
-              <a:path extrusionOk="0" h="120000" w="120000">
+              <a:path w="120000" h="120000" extrusionOk="0">
                 <a:moveTo>
                   <a:pt x="0" y="0"/>
                 </a:moveTo>
@@ -2566,9 +2677,11 @@
       <p:sp>
         <p:nvSpPr>
           <p:cNvPr id="130" name="Google Shape;130;g87e0a9af3d_1_80:notes"/>
-          <p:cNvSpPr txBox="1"/>
+          <p:cNvSpPr txBox="1">
+            <a:spLocks noGrp="1"/>
+          </p:cNvSpPr>
           <p:nvPr>
-            <p:ph idx="1" type="body"/>
+            <p:ph type="body" idx="1"/>
           </p:nvPr>
         </p:nvSpPr>
         <p:spPr>
@@ -2581,12 +2694,12 @@
           </a:prstGeom>
         </p:spPr>
         <p:txBody>
-          <a:bodyPr anchorCtr="0" anchor="t" bIns="91425" lIns="91425" spcFirstLastPara="1" rIns="91425" wrap="square" tIns="91425">
+          <a:bodyPr spcFirstLastPara="1" wrap="square" lIns="91425" tIns="91425" rIns="91425" bIns="91425" anchor="t" anchorCtr="0">
             <a:noAutofit/>
           </a:bodyPr>
           <a:lstStyle/>
           <a:p>
-            <a:pPr indent="0" lvl="0" marL="0" rtl="0" algn="l">
+            <a:pPr marL="0" lvl="0" indent="0" algn="l" rtl="0">
               <a:spcBef>
                 <a:spcPts val="0"/>
               </a:spcBef>
@@ -2595,9 +2708,6 @@
               </a:spcAft>
               <a:buNone/>
             </a:pPr>
-            <a:r>
-              <a:t/>
-            </a:r>
             <a:endParaRPr/>
           </a:p>
         </p:txBody>
@@ -2611,11 +2721,11 @@
 </file>
 
 <file path=ppt/notesSlides/notesSlide8.xml><?xml version="1.0" encoding="utf-8"?>
-<p:notes xmlns:a="http://schemas.openxmlformats.org/drawingml/2006/main" xmlns:r="http://schemas.openxmlformats.org/officeDocument/2006/relationships" xmlns:mc="http://schemas.openxmlformats.org/markup-compatibility/2006" xmlns:mv="urn:schemas-microsoft-com:mac:vml" xmlns:p="http://schemas.openxmlformats.org/presentationml/2006/main" xmlns:c="http://schemas.openxmlformats.org/drawingml/2006/chart" xmlns:dgm="http://schemas.openxmlformats.org/drawingml/2006/diagram" xmlns:o="urn:schemas-microsoft-com:office:office" xmlns:v="urn:schemas-microsoft-com:vml" xmlns:pvml="urn:schemas-microsoft-com:office:powerpoint" xmlns:com="http://schemas.openxmlformats.org/drawingml/2006/compatibility" xmlns:p14="http://schemas.microsoft.com/office/powerpoint/2010/main" xmlns:p15="http://schemas.microsoft.com/office/powerpoint/2012/main" showMasterPhAnim="0" showMasterSp="0">
+<p:notes xmlns:a="http://schemas.openxmlformats.org/drawingml/2006/main" xmlns:r="http://schemas.openxmlformats.org/officeDocument/2006/relationships" xmlns:p="http://schemas.openxmlformats.org/presentationml/2006/main" showMasterSp="0" showMasterPhAnim="0">
   <p:cSld>
     <p:spTree>
       <p:nvGrpSpPr>
-        <p:cNvPr id="136" name="Shape 136"/>
+        <p:cNvPr id="1" name="Shape 136"/>
         <p:cNvGrpSpPr/>
         <p:nvPr/>
       </p:nvGrpSpPr>
@@ -2630,9 +2740,11 @@
       <p:sp>
         <p:nvSpPr>
           <p:cNvPr id="137" name="Google Shape;137;g87e0a9af3d_1_25:notes"/>
-          <p:cNvSpPr/>
+          <p:cNvSpPr>
+            <a:spLocks noGrp="1" noRot="1" noChangeAspect="1"/>
+          </p:cNvSpPr>
           <p:nvPr>
-            <p:ph idx="2" type="sldImg"/>
+            <p:ph type="sldImg" idx="2"/>
           </p:nvPr>
         </p:nvSpPr>
         <p:spPr>
@@ -2641,9 +2753,13 @@
             <a:ext cx="6096000" cy="3429000"/>
           </a:xfrm>
           <a:custGeom>
-            <a:rect b="b" l="l" r="r" t="t"/>
+            <a:avLst/>
+            <a:gdLst/>
+            <a:ahLst/>
+            <a:cxnLst/>
+            <a:rect l="l" t="t" r="r" b="b"/>
             <a:pathLst>
-              <a:path extrusionOk="0" h="120000" w="120000">
+              <a:path w="120000" h="120000" extrusionOk="0">
                 <a:moveTo>
                   <a:pt x="0" y="0"/>
                 </a:moveTo>
@@ -2665,9 +2781,11 @@
       <p:sp>
         <p:nvSpPr>
           <p:cNvPr id="138" name="Google Shape;138;g87e0a9af3d_1_25:notes"/>
-          <p:cNvSpPr txBox="1"/>
+          <p:cNvSpPr txBox="1">
+            <a:spLocks noGrp="1"/>
+          </p:cNvSpPr>
           <p:nvPr>
-            <p:ph idx="1" type="body"/>
+            <p:ph type="body" idx="1"/>
           </p:nvPr>
         </p:nvSpPr>
         <p:spPr>
@@ -2680,12 +2798,12 @@
           </a:prstGeom>
         </p:spPr>
         <p:txBody>
-          <a:bodyPr anchorCtr="0" anchor="t" bIns="91425" lIns="91425" spcFirstLastPara="1" rIns="91425" wrap="square" tIns="91425">
+          <a:bodyPr spcFirstLastPara="1" wrap="square" lIns="91425" tIns="91425" rIns="91425" bIns="91425" anchor="t" anchorCtr="0">
             <a:noAutofit/>
           </a:bodyPr>
           <a:lstStyle/>
           <a:p>
-            <a:pPr indent="0" lvl="0" marL="0" rtl="0" algn="l">
+            <a:pPr marL="0" lvl="0" indent="0" algn="l" rtl="0">
               <a:spcBef>
                 <a:spcPts val="0"/>
               </a:spcBef>
@@ -2694,9 +2812,6 @@
               </a:spcAft>
               <a:buNone/>
             </a:pPr>
-            <a:r>
-              <a:t/>
-            </a:r>
             <a:endParaRPr/>
           </a:p>
         </p:txBody>
@@ -2710,11 +2825,11 @@
 </file>
 
 <file path=ppt/notesSlides/notesSlide9.xml><?xml version="1.0" encoding="utf-8"?>
-<p:notes xmlns:a="http://schemas.openxmlformats.org/drawingml/2006/main" xmlns:r="http://schemas.openxmlformats.org/officeDocument/2006/relationships" xmlns:mc="http://schemas.openxmlformats.org/markup-compatibility/2006" xmlns:mv="urn:schemas-microsoft-com:mac:vml" xmlns:p="http://schemas.openxmlformats.org/presentationml/2006/main" xmlns:c="http://schemas.openxmlformats.org/drawingml/2006/chart" xmlns:dgm="http://schemas.openxmlformats.org/drawingml/2006/diagram" xmlns:o="urn:schemas-microsoft-com:office:office" xmlns:v="urn:schemas-microsoft-com:vml" xmlns:pvml="urn:schemas-microsoft-com:office:powerpoint" xmlns:com="http://schemas.openxmlformats.org/drawingml/2006/compatibility" xmlns:p14="http://schemas.microsoft.com/office/powerpoint/2010/main" xmlns:p15="http://schemas.microsoft.com/office/powerpoint/2012/main" showMasterPhAnim="0" showMasterSp="0">
+<p:notes xmlns:a="http://schemas.openxmlformats.org/drawingml/2006/main" xmlns:r="http://schemas.openxmlformats.org/officeDocument/2006/relationships" xmlns:p="http://schemas.openxmlformats.org/presentationml/2006/main" showMasterSp="0" showMasterPhAnim="0">
   <p:cSld>
     <p:spTree>
       <p:nvGrpSpPr>
-        <p:cNvPr id="144" name="Shape 144"/>
+        <p:cNvPr id="1" name="Shape 144"/>
         <p:cNvGrpSpPr/>
         <p:nvPr/>
       </p:nvGrpSpPr>
@@ -2729,9 +2844,11 @@
       <p:sp>
         <p:nvSpPr>
           <p:cNvPr id="145" name="Google Shape;145;g87e0a9af3d_1_19:notes"/>
-          <p:cNvSpPr/>
+          <p:cNvSpPr>
+            <a:spLocks noGrp="1" noRot="1" noChangeAspect="1"/>
+          </p:cNvSpPr>
           <p:nvPr>
-            <p:ph idx="2" type="sldImg"/>
+            <p:ph type="sldImg" idx="2"/>
           </p:nvPr>
         </p:nvSpPr>
         <p:spPr>
@@ -2740,9 +2857,13 @@
             <a:ext cx="6096000" cy="3429000"/>
           </a:xfrm>
           <a:custGeom>
-            <a:rect b="b" l="l" r="r" t="t"/>
+            <a:avLst/>
+            <a:gdLst/>
+            <a:ahLst/>
+            <a:cxnLst/>
+            <a:rect l="l" t="t" r="r" b="b"/>
             <a:pathLst>
-              <a:path extrusionOk="0" h="120000" w="120000">
+              <a:path w="120000" h="120000" extrusionOk="0">
                 <a:moveTo>
                   <a:pt x="0" y="0"/>
                 </a:moveTo>
@@ -2764,9 +2885,11 @@
       <p:sp>
         <p:nvSpPr>
           <p:cNvPr id="146" name="Google Shape;146;g87e0a9af3d_1_19:notes"/>
-          <p:cNvSpPr txBox="1"/>
+          <p:cNvSpPr txBox="1">
+            <a:spLocks noGrp="1"/>
+          </p:cNvSpPr>
           <p:nvPr>
-            <p:ph idx="1" type="body"/>
+            <p:ph type="body" idx="1"/>
           </p:nvPr>
         </p:nvSpPr>
         <p:spPr>
@@ -2779,12 +2902,12 @@
           </a:prstGeom>
         </p:spPr>
         <p:txBody>
-          <a:bodyPr anchorCtr="0" anchor="t" bIns="91425" lIns="91425" spcFirstLastPara="1" rIns="91425" wrap="square" tIns="91425">
+          <a:bodyPr spcFirstLastPara="1" wrap="square" lIns="91425" tIns="91425" rIns="91425" bIns="91425" anchor="t" anchorCtr="0">
             <a:noAutofit/>
           </a:bodyPr>
           <a:lstStyle/>
           <a:p>
-            <a:pPr indent="0" lvl="0" marL="0" rtl="0" algn="l">
+            <a:pPr marL="0" lvl="0" indent="0" algn="l" rtl="0">
               <a:spcBef>
                 <a:spcPts val="0"/>
               </a:spcBef>
@@ -2793,9 +2916,6 @@
               </a:spcAft>
               <a:buNone/>
             </a:pPr>
-            <a:r>
-              <a:t/>
-            </a:r>
             <a:endParaRPr/>
           </a:p>
         </p:txBody>
@@ -2809,18 +2929,19 @@
 </file>
 
 <file path=ppt/slideLayouts/slideLayout1.xml><?xml version="1.0" encoding="utf-8"?>
-<p:sldLayout xmlns:a="http://schemas.openxmlformats.org/drawingml/2006/main" xmlns:r="http://schemas.openxmlformats.org/officeDocument/2006/relationships" xmlns:mc="http://schemas.openxmlformats.org/markup-compatibility/2006" xmlns:mv="urn:schemas-microsoft-com:mac:vml" xmlns:p="http://schemas.openxmlformats.org/presentationml/2006/main" xmlns:c="http://schemas.openxmlformats.org/drawingml/2006/chart" xmlns:dgm="http://schemas.openxmlformats.org/drawingml/2006/diagram" xmlns:o="urn:schemas-microsoft-com:office:office" xmlns:v="urn:schemas-microsoft-com:vml" xmlns:pvml="urn:schemas-microsoft-com:office:powerpoint" xmlns:com="http://schemas.openxmlformats.org/drawingml/2006/compatibility" xmlns:p14="http://schemas.microsoft.com/office/powerpoint/2010/main" xmlns:p15="http://schemas.microsoft.com/office/powerpoint/2012/main" matchingName="Title slide" type="title">
+<p:sldLayout xmlns:a="http://schemas.openxmlformats.org/drawingml/2006/main" xmlns:r="http://schemas.openxmlformats.org/officeDocument/2006/relationships" xmlns:p="http://schemas.openxmlformats.org/presentationml/2006/main" matchingName="Title slide" type="title">
   <p:cSld name="TITLE">
     <p:bg>
       <p:bgPr>
         <a:solidFill>
           <a:schemeClr val="lt2"/>
         </a:solidFill>
+        <a:effectLst/>
       </p:bgPr>
     </p:bg>
     <p:spTree>
       <p:nvGrpSpPr>
-        <p:cNvPr id="9" name="Shape 9"/>
+        <p:cNvPr id="1" name="Shape 9"/>
         <p:cNvGrpSpPr/>
         <p:nvPr/>
       </p:nvGrpSpPr>
@@ -2854,12 +2975,12 @@
           </a:ln>
         </p:spPr>
         <p:txBody>
-          <a:bodyPr anchorCtr="0" anchor="ctr" bIns="91425" lIns="91425" spcFirstLastPara="1" rIns="91425" wrap="square" tIns="91425">
+          <a:bodyPr spcFirstLastPara="1" wrap="square" lIns="91425" tIns="91425" rIns="91425" bIns="91425" anchor="ctr" anchorCtr="0">
             <a:noAutofit/>
           </a:bodyPr>
           <a:lstStyle/>
           <a:p>
-            <a:pPr indent="0" lvl="0" marL="0" rtl="0" algn="l">
+            <a:pPr marL="0" lvl="0" indent="0" algn="l" rtl="0">
               <a:spcBef>
                 <a:spcPts val="0"/>
               </a:spcBef>
@@ -2868,9 +2989,6 @@
               </a:spcAft>
               <a:buNone/>
             </a:pPr>
-            <a:r>
-              <a:t/>
-            </a:r>
             <a:endParaRPr/>
           </a:p>
         </p:txBody>
@@ -2911,12 +3029,12 @@
             </a:ln>
           </p:spPr>
           <p:txBody>
-            <a:bodyPr anchorCtr="0" anchor="ctr" bIns="91425" lIns="91425" spcFirstLastPara="1" rIns="91425" wrap="square" tIns="91425">
+            <a:bodyPr spcFirstLastPara="1" wrap="square" lIns="91425" tIns="91425" rIns="91425" bIns="91425" anchor="ctr" anchorCtr="0">
               <a:noAutofit/>
             </a:bodyPr>
             <a:lstStyle/>
             <a:p>
-              <a:pPr indent="0" lvl="0" marL="0" rtl="0" algn="l">
+              <a:pPr marL="0" lvl="0" indent="0" algn="l" rtl="0">
                 <a:spcBef>
                   <a:spcPts val="0"/>
                 </a:spcBef>
@@ -2925,9 +3043,6 @@
                 </a:spcAft>
                 <a:buNone/>
               </a:pPr>
-              <a:r>
-                <a:t/>
-              </a:r>
               <a:endParaRPr/>
             </a:p>
           </p:txBody>
@@ -2954,12 +3069,12 @@
             </a:ln>
           </p:spPr>
           <p:txBody>
-            <a:bodyPr anchorCtr="0" anchor="ctr" bIns="91425" lIns="91425" spcFirstLastPara="1" rIns="91425" wrap="square" tIns="91425">
+            <a:bodyPr spcFirstLastPara="1" wrap="square" lIns="91425" tIns="91425" rIns="91425" bIns="91425" anchor="ctr" anchorCtr="0">
               <a:noAutofit/>
             </a:bodyPr>
             <a:lstStyle/>
             <a:p>
-              <a:pPr indent="0" lvl="0" marL="0" rtl="0" algn="l">
+              <a:pPr marL="0" lvl="0" indent="0" algn="l" rtl="0">
                 <a:spcBef>
                   <a:spcPts val="0"/>
                 </a:spcBef>
@@ -2968,9 +3083,6 @@
                 </a:spcAft>
                 <a:buNone/>
               </a:pPr>
-              <a:r>
-                <a:t/>
-              </a:r>
               <a:endParaRPr/>
             </a:p>
           </p:txBody>
@@ -2979,7 +3091,9 @@
       <p:sp>
         <p:nvSpPr>
           <p:cNvPr id="14" name="Google Shape;14;p2"/>
-          <p:cNvSpPr txBox="1"/>
+          <p:cNvSpPr txBox="1">
+            <a:spLocks noGrp="1"/>
+          </p:cNvSpPr>
           <p:nvPr>
             <p:ph type="ctrTitle"/>
           </p:nvPr>
@@ -2994,7 +3108,7 @@
           </a:prstGeom>
         </p:spPr>
         <p:txBody>
-          <a:bodyPr anchorCtr="0" anchor="t" bIns="91425" lIns="91425" spcFirstLastPara="1" rIns="91425" wrap="square" tIns="91425">
+          <a:bodyPr spcFirstLastPara="1" wrap="square" lIns="91425" tIns="91425" rIns="91425" bIns="91425" anchor="t" anchorCtr="0">
             <a:noAutofit/>
           </a:bodyPr>
           <a:lstStyle>
@@ -3161,15 +3275,19 @@
               </a:defRPr>
             </a:lvl9pPr>
           </a:lstStyle>
-          <a:p/>
+          <a:p>
+            <a:endParaRPr/>
+          </a:p>
         </p:txBody>
       </p:sp>
       <p:sp>
         <p:nvSpPr>
           <p:cNvPr id="15" name="Google Shape;15;p2"/>
-          <p:cNvSpPr txBox="1"/>
+          <p:cNvSpPr txBox="1">
+            <a:spLocks noGrp="1"/>
+          </p:cNvSpPr>
           <p:nvPr>
-            <p:ph idx="1" type="subTitle"/>
+            <p:ph type="subTitle" idx="1"/>
           </p:nvPr>
         </p:nvSpPr>
         <p:spPr>
@@ -3182,7 +3300,7 @@
           </a:prstGeom>
         </p:spPr>
         <p:txBody>
-          <a:bodyPr anchorCtr="0" anchor="t" bIns="91425" lIns="91425" spcFirstLastPara="1" rIns="91425" wrap="square" tIns="91425">
+          <a:bodyPr spcFirstLastPara="1" wrap="square" lIns="91425" tIns="91425" rIns="91425" bIns="91425" anchor="t" anchorCtr="0">
             <a:noAutofit/>
           </a:bodyPr>
           <a:lstStyle>
@@ -3313,15 +3431,19 @@
               <a:defRPr sz="1600"/>
             </a:lvl9pPr>
           </a:lstStyle>
-          <a:p/>
+          <a:p>
+            <a:endParaRPr/>
+          </a:p>
         </p:txBody>
       </p:sp>
       <p:sp>
         <p:nvSpPr>
           <p:cNvPr id="16" name="Google Shape;16;p2"/>
-          <p:cNvSpPr txBox="1"/>
+          <p:cNvSpPr txBox="1">
+            <a:spLocks noGrp="1"/>
+          </p:cNvSpPr>
           <p:nvPr>
-            <p:ph idx="12" type="sldNum"/>
+            <p:ph type="sldNum" idx="12"/>
           </p:nvPr>
         </p:nvSpPr>
         <p:spPr>
@@ -3334,7 +3456,7 @@
           </a:prstGeom>
         </p:spPr>
         <p:txBody>
-          <a:bodyPr anchorCtr="0" anchor="ctr" bIns="91425" lIns="91425" spcFirstLastPara="1" rIns="91425" wrap="square" tIns="91425">
+          <a:bodyPr spcFirstLastPara="1" wrap="square" lIns="91425" tIns="91425" rIns="91425" bIns="91425" anchor="ctr" anchorCtr="0">
             <a:noAutofit/>
           </a:bodyPr>
           <a:lstStyle>
@@ -3376,7 +3498,7 @@
             </a:lvl9pPr>
           </a:lstStyle>
           <a:p>
-            <a:pPr indent="0" lvl="0" marL="0" rtl="0" algn="r">
+            <a:pPr marL="0" lvl="0" indent="0" algn="r" rtl="0">
               <a:spcBef>
                 <a:spcPts val="0"/>
               </a:spcBef>
@@ -3402,18 +3524,19 @@
 </file>
 
 <file path=ppt/slideLayouts/slideLayout10.xml><?xml version="1.0" encoding="utf-8"?>
-<p:sldLayout xmlns:a="http://schemas.openxmlformats.org/drawingml/2006/main" xmlns:r="http://schemas.openxmlformats.org/officeDocument/2006/relationships" xmlns:mc="http://schemas.openxmlformats.org/markup-compatibility/2006" xmlns:mv="urn:schemas-microsoft-com:mac:vml" xmlns:p="http://schemas.openxmlformats.org/presentationml/2006/main" xmlns:c="http://schemas.openxmlformats.org/drawingml/2006/chart" xmlns:dgm="http://schemas.openxmlformats.org/drawingml/2006/diagram" xmlns:o="urn:schemas-microsoft-com:office:office" xmlns:v="urn:schemas-microsoft-com:vml" xmlns:pvml="urn:schemas-microsoft-com:office:powerpoint" xmlns:com="http://schemas.openxmlformats.org/drawingml/2006/compatibility" xmlns:p14="http://schemas.microsoft.com/office/powerpoint/2010/main" xmlns:p15="http://schemas.microsoft.com/office/powerpoint/2012/main" matchingName="Big number">
+<p:sldLayout xmlns:a="http://schemas.openxmlformats.org/drawingml/2006/main" xmlns:r="http://schemas.openxmlformats.org/officeDocument/2006/relationships" xmlns:p="http://schemas.openxmlformats.org/presentationml/2006/main" matchingName="Big number">
   <p:cSld name="BIG_NUMBER">
     <p:bg>
       <p:bgPr>
         <a:solidFill>
           <a:schemeClr val="dk1"/>
         </a:solidFill>
+        <a:effectLst/>
       </p:bgPr>
     </p:bg>
     <p:spTree>
       <p:nvGrpSpPr>
-        <p:cNvPr id="73" name="Shape 73"/>
+        <p:cNvPr id="1" name="Shape 73"/>
         <p:cNvGrpSpPr/>
         <p:nvPr/>
       </p:nvGrpSpPr>
@@ -3461,12 +3584,12 @@
             </a:ln>
           </p:spPr>
           <p:txBody>
-            <a:bodyPr anchorCtr="0" anchor="ctr" bIns="91425" lIns="91425" spcFirstLastPara="1" rIns="91425" wrap="square" tIns="91425">
+            <a:bodyPr spcFirstLastPara="1" wrap="square" lIns="91425" tIns="91425" rIns="91425" bIns="91425" anchor="ctr" anchorCtr="0">
               <a:noAutofit/>
             </a:bodyPr>
             <a:lstStyle/>
             <a:p>
-              <a:pPr indent="0" lvl="0" marL="0" rtl="0" algn="l">
+              <a:pPr marL="0" lvl="0" indent="0" algn="l" rtl="0">
                 <a:spcBef>
                   <a:spcPts val="0"/>
                 </a:spcBef>
@@ -3475,9 +3598,6 @@
                 </a:spcAft>
                 <a:buNone/>
               </a:pPr>
-              <a:r>
-                <a:t/>
-              </a:r>
               <a:endParaRPr/>
             </a:p>
           </p:txBody>
@@ -3504,12 +3624,12 @@
             </a:ln>
           </p:spPr>
           <p:txBody>
-            <a:bodyPr anchorCtr="0" anchor="ctr" bIns="91425" lIns="91425" spcFirstLastPara="1" rIns="91425" wrap="square" tIns="91425">
+            <a:bodyPr spcFirstLastPara="1" wrap="square" lIns="91425" tIns="91425" rIns="91425" bIns="91425" anchor="ctr" anchorCtr="0">
               <a:noAutofit/>
             </a:bodyPr>
             <a:lstStyle/>
             <a:p>
-              <a:pPr indent="0" lvl="0" marL="0" rtl="0" algn="l">
+              <a:pPr marL="0" lvl="0" indent="0" algn="l" rtl="0">
                 <a:spcBef>
                   <a:spcPts val="0"/>
                 </a:spcBef>
@@ -3518,9 +3638,6 @@
                 </a:spcAft>
                 <a:buNone/>
               </a:pPr>
-              <a:r>
-                <a:t/>
-              </a:r>
               <a:endParaRPr/>
             </a:p>
           </p:txBody>
@@ -3529,9 +3646,11 @@
       <p:sp>
         <p:nvSpPr>
           <p:cNvPr id="77" name="Google Shape;77;p11"/>
-          <p:cNvSpPr txBox="1"/>
+          <p:cNvSpPr txBox="1">
+            <a:spLocks noGrp="1"/>
+          </p:cNvSpPr>
           <p:nvPr>
-            <p:ph hasCustomPrompt="1" type="title"/>
+            <p:ph type="title" hasCustomPrompt="1"/>
           </p:nvPr>
         </p:nvSpPr>
         <p:spPr>
@@ -3544,7 +3663,7 @@
           </a:prstGeom>
         </p:spPr>
         <p:txBody>
-          <a:bodyPr anchorCtr="0" anchor="t" bIns="91425" lIns="91425" spcFirstLastPara="1" rIns="91425" wrap="square" tIns="91425">
+          <a:bodyPr spcFirstLastPara="1" wrap="square" lIns="91425" tIns="91425" rIns="91425" bIns="91425" anchor="t" anchorCtr="0">
             <a:noAutofit/>
           </a:bodyPr>
           <a:lstStyle>
@@ -3721,9 +3840,11 @@
       <p:sp>
         <p:nvSpPr>
           <p:cNvPr id="78" name="Google Shape;78;p11"/>
-          <p:cNvSpPr txBox="1"/>
+          <p:cNvSpPr txBox="1">
+            <a:spLocks noGrp="1"/>
+          </p:cNvSpPr>
           <p:nvPr>
-            <p:ph idx="1" type="body"/>
+            <p:ph type="body" idx="1"/>
           </p:nvPr>
         </p:nvSpPr>
         <p:spPr>
@@ -3736,11 +3857,11 @@
           </a:prstGeom>
         </p:spPr>
         <p:txBody>
-          <a:bodyPr anchorCtr="0" anchor="t" bIns="91425" lIns="91425" spcFirstLastPara="1" rIns="91425" wrap="square" tIns="91425">
+          <a:bodyPr spcFirstLastPara="1" wrap="square" lIns="91425" tIns="91425" rIns="91425" bIns="91425" anchor="t" anchorCtr="0">
             <a:noAutofit/>
           </a:bodyPr>
           <a:lstStyle>
-            <a:lvl1pPr indent="-311150" lvl="0" marL="457200">
+            <a:lvl1pPr marL="457200" lvl="0" indent="-311150">
               <a:spcBef>
                 <a:spcPts val="0"/>
               </a:spcBef>
@@ -3758,7 +3879,7 @@
                 </a:solidFill>
               </a:defRPr>
             </a:lvl1pPr>
-            <a:lvl2pPr indent="-298450" lvl="1" marL="914400">
+            <a:lvl2pPr marL="914400" lvl="1" indent="-298450">
               <a:spcBef>
                 <a:spcPts val="1600"/>
               </a:spcBef>
@@ -3776,7 +3897,7 @@
                 </a:solidFill>
               </a:defRPr>
             </a:lvl2pPr>
-            <a:lvl3pPr indent="-298450" lvl="2" marL="1371600">
+            <a:lvl3pPr marL="1371600" lvl="2" indent="-298450">
               <a:spcBef>
                 <a:spcPts val="1600"/>
               </a:spcBef>
@@ -3794,7 +3915,7 @@
                 </a:solidFill>
               </a:defRPr>
             </a:lvl3pPr>
-            <a:lvl4pPr indent="-298450" lvl="3" marL="1828800">
+            <a:lvl4pPr marL="1828800" lvl="3" indent="-298450">
               <a:spcBef>
                 <a:spcPts val="1600"/>
               </a:spcBef>
@@ -3812,7 +3933,7 @@
                 </a:solidFill>
               </a:defRPr>
             </a:lvl4pPr>
-            <a:lvl5pPr indent="-298450" lvl="4" marL="2286000">
+            <a:lvl5pPr marL="2286000" lvl="4" indent="-298450">
               <a:spcBef>
                 <a:spcPts val="1600"/>
               </a:spcBef>
@@ -3830,7 +3951,7 @@
                 </a:solidFill>
               </a:defRPr>
             </a:lvl5pPr>
-            <a:lvl6pPr indent="-298450" lvl="5" marL="2743200">
+            <a:lvl6pPr marL="2743200" lvl="5" indent="-298450">
               <a:spcBef>
                 <a:spcPts val="1600"/>
               </a:spcBef>
@@ -3848,7 +3969,7 @@
                 </a:solidFill>
               </a:defRPr>
             </a:lvl6pPr>
-            <a:lvl7pPr indent="-298450" lvl="6" marL="3200400">
+            <a:lvl7pPr marL="3200400" lvl="6" indent="-298450">
               <a:spcBef>
                 <a:spcPts val="1600"/>
               </a:spcBef>
@@ -3866,7 +3987,7 @@
                 </a:solidFill>
               </a:defRPr>
             </a:lvl7pPr>
-            <a:lvl8pPr indent="-298450" lvl="7" marL="3657600">
+            <a:lvl8pPr marL="3657600" lvl="7" indent="-298450">
               <a:spcBef>
                 <a:spcPts val="1600"/>
               </a:spcBef>
@@ -3884,7 +4005,7 @@
                 </a:solidFill>
               </a:defRPr>
             </a:lvl8pPr>
-            <a:lvl9pPr indent="-298450" lvl="8" marL="4114800">
+            <a:lvl9pPr marL="4114800" lvl="8" indent="-298450">
               <a:spcBef>
                 <a:spcPts val="1600"/>
               </a:spcBef>
@@ -3903,15 +4024,19 @@
               </a:defRPr>
             </a:lvl9pPr>
           </a:lstStyle>
-          <a:p/>
+          <a:p>
+            <a:endParaRPr/>
+          </a:p>
         </p:txBody>
       </p:sp>
       <p:sp>
         <p:nvSpPr>
           <p:cNvPr id="79" name="Google Shape;79;p11"/>
-          <p:cNvSpPr txBox="1"/>
+          <p:cNvSpPr txBox="1">
+            <a:spLocks noGrp="1"/>
+          </p:cNvSpPr>
           <p:nvPr>
-            <p:ph idx="12" type="sldNum"/>
+            <p:ph type="sldNum" idx="12"/>
           </p:nvPr>
         </p:nvSpPr>
         <p:spPr>
@@ -3924,7 +4049,7 @@
           </a:prstGeom>
         </p:spPr>
         <p:txBody>
-          <a:bodyPr anchorCtr="0" anchor="ctr" bIns="91425" lIns="91425" spcFirstLastPara="1" rIns="91425" wrap="square" tIns="91425">
+          <a:bodyPr spcFirstLastPara="1" wrap="square" lIns="91425" tIns="91425" rIns="91425" bIns="91425" anchor="ctr" anchorCtr="0">
             <a:noAutofit/>
           </a:bodyPr>
           <a:lstStyle>
@@ -4002,7 +4127,7 @@
             </a:lvl9pPr>
           </a:lstStyle>
           <a:p>
-            <a:pPr indent="0" lvl="0" marL="0" rtl="0" algn="r">
+            <a:pPr marL="0" lvl="0" indent="0" algn="r" rtl="0">
               <a:spcBef>
                 <a:spcPts val="0"/>
               </a:spcBef>
@@ -4028,11 +4153,11 @@
 </file>
 
 <file path=ppt/slideLayouts/slideLayout11.xml><?xml version="1.0" encoding="utf-8"?>
-<p:sldLayout xmlns:a="http://schemas.openxmlformats.org/drawingml/2006/main" xmlns:r="http://schemas.openxmlformats.org/officeDocument/2006/relationships" xmlns:mc="http://schemas.openxmlformats.org/markup-compatibility/2006" xmlns:mv="urn:schemas-microsoft-com:mac:vml" xmlns:p="http://schemas.openxmlformats.org/presentationml/2006/main" xmlns:c="http://schemas.openxmlformats.org/drawingml/2006/chart" xmlns:dgm="http://schemas.openxmlformats.org/drawingml/2006/diagram" xmlns:o="urn:schemas-microsoft-com:office:office" xmlns:v="urn:schemas-microsoft-com:vml" xmlns:pvml="urn:schemas-microsoft-com:office:powerpoint" xmlns:com="http://schemas.openxmlformats.org/drawingml/2006/compatibility" xmlns:p14="http://schemas.microsoft.com/office/powerpoint/2010/main" xmlns:p15="http://schemas.microsoft.com/office/powerpoint/2012/main" matchingName="Blank" type="blank">
+<p:sldLayout xmlns:a="http://schemas.openxmlformats.org/drawingml/2006/main" xmlns:r="http://schemas.openxmlformats.org/officeDocument/2006/relationships" xmlns:p="http://schemas.openxmlformats.org/presentationml/2006/main" matchingName="Blank" type="blank">
   <p:cSld name="BLANK">
     <p:spTree>
       <p:nvGrpSpPr>
-        <p:cNvPr id="80" name="Shape 80"/>
+        <p:cNvPr id="1" name="Shape 80"/>
         <p:cNvGrpSpPr/>
         <p:nvPr/>
       </p:nvGrpSpPr>
@@ -4047,9 +4172,11 @@
       <p:sp>
         <p:nvSpPr>
           <p:cNvPr id="81" name="Google Shape;81;p12"/>
-          <p:cNvSpPr txBox="1"/>
+          <p:cNvSpPr txBox="1">
+            <a:spLocks noGrp="1"/>
+          </p:cNvSpPr>
           <p:nvPr>
-            <p:ph idx="12" type="sldNum"/>
+            <p:ph type="sldNum" idx="12"/>
           </p:nvPr>
         </p:nvSpPr>
         <p:spPr>
@@ -4062,7 +4189,7 @@
           </a:prstGeom>
         </p:spPr>
         <p:txBody>
-          <a:bodyPr anchorCtr="0" anchor="ctr" bIns="91425" lIns="91425" spcFirstLastPara="1" rIns="91425" wrap="square" tIns="91425">
+          <a:bodyPr spcFirstLastPara="1" wrap="square" lIns="91425" tIns="91425" rIns="91425" bIns="91425" anchor="ctr" anchorCtr="0">
             <a:noAutofit/>
           </a:bodyPr>
           <a:lstStyle>
@@ -4104,7 +4231,7 @@
             </a:lvl9pPr>
           </a:lstStyle>
           <a:p>
-            <a:pPr indent="0" lvl="0" marL="0" rtl="0" algn="r">
+            <a:pPr marL="0" lvl="0" indent="0" algn="r" rtl="0">
               <a:spcBef>
                 <a:spcPts val="0"/>
               </a:spcBef>
@@ -4130,18 +4257,19 @@
 </file>
 
 <file path=ppt/slideLayouts/slideLayout2.xml><?xml version="1.0" encoding="utf-8"?>
-<p:sldLayout xmlns:a="http://schemas.openxmlformats.org/drawingml/2006/main" xmlns:r="http://schemas.openxmlformats.org/officeDocument/2006/relationships" xmlns:mc="http://schemas.openxmlformats.org/markup-compatibility/2006" xmlns:mv="urn:schemas-microsoft-com:mac:vml" xmlns:p="http://schemas.openxmlformats.org/presentationml/2006/main" xmlns:c="http://schemas.openxmlformats.org/drawingml/2006/chart" xmlns:dgm="http://schemas.openxmlformats.org/drawingml/2006/diagram" xmlns:o="urn:schemas-microsoft-com:office:office" xmlns:v="urn:schemas-microsoft-com:vml" xmlns:pvml="urn:schemas-microsoft-com:office:powerpoint" xmlns:com="http://schemas.openxmlformats.org/drawingml/2006/compatibility" xmlns:p14="http://schemas.microsoft.com/office/powerpoint/2010/main" xmlns:p15="http://schemas.microsoft.com/office/powerpoint/2012/main" matchingName="Section header" type="secHead">
+<p:sldLayout xmlns:a="http://schemas.openxmlformats.org/drawingml/2006/main" xmlns:r="http://schemas.openxmlformats.org/officeDocument/2006/relationships" xmlns:p="http://schemas.openxmlformats.org/presentationml/2006/main" matchingName="Section header" type="secHead">
   <p:cSld name="SECTION_HEADER">
     <p:bg>
       <p:bgPr>
         <a:solidFill>
           <a:schemeClr val="dk1"/>
         </a:solidFill>
+        <a:effectLst/>
       </p:bgPr>
     </p:bg>
     <p:spTree>
       <p:nvGrpSpPr>
-        <p:cNvPr id="17" name="Shape 17"/>
+        <p:cNvPr id="1" name="Shape 17"/>
         <p:cNvGrpSpPr/>
         <p:nvPr/>
       </p:nvGrpSpPr>
@@ -4189,12 +4317,12 @@
             </a:ln>
           </p:spPr>
           <p:txBody>
-            <a:bodyPr anchorCtr="0" anchor="ctr" bIns="91425" lIns="91425" spcFirstLastPara="1" rIns="91425" wrap="square" tIns="91425">
+            <a:bodyPr spcFirstLastPara="1" wrap="square" lIns="91425" tIns="91425" rIns="91425" bIns="91425" anchor="ctr" anchorCtr="0">
               <a:noAutofit/>
             </a:bodyPr>
             <a:lstStyle/>
             <a:p>
-              <a:pPr indent="0" lvl="0" marL="0" rtl="0" algn="l">
+              <a:pPr marL="0" lvl="0" indent="0" algn="l" rtl="0">
                 <a:spcBef>
                   <a:spcPts val="0"/>
                 </a:spcBef>
@@ -4203,9 +4331,6 @@
                 </a:spcAft>
                 <a:buNone/>
               </a:pPr>
-              <a:r>
-                <a:t/>
-              </a:r>
               <a:endParaRPr/>
             </a:p>
           </p:txBody>
@@ -4232,12 +4357,12 @@
             </a:ln>
           </p:spPr>
           <p:txBody>
-            <a:bodyPr anchorCtr="0" anchor="ctr" bIns="91425" lIns="91425" spcFirstLastPara="1" rIns="91425" wrap="square" tIns="91425">
+            <a:bodyPr spcFirstLastPara="1" wrap="square" lIns="91425" tIns="91425" rIns="91425" bIns="91425" anchor="ctr" anchorCtr="0">
               <a:noAutofit/>
             </a:bodyPr>
             <a:lstStyle/>
             <a:p>
-              <a:pPr indent="0" lvl="0" marL="0" rtl="0" algn="l">
+              <a:pPr marL="0" lvl="0" indent="0" algn="l" rtl="0">
                 <a:spcBef>
                   <a:spcPts val="0"/>
                 </a:spcBef>
@@ -4246,9 +4371,6 @@
                 </a:spcAft>
                 <a:buNone/>
               </a:pPr>
-              <a:r>
-                <a:t/>
-              </a:r>
               <a:endParaRPr/>
             </a:p>
           </p:txBody>
@@ -4257,7 +4379,9 @@
       <p:sp>
         <p:nvSpPr>
           <p:cNvPr id="21" name="Google Shape;21;p3"/>
-          <p:cNvSpPr txBox="1"/>
+          <p:cNvSpPr txBox="1">
+            <a:spLocks noGrp="1"/>
+          </p:cNvSpPr>
           <p:nvPr>
             <p:ph type="title"/>
           </p:nvPr>
@@ -4272,7 +4396,7 @@
           </a:prstGeom>
         </p:spPr>
         <p:txBody>
-          <a:bodyPr anchorCtr="0" anchor="t" bIns="91425" lIns="91425" spcFirstLastPara="1" rIns="91425" wrap="square" tIns="91425">
+          <a:bodyPr spcFirstLastPara="1" wrap="square" lIns="91425" tIns="91425" rIns="91425" bIns="91425" anchor="t" anchorCtr="0">
             <a:noAutofit/>
           </a:bodyPr>
           <a:lstStyle>
@@ -4439,15 +4563,19 @@
               </a:defRPr>
             </a:lvl9pPr>
           </a:lstStyle>
-          <a:p/>
+          <a:p>
+            <a:endParaRPr/>
+          </a:p>
         </p:txBody>
       </p:sp>
       <p:sp>
         <p:nvSpPr>
           <p:cNvPr id="22" name="Google Shape;22;p3"/>
-          <p:cNvSpPr txBox="1"/>
+          <p:cNvSpPr txBox="1">
+            <a:spLocks noGrp="1"/>
+          </p:cNvSpPr>
           <p:nvPr>
-            <p:ph idx="12" type="sldNum"/>
+            <p:ph type="sldNum" idx="12"/>
           </p:nvPr>
         </p:nvSpPr>
         <p:spPr>
@@ -4460,7 +4588,7 @@
           </a:prstGeom>
         </p:spPr>
         <p:txBody>
-          <a:bodyPr anchorCtr="0" anchor="ctr" bIns="91425" lIns="91425" spcFirstLastPara="1" rIns="91425" wrap="square" tIns="91425">
+          <a:bodyPr spcFirstLastPara="1" wrap="square" lIns="91425" tIns="91425" rIns="91425" bIns="91425" anchor="ctr" anchorCtr="0">
             <a:noAutofit/>
           </a:bodyPr>
           <a:lstStyle>
@@ -4538,7 +4666,7 @@
             </a:lvl9pPr>
           </a:lstStyle>
           <a:p>
-            <a:pPr indent="0" lvl="0" marL="0" rtl="0" algn="r">
+            <a:pPr marL="0" lvl="0" indent="0" algn="r" rtl="0">
               <a:spcBef>
                 <a:spcPts val="0"/>
               </a:spcBef>
@@ -4564,11 +4692,11 @@
 </file>
 
 <file path=ppt/slideLayouts/slideLayout3.xml><?xml version="1.0" encoding="utf-8"?>
-<p:sldLayout xmlns:a="http://schemas.openxmlformats.org/drawingml/2006/main" xmlns:r="http://schemas.openxmlformats.org/officeDocument/2006/relationships" xmlns:mc="http://schemas.openxmlformats.org/markup-compatibility/2006" xmlns:mv="urn:schemas-microsoft-com:mac:vml" xmlns:p="http://schemas.openxmlformats.org/presentationml/2006/main" xmlns:c="http://schemas.openxmlformats.org/drawingml/2006/chart" xmlns:dgm="http://schemas.openxmlformats.org/drawingml/2006/diagram" xmlns:o="urn:schemas-microsoft-com:office:office" xmlns:v="urn:schemas-microsoft-com:vml" xmlns:pvml="urn:schemas-microsoft-com:office:powerpoint" xmlns:com="http://schemas.openxmlformats.org/drawingml/2006/compatibility" xmlns:p14="http://schemas.microsoft.com/office/powerpoint/2010/main" xmlns:p15="http://schemas.microsoft.com/office/powerpoint/2012/main" matchingName="Title and body" type="tx">
+<p:sldLayout xmlns:a="http://schemas.openxmlformats.org/drawingml/2006/main" xmlns:r="http://schemas.openxmlformats.org/officeDocument/2006/relationships" xmlns:p="http://schemas.openxmlformats.org/presentationml/2006/main" matchingName="Title and body" type="tx">
   <p:cSld name="TITLE_AND_BODY">
     <p:spTree>
       <p:nvGrpSpPr>
-        <p:cNvPr id="23" name="Shape 23"/>
+        <p:cNvPr id="1" name="Shape 23"/>
         <p:cNvGrpSpPr/>
         <p:nvPr/>
       </p:nvGrpSpPr>
@@ -4602,12 +4730,12 @@
           </a:ln>
         </p:spPr>
         <p:txBody>
-          <a:bodyPr anchorCtr="0" anchor="ctr" bIns="91425" lIns="91425" spcFirstLastPara="1" rIns="91425" wrap="square" tIns="91425">
+          <a:bodyPr spcFirstLastPara="1" wrap="square" lIns="91425" tIns="91425" rIns="91425" bIns="91425" anchor="ctr" anchorCtr="0">
             <a:noAutofit/>
           </a:bodyPr>
           <a:lstStyle/>
           <a:p>
-            <a:pPr indent="0" lvl="0" marL="0" rtl="0" algn="l">
+            <a:pPr marL="0" lvl="0" indent="0" algn="l" rtl="0">
               <a:spcBef>
                 <a:spcPts val="0"/>
               </a:spcBef>
@@ -4616,9 +4744,6 @@
               </a:spcAft>
               <a:buNone/>
             </a:pPr>
-            <a:r>
-              <a:t/>
-            </a:r>
             <a:endParaRPr/>
           </a:p>
         </p:txBody>
@@ -4659,12 +4784,12 @@
             </a:ln>
           </p:spPr>
           <p:txBody>
-            <a:bodyPr anchorCtr="0" anchor="ctr" bIns="91425" lIns="91425" spcFirstLastPara="1" rIns="91425" wrap="square" tIns="91425">
+            <a:bodyPr spcFirstLastPara="1" wrap="square" lIns="91425" tIns="91425" rIns="91425" bIns="91425" anchor="ctr" anchorCtr="0">
               <a:noAutofit/>
             </a:bodyPr>
             <a:lstStyle/>
             <a:p>
-              <a:pPr indent="0" lvl="0" marL="0" rtl="0" algn="l">
+              <a:pPr marL="0" lvl="0" indent="0" algn="l" rtl="0">
                 <a:spcBef>
                   <a:spcPts val="0"/>
                 </a:spcBef>
@@ -4673,9 +4798,6 @@
                 </a:spcAft>
                 <a:buNone/>
               </a:pPr>
-              <a:r>
-                <a:t/>
-              </a:r>
               <a:endParaRPr/>
             </a:p>
           </p:txBody>
@@ -4702,12 +4824,12 @@
             </a:ln>
           </p:spPr>
           <p:txBody>
-            <a:bodyPr anchorCtr="0" anchor="ctr" bIns="91425" lIns="91425" spcFirstLastPara="1" rIns="91425" wrap="square" tIns="91425">
+            <a:bodyPr spcFirstLastPara="1" wrap="square" lIns="91425" tIns="91425" rIns="91425" bIns="91425" anchor="ctr" anchorCtr="0">
               <a:noAutofit/>
             </a:bodyPr>
             <a:lstStyle/>
             <a:p>
-              <a:pPr indent="0" lvl="0" marL="0" rtl="0" algn="l">
+              <a:pPr marL="0" lvl="0" indent="0" algn="l" rtl="0">
                 <a:spcBef>
                   <a:spcPts val="0"/>
                 </a:spcBef>
@@ -4716,9 +4838,6 @@
                 </a:spcAft>
                 <a:buNone/>
               </a:pPr>
-              <a:r>
-                <a:t/>
-              </a:r>
               <a:endParaRPr/>
             </a:p>
           </p:txBody>
@@ -4727,7 +4846,9 @@
       <p:sp>
         <p:nvSpPr>
           <p:cNvPr id="28" name="Google Shape;28;p4"/>
-          <p:cNvSpPr txBox="1"/>
+          <p:cNvSpPr txBox="1">
+            <a:spLocks noGrp="1"/>
+          </p:cNvSpPr>
           <p:nvPr>
             <p:ph type="title"/>
           </p:nvPr>
@@ -4742,7 +4863,7 @@
           </a:prstGeom>
         </p:spPr>
         <p:txBody>
-          <a:bodyPr anchorCtr="0" anchor="t" bIns="91425" lIns="91425" spcFirstLastPara="1" rIns="91425" wrap="square" tIns="91425">
+          <a:bodyPr spcFirstLastPara="1" wrap="square" lIns="91425" tIns="91425" rIns="91425" bIns="91425" anchor="t" anchorCtr="0">
             <a:noAutofit/>
           </a:bodyPr>
           <a:lstStyle>
@@ -4909,15 +5030,19 @@
               </a:defRPr>
             </a:lvl9pPr>
           </a:lstStyle>
-          <a:p/>
+          <a:p>
+            <a:endParaRPr/>
+          </a:p>
         </p:txBody>
       </p:sp>
       <p:sp>
         <p:nvSpPr>
           <p:cNvPr id="29" name="Google Shape;29;p4"/>
-          <p:cNvSpPr txBox="1"/>
+          <p:cNvSpPr txBox="1">
+            <a:spLocks noGrp="1"/>
+          </p:cNvSpPr>
           <p:nvPr>
-            <p:ph idx="1" type="body"/>
+            <p:ph type="body" idx="1"/>
           </p:nvPr>
         </p:nvSpPr>
         <p:spPr>
@@ -4930,11 +5055,11 @@
           </a:prstGeom>
         </p:spPr>
         <p:txBody>
-          <a:bodyPr anchorCtr="0" anchor="t" bIns="91425" lIns="91425" spcFirstLastPara="1" rIns="91425" wrap="square" tIns="91425">
+          <a:bodyPr spcFirstLastPara="1" wrap="square" lIns="91425" tIns="91425" rIns="91425" bIns="91425" anchor="t" anchorCtr="0">
             <a:noAutofit/>
           </a:bodyPr>
           <a:lstStyle>
-            <a:lvl1pPr indent="-311150" lvl="0" marL="457200">
+            <a:lvl1pPr marL="457200" lvl="0" indent="-311150">
               <a:spcBef>
                 <a:spcPts val="0"/>
               </a:spcBef>
@@ -4945,7 +5070,7 @@
               <a:buChar char="●"/>
               <a:defRPr/>
             </a:lvl1pPr>
-            <a:lvl2pPr indent="-298450" lvl="1" marL="914400">
+            <a:lvl2pPr marL="914400" lvl="1" indent="-298450">
               <a:spcBef>
                 <a:spcPts val="1600"/>
               </a:spcBef>
@@ -4956,7 +5081,7 @@
               <a:buChar char="○"/>
               <a:defRPr/>
             </a:lvl2pPr>
-            <a:lvl3pPr indent="-298450" lvl="2" marL="1371600">
+            <a:lvl3pPr marL="1371600" lvl="2" indent="-298450">
               <a:spcBef>
                 <a:spcPts val="1600"/>
               </a:spcBef>
@@ -4967,7 +5092,7 @@
               <a:buChar char="■"/>
               <a:defRPr/>
             </a:lvl3pPr>
-            <a:lvl4pPr indent="-298450" lvl="3" marL="1828800">
+            <a:lvl4pPr marL="1828800" lvl="3" indent="-298450">
               <a:spcBef>
                 <a:spcPts val="1600"/>
               </a:spcBef>
@@ -4978,7 +5103,7 @@
               <a:buChar char="●"/>
               <a:defRPr/>
             </a:lvl4pPr>
-            <a:lvl5pPr indent="-298450" lvl="4" marL="2286000">
+            <a:lvl5pPr marL="2286000" lvl="4" indent="-298450">
               <a:spcBef>
                 <a:spcPts val="1600"/>
               </a:spcBef>
@@ -4989,7 +5114,7 @@
               <a:buChar char="○"/>
               <a:defRPr/>
             </a:lvl5pPr>
-            <a:lvl6pPr indent="-298450" lvl="5" marL="2743200">
+            <a:lvl6pPr marL="2743200" lvl="5" indent="-298450">
               <a:spcBef>
                 <a:spcPts val="1600"/>
               </a:spcBef>
@@ -5000,7 +5125,7 @@
               <a:buChar char="■"/>
               <a:defRPr/>
             </a:lvl6pPr>
-            <a:lvl7pPr indent="-298450" lvl="6" marL="3200400">
+            <a:lvl7pPr marL="3200400" lvl="6" indent="-298450">
               <a:spcBef>
                 <a:spcPts val="1600"/>
               </a:spcBef>
@@ -5011,7 +5136,7 @@
               <a:buChar char="●"/>
               <a:defRPr/>
             </a:lvl7pPr>
-            <a:lvl8pPr indent="-298450" lvl="7" marL="3657600">
+            <a:lvl8pPr marL="3657600" lvl="7" indent="-298450">
               <a:spcBef>
                 <a:spcPts val="1600"/>
               </a:spcBef>
@@ -5022,7 +5147,7 @@
               <a:buChar char="○"/>
               <a:defRPr/>
             </a:lvl8pPr>
-            <a:lvl9pPr indent="-298450" lvl="8" marL="4114800">
+            <a:lvl9pPr marL="4114800" lvl="8" indent="-298450">
               <a:spcBef>
                 <a:spcPts val="1600"/>
               </a:spcBef>
@@ -5034,15 +5159,19 @@
               <a:defRPr/>
             </a:lvl9pPr>
           </a:lstStyle>
-          <a:p/>
+          <a:p>
+            <a:endParaRPr/>
+          </a:p>
         </p:txBody>
       </p:sp>
       <p:sp>
         <p:nvSpPr>
           <p:cNvPr id="30" name="Google Shape;30;p4"/>
-          <p:cNvSpPr txBox="1"/>
+          <p:cNvSpPr txBox="1">
+            <a:spLocks noGrp="1"/>
+          </p:cNvSpPr>
           <p:nvPr>
-            <p:ph idx="12" type="sldNum"/>
+            <p:ph type="sldNum" idx="12"/>
           </p:nvPr>
         </p:nvSpPr>
         <p:spPr>
@@ -5055,7 +5184,7 @@
           </a:prstGeom>
         </p:spPr>
         <p:txBody>
-          <a:bodyPr anchorCtr="0" anchor="ctr" bIns="91425" lIns="91425" spcFirstLastPara="1" rIns="91425" wrap="square" tIns="91425">
+          <a:bodyPr spcFirstLastPara="1" wrap="square" lIns="91425" tIns="91425" rIns="91425" bIns="91425" anchor="ctr" anchorCtr="0">
             <a:noAutofit/>
           </a:bodyPr>
           <a:lstStyle>
@@ -5097,7 +5226,7 @@
             </a:lvl9pPr>
           </a:lstStyle>
           <a:p>
-            <a:pPr indent="0" lvl="0" marL="0" rtl="0" algn="r">
+            <a:pPr marL="0" lvl="0" indent="0" algn="r" rtl="0">
               <a:spcBef>
                 <a:spcPts val="0"/>
               </a:spcBef>
@@ -5123,11 +5252,11 @@
 </file>
 
 <file path=ppt/slideLayouts/slideLayout4.xml><?xml version="1.0" encoding="utf-8"?>
-<p:sldLayout xmlns:a="http://schemas.openxmlformats.org/drawingml/2006/main" xmlns:r="http://schemas.openxmlformats.org/officeDocument/2006/relationships" xmlns:mc="http://schemas.openxmlformats.org/markup-compatibility/2006" xmlns:mv="urn:schemas-microsoft-com:mac:vml" xmlns:p="http://schemas.openxmlformats.org/presentationml/2006/main" xmlns:c="http://schemas.openxmlformats.org/drawingml/2006/chart" xmlns:dgm="http://schemas.openxmlformats.org/drawingml/2006/diagram" xmlns:o="urn:schemas-microsoft-com:office:office" xmlns:v="urn:schemas-microsoft-com:vml" xmlns:pvml="urn:schemas-microsoft-com:office:powerpoint" xmlns:com="http://schemas.openxmlformats.org/drawingml/2006/compatibility" xmlns:p14="http://schemas.microsoft.com/office/powerpoint/2010/main" xmlns:p15="http://schemas.microsoft.com/office/powerpoint/2012/main" matchingName="Title and two columns" type="twoColTx">
+<p:sldLayout xmlns:a="http://schemas.openxmlformats.org/drawingml/2006/main" xmlns:r="http://schemas.openxmlformats.org/officeDocument/2006/relationships" xmlns:p="http://schemas.openxmlformats.org/presentationml/2006/main" matchingName="Title and two columns" type="twoColTx">
   <p:cSld name="TITLE_AND_TWO_COLUMNS">
     <p:spTree>
       <p:nvGrpSpPr>
-        <p:cNvPr id="31" name="Shape 31"/>
+        <p:cNvPr id="1" name="Shape 31"/>
         <p:cNvGrpSpPr/>
         <p:nvPr/>
       </p:nvGrpSpPr>
@@ -5161,12 +5290,12 @@
           </a:ln>
         </p:spPr>
         <p:txBody>
-          <a:bodyPr anchorCtr="0" anchor="ctr" bIns="91425" lIns="91425" spcFirstLastPara="1" rIns="91425" wrap="square" tIns="91425">
+          <a:bodyPr spcFirstLastPara="1" wrap="square" lIns="91425" tIns="91425" rIns="91425" bIns="91425" anchor="ctr" anchorCtr="0">
             <a:noAutofit/>
           </a:bodyPr>
           <a:lstStyle/>
           <a:p>
-            <a:pPr indent="0" lvl="0" marL="0" rtl="0" algn="l">
+            <a:pPr marL="0" lvl="0" indent="0" algn="l" rtl="0">
               <a:spcBef>
                 <a:spcPts val="0"/>
               </a:spcBef>
@@ -5175,9 +5304,6 @@
               </a:spcAft>
               <a:buNone/>
             </a:pPr>
-            <a:r>
-              <a:t/>
-            </a:r>
             <a:endParaRPr/>
           </a:p>
         </p:txBody>
@@ -5218,12 +5344,12 @@
             </a:ln>
           </p:spPr>
           <p:txBody>
-            <a:bodyPr anchorCtr="0" anchor="ctr" bIns="91425" lIns="91425" spcFirstLastPara="1" rIns="91425" wrap="square" tIns="91425">
+            <a:bodyPr spcFirstLastPara="1" wrap="square" lIns="91425" tIns="91425" rIns="91425" bIns="91425" anchor="ctr" anchorCtr="0">
               <a:noAutofit/>
             </a:bodyPr>
             <a:lstStyle/>
             <a:p>
-              <a:pPr indent="0" lvl="0" marL="0" rtl="0" algn="l">
+              <a:pPr marL="0" lvl="0" indent="0" algn="l" rtl="0">
                 <a:spcBef>
                   <a:spcPts val="0"/>
                 </a:spcBef>
@@ -5232,9 +5358,6 @@
                 </a:spcAft>
                 <a:buNone/>
               </a:pPr>
-              <a:r>
-                <a:t/>
-              </a:r>
               <a:endParaRPr/>
             </a:p>
           </p:txBody>
@@ -5261,12 +5384,12 @@
             </a:ln>
           </p:spPr>
           <p:txBody>
-            <a:bodyPr anchorCtr="0" anchor="ctr" bIns="91425" lIns="91425" spcFirstLastPara="1" rIns="91425" wrap="square" tIns="91425">
+            <a:bodyPr spcFirstLastPara="1" wrap="square" lIns="91425" tIns="91425" rIns="91425" bIns="91425" anchor="ctr" anchorCtr="0">
               <a:noAutofit/>
             </a:bodyPr>
             <a:lstStyle/>
             <a:p>
-              <a:pPr indent="0" lvl="0" marL="0" rtl="0" algn="l">
+              <a:pPr marL="0" lvl="0" indent="0" algn="l" rtl="0">
                 <a:spcBef>
                   <a:spcPts val="0"/>
                 </a:spcBef>
@@ -5275,9 +5398,6 @@
                 </a:spcAft>
                 <a:buNone/>
               </a:pPr>
-              <a:r>
-                <a:t/>
-              </a:r>
               <a:endParaRPr/>
             </a:p>
           </p:txBody>
@@ -5286,7 +5406,9 @@
       <p:sp>
         <p:nvSpPr>
           <p:cNvPr id="36" name="Google Shape;36;p5"/>
-          <p:cNvSpPr txBox="1"/>
+          <p:cNvSpPr txBox="1">
+            <a:spLocks noGrp="1"/>
+          </p:cNvSpPr>
           <p:nvPr>
             <p:ph type="title"/>
           </p:nvPr>
@@ -5301,7 +5423,7 @@
           </a:prstGeom>
         </p:spPr>
         <p:txBody>
-          <a:bodyPr anchorCtr="0" anchor="t" bIns="91425" lIns="91425" spcFirstLastPara="1" rIns="91425" wrap="square" tIns="91425">
+          <a:bodyPr spcFirstLastPara="1" wrap="square" lIns="91425" tIns="91425" rIns="91425" bIns="91425" anchor="t" anchorCtr="0">
             <a:noAutofit/>
           </a:bodyPr>
           <a:lstStyle>
@@ -5468,15 +5590,19 @@
               </a:defRPr>
             </a:lvl9pPr>
           </a:lstStyle>
-          <a:p/>
+          <a:p>
+            <a:endParaRPr/>
+          </a:p>
         </p:txBody>
       </p:sp>
       <p:sp>
         <p:nvSpPr>
           <p:cNvPr id="37" name="Google Shape;37;p5"/>
-          <p:cNvSpPr txBox="1"/>
+          <p:cNvSpPr txBox="1">
+            <a:spLocks noGrp="1"/>
+          </p:cNvSpPr>
           <p:nvPr>
-            <p:ph idx="1" type="body"/>
+            <p:ph type="body" idx="1"/>
           </p:nvPr>
         </p:nvSpPr>
         <p:spPr>
@@ -5489,11 +5615,11 @@
           </a:prstGeom>
         </p:spPr>
         <p:txBody>
-          <a:bodyPr anchorCtr="0" anchor="t" bIns="91425" lIns="91425" spcFirstLastPara="1" rIns="91425" wrap="square" tIns="91425">
+          <a:bodyPr spcFirstLastPara="1" wrap="square" lIns="91425" tIns="91425" rIns="91425" bIns="91425" anchor="t" anchorCtr="0">
             <a:noAutofit/>
           </a:bodyPr>
           <a:lstStyle>
-            <a:lvl1pPr indent="-311150" lvl="0" marL="457200">
+            <a:lvl1pPr marL="457200" lvl="0" indent="-311150">
               <a:spcBef>
                 <a:spcPts val="0"/>
               </a:spcBef>
@@ -5504,7 +5630,7 @@
               <a:buChar char="●"/>
               <a:defRPr/>
             </a:lvl1pPr>
-            <a:lvl2pPr indent="-298450" lvl="1" marL="914400">
+            <a:lvl2pPr marL="914400" lvl="1" indent="-298450">
               <a:spcBef>
                 <a:spcPts val="1600"/>
               </a:spcBef>
@@ -5515,7 +5641,7 @@
               <a:buChar char="○"/>
               <a:defRPr/>
             </a:lvl2pPr>
-            <a:lvl3pPr indent="-298450" lvl="2" marL="1371600">
+            <a:lvl3pPr marL="1371600" lvl="2" indent="-298450">
               <a:spcBef>
                 <a:spcPts val="1600"/>
               </a:spcBef>
@@ -5526,7 +5652,7 @@
               <a:buChar char="■"/>
               <a:defRPr/>
             </a:lvl3pPr>
-            <a:lvl4pPr indent="-298450" lvl="3" marL="1828800">
+            <a:lvl4pPr marL="1828800" lvl="3" indent="-298450">
               <a:spcBef>
                 <a:spcPts val="1600"/>
               </a:spcBef>
@@ -5537,7 +5663,7 @@
               <a:buChar char="●"/>
               <a:defRPr/>
             </a:lvl4pPr>
-            <a:lvl5pPr indent="-298450" lvl="4" marL="2286000">
+            <a:lvl5pPr marL="2286000" lvl="4" indent="-298450">
               <a:spcBef>
                 <a:spcPts val="1600"/>
               </a:spcBef>
@@ -5548,7 +5674,7 @@
               <a:buChar char="○"/>
               <a:defRPr/>
             </a:lvl5pPr>
-            <a:lvl6pPr indent="-298450" lvl="5" marL="2743200">
+            <a:lvl6pPr marL="2743200" lvl="5" indent="-298450">
               <a:spcBef>
                 <a:spcPts val="1600"/>
               </a:spcBef>
@@ -5559,7 +5685,7 @@
               <a:buChar char="■"/>
               <a:defRPr/>
             </a:lvl6pPr>
-            <a:lvl7pPr indent="-298450" lvl="6" marL="3200400">
+            <a:lvl7pPr marL="3200400" lvl="6" indent="-298450">
               <a:spcBef>
                 <a:spcPts val="1600"/>
               </a:spcBef>
@@ -5570,7 +5696,7 @@
               <a:buChar char="●"/>
               <a:defRPr/>
             </a:lvl7pPr>
-            <a:lvl8pPr indent="-298450" lvl="7" marL="3657600">
+            <a:lvl8pPr marL="3657600" lvl="7" indent="-298450">
               <a:spcBef>
                 <a:spcPts val="1600"/>
               </a:spcBef>
@@ -5581,7 +5707,7 @@
               <a:buChar char="○"/>
               <a:defRPr/>
             </a:lvl8pPr>
-            <a:lvl9pPr indent="-298450" lvl="8" marL="4114800">
+            <a:lvl9pPr marL="4114800" lvl="8" indent="-298450">
               <a:spcBef>
                 <a:spcPts val="1600"/>
               </a:spcBef>
@@ -5593,15 +5719,19 @@
               <a:defRPr/>
             </a:lvl9pPr>
           </a:lstStyle>
-          <a:p/>
+          <a:p>
+            <a:endParaRPr/>
+          </a:p>
         </p:txBody>
       </p:sp>
       <p:sp>
         <p:nvSpPr>
           <p:cNvPr id="38" name="Google Shape;38;p5"/>
-          <p:cNvSpPr txBox="1"/>
+          <p:cNvSpPr txBox="1">
+            <a:spLocks noGrp="1"/>
+          </p:cNvSpPr>
           <p:nvPr>
-            <p:ph idx="2" type="body"/>
+            <p:ph type="body" idx="2"/>
           </p:nvPr>
         </p:nvSpPr>
         <p:spPr>
@@ -5614,11 +5744,11 @@
           </a:prstGeom>
         </p:spPr>
         <p:txBody>
-          <a:bodyPr anchorCtr="0" anchor="t" bIns="91425" lIns="91425" spcFirstLastPara="1" rIns="91425" wrap="square" tIns="91425">
+          <a:bodyPr spcFirstLastPara="1" wrap="square" lIns="91425" tIns="91425" rIns="91425" bIns="91425" anchor="t" anchorCtr="0">
             <a:noAutofit/>
           </a:bodyPr>
           <a:lstStyle>
-            <a:lvl1pPr indent="-311150" lvl="0" marL="457200">
+            <a:lvl1pPr marL="457200" lvl="0" indent="-311150">
               <a:spcBef>
                 <a:spcPts val="0"/>
               </a:spcBef>
@@ -5629,7 +5759,7 @@
               <a:buChar char="●"/>
               <a:defRPr/>
             </a:lvl1pPr>
-            <a:lvl2pPr indent="-298450" lvl="1" marL="914400">
+            <a:lvl2pPr marL="914400" lvl="1" indent="-298450">
               <a:spcBef>
                 <a:spcPts val="1600"/>
               </a:spcBef>
@@ -5640,7 +5770,7 @@
               <a:buChar char="○"/>
               <a:defRPr/>
             </a:lvl2pPr>
-            <a:lvl3pPr indent="-298450" lvl="2" marL="1371600">
+            <a:lvl3pPr marL="1371600" lvl="2" indent="-298450">
               <a:spcBef>
                 <a:spcPts val="1600"/>
               </a:spcBef>
@@ -5651,7 +5781,7 @@
               <a:buChar char="■"/>
               <a:defRPr/>
             </a:lvl3pPr>
-            <a:lvl4pPr indent="-298450" lvl="3" marL="1828800">
+            <a:lvl4pPr marL="1828800" lvl="3" indent="-298450">
               <a:spcBef>
                 <a:spcPts val="1600"/>
               </a:spcBef>
@@ -5662,7 +5792,7 @@
               <a:buChar char="●"/>
               <a:defRPr/>
             </a:lvl4pPr>
-            <a:lvl5pPr indent="-298450" lvl="4" marL="2286000">
+            <a:lvl5pPr marL="2286000" lvl="4" indent="-298450">
               <a:spcBef>
                 <a:spcPts val="1600"/>
               </a:spcBef>
@@ -5673,7 +5803,7 @@
               <a:buChar char="○"/>
               <a:defRPr/>
             </a:lvl5pPr>
-            <a:lvl6pPr indent="-298450" lvl="5" marL="2743200">
+            <a:lvl6pPr marL="2743200" lvl="5" indent="-298450">
               <a:spcBef>
                 <a:spcPts val="1600"/>
               </a:spcBef>
@@ -5684,7 +5814,7 @@
               <a:buChar char="■"/>
               <a:defRPr/>
             </a:lvl6pPr>
-            <a:lvl7pPr indent="-298450" lvl="6" marL="3200400">
+            <a:lvl7pPr marL="3200400" lvl="6" indent="-298450">
               <a:spcBef>
                 <a:spcPts val="1600"/>
               </a:spcBef>
@@ -5695,7 +5825,7 @@
               <a:buChar char="●"/>
               <a:defRPr/>
             </a:lvl7pPr>
-            <a:lvl8pPr indent="-298450" lvl="7" marL="3657600">
+            <a:lvl8pPr marL="3657600" lvl="7" indent="-298450">
               <a:spcBef>
                 <a:spcPts val="1600"/>
               </a:spcBef>
@@ -5706,7 +5836,7 @@
               <a:buChar char="○"/>
               <a:defRPr/>
             </a:lvl8pPr>
-            <a:lvl9pPr indent="-298450" lvl="8" marL="4114800">
+            <a:lvl9pPr marL="4114800" lvl="8" indent="-298450">
               <a:spcBef>
                 <a:spcPts val="1600"/>
               </a:spcBef>
@@ -5718,15 +5848,19 @@
               <a:defRPr/>
             </a:lvl9pPr>
           </a:lstStyle>
-          <a:p/>
+          <a:p>
+            <a:endParaRPr/>
+          </a:p>
         </p:txBody>
       </p:sp>
       <p:sp>
         <p:nvSpPr>
           <p:cNvPr id="39" name="Google Shape;39;p5"/>
-          <p:cNvSpPr txBox="1"/>
+          <p:cNvSpPr txBox="1">
+            <a:spLocks noGrp="1"/>
+          </p:cNvSpPr>
           <p:nvPr>
-            <p:ph idx="12" type="sldNum"/>
+            <p:ph type="sldNum" idx="12"/>
           </p:nvPr>
         </p:nvSpPr>
         <p:spPr>
@@ -5739,7 +5873,7 @@
           </a:prstGeom>
         </p:spPr>
         <p:txBody>
-          <a:bodyPr anchorCtr="0" anchor="ctr" bIns="91425" lIns="91425" spcFirstLastPara="1" rIns="91425" wrap="square" tIns="91425">
+          <a:bodyPr spcFirstLastPara="1" wrap="square" lIns="91425" tIns="91425" rIns="91425" bIns="91425" anchor="ctr" anchorCtr="0">
             <a:noAutofit/>
           </a:bodyPr>
           <a:lstStyle>
@@ -5781,7 +5915,7 @@
             </a:lvl9pPr>
           </a:lstStyle>
           <a:p>
-            <a:pPr indent="0" lvl="0" marL="0" rtl="0" algn="r">
+            <a:pPr marL="0" lvl="0" indent="0" algn="r" rtl="0">
               <a:spcBef>
                 <a:spcPts val="0"/>
               </a:spcBef>
@@ -5807,11 +5941,11 @@
 </file>
 
 <file path=ppt/slideLayouts/slideLayout5.xml><?xml version="1.0" encoding="utf-8"?>
-<p:sldLayout xmlns:a="http://schemas.openxmlformats.org/drawingml/2006/main" xmlns:r="http://schemas.openxmlformats.org/officeDocument/2006/relationships" xmlns:mc="http://schemas.openxmlformats.org/markup-compatibility/2006" xmlns:mv="urn:schemas-microsoft-com:mac:vml" xmlns:p="http://schemas.openxmlformats.org/presentationml/2006/main" xmlns:c="http://schemas.openxmlformats.org/drawingml/2006/chart" xmlns:dgm="http://schemas.openxmlformats.org/drawingml/2006/diagram" xmlns:o="urn:schemas-microsoft-com:office:office" xmlns:v="urn:schemas-microsoft-com:vml" xmlns:pvml="urn:schemas-microsoft-com:office:powerpoint" xmlns:com="http://schemas.openxmlformats.org/drawingml/2006/compatibility" xmlns:p14="http://schemas.microsoft.com/office/powerpoint/2010/main" xmlns:p15="http://schemas.microsoft.com/office/powerpoint/2012/main" matchingName="Title only" type="titleOnly">
+<p:sldLayout xmlns:a="http://schemas.openxmlformats.org/drawingml/2006/main" xmlns:r="http://schemas.openxmlformats.org/officeDocument/2006/relationships" xmlns:p="http://schemas.openxmlformats.org/presentationml/2006/main" matchingName="Title only" type="titleOnly">
   <p:cSld name="TITLE_ONLY">
     <p:spTree>
       <p:nvGrpSpPr>
-        <p:cNvPr id="40" name="Shape 40"/>
+        <p:cNvPr id="1" name="Shape 40"/>
         <p:cNvGrpSpPr/>
         <p:nvPr/>
       </p:nvGrpSpPr>
@@ -5845,12 +5979,12 @@
           </a:ln>
         </p:spPr>
         <p:txBody>
-          <a:bodyPr anchorCtr="0" anchor="ctr" bIns="91425" lIns="91425" spcFirstLastPara="1" rIns="91425" wrap="square" tIns="91425">
+          <a:bodyPr spcFirstLastPara="1" wrap="square" lIns="91425" tIns="91425" rIns="91425" bIns="91425" anchor="ctr" anchorCtr="0">
             <a:noAutofit/>
           </a:bodyPr>
           <a:lstStyle/>
           <a:p>
-            <a:pPr indent="0" lvl="0" marL="0" rtl="0" algn="l">
+            <a:pPr marL="0" lvl="0" indent="0" algn="l" rtl="0">
               <a:spcBef>
                 <a:spcPts val="0"/>
               </a:spcBef>
@@ -5859,9 +5993,6 @@
               </a:spcAft>
               <a:buNone/>
             </a:pPr>
-            <a:r>
-              <a:t/>
-            </a:r>
             <a:endParaRPr/>
           </a:p>
         </p:txBody>
@@ -5902,12 +6033,12 @@
             </a:ln>
           </p:spPr>
           <p:txBody>
-            <a:bodyPr anchorCtr="0" anchor="ctr" bIns="91425" lIns="91425" spcFirstLastPara="1" rIns="91425" wrap="square" tIns="91425">
+            <a:bodyPr spcFirstLastPara="1" wrap="square" lIns="91425" tIns="91425" rIns="91425" bIns="91425" anchor="ctr" anchorCtr="0">
               <a:noAutofit/>
             </a:bodyPr>
             <a:lstStyle/>
             <a:p>
-              <a:pPr indent="0" lvl="0" marL="0" rtl="0" algn="l">
+              <a:pPr marL="0" lvl="0" indent="0" algn="l" rtl="0">
                 <a:spcBef>
                   <a:spcPts val="0"/>
                 </a:spcBef>
@@ -5916,9 +6047,6 @@
                 </a:spcAft>
                 <a:buNone/>
               </a:pPr>
-              <a:r>
-                <a:t/>
-              </a:r>
               <a:endParaRPr/>
             </a:p>
           </p:txBody>
@@ -5945,12 +6073,12 @@
             </a:ln>
           </p:spPr>
           <p:txBody>
-            <a:bodyPr anchorCtr="0" anchor="ctr" bIns="91425" lIns="91425" spcFirstLastPara="1" rIns="91425" wrap="square" tIns="91425">
+            <a:bodyPr spcFirstLastPara="1" wrap="square" lIns="91425" tIns="91425" rIns="91425" bIns="91425" anchor="ctr" anchorCtr="0">
               <a:noAutofit/>
             </a:bodyPr>
             <a:lstStyle/>
             <a:p>
-              <a:pPr indent="0" lvl="0" marL="0" rtl="0" algn="l">
+              <a:pPr marL="0" lvl="0" indent="0" algn="l" rtl="0">
                 <a:spcBef>
                   <a:spcPts val="0"/>
                 </a:spcBef>
@@ -5959,9 +6087,6 @@
                 </a:spcAft>
                 <a:buNone/>
               </a:pPr>
-              <a:r>
-                <a:t/>
-              </a:r>
               <a:endParaRPr/>
             </a:p>
           </p:txBody>
@@ -5970,7 +6095,9 @@
       <p:sp>
         <p:nvSpPr>
           <p:cNvPr id="45" name="Google Shape;45;p6"/>
-          <p:cNvSpPr txBox="1"/>
+          <p:cNvSpPr txBox="1">
+            <a:spLocks noGrp="1"/>
+          </p:cNvSpPr>
           <p:nvPr>
             <p:ph type="title"/>
           </p:nvPr>
@@ -5985,7 +6112,7 @@
           </a:prstGeom>
         </p:spPr>
         <p:txBody>
-          <a:bodyPr anchorCtr="0" anchor="t" bIns="91425" lIns="91425" spcFirstLastPara="1" rIns="91425" wrap="square" tIns="91425">
+          <a:bodyPr spcFirstLastPara="1" wrap="square" lIns="91425" tIns="91425" rIns="91425" bIns="91425" anchor="t" anchorCtr="0">
             <a:noAutofit/>
           </a:bodyPr>
           <a:lstStyle>
@@ -6152,15 +6279,19 @@
               </a:defRPr>
             </a:lvl9pPr>
           </a:lstStyle>
-          <a:p/>
+          <a:p>
+            <a:endParaRPr/>
+          </a:p>
         </p:txBody>
       </p:sp>
       <p:sp>
         <p:nvSpPr>
           <p:cNvPr id="46" name="Google Shape;46;p6"/>
-          <p:cNvSpPr txBox="1"/>
+          <p:cNvSpPr txBox="1">
+            <a:spLocks noGrp="1"/>
+          </p:cNvSpPr>
           <p:nvPr>
-            <p:ph idx="12" type="sldNum"/>
+            <p:ph type="sldNum" idx="12"/>
           </p:nvPr>
         </p:nvSpPr>
         <p:spPr>
@@ -6173,7 +6304,7 @@
           </a:prstGeom>
         </p:spPr>
         <p:txBody>
-          <a:bodyPr anchorCtr="0" anchor="ctr" bIns="91425" lIns="91425" spcFirstLastPara="1" rIns="91425" wrap="square" tIns="91425">
+          <a:bodyPr spcFirstLastPara="1" wrap="square" lIns="91425" tIns="91425" rIns="91425" bIns="91425" anchor="ctr" anchorCtr="0">
             <a:noAutofit/>
           </a:bodyPr>
           <a:lstStyle>
@@ -6215,7 +6346,7 @@
             </a:lvl9pPr>
           </a:lstStyle>
           <a:p>
-            <a:pPr indent="0" lvl="0" marL="0" rtl="0" algn="r">
+            <a:pPr marL="0" lvl="0" indent="0" algn="r" rtl="0">
               <a:spcBef>
                 <a:spcPts val="0"/>
               </a:spcBef>
@@ -6241,11 +6372,11 @@
 </file>
 
 <file path=ppt/slideLayouts/slideLayout6.xml><?xml version="1.0" encoding="utf-8"?>
-<p:sldLayout xmlns:a="http://schemas.openxmlformats.org/drawingml/2006/main" xmlns:r="http://schemas.openxmlformats.org/officeDocument/2006/relationships" xmlns:mc="http://schemas.openxmlformats.org/markup-compatibility/2006" xmlns:mv="urn:schemas-microsoft-com:mac:vml" xmlns:p="http://schemas.openxmlformats.org/presentationml/2006/main" xmlns:c="http://schemas.openxmlformats.org/drawingml/2006/chart" xmlns:dgm="http://schemas.openxmlformats.org/drawingml/2006/diagram" xmlns:o="urn:schemas-microsoft-com:office:office" xmlns:v="urn:schemas-microsoft-com:vml" xmlns:pvml="urn:schemas-microsoft-com:office:powerpoint" xmlns:com="http://schemas.openxmlformats.org/drawingml/2006/compatibility" xmlns:p14="http://schemas.microsoft.com/office/powerpoint/2010/main" xmlns:p15="http://schemas.microsoft.com/office/powerpoint/2012/main" matchingName="One column text">
+<p:sldLayout xmlns:a="http://schemas.openxmlformats.org/drawingml/2006/main" xmlns:r="http://schemas.openxmlformats.org/officeDocument/2006/relationships" xmlns:p="http://schemas.openxmlformats.org/presentationml/2006/main" matchingName="One column text">
   <p:cSld name="ONE_COLUMN_TEXT">
     <p:spTree>
       <p:nvGrpSpPr>
-        <p:cNvPr id="47" name="Shape 47"/>
+        <p:cNvPr id="1" name="Shape 47"/>
         <p:cNvGrpSpPr/>
         <p:nvPr/>
       </p:nvGrpSpPr>
@@ -6279,12 +6410,12 @@
           </a:ln>
         </p:spPr>
         <p:txBody>
-          <a:bodyPr anchorCtr="0" anchor="ctr" bIns="91425" lIns="91425" spcFirstLastPara="1" rIns="91425" wrap="square" tIns="91425">
+          <a:bodyPr spcFirstLastPara="1" wrap="square" lIns="91425" tIns="91425" rIns="91425" bIns="91425" anchor="ctr" anchorCtr="0">
             <a:noAutofit/>
           </a:bodyPr>
           <a:lstStyle/>
           <a:p>
-            <a:pPr indent="0" lvl="0" marL="0" rtl="0" algn="l">
+            <a:pPr marL="0" lvl="0" indent="0" algn="l" rtl="0">
               <a:spcBef>
                 <a:spcPts val="0"/>
               </a:spcBef>
@@ -6293,9 +6424,6 @@
               </a:spcAft>
               <a:buNone/>
             </a:pPr>
-            <a:r>
-              <a:t/>
-            </a:r>
             <a:endParaRPr/>
           </a:p>
         </p:txBody>
@@ -6336,12 +6464,12 @@
             </a:ln>
           </p:spPr>
           <p:txBody>
-            <a:bodyPr anchorCtr="0" anchor="ctr" bIns="91425" lIns="91425" spcFirstLastPara="1" rIns="91425" wrap="square" tIns="91425">
+            <a:bodyPr spcFirstLastPara="1" wrap="square" lIns="91425" tIns="91425" rIns="91425" bIns="91425" anchor="ctr" anchorCtr="0">
               <a:noAutofit/>
             </a:bodyPr>
             <a:lstStyle/>
             <a:p>
-              <a:pPr indent="0" lvl="0" marL="0" rtl="0" algn="l">
+              <a:pPr marL="0" lvl="0" indent="0" algn="l" rtl="0">
                 <a:spcBef>
                   <a:spcPts val="0"/>
                 </a:spcBef>
@@ -6350,9 +6478,6 @@
                 </a:spcAft>
                 <a:buNone/>
               </a:pPr>
-              <a:r>
-                <a:t/>
-              </a:r>
               <a:endParaRPr/>
             </a:p>
           </p:txBody>
@@ -6379,12 +6504,12 @@
             </a:ln>
           </p:spPr>
           <p:txBody>
-            <a:bodyPr anchorCtr="0" anchor="ctr" bIns="91425" lIns="91425" spcFirstLastPara="1" rIns="91425" wrap="square" tIns="91425">
+            <a:bodyPr spcFirstLastPara="1" wrap="square" lIns="91425" tIns="91425" rIns="91425" bIns="91425" anchor="ctr" anchorCtr="0">
               <a:noAutofit/>
             </a:bodyPr>
             <a:lstStyle/>
             <a:p>
-              <a:pPr indent="0" lvl="0" marL="0" rtl="0" algn="l">
+              <a:pPr marL="0" lvl="0" indent="0" algn="l" rtl="0">
                 <a:spcBef>
                   <a:spcPts val="0"/>
                 </a:spcBef>
@@ -6393,9 +6518,6 @@
                 </a:spcAft>
                 <a:buNone/>
               </a:pPr>
-              <a:r>
-                <a:t/>
-              </a:r>
               <a:endParaRPr/>
             </a:p>
           </p:txBody>
@@ -6404,7 +6526,9 @@
       <p:sp>
         <p:nvSpPr>
           <p:cNvPr id="52" name="Google Shape;52;p7"/>
-          <p:cNvSpPr txBox="1"/>
+          <p:cNvSpPr txBox="1">
+            <a:spLocks noGrp="1"/>
+          </p:cNvSpPr>
           <p:nvPr>
             <p:ph type="title"/>
           </p:nvPr>
@@ -6419,7 +6543,7 @@
           </a:prstGeom>
         </p:spPr>
         <p:txBody>
-          <a:bodyPr anchorCtr="0" anchor="t" bIns="91425" lIns="91425" spcFirstLastPara="1" rIns="91425" wrap="square" tIns="91425">
+          <a:bodyPr spcFirstLastPara="1" wrap="square" lIns="91425" tIns="91425" rIns="91425" bIns="91425" anchor="t" anchorCtr="0">
             <a:noAutofit/>
           </a:bodyPr>
           <a:lstStyle>
@@ -6586,15 +6710,19 @@
               </a:defRPr>
             </a:lvl9pPr>
           </a:lstStyle>
-          <a:p/>
+          <a:p>
+            <a:endParaRPr/>
+          </a:p>
         </p:txBody>
       </p:sp>
       <p:sp>
         <p:nvSpPr>
           <p:cNvPr id="53" name="Google Shape;53;p7"/>
-          <p:cNvSpPr txBox="1"/>
+          <p:cNvSpPr txBox="1">
+            <a:spLocks noGrp="1"/>
+          </p:cNvSpPr>
           <p:nvPr>
-            <p:ph idx="1" type="body"/>
+            <p:ph type="body" idx="1"/>
           </p:nvPr>
         </p:nvSpPr>
         <p:spPr>
@@ -6607,11 +6735,11 @@
           </a:prstGeom>
         </p:spPr>
         <p:txBody>
-          <a:bodyPr anchorCtr="0" anchor="t" bIns="91425" lIns="91425" spcFirstLastPara="1" rIns="91425" wrap="square" tIns="91425">
+          <a:bodyPr spcFirstLastPara="1" wrap="square" lIns="91425" tIns="91425" rIns="91425" bIns="91425" anchor="t" anchorCtr="0">
             <a:noAutofit/>
           </a:bodyPr>
           <a:lstStyle>
-            <a:lvl1pPr indent="-311150" lvl="0" marL="457200">
+            <a:lvl1pPr marL="457200" lvl="0" indent="-311150">
               <a:spcBef>
                 <a:spcPts val="0"/>
               </a:spcBef>
@@ -6622,7 +6750,7 @@
               <a:buChar char="●"/>
               <a:defRPr/>
             </a:lvl1pPr>
-            <a:lvl2pPr indent="-298450" lvl="1" marL="914400">
+            <a:lvl2pPr marL="914400" lvl="1" indent="-298450">
               <a:spcBef>
                 <a:spcPts val="1600"/>
               </a:spcBef>
@@ -6633,7 +6761,7 @@
               <a:buChar char="○"/>
               <a:defRPr/>
             </a:lvl2pPr>
-            <a:lvl3pPr indent="-298450" lvl="2" marL="1371600">
+            <a:lvl3pPr marL="1371600" lvl="2" indent="-298450">
               <a:spcBef>
                 <a:spcPts val="1600"/>
               </a:spcBef>
@@ -6644,7 +6772,7 @@
               <a:buChar char="■"/>
               <a:defRPr/>
             </a:lvl3pPr>
-            <a:lvl4pPr indent="-298450" lvl="3" marL="1828800">
+            <a:lvl4pPr marL="1828800" lvl="3" indent="-298450">
               <a:spcBef>
                 <a:spcPts val="1600"/>
               </a:spcBef>
@@ -6655,7 +6783,7 @@
               <a:buChar char="●"/>
               <a:defRPr/>
             </a:lvl4pPr>
-            <a:lvl5pPr indent="-298450" lvl="4" marL="2286000">
+            <a:lvl5pPr marL="2286000" lvl="4" indent="-298450">
               <a:spcBef>
                 <a:spcPts val="1600"/>
               </a:spcBef>
@@ -6666,7 +6794,7 @@
               <a:buChar char="○"/>
               <a:defRPr/>
             </a:lvl5pPr>
-            <a:lvl6pPr indent="-298450" lvl="5" marL="2743200">
+            <a:lvl6pPr marL="2743200" lvl="5" indent="-298450">
               <a:spcBef>
                 <a:spcPts val="1600"/>
               </a:spcBef>
@@ -6677,7 +6805,7 @@
               <a:buChar char="■"/>
               <a:defRPr/>
             </a:lvl6pPr>
-            <a:lvl7pPr indent="-298450" lvl="6" marL="3200400">
+            <a:lvl7pPr marL="3200400" lvl="6" indent="-298450">
               <a:spcBef>
                 <a:spcPts val="1600"/>
               </a:spcBef>
@@ -6688,7 +6816,7 @@
               <a:buChar char="●"/>
               <a:defRPr/>
             </a:lvl7pPr>
-            <a:lvl8pPr indent="-298450" lvl="7" marL="3657600">
+            <a:lvl8pPr marL="3657600" lvl="7" indent="-298450">
               <a:spcBef>
                 <a:spcPts val="1600"/>
               </a:spcBef>
@@ -6699,7 +6827,7 @@
               <a:buChar char="○"/>
               <a:defRPr/>
             </a:lvl8pPr>
-            <a:lvl9pPr indent="-298450" lvl="8" marL="4114800">
+            <a:lvl9pPr marL="4114800" lvl="8" indent="-298450">
               <a:spcBef>
                 <a:spcPts val="1600"/>
               </a:spcBef>
@@ -6711,15 +6839,19 @@
               <a:defRPr/>
             </a:lvl9pPr>
           </a:lstStyle>
-          <a:p/>
+          <a:p>
+            <a:endParaRPr/>
+          </a:p>
         </p:txBody>
       </p:sp>
       <p:sp>
         <p:nvSpPr>
           <p:cNvPr id="54" name="Google Shape;54;p7"/>
-          <p:cNvSpPr txBox="1"/>
+          <p:cNvSpPr txBox="1">
+            <a:spLocks noGrp="1"/>
+          </p:cNvSpPr>
           <p:nvPr>
-            <p:ph idx="12" type="sldNum"/>
+            <p:ph type="sldNum" idx="12"/>
           </p:nvPr>
         </p:nvSpPr>
         <p:spPr>
@@ -6732,7 +6864,7 @@
           </a:prstGeom>
         </p:spPr>
         <p:txBody>
-          <a:bodyPr anchorCtr="0" anchor="ctr" bIns="91425" lIns="91425" spcFirstLastPara="1" rIns="91425" wrap="square" tIns="91425">
+          <a:bodyPr spcFirstLastPara="1" wrap="square" lIns="91425" tIns="91425" rIns="91425" bIns="91425" anchor="ctr" anchorCtr="0">
             <a:noAutofit/>
           </a:bodyPr>
           <a:lstStyle>
@@ -6774,7 +6906,7 @@
             </a:lvl9pPr>
           </a:lstStyle>
           <a:p>
-            <a:pPr indent="0" lvl="0" marL="0" rtl="0" algn="r">
+            <a:pPr marL="0" lvl="0" indent="0" algn="r" rtl="0">
               <a:spcBef>
                 <a:spcPts val="0"/>
               </a:spcBef>
@@ -6800,18 +6932,19 @@
 </file>
 
 <file path=ppt/slideLayouts/slideLayout7.xml><?xml version="1.0" encoding="utf-8"?>
-<p:sldLayout xmlns:a="http://schemas.openxmlformats.org/drawingml/2006/main" xmlns:r="http://schemas.openxmlformats.org/officeDocument/2006/relationships" xmlns:mc="http://schemas.openxmlformats.org/markup-compatibility/2006" xmlns:mv="urn:schemas-microsoft-com:mac:vml" xmlns:p="http://schemas.openxmlformats.org/presentationml/2006/main" xmlns:c="http://schemas.openxmlformats.org/drawingml/2006/chart" xmlns:dgm="http://schemas.openxmlformats.org/drawingml/2006/diagram" xmlns:o="urn:schemas-microsoft-com:office:office" xmlns:v="urn:schemas-microsoft-com:vml" xmlns:pvml="urn:schemas-microsoft-com:office:powerpoint" xmlns:com="http://schemas.openxmlformats.org/drawingml/2006/compatibility" xmlns:p14="http://schemas.microsoft.com/office/powerpoint/2010/main" xmlns:p15="http://schemas.microsoft.com/office/powerpoint/2012/main" matchingName="Main point">
+<p:sldLayout xmlns:a="http://schemas.openxmlformats.org/drawingml/2006/main" xmlns:r="http://schemas.openxmlformats.org/officeDocument/2006/relationships" xmlns:p="http://schemas.openxmlformats.org/presentationml/2006/main" matchingName="Main point">
   <p:cSld name="MAIN_POINT">
     <p:bg>
       <p:bgPr>
         <a:solidFill>
           <a:schemeClr val="accent3"/>
         </a:solidFill>
+        <a:effectLst/>
       </p:bgPr>
     </p:bg>
     <p:spTree>
       <p:nvGrpSpPr>
-        <p:cNvPr id="55" name="Shape 55"/>
+        <p:cNvPr id="1" name="Shape 55"/>
         <p:cNvGrpSpPr/>
         <p:nvPr/>
       </p:nvGrpSpPr>
@@ -6859,12 +6992,12 @@
             </a:ln>
           </p:spPr>
           <p:txBody>
-            <a:bodyPr anchorCtr="0" anchor="ctr" bIns="91425" lIns="91425" spcFirstLastPara="1" rIns="91425" wrap="square" tIns="91425">
+            <a:bodyPr spcFirstLastPara="1" wrap="square" lIns="91425" tIns="91425" rIns="91425" bIns="91425" anchor="ctr" anchorCtr="0">
               <a:noAutofit/>
             </a:bodyPr>
             <a:lstStyle/>
             <a:p>
-              <a:pPr indent="0" lvl="0" marL="0" rtl="0" algn="l">
+              <a:pPr marL="0" lvl="0" indent="0" algn="l" rtl="0">
                 <a:spcBef>
                   <a:spcPts val="0"/>
                 </a:spcBef>
@@ -6873,9 +7006,6 @@
                 </a:spcAft>
                 <a:buNone/>
               </a:pPr>
-              <a:r>
-                <a:t/>
-              </a:r>
               <a:endParaRPr/>
             </a:p>
           </p:txBody>
@@ -6902,12 +7032,12 @@
             </a:ln>
           </p:spPr>
           <p:txBody>
-            <a:bodyPr anchorCtr="0" anchor="ctr" bIns="91425" lIns="91425" spcFirstLastPara="1" rIns="91425" wrap="square" tIns="91425">
+            <a:bodyPr spcFirstLastPara="1" wrap="square" lIns="91425" tIns="91425" rIns="91425" bIns="91425" anchor="ctr" anchorCtr="0">
               <a:noAutofit/>
             </a:bodyPr>
             <a:lstStyle/>
             <a:p>
-              <a:pPr indent="0" lvl="0" marL="0" rtl="0" algn="l">
+              <a:pPr marL="0" lvl="0" indent="0" algn="l" rtl="0">
                 <a:spcBef>
                   <a:spcPts val="0"/>
                 </a:spcBef>
@@ -6916,9 +7046,6 @@
                 </a:spcAft>
                 <a:buNone/>
               </a:pPr>
-              <a:r>
-                <a:t/>
-              </a:r>
               <a:endParaRPr/>
             </a:p>
           </p:txBody>
@@ -6927,7 +7054,9 @@
       <p:sp>
         <p:nvSpPr>
           <p:cNvPr id="59" name="Google Shape;59;p8"/>
-          <p:cNvSpPr txBox="1"/>
+          <p:cNvSpPr txBox="1">
+            <a:spLocks noGrp="1"/>
+          </p:cNvSpPr>
           <p:nvPr>
             <p:ph type="title"/>
           </p:nvPr>
@@ -6942,7 +7071,7 @@
           </a:prstGeom>
         </p:spPr>
         <p:txBody>
-          <a:bodyPr anchorCtr="0" anchor="ctr" bIns="91425" lIns="91425" spcFirstLastPara="1" rIns="91425" wrap="square" tIns="91425">
+          <a:bodyPr spcFirstLastPara="1" wrap="square" lIns="91425" tIns="91425" rIns="91425" bIns="91425" anchor="ctr" anchorCtr="0">
             <a:noAutofit/>
           </a:bodyPr>
           <a:lstStyle>
@@ -7109,15 +7238,19 @@
               </a:defRPr>
             </a:lvl9pPr>
           </a:lstStyle>
-          <a:p/>
+          <a:p>
+            <a:endParaRPr/>
+          </a:p>
         </p:txBody>
       </p:sp>
       <p:sp>
         <p:nvSpPr>
           <p:cNvPr id="60" name="Google Shape;60;p8"/>
-          <p:cNvSpPr txBox="1"/>
+          <p:cNvSpPr txBox="1">
+            <a:spLocks noGrp="1"/>
+          </p:cNvSpPr>
           <p:nvPr>
-            <p:ph idx="12" type="sldNum"/>
+            <p:ph type="sldNum" idx="12"/>
           </p:nvPr>
         </p:nvSpPr>
         <p:spPr>
@@ -7130,7 +7263,7 @@
           </a:prstGeom>
         </p:spPr>
         <p:txBody>
-          <a:bodyPr anchorCtr="0" anchor="ctr" bIns="91425" lIns="91425" spcFirstLastPara="1" rIns="91425" wrap="square" tIns="91425">
+          <a:bodyPr spcFirstLastPara="1" wrap="square" lIns="91425" tIns="91425" rIns="91425" bIns="91425" anchor="ctr" anchorCtr="0">
             <a:noAutofit/>
           </a:bodyPr>
           <a:lstStyle>
@@ -7208,7 +7341,7 @@
             </a:lvl9pPr>
           </a:lstStyle>
           <a:p>
-            <a:pPr indent="0" lvl="0" marL="0" rtl="0" algn="r">
+            <a:pPr marL="0" lvl="0" indent="0" algn="r" rtl="0">
               <a:spcBef>
                 <a:spcPts val="0"/>
               </a:spcBef>
@@ -7234,11 +7367,11 @@
 </file>
 
 <file path=ppt/slideLayouts/slideLayout8.xml><?xml version="1.0" encoding="utf-8"?>
-<p:sldLayout xmlns:a="http://schemas.openxmlformats.org/drawingml/2006/main" xmlns:r="http://schemas.openxmlformats.org/officeDocument/2006/relationships" xmlns:mc="http://schemas.openxmlformats.org/markup-compatibility/2006" xmlns:mv="urn:schemas-microsoft-com:mac:vml" xmlns:p="http://schemas.openxmlformats.org/presentationml/2006/main" xmlns:c="http://schemas.openxmlformats.org/drawingml/2006/chart" xmlns:dgm="http://schemas.openxmlformats.org/drawingml/2006/diagram" xmlns:o="urn:schemas-microsoft-com:office:office" xmlns:v="urn:schemas-microsoft-com:vml" xmlns:pvml="urn:schemas-microsoft-com:office:powerpoint" xmlns:com="http://schemas.openxmlformats.org/drawingml/2006/compatibility" xmlns:p14="http://schemas.microsoft.com/office/powerpoint/2010/main" xmlns:p15="http://schemas.microsoft.com/office/powerpoint/2012/main" matchingName="Section title and description">
+<p:sldLayout xmlns:a="http://schemas.openxmlformats.org/drawingml/2006/main" xmlns:r="http://schemas.openxmlformats.org/officeDocument/2006/relationships" xmlns:p="http://schemas.openxmlformats.org/presentationml/2006/main" matchingName="Section title and description">
   <p:cSld name="SECTION_TITLE_AND_DESCRIPTION">
     <p:spTree>
       <p:nvGrpSpPr>
-        <p:cNvPr id="61" name="Shape 61"/>
+        <p:cNvPr id="1" name="Shape 61"/>
         <p:cNvGrpSpPr/>
         <p:nvPr/>
       </p:nvGrpSpPr>
@@ -7272,12 +7405,12 @@
           </a:ln>
         </p:spPr>
         <p:txBody>
-          <a:bodyPr anchorCtr="0" anchor="ctr" bIns="91425" lIns="91425" spcFirstLastPara="1" rIns="91425" wrap="square" tIns="91425">
+          <a:bodyPr spcFirstLastPara="1" wrap="square" lIns="91425" tIns="91425" rIns="91425" bIns="91425" anchor="ctr" anchorCtr="0">
             <a:noAutofit/>
           </a:bodyPr>
           <a:lstStyle/>
           <a:p>
-            <a:pPr indent="0" lvl="0" marL="0" rtl="0" algn="l">
+            <a:pPr marL="0" lvl="0" indent="0" algn="l" rtl="0">
               <a:spcBef>
                 <a:spcPts val="0"/>
               </a:spcBef>
@@ -7286,9 +7419,6 @@
               </a:spcAft>
               <a:buNone/>
             </a:pPr>
-            <a:r>
-              <a:t/>
-            </a:r>
             <a:endParaRPr/>
           </a:p>
         </p:txBody>
@@ -7329,12 +7459,12 @@
             </a:ln>
           </p:spPr>
           <p:txBody>
-            <a:bodyPr anchorCtr="0" anchor="ctr" bIns="91425" lIns="91425" spcFirstLastPara="1" rIns="91425" wrap="square" tIns="91425">
+            <a:bodyPr spcFirstLastPara="1" wrap="square" lIns="91425" tIns="91425" rIns="91425" bIns="91425" anchor="ctr" anchorCtr="0">
               <a:noAutofit/>
             </a:bodyPr>
             <a:lstStyle/>
             <a:p>
-              <a:pPr indent="0" lvl="0" marL="0" rtl="0" algn="l">
+              <a:pPr marL="0" lvl="0" indent="0" algn="l" rtl="0">
                 <a:spcBef>
                   <a:spcPts val="0"/>
                 </a:spcBef>
@@ -7343,9 +7473,6 @@
                 </a:spcAft>
                 <a:buNone/>
               </a:pPr>
-              <a:r>
-                <a:t/>
-              </a:r>
               <a:endParaRPr/>
             </a:p>
           </p:txBody>
@@ -7372,12 +7499,12 @@
             </a:ln>
           </p:spPr>
           <p:txBody>
-            <a:bodyPr anchorCtr="0" anchor="ctr" bIns="91425" lIns="91425" spcFirstLastPara="1" rIns="91425" wrap="square" tIns="91425">
+            <a:bodyPr spcFirstLastPara="1" wrap="square" lIns="91425" tIns="91425" rIns="91425" bIns="91425" anchor="ctr" anchorCtr="0">
               <a:noAutofit/>
             </a:bodyPr>
             <a:lstStyle/>
             <a:p>
-              <a:pPr indent="0" lvl="0" marL="0" rtl="0" algn="l">
+              <a:pPr marL="0" lvl="0" indent="0" algn="l" rtl="0">
                 <a:spcBef>
                   <a:spcPts val="0"/>
                 </a:spcBef>
@@ -7386,9 +7513,6 @@
                 </a:spcAft>
                 <a:buNone/>
               </a:pPr>
-              <a:r>
-                <a:t/>
-              </a:r>
               <a:endParaRPr/>
             </a:p>
           </p:txBody>
@@ -7397,7 +7521,9 @@
       <p:sp>
         <p:nvSpPr>
           <p:cNvPr id="66" name="Google Shape;66;p9"/>
-          <p:cNvSpPr txBox="1"/>
+          <p:cNvSpPr txBox="1">
+            <a:spLocks noGrp="1"/>
+          </p:cNvSpPr>
           <p:nvPr>
             <p:ph type="title"/>
           </p:nvPr>
@@ -7412,7 +7538,7 @@
           </a:prstGeom>
         </p:spPr>
         <p:txBody>
-          <a:bodyPr anchorCtr="0" anchor="t" bIns="91425" lIns="91425" spcFirstLastPara="1" rIns="91425" wrap="square" tIns="91425">
+          <a:bodyPr spcFirstLastPara="1" wrap="square" lIns="91425" tIns="91425" rIns="91425" bIns="91425" anchor="t" anchorCtr="0">
             <a:noAutofit/>
           </a:bodyPr>
           <a:lstStyle>
@@ -7579,15 +7705,19 @@
               </a:defRPr>
             </a:lvl9pPr>
           </a:lstStyle>
-          <a:p/>
+          <a:p>
+            <a:endParaRPr/>
+          </a:p>
         </p:txBody>
       </p:sp>
       <p:sp>
         <p:nvSpPr>
           <p:cNvPr id="67" name="Google Shape;67;p9"/>
-          <p:cNvSpPr txBox="1"/>
+          <p:cNvSpPr txBox="1">
+            <a:spLocks noGrp="1"/>
+          </p:cNvSpPr>
           <p:nvPr>
-            <p:ph idx="1" type="subTitle"/>
+            <p:ph type="subTitle" idx="1"/>
           </p:nvPr>
         </p:nvSpPr>
         <p:spPr>
@@ -7600,7 +7730,7 @@
           </a:prstGeom>
         </p:spPr>
         <p:txBody>
-          <a:bodyPr anchorCtr="0" anchor="t" bIns="91425" lIns="91425" spcFirstLastPara="1" rIns="91425" wrap="square" tIns="91425">
+          <a:bodyPr spcFirstLastPara="1" wrap="square" lIns="91425" tIns="91425" rIns="91425" bIns="91425" anchor="t" anchorCtr="0">
             <a:noAutofit/>
           </a:bodyPr>
           <a:lstStyle>
@@ -7731,15 +7861,19 @@
               <a:defRPr sz="1600"/>
             </a:lvl9pPr>
           </a:lstStyle>
-          <a:p/>
+          <a:p>
+            <a:endParaRPr/>
+          </a:p>
         </p:txBody>
       </p:sp>
       <p:sp>
         <p:nvSpPr>
           <p:cNvPr id="68" name="Google Shape;68;p9"/>
-          <p:cNvSpPr txBox="1"/>
+          <p:cNvSpPr txBox="1">
+            <a:spLocks noGrp="1"/>
+          </p:cNvSpPr>
           <p:nvPr>
-            <p:ph idx="2" type="body"/>
+            <p:ph type="body" idx="2"/>
           </p:nvPr>
         </p:nvSpPr>
         <p:spPr>
@@ -7752,11 +7886,11 @@
           </a:prstGeom>
         </p:spPr>
         <p:txBody>
-          <a:bodyPr anchorCtr="0" anchor="t" bIns="91425" lIns="91425" spcFirstLastPara="1" rIns="91425" wrap="square" tIns="91425">
+          <a:bodyPr spcFirstLastPara="1" wrap="square" lIns="91425" tIns="91425" rIns="91425" bIns="91425" anchor="t" anchorCtr="0">
             <a:noAutofit/>
           </a:bodyPr>
           <a:lstStyle>
-            <a:lvl1pPr indent="-311150" lvl="0" marL="457200">
+            <a:lvl1pPr marL="457200" lvl="0" indent="-311150">
               <a:spcBef>
                 <a:spcPts val="0"/>
               </a:spcBef>
@@ -7767,7 +7901,7 @@
               <a:buChar char="●"/>
               <a:defRPr/>
             </a:lvl1pPr>
-            <a:lvl2pPr indent="-298450" lvl="1" marL="914400">
+            <a:lvl2pPr marL="914400" lvl="1" indent="-298450">
               <a:spcBef>
                 <a:spcPts val="1600"/>
               </a:spcBef>
@@ -7778,7 +7912,7 @@
               <a:buChar char="○"/>
               <a:defRPr/>
             </a:lvl2pPr>
-            <a:lvl3pPr indent="-298450" lvl="2" marL="1371600">
+            <a:lvl3pPr marL="1371600" lvl="2" indent="-298450">
               <a:spcBef>
                 <a:spcPts val="1600"/>
               </a:spcBef>
@@ -7789,7 +7923,7 @@
               <a:buChar char="■"/>
               <a:defRPr/>
             </a:lvl3pPr>
-            <a:lvl4pPr indent="-298450" lvl="3" marL="1828800">
+            <a:lvl4pPr marL="1828800" lvl="3" indent="-298450">
               <a:spcBef>
                 <a:spcPts val="1600"/>
               </a:spcBef>
@@ -7800,7 +7934,7 @@
               <a:buChar char="●"/>
               <a:defRPr/>
             </a:lvl4pPr>
-            <a:lvl5pPr indent="-298450" lvl="4" marL="2286000">
+            <a:lvl5pPr marL="2286000" lvl="4" indent="-298450">
               <a:spcBef>
                 <a:spcPts val="1600"/>
               </a:spcBef>
@@ -7811,7 +7945,7 @@
               <a:buChar char="○"/>
               <a:defRPr/>
             </a:lvl5pPr>
-            <a:lvl6pPr indent="-298450" lvl="5" marL="2743200">
+            <a:lvl6pPr marL="2743200" lvl="5" indent="-298450">
               <a:spcBef>
                 <a:spcPts val="1600"/>
               </a:spcBef>
@@ -7822,7 +7956,7 @@
               <a:buChar char="■"/>
               <a:defRPr/>
             </a:lvl6pPr>
-            <a:lvl7pPr indent="-298450" lvl="6" marL="3200400">
+            <a:lvl7pPr marL="3200400" lvl="6" indent="-298450">
               <a:spcBef>
                 <a:spcPts val="1600"/>
               </a:spcBef>
@@ -7833,7 +7967,7 @@
               <a:buChar char="●"/>
               <a:defRPr/>
             </a:lvl7pPr>
-            <a:lvl8pPr indent="-298450" lvl="7" marL="3657600">
+            <a:lvl8pPr marL="3657600" lvl="7" indent="-298450">
               <a:spcBef>
                 <a:spcPts val="1600"/>
               </a:spcBef>
@@ -7844,7 +7978,7 @@
               <a:buChar char="○"/>
               <a:defRPr/>
             </a:lvl8pPr>
-            <a:lvl9pPr indent="-298450" lvl="8" marL="4114800">
+            <a:lvl9pPr marL="4114800" lvl="8" indent="-298450">
               <a:spcBef>
                 <a:spcPts val="1600"/>
               </a:spcBef>
@@ -7856,15 +7990,19 @@
               <a:defRPr/>
             </a:lvl9pPr>
           </a:lstStyle>
-          <a:p/>
+          <a:p>
+            <a:endParaRPr/>
+          </a:p>
         </p:txBody>
       </p:sp>
       <p:sp>
         <p:nvSpPr>
           <p:cNvPr id="69" name="Google Shape;69;p9"/>
-          <p:cNvSpPr txBox="1"/>
+          <p:cNvSpPr txBox="1">
+            <a:spLocks noGrp="1"/>
+          </p:cNvSpPr>
           <p:nvPr>
-            <p:ph idx="12" type="sldNum"/>
+            <p:ph type="sldNum" idx="12"/>
           </p:nvPr>
         </p:nvSpPr>
         <p:spPr>
@@ -7877,7 +8015,7 @@
           </a:prstGeom>
         </p:spPr>
         <p:txBody>
-          <a:bodyPr anchorCtr="0" anchor="ctr" bIns="91425" lIns="91425" spcFirstLastPara="1" rIns="91425" wrap="square" tIns="91425">
+          <a:bodyPr spcFirstLastPara="1" wrap="square" lIns="91425" tIns="91425" rIns="91425" bIns="91425" anchor="ctr" anchorCtr="0">
             <a:noAutofit/>
           </a:bodyPr>
           <a:lstStyle>
@@ -7919,7 +8057,7 @@
             </a:lvl9pPr>
           </a:lstStyle>
           <a:p>
-            <a:pPr indent="0" lvl="0" marL="0" rtl="0" algn="r">
+            <a:pPr marL="0" lvl="0" indent="0" algn="r" rtl="0">
               <a:spcBef>
                 <a:spcPts val="0"/>
               </a:spcBef>
@@ -7945,11 +8083,11 @@
 </file>
 
 <file path=ppt/slideLayouts/slideLayout9.xml><?xml version="1.0" encoding="utf-8"?>
-<p:sldLayout xmlns:a="http://schemas.openxmlformats.org/drawingml/2006/main" xmlns:r="http://schemas.openxmlformats.org/officeDocument/2006/relationships" xmlns:mc="http://schemas.openxmlformats.org/markup-compatibility/2006" xmlns:mv="urn:schemas-microsoft-com:mac:vml" xmlns:p="http://schemas.openxmlformats.org/presentationml/2006/main" xmlns:c="http://schemas.openxmlformats.org/drawingml/2006/chart" xmlns:dgm="http://schemas.openxmlformats.org/drawingml/2006/diagram" xmlns:o="urn:schemas-microsoft-com:office:office" xmlns:v="urn:schemas-microsoft-com:vml" xmlns:pvml="urn:schemas-microsoft-com:office:powerpoint" xmlns:com="http://schemas.openxmlformats.org/drawingml/2006/compatibility" xmlns:p14="http://schemas.microsoft.com/office/powerpoint/2010/main" xmlns:p15="http://schemas.microsoft.com/office/powerpoint/2012/main" matchingName="Caption">
+<p:sldLayout xmlns:a="http://schemas.openxmlformats.org/drawingml/2006/main" xmlns:r="http://schemas.openxmlformats.org/officeDocument/2006/relationships" xmlns:p="http://schemas.openxmlformats.org/presentationml/2006/main" matchingName="Caption">
   <p:cSld name="CAPTION_ONLY">
     <p:spTree>
       <p:nvGrpSpPr>
-        <p:cNvPr id="70" name="Shape 70"/>
+        <p:cNvPr id="1" name="Shape 70"/>
         <p:cNvGrpSpPr/>
         <p:nvPr/>
       </p:nvGrpSpPr>
@@ -7964,9 +8102,11 @@
       <p:sp>
         <p:nvSpPr>
           <p:cNvPr id="71" name="Google Shape;71;p10"/>
-          <p:cNvSpPr txBox="1"/>
+          <p:cNvSpPr txBox="1">
+            <a:spLocks noGrp="1"/>
+          </p:cNvSpPr>
           <p:nvPr>
-            <p:ph idx="1" type="body"/>
+            <p:ph type="body" idx="1"/>
           </p:nvPr>
         </p:nvSpPr>
         <p:spPr>
@@ -7979,11 +8119,11 @@
           </a:prstGeom>
         </p:spPr>
         <p:txBody>
-          <a:bodyPr anchorCtr="0" anchor="ctr" bIns="91425" lIns="91425" spcFirstLastPara="1" rIns="91425" wrap="square" tIns="91425">
+          <a:bodyPr spcFirstLastPara="1" wrap="square" lIns="91425" tIns="91425" rIns="91425" bIns="91425" anchor="ctr" anchorCtr="0">
             <a:noAutofit/>
           </a:bodyPr>
           <a:lstStyle>
-            <a:lvl1pPr indent="-228600" lvl="0" marL="457200">
+            <a:lvl1pPr marL="457200" lvl="0" indent="-228600">
               <a:lnSpc>
                 <a:spcPct val="100000"/>
               </a:lnSpc>
@@ -7998,15 +8138,19 @@
               <a:defRPr/>
             </a:lvl1pPr>
           </a:lstStyle>
-          <a:p/>
+          <a:p>
+            <a:endParaRPr/>
+          </a:p>
         </p:txBody>
       </p:sp>
       <p:sp>
         <p:nvSpPr>
           <p:cNvPr id="72" name="Google Shape;72;p10"/>
-          <p:cNvSpPr txBox="1"/>
+          <p:cNvSpPr txBox="1">
+            <a:spLocks noGrp="1"/>
+          </p:cNvSpPr>
           <p:nvPr>
-            <p:ph idx="12" type="sldNum"/>
+            <p:ph type="sldNum" idx="12"/>
           </p:nvPr>
         </p:nvSpPr>
         <p:spPr>
@@ -8019,7 +8163,7 @@
           </a:prstGeom>
         </p:spPr>
         <p:txBody>
-          <a:bodyPr anchorCtr="0" anchor="ctr" bIns="91425" lIns="91425" spcFirstLastPara="1" rIns="91425" wrap="square" tIns="91425">
+          <a:bodyPr spcFirstLastPara="1" wrap="square" lIns="91425" tIns="91425" rIns="91425" bIns="91425" anchor="ctr" anchorCtr="0">
             <a:noAutofit/>
           </a:bodyPr>
           <a:lstStyle>
@@ -8061,7 +8205,7 @@
             </a:lvl9pPr>
           </a:lstStyle>
           <a:p>
-            <a:pPr indent="0" lvl="0" marL="0" rtl="0" algn="r">
+            <a:pPr marL="0" lvl="0" indent="0" algn="r" rtl="0">
               <a:spcBef>
                 <a:spcPts val="0"/>
               </a:spcBef>
@@ -8087,18 +8231,19 @@
 </file>
 
 <file path=ppt/slideMasters/slideMaster1.xml><?xml version="1.0" encoding="utf-8"?>
-<p:sldMaster xmlns:a="http://schemas.openxmlformats.org/drawingml/2006/main" xmlns:r="http://schemas.openxmlformats.org/officeDocument/2006/relationships" xmlns:mc="http://schemas.openxmlformats.org/markup-compatibility/2006" xmlns:mv="urn:schemas-microsoft-com:mac:vml" xmlns:p="http://schemas.openxmlformats.org/presentationml/2006/main" xmlns:c="http://schemas.openxmlformats.org/drawingml/2006/chart" xmlns:dgm="http://schemas.openxmlformats.org/drawingml/2006/diagram" xmlns:o="urn:schemas-microsoft-com:office:office" xmlns:v="urn:schemas-microsoft-com:vml" xmlns:pvml="urn:schemas-microsoft-com:office:powerpoint" xmlns:com="http://schemas.openxmlformats.org/drawingml/2006/compatibility" xmlns:p14="http://schemas.microsoft.com/office/powerpoint/2010/main" xmlns:p15="http://schemas.microsoft.com/office/powerpoint/2012/main">
+<p:sldMaster xmlns:a="http://schemas.openxmlformats.org/drawingml/2006/main" xmlns:r="http://schemas.openxmlformats.org/officeDocument/2006/relationships" xmlns:p="http://schemas.openxmlformats.org/presentationml/2006/main">
   <p:cSld name="streamline">
     <p:bg>
       <p:bgPr>
         <a:solidFill>
           <a:schemeClr val="lt1"/>
         </a:solidFill>
+        <a:effectLst/>
       </p:bgPr>
     </p:bg>
     <p:spTree>
       <p:nvGrpSpPr>
-        <p:cNvPr id="5" name="Shape 5"/>
+        <p:cNvPr id="1" name="Shape 5"/>
         <p:cNvGrpSpPr/>
         <p:nvPr/>
       </p:nvGrpSpPr>
@@ -8113,7 +8258,9 @@
       <p:sp>
         <p:nvSpPr>
           <p:cNvPr id="6" name="Google Shape;6;p1"/>
-          <p:cNvSpPr txBox="1"/>
+          <p:cNvSpPr txBox="1">
+            <a:spLocks noGrp="1"/>
+          </p:cNvSpPr>
           <p:nvPr>
             <p:ph type="title"/>
           </p:nvPr>
@@ -8132,7 +8279,7 @@
           </a:ln>
         </p:spPr>
         <p:txBody>
-          <a:bodyPr anchorCtr="0" anchor="t" bIns="91425" lIns="91425" spcFirstLastPara="1" rIns="91425" wrap="square" tIns="91425">
+          <a:bodyPr spcFirstLastPara="1" wrap="square" lIns="91425" tIns="91425" rIns="91425" bIns="91425" anchor="t" anchorCtr="0">
             <a:noAutofit/>
           </a:bodyPr>
           <a:lstStyle>
@@ -8146,7 +8293,7 @@
               <a:buSzPts val="2800"/>
               <a:buFont typeface="Raleway"/>
               <a:buNone/>
-              <a:defRPr b="1" sz="2800">
+              <a:defRPr sz="2800" b="1">
                 <a:latin typeface="Raleway"/>
                 <a:ea typeface="Raleway"/>
                 <a:cs typeface="Raleway"/>
@@ -8163,7 +8310,7 @@
               <a:buSzPts val="2800"/>
               <a:buFont typeface="Raleway"/>
               <a:buNone/>
-              <a:defRPr b="1" sz="2800">
+              <a:defRPr sz="2800" b="1">
                 <a:latin typeface="Raleway"/>
                 <a:ea typeface="Raleway"/>
                 <a:cs typeface="Raleway"/>
@@ -8180,7 +8327,7 @@
               <a:buSzPts val="2800"/>
               <a:buFont typeface="Raleway"/>
               <a:buNone/>
-              <a:defRPr b="1" sz="2800">
+              <a:defRPr sz="2800" b="1">
                 <a:latin typeface="Raleway"/>
                 <a:ea typeface="Raleway"/>
                 <a:cs typeface="Raleway"/>
@@ -8197,7 +8344,7 @@
               <a:buSzPts val="2800"/>
               <a:buFont typeface="Raleway"/>
               <a:buNone/>
-              <a:defRPr b="1" sz="2800">
+              <a:defRPr sz="2800" b="1">
                 <a:latin typeface="Raleway"/>
                 <a:ea typeface="Raleway"/>
                 <a:cs typeface="Raleway"/>
@@ -8214,7 +8361,7 @@
               <a:buSzPts val="2800"/>
               <a:buFont typeface="Raleway"/>
               <a:buNone/>
-              <a:defRPr b="1" sz="2800">
+              <a:defRPr sz="2800" b="1">
                 <a:latin typeface="Raleway"/>
                 <a:ea typeface="Raleway"/>
                 <a:cs typeface="Raleway"/>
@@ -8231,7 +8378,7 @@
               <a:buSzPts val="2800"/>
               <a:buFont typeface="Raleway"/>
               <a:buNone/>
-              <a:defRPr b="1" sz="2800">
+              <a:defRPr sz="2800" b="1">
                 <a:latin typeface="Raleway"/>
                 <a:ea typeface="Raleway"/>
                 <a:cs typeface="Raleway"/>
@@ -8248,7 +8395,7 @@
               <a:buSzPts val="2800"/>
               <a:buFont typeface="Raleway"/>
               <a:buNone/>
-              <a:defRPr b="1" sz="2800">
+              <a:defRPr sz="2800" b="1">
                 <a:latin typeface="Raleway"/>
                 <a:ea typeface="Raleway"/>
                 <a:cs typeface="Raleway"/>
@@ -8265,7 +8412,7 @@
               <a:buSzPts val="2800"/>
               <a:buFont typeface="Raleway"/>
               <a:buNone/>
-              <a:defRPr b="1" sz="2800">
+              <a:defRPr sz="2800" b="1">
                 <a:latin typeface="Raleway"/>
                 <a:ea typeface="Raleway"/>
                 <a:cs typeface="Raleway"/>
@@ -8282,7 +8429,7 @@
               <a:buSzPts val="2800"/>
               <a:buFont typeface="Raleway"/>
               <a:buNone/>
-              <a:defRPr b="1" sz="2800">
+              <a:defRPr sz="2800" b="1">
                 <a:latin typeface="Raleway"/>
                 <a:ea typeface="Raleway"/>
                 <a:cs typeface="Raleway"/>
@@ -8290,15 +8437,19 @@
               </a:defRPr>
             </a:lvl9pPr>
           </a:lstStyle>
-          <a:p/>
+          <a:p>
+            <a:endParaRPr/>
+          </a:p>
         </p:txBody>
       </p:sp>
       <p:sp>
         <p:nvSpPr>
           <p:cNvPr id="7" name="Google Shape;7;p1"/>
-          <p:cNvSpPr txBox="1"/>
+          <p:cNvSpPr txBox="1">
+            <a:spLocks noGrp="1"/>
+          </p:cNvSpPr>
           <p:nvPr>
-            <p:ph idx="1" type="body"/>
+            <p:ph type="body" idx="1"/>
           </p:nvPr>
         </p:nvSpPr>
         <p:spPr>
@@ -8315,11 +8466,11 @@
           </a:ln>
         </p:spPr>
         <p:txBody>
-          <a:bodyPr anchorCtr="0" anchor="t" bIns="91425" lIns="91425" spcFirstLastPara="1" rIns="91425" wrap="square" tIns="91425">
+          <a:bodyPr spcFirstLastPara="1" wrap="square" lIns="91425" tIns="91425" rIns="91425" bIns="91425" anchor="t" anchorCtr="0">
             <a:noAutofit/>
           </a:bodyPr>
           <a:lstStyle>
-            <a:lvl1pPr indent="-311150" lvl="0" marL="457200">
+            <a:lvl1pPr marL="457200" lvl="0" indent="-311150">
               <a:lnSpc>
                 <a:spcPct val="115000"/>
               </a:lnSpc>
@@ -8345,7 +8496,7 @@
                 <a:sym typeface="Lato"/>
               </a:defRPr>
             </a:lvl1pPr>
-            <a:lvl2pPr indent="-298450" lvl="1" marL="914400">
+            <a:lvl2pPr marL="914400" lvl="1" indent="-298450">
               <a:lnSpc>
                 <a:spcPct val="115000"/>
               </a:lnSpc>
@@ -8371,7 +8522,7 @@
                 <a:sym typeface="Lato"/>
               </a:defRPr>
             </a:lvl2pPr>
-            <a:lvl3pPr indent="-298450" lvl="2" marL="1371600">
+            <a:lvl3pPr marL="1371600" lvl="2" indent="-298450">
               <a:lnSpc>
                 <a:spcPct val="115000"/>
               </a:lnSpc>
@@ -8397,7 +8548,7 @@
                 <a:sym typeface="Lato"/>
               </a:defRPr>
             </a:lvl3pPr>
-            <a:lvl4pPr indent="-298450" lvl="3" marL="1828800">
+            <a:lvl4pPr marL="1828800" lvl="3" indent="-298450">
               <a:lnSpc>
                 <a:spcPct val="115000"/>
               </a:lnSpc>
@@ -8423,7 +8574,7 @@
                 <a:sym typeface="Lato"/>
               </a:defRPr>
             </a:lvl4pPr>
-            <a:lvl5pPr indent="-298450" lvl="4" marL="2286000">
+            <a:lvl5pPr marL="2286000" lvl="4" indent="-298450">
               <a:lnSpc>
                 <a:spcPct val="115000"/>
               </a:lnSpc>
@@ -8449,7 +8600,7 @@
                 <a:sym typeface="Lato"/>
               </a:defRPr>
             </a:lvl5pPr>
-            <a:lvl6pPr indent="-298450" lvl="5" marL="2743200">
+            <a:lvl6pPr marL="2743200" lvl="5" indent="-298450">
               <a:lnSpc>
                 <a:spcPct val="115000"/>
               </a:lnSpc>
@@ -8475,7 +8626,7 @@
                 <a:sym typeface="Lato"/>
               </a:defRPr>
             </a:lvl6pPr>
-            <a:lvl7pPr indent="-298450" lvl="6" marL="3200400">
+            <a:lvl7pPr marL="3200400" lvl="6" indent="-298450">
               <a:lnSpc>
                 <a:spcPct val="115000"/>
               </a:lnSpc>
@@ -8501,7 +8652,7 @@
                 <a:sym typeface="Lato"/>
               </a:defRPr>
             </a:lvl7pPr>
-            <a:lvl8pPr indent="-298450" lvl="7" marL="3657600">
+            <a:lvl8pPr marL="3657600" lvl="7" indent="-298450">
               <a:lnSpc>
                 <a:spcPct val="115000"/>
               </a:lnSpc>
@@ -8527,7 +8678,7 @@
                 <a:sym typeface="Lato"/>
               </a:defRPr>
             </a:lvl8pPr>
-            <a:lvl9pPr indent="-298450" lvl="8" marL="4114800">
+            <a:lvl9pPr marL="4114800" lvl="8" indent="-298450">
               <a:lnSpc>
                 <a:spcPct val="115000"/>
               </a:lnSpc>
@@ -8554,15 +8705,19 @@
               </a:defRPr>
             </a:lvl9pPr>
           </a:lstStyle>
-          <a:p/>
+          <a:p>
+            <a:endParaRPr/>
+          </a:p>
         </p:txBody>
       </p:sp>
       <p:sp>
         <p:nvSpPr>
           <p:cNvPr id="8" name="Google Shape;8;p1"/>
-          <p:cNvSpPr txBox="1"/>
+          <p:cNvSpPr txBox="1">
+            <a:spLocks noGrp="1"/>
+          </p:cNvSpPr>
           <p:nvPr>
-            <p:ph idx="12" type="sldNum"/>
+            <p:ph type="sldNum" idx="12"/>
           </p:nvPr>
         </p:nvSpPr>
         <p:spPr>
@@ -8579,7 +8734,7 @@
           </a:ln>
         </p:spPr>
         <p:txBody>
-          <a:bodyPr anchorCtr="0" anchor="ctr" bIns="91425" lIns="91425" spcFirstLastPara="1" rIns="91425" wrap="square" tIns="91425">
+          <a:bodyPr spcFirstLastPara="1" wrap="square" lIns="91425" tIns="91425" rIns="91425" bIns="91425" anchor="ctr" anchorCtr="0">
             <a:noAutofit/>
           </a:bodyPr>
           <a:lstStyle>
@@ -8693,7 +8848,7 @@
             </a:lvl9pPr>
           </a:lstStyle>
           <a:p>
-            <a:pPr indent="0" lvl="0" marL="0" rtl="0" algn="r">
+            <a:pPr marL="0" lvl="0" indent="0" algn="r" rtl="0">
               <a:spcBef>
                 <a:spcPts val="0"/>
               </a:spcBef>
@@ -8712,7 +8867,7 @@
       </p:sp>
     </p:spTree>
   </p:cSld>
-  <p:clrMap accent1="accent1" accent2="accent2" accent3="accent3" accent4="accent4" accent5="accent5" accent6="accent6" bg1="lt1" bg2="dk2" tx1="dk1" tx2="lt2" folHlink="folHlink" hlink="hlink"/>
+  <p:clrMap bg1="lt1" tx1="dk1" bg2="dk2" tx2="lt2" accent1="accent1" accent2="accent2" accent3="accent3" accent4="accent4" accent5="accent5" accent6="accent6" hlink="hlink" folHlink="folHlink"/>
   <p:sldLayoutIdLst>
     <p:sldLayoutId id="2147483648" r:id="rId1"/>
     <p:sldLayoutId id="2147483649" r:id="rId2"/>
@@ -8726,10 +8881,10 @@
     <p:sldLayoutId id="2147483657" r:id="rId10"/>
     <p:sldLayoutId id="2147483658" r:id="rId11"/>
   </p:sldLayoutIdLst>
-  <p:hf dt="0" ftr="0" hdr="0" sldNum="0"/>
+  <p:hf sldNum="0" hdr="0" ftr="0" dt="0"/>
   <p:txStyles>
     <p:titleStyle>
-      <a:defPPr lvl="0" marR="0" rtl="0" algn="l">
+      <a:defPPr marR="0" lvl="0" algn="l" rtl="0">
         <a:lnSpc>
           <a:spcPct val="100000"/>
         </a:lnSpc>
@@ -8740,7 +8895,7 @@
           <a:spcPts val="0"/>
         </a:spcAft>
       </a:defPPr>
-      <a:lvl1pPr lvl="0" marR="0" rtl="0" algn="l">
+      <a:lvl1pPr marR="0" lvl="0" algn="l" rtl="0">
         <a:lnSpc>
           <a:spcPct val="100000"/>
         </a:lnSpc>
@@ -8754,7 +8909,7 @@
           <a:srgbClr val="000000"/>
         </a:buClr>
         <a:buFont typeface="Arial"/>
-        <a:defRPr b="0" i="0" sz="1400" u="none" cap="none" strike="noStrike">
+        <a:defRPr sz="1400" b="0" i="0" u="none" strike="noStrike" cap="none">
           <a:solidFill>
             <a:srgbClr val="000000"/>
           </a:solidFill>
@@ -8764,7 +8919,7 @@
           <a:sym typeface="Arial"/>
         </a:defRPr>
       </a:lvl1pPr>
-      <a:lvl2pPr lvl="1" marR="0" rtl="0" algn="l">
+      <a:lvl2pPr marR="0" lvl="1" algn="l" rtl="0">
         <a:lnSpc>
           <a:spcPct val="100000"/>
         </a:lnSpc>
@@ -8778,7 +8933,7 @@
           <a:srgbClr val="000000"/>
         </a:buClr>
         <a:buFont typeface="Arial"/>
-        <a:defRPr b="0" i="0" sz="1400" u="none" cap="none" strike="noStrike">
+        <a:defRPr sz="1400" b="0" i="0" u="none" strike="noStrike" cap="none">
           <a:solidFill>
             <a:srgbClr val="000000"/>
           </a:solidFill>
@@ -8788,7 +8943,7 @@
           <a:sym typeface="Arial"/>
         </a:defRPr>
       </a:lvl2pPr>
-      <a:lvl3pPr lvl="2" marR="0" rtl="0" algn="l">
+      <a:lvl3pPr marR="0" lvl="2" algn="l" rtl="0">
         <a:lnSpc>
           <a:spcPct val="100000"/>
         </a:lnSpc>
@@ -8802,7 +8957,7 @@
           <a:srgbClr val="000000"/>
         </a:buClr>
         <a:buFont typeface="Arial"/>
-        <a:defRPr b="0" i="0" sz="1400" u="none" cap="none" strike="noStrike">
+        <a:defRPr sz="1400" b="0" i="0" u="none" strike="noStrike" cap="none">
           <a:solidFill>
             <a:srgbClr val="000000"/>
           </a:solidFill>
@@ -8812,7 +8967,7 @@
           <a:sym typeface="Arial"/>
         </a:defRPr>
       </a:lvl3pPr>
-      <a:lvl4pPr lvl="3" marR="0" rtl="0" algn="l">
+      <a:lvl4pPr marR="0" lvl="3" algn="l" rtl="0">
         <a:lnSpc>
           <a:spcPct val="100000"/>
         </a:lnSpc>
@@ -8826,7 +8981,7 @@
           <a:srgbClr val="000000"/>
         </a:buClr>
         <a:buFont typeface="Arial"/>
-        <a:defRPr b="0" i="0" sz="1400" u="none" cap="none" strike="noStrike">
+        <a:defRPr sz="1400" b="0" i="0" u="none" strike="noStrike" cap="none">
           <a:solidFill>
             <a:srgbClr val="000000"/>
           </a:solidFill>
@@ -8836,7 +8991,7 @@
           <a:sym typeface="Arial"/>
         </a:defRPr>
       </a:lvl4pPr>
-      <a:lvl5pPr lvl="4" marR="0" rtl="0" algn="l">
+      <a:lvl5pPr marR="0" lvl="4" algn="l" rtl="0">
         <a:lnSpc>
           <a:spcPct val="100000"/>
         </a:lnSpc>
@@ -8850,7 +9005,7 @@
           <a:srgbClr val="000000"/>
         </a:buClr>
         <a:buFont typeface="Arial"/>
-        <a:defRPr b="0" i="0" sz="1400" u="none" cap="none" strike="noStrike">
+        <a:defRPr sz="1400" b="0" i="0" u="none" strike="noStrike" cap="none">
           <a:solidFill>
             <a:srgbClr val="000000"/>
           </a:solidFill>
@@ -8860,7 +9015,7 @@
           <a:sym typeface="Arial"/>
         </a:defRPr>
       </a:lvl5pPr>
-      <a:lvl6pPr lvl="5" marR="0" rtl="0" algn="l">
+      <a:lvl6pPr marR="0" lvl="5" algn="l" rtl="0">
         <a:lnSpc>
           <a:spcPct val="100000"/>
         </a:lnSpc>
@@ -8874,7 +9029,7 @@
           <a:srgbClr val="000000"/>
         </a:buClr>
         <a:buFont typeface="Arial"/>
-        <a:defRPr b="0" i="0" sz="1400" u="none" cap="none" strike="noStrike">
+        <a:defRPr sz="1400" b="0" i="0" u="none" strike="noStrike" cap="none">
           <a:solidFill>
             <a:srgbClr val="000000"/>
           </a:solidFill>
@@ -8884,7 +9039,7 @@
           <a:sym typeface="Arial"/>
         </a:defRPr>
       </a:lvl6pPr>
-      <a:lvl7pPr lvl="6" marR="0" rtl="0" algn="l">
+      <a:lvl7pPr marR="0" lvl="6" algn="l" rtl="0">
         <a:lnSpc>
           <a:spcPct val="100000"/>
         </a:lnSpc>
@@ -8898,7 +9053,7 @@
           <a:srgbClr val="000000"/>
         </a:buClr>
         <a:buFont typeface="Arial"/>
-        <a:defRPr b="0" i="0" sz="1400" u="none" cap="none" strike="noStrike">
+        <a:defRPr sz="1400" b="0" i="0" u="none" strike="noStrike" cap="none">
           <a:solidFill>
             <a:srgbClr val="000000"/>
           </a:solidFill>
@@ -8908,7 +9063,7 @@
           <a:sym typeface="Arial"/>
         </a:defRPr>
       </a:lvl7pPr>
-      <a:lvl8pPr lvl="7" marR="0" rtl="0" algn="l">
+      <a:lvl8pPr marR="0" lvl="7" algn="l" rtl="0">
         <a:lnSpc>
           <a:spcPct val="100000"/>
         </a:lnSpc>
@@ -8922,7 +9077,7 @@
           <a:srgbClr val="000000"/>
         </a:buClr>
         <a:buFont typeface="Arial"/>
-        <a:defRPr b="0" i="0" sz="1400" u="none" cap="none" strike="noStrike">
+        <a:defRPr sz="1400" b="0" i="0" u="none" strike="noStrike" cap="none">
           <a:solidFill>
             <a:srgbClr val="000000"/>
           </a:solidFill>
@@ -8932,7 +9087,7 @@
           <a:sym typeface="Arial"/>
         </a:defRPr>
       </a:lvl8pPr>
-      <a:lvl9pPr lvl="8" marR="0" rtl="0" algn="l">
+      <a:lvl9pPr marR="0" lvl="8" algn="l" rtl="0">
         <a:lnSpc>
           <a:spcPct val="100000"/>
         </a:lnSpc>
@@ -8946,7 +9101,7 @@
           <a:srgbClr val="000000"/>
         </a:buClr>
         <a:buFont typeface="Arial"/>
-        <a:defRPr b="0" i="0" sz="1400" u="none" cap="none" strike="noStrike">
+        <a:defRPr sz="1400" b="0" i="0" u="none" strike="noStrike" cap="none">
           <a:solidFill>
             <a:srgbClr val="000000"/>
           </a:solidFill>
@@ -8958,7 +9113,7 @@
       </a:lvl9pPr>
     </p:titleStyle>
     <p:bodyStyle>
-      <a:defPPr lvl="0" marR="0" rtl="0" algn="l">
+      <a:defPPr marR="0" lvl="0" algn="l" rtl="0">
         <a:lnSpc>
           <a:spcPct val="100000"/>
         </a:lnSpc>
@@ -8969,7 +9124,7 @@
           <a:spcPts val="0"/>
         </a:spcAft>
       </a:defPPr>
-      <a:lvl1pPr lvl="0" marR="0" rtl="0" algn="l">
+      <a:lvl1pPr marR="0" lvl="0" algn="l" rtl="0">
         <a:lnSpc>
           <a:spcPct val="100000"/>
         </a:lnSpc>
@@ -8983,7 +9138,7 @@
           <a:srgbClr val="000000"/>
         </a:buClr>
         <a:buFont typeface="Arial"/>
-        <a:defRPr b="0" i="0" sz="1400" u="none" cap="none" strike="noStrike">
+        <a:defRPr sz="1400" b="0" i="0" u="none" strike="noStrike" cap="none">
           <a:solidFill>
             <a:srgbClr val="000000"/>
           </a:solidFill>
@@ -8993,7 +9148,7 @@
           <a:sym typeface="Arial"/>
         </a:defRPr>
       </a:lvl1pPr>
-      <a:lvl2pPr lvl="1" marR="0" rtl="0" algn="l">
+      <a:lvl2pPr marR="0" lvl="1" algn="l" rtl="0">
         <a:lnSpc>
           <a:spcPct val="100000"/>
         </a:lnSpc>
@@ -9007,7 +9162,7 @@
           <a:srgbClr val="000000"/>
         </a:buClr>
         <a:buFont typeface="Arial"/>
-        <a:defRPr b="0" i="0" sz="1400" u="none" cap="none" strike="noStrike">
+        <a:defRPr sz="1400" b="0" i="0" u="none" strike="noStrike" cap="none">
           <a:solidFill>
             <a:srgbClr val="000000"/>
           </a:solidFill>
@@ -9017,7 +9172,7 @@
           <a:sym typeface="Arial"/>
         </a:defRPr>
       </a:lvl2pPr>
-      <a:lvl3pPr lvl="2" marR="0" rtl="0" algn="l">
+      <a:lvl3pPr marR="0" lvl="2" algn="l" rtl="0">
         <a:lnSpc>
           <a:spcPct val="100000"/>
         </a:lnSpc>
@@ -9031,7 +9186,7 @@
           <a:srgbClr val="000000"/>
         </a:buClr>
         <a:buFont typeface="Arial"/>
-        <a:defRPr b="0" i="0" sz="1400" u="none" cap="none" strike="noStrike">
+        <a:defRPr sz="1400" b="0" i="0" u="none" strike="noStrike" cap="none">
           <a:solidFill>
             <a:srgbClr val="000000"/>
           </a:solidFill>
@@ -9041,7 +9196,7 @@
           <a:sym typeface="Arial"/>
         </a:defRPr>
       </a:lvl3pPr>
-      <a:lvl4pPr lvl="3" marR="0" rtl="0" algn="l">
+      <a:lvl4pPr marR="0" lvl="3" algn="l" rtl="0">
         <a:lnSpc>
           <a:spcPct val="100000"/>
         </a:lnSpc>
@@ -9055,7 +9210,7 @@
           <a:srgbClr val="000000"/>
         </a:buClr>
         <a:buFont typeface="Arial"/>
-        <a:defRPr b="0" i="0" sz="1400" u="none" cap="none" strike="noStrike">
+        <a:defRPr sz="1400" b="0" i="0" u="none" strike="noStrike" cap="none">
           <a:solidFill>
             <a:srgbClr val="000000"/>
           </a:solidFill>
@@ -9065,7 +9220,7 @@
           <a:sym typeface="Arial"/>
         </a:defRPr>
       </a:lvl4pPr>
-      <a:lvl5pPr lvl="4" marR="0" rtl="0" algn="l">
+      <a:lvl5pPr marR="0" lvl="4" algn="l" rtl="0">
         <a:lnSpc>
           <a:spcPct val="100000"/>
         </a:lnSpc>
@@ -9079,7 +9234,7 @@
           <a:srgbClr val="000000"/>
         </a:buClr>
         <a:buFont typeface="Arial"/>
-        <a:defRPr b="0" i="0" sz="1400" u="none" cap="none" strike="noStrike">
+        <a:defRPr sz="1400" b="0" i="0" u="none" strike="noStrike" cap="none">
           <a:solidFill>
             <a:srgbClr val="000000"/>
           </a:solidFill>
@@ -9089,7 +9244,7 @@
           <a:sym typeface="Arial"/>
         </a:defRPr>
       </a:lvl5pPr>
-      <a:lvl6pPr lvl="5" marR="0" rtl="0" algn="l">
+      <a:lvl6pPr marR="0" lvl="5" algn="l" rtl="0">
         <a:lnSpc>
           <a:spcPct val="100000"/>
         </a:lnSpc>
@@ -9103,7 +9258,7 @@
           <a:srgbClr val="000000"/>
         </a:buClr>
         <a:buFont typeface="Arial"/>
-        <a:defRPr b="0" i="0" sz="1400" u="none" cap="none" strike="noStrike">
+        <a:defRPr sz="1400" b="0" i="0" u="none" strike="noStrike" cap="none">
           <a:solidFill>
             <a:srgbClr val="000000"/>
           </a:solidFill>
@@ -9113,7 +9268,7 @@
           <a:sym typeface="Arial"/>
         </a:defRPr>
       </a:lvl6pPr>
-      <a:lvl7pPr lvl="6" marR="0" rtl="0" algn="l">
+      <a:lvl7pPr marR="0" lvl="6" algn="l" rtl="0">
         <a:lnSpc>
           <a:spcPct val="100000"/>
         </a:lnSpc>
@@ -9127,7 +9282,7 @@
           <a:srgbClr val="000000"/>
         </a:buClr>
         <a:buFont typeface="Arial"/>
-        <a:defRPr b="0" i="0" sz="1400" u="none" cap="none" strike="noStrike">
+        <a:defRPr sz="1400" b="0" i="0" u="none" strike="noStrike" cap="none">
           <a:solidFill>
             <a:srgbClr val="000000"/>
           </a:solidFill>
@@ -9137,7 +9292,7 @@
           <a:sym typeface="Arial"/>
         </a:defRPr>
       </a:lvl7pPr>
-      <a:lvl8pPr lvl="7" marR="0" rtl="0" algn="l">
+      <a:lvl8pPr marR="0" lvl="7" algn="l" rtl="0">
         <a:lnSpc>
           <a:spcPct val="100000"/>
         </a:lnSpc>
@@ -9151,7 +9306,7 @@
           <a:srgbClr val="000000"/>
         </a:buClr>
         <a:buFont typeface="Arial"/>
-        <a:defRPr b="0" i="0" sz="1400" u="none" cap="none" strike="noStrike">
+        <a:defRPr sz="1400" b="0" i="0" u="none" strike="noStrike" cap="none">
           <a:solidFill>
             <a:srgbClr val="000000"/>
           </a:solidFill>
@@ -9161,7 +9316,7 @@
           <a:sym typeface="Arial"/>
         </a:defRPr>
       </a:lvl8pPr>
-      <a:lvl9pPr lvl="8" marR="0" rtl="0" algn="l">
+      <a:lvl9pPr marR="0" lvl="8" algn="l" rtl="0">
         <a:lnSpc>
           <a:spcPct val="100000"/>
         </a:lnSpc>
@@ -9175,7 +9330,7 @@
           <a:srgbClr val="000000"/>
         </a:buClr>
         <a:buFont typeface="Arial"/>
-        <a:defRPr b="0" i="0" sz="1400" u="none" cap="none" strike="noStrike">
+        <a:defRPr sz="1400" b="0" i="0" u="none" strike="noStrike" cap="none">
           <a:solidFill>
             <a:srgbClr val="000000"/>
           </a:solidFill>
@@ -9187,7 +9342,7 @@
       </a:lvl9pPr>
     </p:bodyStyle>
     <p:otherStyle>
-      <a:defPPr lvl="0" marR="0" rtl="0" algn="l">
+      <a:defPPr marR="0" lvl="0" algn="l" rtl="0">
         <a:lnSpc>
           <a:spcPct val="100000"/>
         </a:lnSpc>
@@ -9198,7 +9353,7 @@
           <a:spcPts val="0"/>
         </a:spcAft>
       </a:defPPr>
-      <a:lvl1pPr lvl="0" marR="0" rtl="0" algn="l">
+      <a:lvl1pPr marR="0" lvl="0" algn="l" rtl="0">
         <a:lnSpc>
           <a:spcPct val="100000"/>
         </a:lnSpc>
@@ -9212,7 +9367,7 @@
           <a:srgbClr val="000000"/>
         </a:buClr>
         <a:buFont typeface="Arial"/>
-        <a:defRPr b="0" i="0" sz="1400" u="none" cap="none" strike="noStrike">
+        <a:defRPr sz="1400" b="0" i="0" u="none" strike="noStrike" cap="none">
           <a:solidFill>
             <a:srgbClr val="000000"/>
           </a:solidFill>
@@ -9222,7 +9377,7 @@
           <a:sym typeface="Arial"/>
         </a:defRPr>
       </a:lvl1pPr>
-      <a:lvl2pPr lvl="1" marR="0" rtl="0" algn="l">
+      <a:lvl2pPr marR="0" lvl="1" algn="l" rtl="0">
         <a:lnSpc>
           <a:spcPct val="100000"/>
         </a:lnSpc>
@@ -9236,7 +9391,7 @@
           <a:srgbClr val="000000"/>
         </a:buClr>
         <a:buFont typeface="Arial"/>
-        <a:defRPr b="0" i="0" sz="1400" u="none" cap="none" strike="noStrike">
+        <a:defRPr sz="1400" b="0" i="0" u="none" strike="noStrike" cap="none">
           <a:solidFill>
             <a:srgbClr val="000000"/>
           </a:solidFill>
@@ -9246,7 +9401,7 @@
           <a:sym typeface="Arial"/>
         </a:defRPr>
       </a:lvl2pPr>
-      <a:lvl3pPr lvl="2" marR="0" rtl="0" algn="l">
+      <a:lvl3pPr marR="0" lvl="2" algn="l" rtl="0">
         <a:lnSpc>
           <a:spcPct val="100000"/>
         </a:lnSpc>
@@ -9260,7 +9415,7 @@
           <a:srgbClr val="000000"/>
         </a:buClr>
         <a:buFont typeface="Arial"/>
-        <a:defRPr b="0" i="0" sz="1400" u="none" cap="none" strike="noStrike">
+        <a:defRPr sz="1400" b="0" i="0" u="none" strike="noStrike" cap="none">
           <a:solidFill>
             <a:srgbClr val="000000"/>
           </a:solidFill>
@@ -9270,7 +9425,7 @@
           <a:sym typeface="Arial"/>
         </a:defRPr>
       </a:lvl3pPr>
-      <a:lvl4pPr lvl="3" marR="0" rtl="0" algn="l">
+      <a:lvl4pPr marR="0" lvl="3" algn="l" rtl="0">
         <a:lnSpc>
           <a:spcPct val="100000"/>
         </a:lnSpc>
@@ -9284,7 +9439,7 @@
           <a:srgbClr val="000000"/>
         </a:buClr>
         <a:buFont typeface="Arial"/>
-        <a:defRPr b="0" i="0" sz="1400" u="none" cap="none" strike="noStrike">
+        <a:defRPr sz="1400" b="0" i="0" u="none" strike="noStrike" cap="none">
           <a:solidFill>
             <a:srgbClr val="000000"/>
           </a:solidFill>
@@ -9294,7 +9449,7 @@
           <a:sym typeface="Arial"/>
         </a:defRPr>
       </a:lvl4pPr>
-      <a:lvl5pPr lvl="4" marR="0" rtl="0" algn="l">
+      <a:lvl5pPr marR="0" lvl="4" algn="l" rtl="0">
         <a:lnSpc>
           <a:spcPct val="100000"/>
         </a:lnSpc>
@@ -9308,7 +9463,7 @@
           <a:srgbClr val="000000"/>
         </a:buClr>
         <a:buFont typeface="Arial"/>
-        <a:defRPr b="0" i="0" sz="1400" u="none" cap="none" strike="noStrike">
+        <a:defRPr sz="1400" b="0" i="0" u="none" strike="noStrike" cap="none">
           <a:solidFill>
             <a:srgbClr val="000000"/>
           </a:solidFill>
@@ -9318,7 +9473,7 @@
           <a:sym typeface="Arial"/>
         </a:defRPr>
       </a:lvl5pPr>
-      <a:lvl6pPr lvl="5" marR="0" rtl="0" algn="l">
+      <a:lvl6pPr marR="0" lvl="5" algn="l" rtl="0">
         <a:lnSpc>
           <a:spcPct val="100000"/>
         </a:lnSpc>
@@ -9332,7 +9487,7 @@
           <a:srgbClr val="000000"/>
         </a:buClr>
         <a:buFont typeface="Arial"/>
-        <a:defRPr b="0" i="0" sz="1400" u="none" cap="none" strike="noStrike">
+        <a:defRPr sz="1400" b="0" i="0" u="none" strike="noStrike" cap="none">
           <a:solidFill>
             <a:srgbClr val="000000"/>
           </a:solidFill>
@@ -9342,7 +9497,7 @@
           <a:sym typeface="Arial"/>
         </a:defRPr>
       </a:lvl6pPr>
-      <a:lvl7pPr lvl="6" marR="0" rtl="0" algn="l">
+      <a:lvl7pPr marR="0" lvl="6" algn="l" rtl="0">
         <a:lnSpc>
           <a:spcPct val="100000"/>
         </a:lnSpc>
@@ -9356,7 +9511,7 @@
           <a:srgbClr val="000000"/>
         </a:buClr>
         <a:buFont typeface="Arial"/>
-        <a:defRPr b="0" i="0" sz="1400" u="none" cap="none" strike="noStrike">
+        <a:defRPr sz="1400" b="0" i="0" u="none" strike="noStrike" cap="none">
           <a:solidFill>
             <a:srgbClr val="000000"/>
           </a:solidFill>
@@ -9366,7 +9521,7 @@
           <a:sym typeface="Arial"/>
         </a:defRPr>
       </a:lvl7pPr>
-      <a:lvl8pPr lvl="7" marR="0" rtl="0" algn="l">
+      <a:lvl8pPr marR="0" lvl="7" algn="l" rtl="0">
         <a:lnSpc>
           <a:spcPct val="100000"/>
         </a:lnSpc>
@@ -9380,7 +9535,7 @@
           <a:srgbClr val="000000"/>
         </a:buClr>
         <a:buFont typeface="Arial"/>
-        <a:defRPr b="0" i="0" sz="1400" u="none" cap="none" strike="noStrike">
+        <a:defRPr sz="1400" b="0" i="0" u="none" strike="noStrike" cap="none">
           <a:solidFill>
             <a:srgbClr val="000000"/>
           </a:solidFill>
@@ -9390,7 +9545,7 @@
           <a:sym typeface="Arial"/>
         </a:defRPr>
       </a:lvl8pPr>
-      <a:lvl9pPr lvl="8" marR="0" rtl="0" algn="l">
+      <a:lvl9pPr marR="0" lvl="8" algn="l" rtl="0">
         <a:lnSpc>
           <a:spcPct val="100000"/>
         </a:lnSpc>
@@ -9404,7 +9559,7 @@
           <a:srgbClr val="000000"/>
         </a:buClr>
         <a:buFont typeface="Arial"/>
-        <a:defRPr b="0" i="0" sz="1400" u="none" cap="none" strike="noStrike">
+        <a:defRPr sz="1400" b="0" i="0" u="none" strike="noStrike" cap="none">
           <a:solidFill>
             <a:srgbClr val="000000"/>
           </a:solidFill>
@@ -9420,11 +9575,11 @@
 </file>
 
 <file path=ppt/slides/slide1.xml><?xml version="1.0" encoding="utf-8"?>
-<p:sld xmlns:a="http://schemas.openxmlformats.org/drawingml/2006/main" xmlns:r="http://schemas.openxmlformats.org/officeDocument/2006/relationships" xmlns:mc="http://schemas.openxmlformats.org/markup-compatibility/2006" xmlns:mv="urn:schemas-microsoft-com:mac:vml" xmlns:p="http://schemas.openxmlformats.org/presentationml/2006/main" xmlns:c="http://schemas.openxmlformats.org/drawingml/2006/chart" xmlns:dgm="http://schemas.openxmlformats.org/drawingml/2006/diagram" xmlns:o="urn:schemas-microsoft-com:office:office" xmlns:v="urn:schemas-microsoft-com:vml" xmlns:pvml="urn:schemas-microsoft-com:office:powerpoint" xmlns:com="http://schemas.openxmlformats.org/drawingml/2006/compatibility" xmlns:p14="http://schemas.microsoft.com/office/powerpoint/2010/main" xmlns:p15="http://schemas.microsoft.com/office/powerpoint/2012/main">
+<p:sld xmlns:a="http://schemas.openxmlformats.org/drawingml/2006/main" xmlns:r="http://schemas.openxmlformats.org/officeDocument/2006/relationships" xmlns:p="http://schemas.openxmlformats.org/presentationml/2006/main">
   <p:cSld>
     <p:spTree>
       <p:nvGrpSpPr>
-        <p:cNvPr id="85" name="Shape 85"/>
+        <p:cNvPr id="1" name="Shape 85"/>
         <p:cNvGrpSpPr/>
         <p:nvPr/>
       </p:nvGrpSpPr>
@@ -9463,7 +9618,7 @@
             <a:noFill/>
           </a:ln>
           <a:effectLst>
-            <a:reflection blurRad="0" dir="0" dist="0" endA="0" endPos="12000" fadeDir="5400012" kx="0" rotWithShape="0" algn="bl" stPos="0" sy="-100000" ky="0"/>
+            <a:reflection endPos="12000" fadeDir="5400012" sy="-100000" algn="bl" rotWithShape="0"/>
           </a:effectLst>
         </p:spPr>
       </p:pic>
@@ -9487,12 +9642,12 @@
           </a:ln>
         </p:spPr>
         <p:txBody>
-          <a:bodyPr anchorCtr="0" anchor="t" bIns="91425" lIns="91425" spcFirstLastPara="1" rIns="91425" wrap="square" tIns="91425">
+          <a:bodyPr spcFirstLastPara="1" wrap="square" lIns="91425" tIns="91425" rIns="91425" bIns="91425" anchor="t" anchorCtr="0">
             <a:noAutofit/>
           </a:bodyPr>
           <a:lstStyle/>
           <a:p>
-            <a:pPr indent="0" lvl="0" marL="0" rtl="0" algn="l">
+            <a:pPr marL="0" lvl="0" indent="0" algn="l" rtl="0">
               <a:lnSpc>
                 <a:spcPct val="115000"/>
               </a:lnSpc>
@@ -9505,7 +9660,7 @@
               <a:buNone/>
             </a:pPr>
             <a:r>
-              <a:rPr b="1" lang="pt-PT" sz="1800"/>
+              <a:rPr lang="pt-PT" sz="1800" b="1"/>
               <a:t>Project Title:  </a:t>
             </a:r>
             <a:r>
@@ -9515,7 +9670,7 @@
             <a:endParaRPr sz="1800"/>
           </a:p>
           <a:p>
-            <a:pPr indent="0" lvl="0" marL="0" rtl="0" algn="l">
+            <a:pPr marL="0" lvl="0" indent="0" algn="l" rtl="0">
               <a:lnSpc>
                 <a:spcPct val="115000"/>
               </a:lnSpc>
@@ -9528,7 +9683,7 @@
               <a:buNone/>
             </a:pPr>
             <a:r>
-              <a:rPr b="1" lang="pt-PT" sz="1800"/>
+              <a:rPr lang="pt-PT" sz="1800" b="1"/>
               <a:t>Group: </a:t>
             </a:r>
             <a:r>
@@ -9538,7 +9693,7 @@
             <a:endParaRPr sz="1800"/>
           </a:p>
           <a:p>
-            <a:pPr indent="0" lvl="0" marL="0" rtl="0" algn="l">
+            <a:pPr marL="0" lvl="0" indent="0" algn="l" rtl="0">
               <a:lnSpc>
                 <a:spcPct val="115000"/>
               </a:lnSpc>
@@ -9551,7 +9706,7 @@
               <a:buNone/>
             </a:pPr>
             <a:r>
-              <a:rPr b="1" lang="pt-PT" sz="1800"/>
+              <a:rPr lang="pt-PT" sz="1800" b="1"/>
               <a:t>Lab Class: </a:t>
             </a:r>
             <a:r>
@@ -9582,12 +9737,12 @@
           </a:ln>
         </p:spPr>
         <p:txBody>
-          <a:bodyPr anchorCtr="0" anchor="t" bIns="91425" lIns="91425" spcFirstLastPara="1" rIns="91425" wrap="square" tIns="91425">
+          <a:bodyPr spcFirstLastPara="1" wrap="square" lIns="91425" tIns="91425" rIns="91425" bIns="91425" anchor="t" anchorCtr="0">
             <a:noAutofit/>
           </a:bodyPr>
           <a:lstStyle/>
           <a:p>
-            <a:pPr indent="0" lvl="0" marL="0" rtl="0" algn="l">
+            <a:pPr marL="0" lvl="0" indent="0" algn="l" rtl="0">
               <a:spcBef>
                 <a:spcPts val="0"/>
               </a:spcBef>
@@ -9640,12 +9795,12 @@
           </a:ln>
         </p:spPr>
         <p:txBody>
-          <a:bodyPr anchorCtr="0" anchor="t" bIns="91425" lIns="91425" spcFirstLastPara="1" rIns="91425" wrap="square" tIns="91425">
+          <a:bodyPr spcFirstLastPara="1" wrap="square" lIns="91425" tIns="91425" rIns="91425" bIns="91425" anchor="t" anchorCtr="0">
             <a:noAutofit/>
           </a:bodyPr>
           <a:lstStyle/>
           <a:p>
-            <a:pPr indent="0" lvl="0" marL="0" rtl="0" algn="l">
+            <a:pPr marL="0" lvl="0" indent="0" algn="l" rtl="0">
               <a:spcBef>
                 <a:spcPts val="0"/>
               </a:spcBef>
@@ -9671,7 +9826,7 @@
             </a:endParaRPr>
           </a:p>
           <a:p>
-            <a:pPr indent="0" lvl="0" marL="0" rtl="0" algn="l">
+            <a:pPr marL="0" lvl="0" indent="0" algn="l" rtl="0">
               <a:spcBef>
                 <a:spcPts val="0"/>
               </a:spcBef>
@@ -9680,9 +9835,6 @@
               </a:spcAft>
               <a:buNone/>
             </a:pPr>
-            <a:r>
-              <a:t/>
-            </a:r>
             <a:endParaRPr>
               <a:latin typeface="Lato"/>
               <a:ea typeface="Lato"/>
@@ -9701,11 +9853,11 @@
 </file>
 
 <file path=ppt/slides/slide10.xml><?xml version="1.0" encoding="utf-8"?>
-<p:sld xmlns:a="http://schemas.openxmlformats.org/drawingml/2006/main" xmlns:r="http://schemas.openxmlformats.org/officeDocument/2006/relationships" xmlns:mc="http://schemas.openxmlformats.org/markup-compatibility/2006" xmlns:mv="urn:schemas-microsoft-com:mac:vml" xmlns:p="http://schemas.openxmlformats.org/presentationml/2006/main" xmlns:c="http://schemas.openxmlformats.org/drawingml/2006/chart" xmlns:dgm="http://schemas.openxmlformats.org/drawingml/2006/diagram" xmlns:o="urn:schemas-microsoft-com:office:office" xmlns:v="urn:schemas-microsoft-com:vml" xmlns:pvml="urn:schemas-microsoft-com:office:powerpoint" xmlns:com="http://schemas.openxmlformats.org/drawingml/2006/compatibility" xmlns:p14="http://schemas.microsoft.com/office/powerpoint/2010/main" xmlns:p15="http://schemas.microsoft.com/office/powerpoint/2012/main">
+<p:sld xmlns:a="http://schemas.openxmlformats.org/drawingml/2006/main" xmlns:r="http://schemas.openxmlformats.org/officeDocument/2006/relationships" xmlns:p="http://schemas.openxmlformats.org/presentationml/2006/main">
   <p:cSld>
     <p:spTree>
       <p:nvGrpSpPr>
-        <p:cNvPr id="162" name="Shape 162"/>
+        <p:cNvPr id="1" name="Shape 162"/>
         <p:cNvGrpSpPr/>
         <p:nvPr/>
       </p:nvGrpSpPr>
@@ -9720,9 +9872,11 @@
       <p:sp>
         <p:nvSpPr>
           <p:cNvPr id="163" name="Google Shape;163;p22"/>
-          <p:cNvSpPr txBox="1"/>
+          <p:cNvSpPr txBox="1">
+            <a:spLocks noGrp="1"/>
+          </p:cNvSpPr>
           <p:nvPr>
-            <p:ph idx="1" type="body"/>
+            <p:ph type="body" idx="1"/>
           </p:nvPr>
         </p:nvSpPr>
         <p:spPr>
@@ -9735,12 +9889,12 @@
           </a:prstGeom>
         </p:spPr>
         <p:txBody>
-          <a:bodyPr anchorCtr="0" anchor="t" bIns="91425" lIns="91425" spcFirstLastPara="1" rIns="91425" wrap="square" tIns="91425">
+          <a:bodyPr spcFirstLastPara="1" wrap="square" lIns="91425" tIns="91425" rIns="91425" bIns="91425" anchor="t" anchorCtr="0">
             <a:noAutofit/>
           </a:bodyPr>
           <a:lstStyle/>
           <a:p>
-            <a:pPr indent="0" lvl="0" marL="0" rtl="0" algn="l">
+            <a:pPr marL="0" lvl="0" indent="0" algn="l" rtl="0">
               <a:lnSpc>
                 <a:spcPct val="150000"/>
               </a:lnSpc>
@@ -9775,7 +9929,7 @@
             </a:endParaRPr>
           </a:p>
           <a:p>
-            <a:pPr indent="-311150" lvl="0" marL="457200" rtl="0" algn="l">
+            <a:pPr marL="457200" lvl="0" indent="-311150" algn="l" rtl="0">
               <a:lnSpc>
                 <a:spcPct val="150000"/>
               </a:lnSpc>
@@ -9802,31 +9956,7 @@
                 <a:cs typeface="Raleway"/>
                 <a:sym typeface="Raleway"/>
               </a:rPr>
-              <a:t>we </a:t>
-            </a:r>
-            <a:r>
-              <a:rPr lang="pt-PT">
-                <a:solidFill>
-                  <a:srgbClr val="000000"/>
-                </a:solidFill>
-                <a:latin typeface="Raleway"/>
-                <a:ea typeface="Raleway"/>
-                <a:cs typeface="Raleway"/>
-                <a:sym typeface="Raleway"/>
-              </a:rPr>
-              <a:t>designed </a:t>
-            </a:r>
-            <a:r>
-              <a:rPr lang="pt-PT">
-                <a:solidFill>
-                  <a:srgbClr val="000000"/>
-                </a:solidFill>
-                <a:latin typeface="Raleway"/>
-                <a:ea typeface="Raleway"/>
-                <a:cs typeface="Raleway"/>
-                <a:sym typeface="Raleway"/>
-              </a:rPr>
-              <a:t>the prototype in the correct way?</a:t>
+              <a:t>we designed the prototype in the correct way?</a:t>
             </a:r>
             <a:endParaRPr>
               <a:solidFill>
@@ -9839,7 +9969,7 @@
             </a:endParaRPr>
           </a:p>
           <a:p>
-            <a:pPr indent="-311150" lvl="0" marL="457200" rtl="0" algn="l">
+            <a:pPr marL="457200" lvl="0" indent="-311150" algn="l" rtl="0">
               <a:lnSpc>
                 <a:spcPct val="150000"/>
               </a:lnSpc>
@@ -9879,7 +10009,7 @@
             </a:endParaRPr>
           </a:p>
           <a:p>
-            <a:pPr indent="-311150" lvl="0" marL="457200" rtl="0" algn="l">
+            <a:pPr marL="457200" lvl="0" indent="-311150" algn="l" rtl="0">
               <a:lnSpc>
                 <a:spcPct val="150000"/>
               </a:lnSpc>
@@ -9919,7 +10049,7 @@
             </a:endParaRPr>
           </a:p>
           <a:p>
-            <a:pPr indent="-311150" lvl="0" marL="457200" rtl="0" algn="l">
+            <a:pPr marL="457200" lvl="0" indent="-311150" algn="l" rtl="0">
               <a:lnSpc>
                 <a:spcPct val="150000"/>
               </a:lnSpc>
@@ -9959,7 +10089,7 @@
             </a:endParaRPr>
           </a:p>
           <a:p>
-            <a:pPr indent="0" lvl="0" marL="0" rtl="0" algn="l">
+            <a:pPr marL="0" lvl="0" indent="0" algn="l" rtl="0">
               <a:lnSpc>
                 <a:spcPct val="150000"/>
               </a:lnSpc>
@@ -9971,9 +10101,6 @@
               </a:spcAft>
               <a:buNone/>
             </a:pPr>
-            <a:r>
-              <a:t/>
-            </a:r>
             <a:endParaRPr>
               <a:solidFill>
                 <a:srgbClr val="000000"/>
@@ -9989,7 +10116,9 @@
       <p:sp>
         <p:nvSpPr>
           <p:cNvPr id="164" name="Google Shape;164;p22"/>
-          <p:cNvSpPr txBox="1"/>
+          <p:cNvSpPr txBox="1">
+            <a:spLocks noGrp="1"/>
+          </p:cNvSpPr>
           <p:nvPr>
             <p:ph type="title"/>
           </p:nvPr>
@@ -10004,12 +10133,12 @@
           </a:prstGeom>
         </p:spPr>
         <p:txBody>
-          <a:bodyPr anchorCtr="0" anchor="t" bIns="91425" lIns="91425" spcFirstLastPara="1" rIns="91425" wrap="square" tIns="91425">
+          <a:bodyPr spcFirstLastPara="1" wrap="square" lIns="91425" tIns="91425" rIns="91425" bIns="91425" anchor="t" anchorCtr="0">
             <a:noAutofit/>
           </a:bodyPr>
           <a:lstStyle/>
           <a:p>
-            <a:pPr indent="0" lvl="0" marL="0" rtl="0" algn="l">
+            <a:pPr marL="0" lvl="0" indent="0" algn="l" rtl="0">
               <a:lnSpc>
                 <a:spcPct val="115000"/>
               </a:lnSpc>
@@ -10093,12 +10222,12 @@
           </a:ln>
         </p:spPr>
         <p:txBody>
-          <a:bodyPr anchorCtr="0" anchor="t" bIns="91425" lIns="91425" spcFirstLastPara="1" rIns="91425" wrap="square" tIns="91425">
+          <a:bodyPr spcFirstLastPara="1" wrap="square" lIns="91425" tIns="91425" rIns="91425" bIns="91425" anchor="t" anchorCtr="0">
             <a:noAutofit/>
           </a:bodyPr>
           <a:lstStyle/>
           <a:p>
-            <a:pPr indent="0" lvl="0" marL="0" rtl="0" algn="l">
+            <a:pPr marL="0" lvl="0" indent="0" algn="l" rtl="0">
               <a:lnSpc>
                 <a:spcPct val="150000"/>
               </a:lnSpc>
@@ -10127,7 +10256,7 @@
             </a:endParaRPr>
           </a:p>
           <a:p>
-            <a:pPr indent="-311150" lvl="0" marL="457200" rtl="0" algn="l">
+            <a:pPr marL="457200" lvl="0" indent="-311150" algn="l" rtl="0">
               <a:lnSpc>
                 <a:spcPct val="150000"/>
               </a:lnSpc>
@@ -10176,7 +10305,7 @@
             </a:endParaRPr>
           </a:p>
           <a:p>
-            <a:pPr indent="-311150" lvl="1" marL="914400" rtl="0" algn="l">
+            <a:pPr marL="914400" lvl="1" indent="-311150" algn="l" rtl="0">
               <a:lnSpc>
                 <a:spcPct val="150000"/>
               </a:lnSpc>
@@ -10225,7 +10354,7 @@
             </a:endParaRPr>
           </a:p>
           <a:p>
-            <a:pPr indent="0" lvl="0" marL="914400" rtl="0" algn="l">
+            <a:pPr marL="914400" lvl="0" indent="0" algn="l" rtl="0">
               <a:lnSpc>
                 <a:spcPct val="150000"/>
               </a:lnSpc>
@@ -10237,9 +10366,6 @@
               </a:spcAft>
               <a:buNone/>
             </a:pPr>
-            <a:r>
-              <a:t/>
-            </a:r>
             <a:endParaRPr sz="1300" u="sng">
               <a:latin typeface="Raleway"/>
               <a:ea typeface="Raleway"/>
@@ -10248,7 +10374,7 @@
             </a:endParaRPr>
           </a:p>
           <a:p>
-            <a:pPr indent="-311150" lvl="0" marL="457200" rtl="0" algn="l">
+            <a:pPr marL="457200" lvl="0" indent="-311150" algn="l" rtl="0">
               <a:lnSpc>
                 <a:spcPct val="150000"/>
               </a:lnSpc>
@@ -10297,7 +10423,7 @@
             </a:endParaRPr>
           </a:p>
           <a:p>
-            <a:pPr indent="-311150" lvl="1" marL="914400" rtl="0" algn="l">
+            <a:pPr marL="914400" lvl="1" indent="-311150" algn="l" rtl="0">
               <a:lnSpc>
                 <a:spcPct val="150000"/>
               </a:lnSpc>
@@ -10450,11 +10576,11 @@
 </file>
 
 <file path=ppt/slides/slide11.xml><?xml version="1.0" encoding="utf-8"?>
-<p:sld xmlns:a="http://schemas.openxmlformats.org/drawingml/2006/main" xmlns:r="http://schemas.openxmlformats.org/officeDocument/2006/relationships" xmlns:mc="http://schemas.openxmlformats.org/markup-compatibility/2006" xmlns:mv="urn:schemas-microsoft-com:mac:vml" xmlns:p="http://schemas.openxmlformats.org/presentationml/2006/main" xmlns:c="http://schemas.openxmlformats.org/drawingml/2006/chart" xmlns:dgm="http://schemas.openxmlformats.org/drawingml/2006/diagram" xmlns:o="urn:schemas-microsoft-com:office:office" xmlns:v="urn:schemas-microsoft-com:vml" xmlns:pvml="urn:schemas-microsoft-com:office:powerpoint" xmlns:com="http://schemas.openxmlformats.org/drawingml/2006/compatibility" xmlns:p14="http://schemas.microsoft.com/office/powerpoint/2010/main" xmlns:p15="http://schemas.microsoft.com/office/powerpoint/2012/main">
+<p:sld xmlns:a="http://schemas.openxmlformats.org/drawingml/2006/main" xmlns:r="http://schemas.openxmlformats.org/officeDocument/2006/relationships" xmlns:p="http://schemas.openxmlformats.org/presentationml/2006/main">
   <p:cSld>
     <p:spTree>
       <p:nvGrpSpPr>
-        <p:cNvPr id="174" name="Shape 174"/>
+        <p:cNvPr id="1" name="Shape 174"/>
         <p:cNvGrpSpPr/>
         <p:nvPr/>
       </p:nvGrpSpPr>
@@ -10469,9 +10595,11 @@
       <p:sp>
         <p:nvSpPr>
           <p:cNvPr id="175" name="Google Shape;175;p23"/>
-          <p:cNvSpPr txBox="1"/>
+          <p:cNvSpPr txBox="1">
+            <a:spLocks noGrp="1"/>
+          </p:cNvSpPr>
           <p:nvPr>
-            <p:ph idx="1" type="body"/>
+            <p:ph type="body" idx="1"/>
           </p:nvPr>
         </p:nvSpPr>
         <p:spPr>
@@ -10484,12 +10612,12 @@
           </a:prstGeom>
         </p:spPr>
         <p:txBody>
-          <a:bodyPr anchorCtr="0" anchor="t" bIns="91425" lIns="91425" spcFirstLastPara="1" rIns="91425" wrap="square" tIns="91425">
+          <a:bodyPr spcFirstLastPara="1" wrap="square" lIns="91425" tIns="91425" rIns="91425" bIns="91425" anchor="t" anchorCtr="0">
             <a:noAutofit/>
           </a:bodyPr>
           <a:lstStyle/>
           <a:p>
-            <a:pPr indent="0" lvl="0" marL="0" rtl="0" algn="l">
+            <a:pPr marL="0" lvl="0" indent="0" algn="l" rtl="0">
               <a:lnSpc>
                 <a:spcPct val="150000"/>
               </a:lnSpc>
@@ -10524,7 +10652,7 @@
             </a:endParaRPr>
           </a:p>
           <a:p>
-            <a:pPr indent="-311150" lvl="0" marL="457200" rtl="0" algn="l">
+            <a:pPr marL="457200" lvl="0" indent="-311150" algn="l" rtl="0">
               <a:lnSpc>
                 <a:spcPct val="150000"/>
               </a:lnSpc>
@@ -10564,7 +10692,7 @@
             </a:endParaRPr>
           </a:p>
           <a:p>
-            <a:pPr indent="-311150" lvl="0" marL="457200" rtl="0" algn="l">
+            <a:pPr marL="457200" lvl="0" indent="-311150" algn="l" rtl="0">
               <a:lnSpc>
                 <a:spcPct val="150000"/>
               </a:lnSpc>
@@ -10604,7 +10732,7 @@
             </a:endParaRPr>
           </a:p>
           <a:p>
-            <a:pPr indent="-311150" lvl="0" marL="457200" rtl="0" algn="l">
+            <a:pPr marL="457200" lvl="0" indent="-311150" algn="l" rtl="0">
               <a:lnSpc>
                 <a:spcPct val="150000"/>
               </a:lnSpc>
@@ -10644,7 +10772,7 @@
             </a:endParaRPr>
           </a:p>
           <a:p>
-            <a:pPr indent="-311150" lvl="0" marL="457200" rtl="0" algn="l">
+            <a:pPr marL="457200" lvl="0" indent="-311150" algn="l" rtl="0">
               <a:lnSpc>
                 <a:spcPct val="150000"/>
               </a:lnSpc>
@@ -10684,7 +10812,7 @@
             </a:endParaRPr>
           </a:p>
           <a:p>
-            <a:pPr indent="-311150" lvl="0" marL="457200" rtl="0" algn="l">
+            <a:pPr marL="457200" lvl="0" indent="-311150" algn="l" rtl="0">
               <a:lnSpc>
                 <a:spcPct val="150000"/>
               </a:lnSpc>
@@ -10728,7 +10856,9 @@
       <p:sp>
         <p:nvSpPr>
           <p:cNvPr id="176" name="Google Shape;176;p23"/>
-          <p:cNvSpPr txBox="1"/>
+          <p:cNvSpPr txBox="1">
+            <a:spLocks noGrp="1"/>
+          </p:cNvSpPr>
           <p:nvPr>
             <p:ph type="title"/>
           </p:nvPr>
@@ -10743,12 +10873,12 @@
           </a:prstGeom>
         </p:spPr>
         <p:txBody>
-          <a:bodyPr anchorCtr="0" anchor="t" bIns="91425" lIns="91425" spcFirstLastPara="1" rIns="91425" wrap="square" tIns="91425">
+          <a:bodyPr spcFirstLastPara="1" wrap="square" lIns="91425" tIns="91425" rIns="91425" bIns="91425" anchor="t" anchorCtr="0">
             <a:noAutofit/>
           </a:bodyPr>
           <a:lstStyle/>
           <a:p>
-            <a:pPr indent="0" lvl="0" marL="0" rtl="0" algn="l">
+            <a:pPr marL="0" lvl="0" indent="0" algn="l" rtl="0">
               <a:lnSpc>
                 <a:spcPct val="115000"/>
               </a:lnSpc>
@@ -10832,12 +10962,12 @@
           </a:ln>
         </p:spPr>
         <p:txBody>
-          <a:bodyPr anchorCtr="0" anchor="t" bIns="91425" lIns="91425" spcFirstLastPara="1" rIns="91425" wrap="square" tIns="91425">
+          <a:bodyPr spcFirstLastPara="1" wrap="square" lIns="91425" tIns="91425" rIns="91425" bIns="91425" anchor="t" anchorCtr="0">
             <a:noAutofit/>
           </a:bodyPr>
           <a:lstStyle/>
           <a:p>
-            <a:pPr indent="0" lvl="0" marL="0" rtl="0" algn="l">
+            <a:pPr marL="0" lvl="0" indent="0" algn="l" rtl="0">
               <a:lnSpc>
                 <a:spcPct val="150000"/>
               </a:lnSpc>
@@ -10866,7 +10996,7 @@
             </a:endParaRPr>
           </a:p>
           <a:p>
-            <a:pPr indent="-311150" lvl="0" marL="457200" rtl="0" algn="l">
+            <a:pPr marL="457200" lvl="0" indent="-311150" algn="l" rtl="0">
               <a:lnSpc>
                 <a:spcPct val="150000"/>
               </a:lnSpc>
@@ -10897,7 +11027,7 @@
             </a:endParaRPr>
           </a:p>
           <a:p>
-            <a:pPr indent="-311150" lvl="0" marL="457200" rtl="0" algn="l">
+            <a:pPr marL="457200" lvl="0" indent="-311150" algn="l" rtl="0">
               <a:lnSpc>
                 <a:spcPct val="150000"/>
               </a:lnSpc>
@@ -10928,7 +11058,7 @@
             </a:endParaRPr>
           </a:p>
           <a:p>
-            <a:pPr indent="-311150" lvl="0" marL="457200" rtl="0" algn="l">
+            <a:pPr marL="457200" lvl="0" indent="-311150" algn="l" rtl="0">
               <a:lnSpc>
                 <a:spcPct val="150000"/>
               </a:lnSpc>
@@ -10959,7 +11089,7 @@
             </a:endParaRPr>
           </a:p>
           <a:p>
-            <a:pPr indent="0" lvl="0" marL="457200" rtl="0" algn="l">
+            <a:pPr marL="457200" lvl="0" indent="0" algn="l" rtl="0">
               <a:lnSpc>
                 <a:spcPct val="150000"/>
               </a:lnSpc>
@@ -10971,9 +11101,6 @@
               </a:spcAft>
               <a:buNone/>
             </a:pPr>
-            <a:r>
-              <a:t/>
-            </a:r>
             <a:endParaRPr sz="1300">
               <a:latin typeface="Raleway"/>
               <a:ea typeface="Raleway"/>
@@ -10992,11 +11119,11 @@
 </file>
 
 <file path=ppt/slides/slide12.xml><?xml version="1.0" encoding="utf-8"?>
-<p:sld xmlns:a="http://schemas.openxmlformats.org/drawingml/2006/main" xmlns:r="http://schemas.openxmlformats.org/officeDocument/2006/relationships" xmlns:mc="http://schemas.openxmlformats.org/markup-compatibility/2006" xmlns:mv="urn:schemas-microsoft-com:mac:vml" xmlns:p="http://schemas.openxmlformats.org/presentationml/2006/main" xmlns:c="http://schemas.openxmlformats.org/drawingml/2006/chart" xmlns:dgm="http://schemas.openxmlformats.org/drawingml/2006/diagram" xmlns:o="urn:schemas-microsoft-com:office:office" xmlns:v="urn:schemas-microsoft-com:vml" xmlns:pvml="urn:schemas-microsoft-com:office:powerpoint" xmlns:com="http://schemas.openxmlformats.org/drawingml/2006/compatibility" xmlns:p14="http://schemas.microsoft.com/office/powerpoint/2010/main" xmlns:p15="http://schemas.microsoft.com/office/powerpoint/2012/main">
+<p:sld xmlns:a="http://schemas.openxmlformats.org/drawingml/2006/main" xmlns:r="http://schemas.openxmlformats.org/officeDocument/2006/relationships" xmlns:p="http://schemas.openxmlformats.org/presentationml/2006/main">
   <p:cSld>
     <p:spTree>
       <p:nvGrpSpPr>
-        <p:cNvPr id="182" name="Shape 182"/>
+        <p:cNvPr id="1" name="Shape 182"/>
         <p:cNvGrpSpPr/>
         <p:nvPr/>
       </p:nvGrpSpPr>
@@ -11011,7 +11138,9 @@
       <p:sp>
         <p:nvSpPr>
           <p:cNvPr id="183" name="Google Shape;183;p24"/>
-          <p:cNvSpPr txBox="1"/>
+          <p:cNvSpPr txBox="1">
+            <a:spLocks noGrp="1"/>
+          </p:cNvSpPr>
           <p:nvPr>
             <p:ph type="title"/>
           </p:nvPr>
@@ -11026,12 +11155,12 @@
           </a:prstGeom>
         </p:spPr>
         <p:txBody>
-          <a:bodyPr anchorCtr="0" anchor="t" bIns="91425" lIns="91425" spcFirstLastPara="1" rIns="91425" wrap="square" tIns="91425">
+          <a:bodyPr spcFirstLastPara="1" wrap="square" lIns="91425" tIns="91425" rIns="91425" bIns="91425" anchor="t" anchorCtr="0">
             <a:noAutofit/>
           </a:bodyPr>
           <a:lstStyle/>
           <a:p>
-            <a:pPr indent="0" lvl="0" marL="0" rtl="0" algn="l">
+            <a:pPr marL="0" lvl="0" indent="0" algn="l" rtl="0">
               <a:lnSpc>
                 <a:spcPct val="115000"/>
               </a:lnSpc>
@@ -11066,7 +11195,7 @@
             </a:endParaRPr>
           </a:p>
           <a:p>
-            <a:pPr indent="0" lvl="0" marL="0" rtl="0" algn="l">
+            <a:pPr marL="0" lvl="0" indent="0" algn="l" rtl="0">
               <a:lnSpc>
                 <a:spcPct val="115000"/>
               </a:lnSpc>
@@ -11078,9 +11207,6 @@
               </a:spcAft>
               <a:buNone/>
             </a:pPr>
-            <a:r>
-              <a:t/>
-            </a:r>
             <a:endParaRPr>
               <a:solidFill>
                 <a:srgbClr val="000000"/>
@@ -11141,12 +11267,12 @@
           </a:ln>
         </p:spPr>
         <p:txBody>
-          <a:bodyPr anchorCtr="0" anchor="t" bIns="91425" lIns="91425" spcFirstLastPara="1" rIns="91425" wrap="square" tIns="91425">
+          <a:bodyPr spcFirstLastPara="1" wrap="square" lIns="91425" tIns="91425" rIns="91425" bIns="91425" anchor="t" anchorCtr="0">
             <a:noAutofit/>
           </a:bodyPr>
           <a:lstStyle/>
           <a:p>
-            <a:pPr indent="-317500" lvl="0" marL="457200" rtl="0" algn="l">
+            <a:pPr marL="457200" lvl="0" indent="-317500" algn="l" rtl="0">
               <a:lnSpc>
                 <a:spcPct val="150000"/>
               </a:lnSpc>
@@ -11177,7 +11303,7 @@
             </a:endParaRPr>
           </a:p>
           <a:p>
-            <a:pPr indent="-317500" lvl="0" marL="457200" rtl="0" algn="l">
+            <a:pPr marL="457200" lvl="0" indent="-317500" algn="l" rtl="0">
               <a:lnSpc>
                 <a:spcPct val="150000"/>
               </a:lnSpc>
@@ -11208,7 +11334,7 @@
             </a:endParaRPr>
           </a:p>
           <a:p>
-            <a:pPr indent="-317500" lvl="0" marL="457200" rtl="0" algn="l">
+            <a:pPr marL="457200" lvl="0" indent="-317500" algn="l" rtl="0">
               <a:lnSpc>
                 <a:spcPct val="150000"/>
               </a:lnSpc>
@@ -11239,7 +11365,7 @@
             </a:endParaRPr>
           </a:p>
           <a:p>
-            <a:pPr indent="-317500" lvl="1" marL="914400" rtl="0" algn="l">
+            <a:pPr marL="914400" lvl="1" indent="-317500" algn="l" rtl="0">
               <a:lnSpc>
                 <a:spcPct val="150000"/>
               </a:lnSpc>
@@ -11270,7 +11396,7 @@
             </a:endParaRPr>
           </a:p>
           <a:p>
-            <a:pPr indent="-317500" lvl="1" marL="914400" rtl="0" algn="l">
+            <a:pPr marL="914400" lvl="1" indent="-317500" algn="l" rtl="0">
               <a:lnSpc>
                 <a:spcPct val="150000"/>
               </a:lnSpc>
@@ -11395,11 +11521,11 @@
 </file>
 
 <file path=ppt/slides/slide13.xml><?xml version="1.0" encoding="utf-8"?>
-<p:sld xmlns:a="http://schemas.openxmlformats.org/drawingml/2006/main" xmlns:r="http://schemas.openxmlformats.org/officeDocument/2006/relationships" xmlns:mc="http://schemas.openxmlformats.org/markup-compatibility/2006" xmlns:mv="urn:schemas-microsoft-com:mac:vml" xmlns:p="http://schemas.openxmlformats.org/presentationml/2006/main" xmlns:c="http://schemas.openxmlformats.org/drawingml/2006/chart" xmlns:dgm="http://schemas.openxmlformats.org/drawingml/2006/diagram" xmlns:o="urn:schemas-microsoft-com:office:office" xmlns:v="urn:schemas-microsoft-com:vml" xmlns:pvml="urn:schemas-microsoft-com:office:powerpoint" xmlns:com="http://schemas.openxmlformats.org/drawingml/2006/compatibility" xmlns:p14="http://schemas.microsoft.com/office/powerpoint/2010/main" xmlns:p15="http://schemas.microsoft.com/office/powerpoint/2012/main">
+<p:sld xmlns:a="http://schemas.openxmlformats.org/drawingml/2006/main" xmlns:r="http://schemas.openxmlformats.org/officeDocument/2006/relationships" xmlns:p="http://schemas.openxmlformats.org/presentationml/2006/main">
   <p:cSld>
     <p:spTree>
       <p:nvGrpSpPr>
-        <p:cNvPr id="192" name="Shape 192"/>
+        <p:cNvPr id="1" name="Shape 192"/>
         <p:cNvGrpSpPr/>
         <p:nvPr/>
       </p:nvGrpSpPr>
@@ -11414,7 +11540,9 @@
       <p:sp>
         <p:nvSpPr>
           <p:cNvPr id="193" name="Google Shape;193;p25"/>
-          <p:cNvSpPr txBox="1"/>
+          <p:cNvSpPr txBox="1">
+            <a:spLocks noGrp="1"/>
+          </p:cNvSpPr>
           <p:nvPr>
             <p:ph type="ctrTitle"/>
           </p:nvPr>
@@ -11429,12 +11557,12 @@
           </a:prstGeom>
         </p:spPr>
         <p:txBody>
-          <a:bodyPr anchorCtr="0" anchor="t" bIns="91425" lIns="91425" spcFirstLastPara="1" rIns="91425" wrap="square" tIns="91425">
+          <a:bodyPr spcFirstLastPara="1" wrap="square" lIns="91425" tIns="91425" rIns="91425" bIns="91425" anchor="t" anchorCtr="0">
             <a:noAutofit/>
           </a:bodyPr>
           <a:lstStyle/>
           <a:p>
-            <a:pPr indent="0" lvl="0" marL="0" rtl="0" algn="l">
+            <a:pPr marL="0" lvl="0" indent="0" algn="l" rtl="0">
               <a:lnSpc>
                 <a:spcPct val="115000"/>
               </a:lnSpc>
@@ -11473,9 +11601,11 @@
       <p:sp>
         <p:nvSpPr>
           <p:cNvPr id="194" name="Google Shape;194;p25"/>
-          <p:cNvSpPr txBox="1"/>
+          <p:cNvSpPr txBox="1">
+            <a:spLocks noGrp="1"/>
+          </p:cNvSpPr>
           <p:nvPr>
-            <p:ph idx="1" type="subTitle"/>
+            <p:ph type="subTitle" idx="1"/>
           </p:nvPr>
         </p:nvSpPr>
         <p:spPr>
@@ -11488,12 +11618,12 @@
           </a:prstGeom>
         </p:spPr>
         <p:txBody>
-          <a:bodyPr anchorCtr="0" anchor="t" bIns="91425" lIns="91425" spcFirstLastPara="1" rIns="91425" wrap="square" tIns="91425">
+          <a:bodyPr spcFirstLastPara="1" wrap="square" lIns="91425" tIns="91425" rIns="91425" bIns="91425" anchor="t" anchorCtr="0">
             <a:noAutofit/>
           </a:bodyPr>
           <a:lstStyle/>
           <a:p>
-            <a:pPr indent="0" lvl="0" marL="0" rtl="0" algn="l">
+            <a:pPr marL="0" lvl="0" indent="0" algn="l" rtl="0">
               <a:spcBef>
                 <a:spcPts val="0"/>
               </a:spcBef>
@@ -11519,11 +11649,11 @@
 </file>
 
 <file path=ppt/slides/slide14.xml><?xml version="1.0" encoding="utf-8"?>
-<p:sld xmlns:a="http://schemas.openxmlformats.org/drawingml/2006/main" xmlns:r="http://schemas.openxmlformats.org/officeDocument/2006/relationships" xmlns:mc="http://schemas.openxmlformats.org/markup-compatibility/2006" xmlns:mv="urn:schemas-microsoft-com:mac:vml" xmlns:p="http://schemas.openxmlformats.org/presentationml/2006/main" xmlns:c="http://schemas.openxmlformats.org/drawingml/2006/chart" xmlns:dgm="http://schemas.openxmlformats.org/drawingml/2006/diagram" xmlns:o="urn:schemas-microsoft-com:office:office" xmlns:v="urn:schemas-microsoft-com:vml" xmlns:pvml="urn:schemas-microsoft-com:office:powerpoint" xmlns:com="http://schemas.openxmlformats.org/drawingml/2006/compatibility" xmlns:p14="http://schemas.microsoft.com/office/powerpoint/2010/main" xmlns:p15="http://schemas.microsoft.com/office/powerpoint/2012/main">
+<p:sld xmlns:a="http://schemas.openxmlformats.org/drawingml/2006/main" xmlns:r="http://schemas.openxmlformats.org/officeDocument/2006/relationships" xmlns:p="http://schemas.openxmlformats.org/presentationml/2006/main">
   <p:cSld>
     <p:spTree>
       <p:nvGrpSpPr>
-        <p:cNvPr id="198" name="Shape 198"/>
+        <p:cNvPr id="1" name="Shape 198"/>
         <p:cNvGrpSpPr/>
         <p:nvPr/>
       </p:nvGrpSpPr>
@@ -11538,7 +11668,9 @@
       <p:sp>
         <p:nvSpPr>
           <p:cNvPr id="199" name="Google Shape;199;p26"/>
-          <p:cNvSpPr txBox="1"/>
+          <p:cNvSpPr txBox="1">
+            <a:spLocks noGrp="1"/>
+          </p:cNvSpPr>
           <p:nvPr>
             <p:ph type="title"/>
           </p:nvPr>
@@ -11553,12 +11685,12 @@
           </a:prstGeom>
         </p:spPr>
         <p:txBody>
-          <a:bodyPr anchorCtr="0" anchor="t" bIns="91425" lIns="91425" spcFirstLastPara="1" rIns="91425" wrap="square" tIns="91425">
+          <a:bodyPr spcFirstLastPara="1" wrap="square" lIns="91425" tIns="91425" rIns="91425" bIns="91425" anchor="t" anchorCtr="0">
             <a:noAutofit/>
           </a:bodyPr>
           <a:lstStyle/>
           <a:p>
-            <a:pPr indent="0" lvl="0" marL="0" rtl="0" algn="l">
+            <a:pPr marL="0" lvl="0" indent="0" algn="l" rtl="0">
               <a:lnSpc>
                 <a:spcPct val="115000"/>
               </a:lnSpc>
@@ -11659,11 +11791,11 @@
 </file>
 
 <file path=ppt/slides/slide15.xml><?xml version="1.0" encoding="utf-8"?>
-<p:sld xmlns:a="http://schemas.openxmlformats.org/drawingml/2006/main" xmlns:r="http://schemas.openxmlformats.org/officeDocument/2006/relationships" xmlns:mc="http://schemas.openxmlformats.org/markup-compatibility/2006" xmlns:mv="urn:schemas-microsoft-com:mac:vml" xmlns:p="http://schemas.openxmlformats.org/presentationml/2006/main" xmlns:c="http://schemas.openxmlformats.org/drawingml/2006/chart" xmlns:dgm="http://schemas.openxmlformats.org/drawingml/2006/diagram" xmlns:o="urn:schemas-microsoft-com:office:office" xmlns:v="urn:schemas-microsoft-com:vml" xmlns:pvml="urn:schemas-microsoft-com:office:powerpoint" xmlns:com="http://schemas.openxmlformats.org/drawingml/2006/compatibility" xmlns:p14="http://schemas.microsoft.com/office/powerpoint/2010/main" xmlns:p15="http://schemas.microsoft.com/office/powerpoint/2012/main">
+<p:sld xmlns:a="http://schemas.openxmlformats.org/drawingml/2006/main" xmlns:r="http://schemas.openxmlformats.org/officeDocument/2006/relationships" xmlns:p="http://schemas.openxmlformats.org/presentationml/2006/main">
   <p:cSld>
     <p:spTree>
       <p:nvGrpSpPr>
-        <p:cNvPr id="205" name="Shape 205"/>
+        <p:cNvPr id="1" name="Shape 205"/>
         <p:cNvGrpSpPr/>
         <p:nvPr/>
       </p:nvGrpSpPr>
@@ -11706,7 +11838,9 @@
       <p:sp>
         <p:nvSpPr>
           <p:cNvPr id="207" name="Google Shape;207;p27"/>
-          <p:cNvSpPr txBox="1"/>
+          <p:cNvSpPr txBox="1">
+            <a:spLocks noGrp="1"/>
+          </p:cNvSpPr>
           <p:nvPr>
             <p:ph type="title"/>
           </p:nvPr>
@@ -11721,12 +11855,12 @@
           </a:prstGeom>
         </p:spPr>
         <p:txBody>
-          <a:bodyPr anchorCtr="0" anchor="t" bIns="91425" lIns="91425" spcFirstLastPara="1" rIns="91425" wrap="square" tIns="91425">
+          <a:bodyPr spcFirstLastPara="1" wrap="square" lIns="91425" tIns="91425" rIns="91425" bIns="91425" anchor="t" anchorCtr="0">
             <a:noAutofit/>
           </a:bodyPr>
           <a:lstStyle/>
           <a:p>
-            <a:pPr indent="0" lvl="0" marL="0" rtl="0" algn="l">
+            <a:pPr marL="0" lvl="0" indent="0" algn="l" rtl="0">
               <a:lnSpc>
                 <a:spcPct val="115000"/>
               </a:lnSpc>
@@ -11799,11 +11933,11 @@
 </file>
 
 <file path=ppt/slides/slide16.xml><?xml version="1.0" encoding="utf-8"?>
-<p:sld xmlns:a="http://schemas.openxmlformats.org/drawingml/2006/main" xmlns:r="http://schemas.openxmlformats.org/officeDocument/2006/relationships" xmlns:mc="http://schemas.openxmlformats.org/markup-compatibility/2006" xmlns:mv="urn:schemas-microsoft-com:mac:vml" xmlns:p="http://schemas.openxmlformats.org/presentationml/2006/main" xmlns:c="http://schemas.openxmlformats.org/drawingml/2006/chart" xmlns:dgm="http://schemas.openxmlformats.org/drawingml/2006/diagram" xmlns:o="urn:schemas-microsoft-com:office:office" xmlns:v="urn:schemas-microsoft-com:vml" xmlns:pvml="urn:schemas-microsoft-com:office:powerpoint" xmlns:com="http://schemas.openxmlformats.org/drawingml/2006/compatibility" xmlns:p14="http://schemas.microsoft.com/office/powerpoint/2010/main" xmlns:p15="http://schemas.microsoft.com/office/powerpoint/2012/main">
+<p:sld xmlns:a="http://schemas.openxmlformats.org/drawingml/2006/main" xmlns:r="http://schemas.openxmlformats.org/officeDocument/2006/relationships" xmlns:p="http://schemas.openxmlformats.org/presentationml/2006/main">
   <p:cSld>
     <p:spTree>
       <p:nvGrpSpPr>
-        <p:cNvPr id="212" name="Shape 212"/>
+        <p:cNvPr id="1" name="Shape 212"/>
         <p:cNvGrpSpPr/>
         <p:nvPr/>
       </p:nvGrpSpPr>
@@ -11818,7 +11952,9 @@
       <p:sp>
         <p:nvSpPr>
           <p:cNvPr id="213" name="Google Shape;213;p28"/>
-          <p:cNvSpPr txBox="1"/>
+          <p:cNvSpPr txBox="1">
+            <a:spLocks noGrp="1"/>
+          </p:cNvSpPr>
           <p:nvPr>
             <p:ph type="title"/>
           </p:nvPr>
@@ -11833,12 +11969,12 @@
           </a:prstGeom>
         </p:spPr>
         <p:txBody>
-          <a:bodyPr anchorCtr="0" anchor="t" bIns="91425" lIns="91425" spcFirstLastPara="1" rIns="91425" wrap="square" tIns="91425">
+          <a:bodyPr spcFirstLastPara="1" wrap="square" lIns="91425" tIns="91425" rIns="91425" bIns="91425" anchor="t" anchorCtr="0">
             <a:noAutofit/>
           </a:bodyPr>
           <a:lstStyle/>
           <a:p>
-            <a:pPr indent="0" lvl="0" marL="0" rtl="0" algn="l">
+            <a:pPr marL="0" lvl="0" indent="0" algn="l" rtl="0">
               <a:lnSpc>
                 <a:spcPct val="115000"/>
               </a:lnSpc>
@@ -11939,11 +12075,11 @@
 </file>
 
 <file path=ppt/slides/slide17.xml><?xml version="1.0" encoding="utf-8"?>
-<p:sld xmlns:a="http://schemas.openxmlformats.org/drawingml/2006/main" xmlns:r="http://schemas.openxmlformats.org/officeDocument/2006/relationships" xmlns:mc="http://schemas.openxmlformats.org/markup-compatibility/2006" xmlns:mv="urn:schemas-microsoft-com:mac:vml" xmlns:p="http://schemas.openxmlformats.org/presentationml/2006/main" xmlns:c="http://schemas.openxmlformats.org/drawingml/2006/chart" xmlns:dgm="http://schemas.openxmlformats.org/drawingml/2006/diagram" xmlns:o="urn:schemas-microsoft-com:office:office" xmlns:v="urn:schemas-microsoft-com:vml" xmlns:pvml="urn:schemas-microsoft-com:office:powerpoint" xmlns:com="http://schemas.openxmlformats.org/drawingml/2006/compatibility" xmlns:p14="http://schemas.microsoft.com/office/powerpoint/2010/main" xmlns:p15="http://schemas.microsoft.com/office/powerpoint/2012/main">
+<p:sld xmlns:a="http://schemas.openxmlformats.org/drawingml/2006/main" xmlns:r="http://schemas.openxmlformats.org/officeDocument/2006/relationships" xmlns:p="http://schemas.openxmlformats.org/presentationml/2006/main">
   <p:cSld>
     <p:spTree>
       <p:nvGrpSpPr>
-        <p:cNvPr id="219" name="Shape 219"/>
+        <p:cNvPr id="1" name="Shape 219"/>
         <p:cNvGrpSpPr/>
         <p:nvPr/>
       </p:nvGrpSpPr>
@@ -11958,7 +12094,9 @@
       <p:sp>
         <p:nvSpPr>
           <p:cNvPr id="220" name="Google Shape;220;p29"/>
-          <p:cNvSpPr txBox="1"/>
+          <p:cNvSpPr txBox="1">
+            <a:spLocks noGrp="1"/>
+          </p:cNvSpPr>
           <p:nvPr>
             <p:ph type="ctrTitle"/>
           </p:nvPr>
@@ -11973,12 +12111,12 @@
           </a:prstGeom>
         </p:spPr>
         <p:txBody>
-          <a:bodyPr anchorCtr="0" anchor="t" bIns="91425" lIns="91425" spcFirstLastPara="1" rIns="91425" wrap="square" tIns="91425">
+          <a:bodyPr spcFirstLastPara="1" wrap="square" lIns="91425" tIns="91425" rIns="91425" bIns="91425" anchor="t" anchorCtr="0">
             <a:noAutofit/>
           </a:bodyPr>
           <a:lstStyle/>
           <a:p>
-            <a:pPr indent="0" lvl="0" marL="0" rtl="0" algn="l">
+            <a:pPr marL="0" lvl="0" indent="0" algn="l" rtl="0">
               <a:spcBef>
                 <a:spcPts val="0"/>
               </a:spcBef>
@@ -12022,7 +12160,7 @@
             <a:noFill/>
           </a:ln>
           <a:effectLst>
-            <a:reflection blurRad="0" dir="0" dist="0" endA="0" endPos="12000" fadeDir="5400012" kx="0" rotWithShape="0" algn="bl" stPos="0" sy="-100000" ky="0"/>
+            <a:reflection endPos="12000" fadeDir="5400012" sy="-100000" algn="bl" rotWithShape="0"/>
           </a:effectLst>
         </p:spPr>
       </p:pic>
@@ -12035,11 +12173,11 @@
 </file>
 
 <file path=ppt/slides/slide18.xml><?xml version="1.0" encoding="utf-8"?>
-<p:sld xmlns:a="http://schemas.openxmlformats.org/drawingml/2006/main" xmlns:r="http://schemas.openxmlformats.org/officeDocument/2006/relationships" xmlns:mc="http://schemas.openxmlformats.org/markup-compatibility/2006" xmlns:mv="urn:schemas-microsoft-com:mac:vml" xmlns:p="http://schemas.openxmlformats.org/presentationml/2006/main" xmlns:c="http://schemas.openxmlformats.org/drawingml/2006/chart" xmlns:dgm="http://schemas.openxmlformats.org/drawingml/2006/diagram" xmlns:o="urn:schemas-microsoft-com:office:office" xmlns:v="urn:schemas-microsoft-com:vml" xmlns:pvml="urn:schemas-microsoft-com:office:powerpoint" xmlns:com="http://schemas.openxmlformats.org/drawingml/2006/compatibility" xmlns:p14="http://schemas.microsoft.com/office/powerpoint/2010/main" xmlns:p15="http://schemas.microsoft.com/office/powerpoint/2012/main">
+<p:sld xmlns:a="http://schemas.openxmlformats.org/drawingml/2006/main" xmlns:r="http://schemas.openxmlformats.org/officeDocument/2006/relationships" xmlns:p="http://schemas.openxmlformats.org/presentationml/2006/main">
   <p:cSld>
     <p:spTree>
       <p:nvGrpSpPr>
-        <p:cNvPr id="225" name="Shape 225"/>
+        <p:cNvPr id="1" name="Shape 225"/>
         <p:cNvGrpSpPr/>
         <p:nvPr/>
       </p:nvGrpSpPr>
@@ -12054,7 +12192,9 @@
       <p:sp>
         <p:nvSpPr>
           <p:cNvPr id="226" name="Google Shape;226;p30"/>
-          <p:cNvSpPr txBox="1"/>
+          <p:cNvSpPr txBox="1">
+            <a:spLocks noGrp="1"/>
+          </p:cNvSpPr>
           <p:nvPr>
             <p:ph type="title"/>
           </p:nvPr>
@@ -12069,12 +12209,12 @@
           </a:prstGeom>
         </p:spPr>
         <p:txBody>
-          <a:bodyPr anchorCtr="0" anchor="t" bIns="91425" lIns="91425" spcFirstLastPara="1" rIns="91425" wrap="square" tIns="91425">
+          <a:bodyPr spcFirstLastPara="1" wrap="square" lIns="91425" tIns="91425" rIns="91425" bIns="91425" anchor="t" anchorCtr="0">
             <a:noAutofit/>
           </a:bodyPr>
           <a:lstStyle/>
           <a:p>
-            <a:pPr indent="0" lvl="0" marL="0" rtl="0" algn="l">
+            <a:pPr marL="0" lvl="0" indent="0" algn="l" rtl="0">
               <a:lnSpc>
                 <a:spcPct val="115000"/>
               </a:lnSpc>
@@ -12130,12 +12270,12 @@
           </a:ln>
         </p:spPr>
         <p:txBody>
-          <a:bodyPr anchorCtr="0" anchor="t" bIns="91425" lIns="91425" spcFirstLastPara="1" rIns="91425" wrap="square" tIns="91425">
+          <a:bodyPr spcFirstLastPara="1" wrap="square" lIns="91425" tIns="91425" rIns="91425" bIns="91425" anchor="t" anchorCtr="0">
             <a:noAutofit/>
           </a:bodyPr>
           <a:lstStyle/>
           <a:p>
-            <a:pPr indent="-317500" lvl="0" marL="457200" rtl="0" algn="l">
+            <a:pPr marL="457200" lvl="0" indent="-317500" algn="l" rtl="0">
               <a:spcBef>
                 <a:spcPts val="0"/>
               </a:spcBef>
@@ -12163,7 +12303,7 @@
             </a:endParaRPr>
           </a:p>
           <a:p>
-            <a:pPr indent="-317500" lvl="0" marL="457200" rtl="0" algn="l">
+            <a:pPr marL="457200" lvl="0" indent="-317500" algn="l" rtl="0">
               <a:spcBef>
                 <a:spcPts val="0"/>
               </a:spcBef>
@@ -12191,7 +12331,7 @@
             </a:endParaRPr>
           </a:p>
           <a:p>
-            <a:pPr indent="-317500" lvl="0" marL="457200" rtl="0" algn="l">
+            <a:pPr marL="457200" lvl="0" indent="-317500" algn="l" rtl="0">
               <a:spcBef>
                 <a:spcPts val="0"/>
               </a:spcBef>
@@ -12219,7 +12359,7 @@
             </a:endParaRPr>
           </a:p>
           <a:p>
-            <a:pPr indent="-317500" lvl="0" marL="457200" rtl="0" algn="l">
+            <a:pPr marL="457200" lvl="0" indent="-317500" algn="l" rtl="0">
               <a:spcBef>
                 <a:spcPts val="0"/>
               </a:spcBef>
@@ -12247,7 +12387,7 @@
             </a:endParaRPr>
           </a:p>
           <a:p>
-            <a:pPr indent="0" lvl="0" marL="0" rtl="0" algn="l">
+            <a:pPr marL="0" lvl="0" indent="0" algn="l" rtl="0">
               <a:spcBef>
                 <a:spcPts val="0"/>
               </a:spcBef>
@@ -12273,7 +12413,7 @@
             </a:endParaRPr>
           </a:p>
           <a:p>
-            <a:pPr indent="-317500" lvl="0" marL="914400" rtl="0" algn="l">
+            <a:pPr marL="914400" lvl="0" indent="-317500" algn="l" rtl="0">
               <a:lnSpc>
                 <a:spcPct val="115000"/>
               </a:lnSpc>
@@ -12288,7 +12428,7 @@
               <a:buAutoNum type="arabicPeriod"/>
             </a:pPr>
             <a:r>
-              <a:rPr i="1" lang="pt-PT">
+              <a:rPr lang="pt-PT" i="1">
                 <a:latin typeface="Lato"/>
                 <a:ea typeface="Lato"/>
                 <a:cs typeface="Lato"/>
@@ -12313,7 +12453,7 @@
             </a:endParaRPr>
           </a:p>
           <a:p>
-            <a:pPr indent="-317500" lvl="0" marL="914400" rtl="0" algn="l">
+            <a:pPr marL="914400" lvl="0" indent="-317500" algn="l" rtl="0">
               <a:lnSpc>
                 <a:spcPct val="115000"/>
               </a:lnSpc>
@@ -12328,7 +12468,7 @@
               <a:buAutoNum type="arabicPeriod"/>
             </a:pPr>
             <a:r>
-              <a:rPr i="1" lang="pt-PT">
+              <a:rPr lang="pt-PT" i="1">
                 <a:latin typeface="Lato"/>
                 <a:ea typeface="Lato"/>
                 <a:cs typeface="Lato"/>
@@ -12353,7 +12493,7 @@
             </a:endParaRPr>
           </a:p>
           <a:p>
-            <a:pPr indent="-317500" lvl="0" marL="914400" rtl="0" algn="l">
+            <a:pPr marL="914400" lvl="0" indent="-317500" algn="l" rtl="0">
               <a:lnSpc>
                 <a:spcPct val="115000"/>
               </a:lnSpc>
@@ -12368,7 +12508,7 @@
               <a:buAutoNum type="arabicPeriod"/>
             </a:pPr>
             <a:r>
-              <a:rPr i="1" lang="pt-PT">
+              <a:rPr lang="pt-PT" i="1">
                 <a:latin typeface="Lato"/>
                 <a:ea typeface="Lato"/>
                 <a:cs typeface="Lato"/>
@@ -12393,7 +12533,7 @@
             </a:endParaRPr>
           </a:p>
           <a:p>
-            <a:pPr indent="-317500" lvl="0" marL="914400" rtl="0" algn="l">
+            <a:pPr marL="914400" lvl="0" indent="-317500" algn="l" rtl="0">
               <a:lnSpc>
                 <a:spcPct val="115000"/>
               </a:lnSpc>
@@ -12408,7 +12548,7 @@
               <a:buAutoNum type="arabicPeriod"/>
             </a:pPr>
             <a:r>
-              <a:rPr i="1" lang="pt-PT">
+              <a:rPr lang="pt-PT" i="1">
                 <a:latin typeface="Lato"/>
                 <a:ea typeface="Lato"/>
                 <a:cs typeface="Lato"/>
@@ -12433,7 +12573,7 @@
             </a:endParaRPr>
           </a:p>
           <a:p>
-            <a:pPr indent="-317500" lvl="0" marL="914400" rtl="0" algn="l">
+            <a:pPr marL="914400" lvl="0" indent="-317500" algn="l" rtl="0">
               <a:lnSpc>
                 <a:spcPct val="115000"/>
               </a:lnSpc>
@@ -12448,7 +12588,7 @@
               <a:buAutoNum type="arabicPeriod"/>
             </a:pPr>
             <a:r>
-              <a:rPr i="1" lang="pt-PT">
+              <a:rPr lang="pt-PT" i="1">
                 <a:latin typeface="Lato"/>
                 <a:ea typeface="Lato"/>
                 <a:cs typeface="Lato"/>
@@ -12473,7 +12613,7 @@
             </a:endParaRPr>
           </a:p>
           <a:p>
-            <a:pPr indent="-317500" lvl="0" marL="914400" rtl="0" algn="l">
+            <a:pPr marL="914400" lvl="0" indent="-317500" algn="l" rtl="0">
               <a:lnSpc>
                 <a:spcPct val="115000"/>
               </a:lnSpc>
@@ -12488,7 +12628,7 @@
               <a:buAutoNum type="arabicPeriod"/>
             </a:pPr>
             <a:r>
-              <a:rPr i="1" lang="pt-PT">
+              <a:rPr lang="pt-PT" i="1">
                 <a:latin typeface="Lato"/>
                 <a:ea typeface="Lato"/>
                 <a:cs typeface="Lato"/>
@@ -12523,11 +12663,11 @@
 </file>
 
 <file path=ppt/slides/slide19.xml><?xml version="1.0" encoding="utf-8"?>
-<p:sld xmlns:a="http://schemas.openxmlformats.org/drawingml/2006/main" xmlns:r="http://schemas.openxmlformats.org/officeDocument/2006/relationships" xmlns:mc="http://schemas.openxmlformats.org/markup-compatibility/2006" xmlns:mv="urn:schemas-microsoft-com:mac:vml" xmlns:p="http://schemas.openxmlformats.org/presentationml/2006/main" xmlns:c="http://schemas.openxmlformats.org/drawingml/2006/chart" xmlns:dgm="http://schemas.openxmlformats.org/drawingml/2006/diagram" xmlns:o="urn:schemas-microsoft-com:office:office" xmlns:v="urn:schemas-microsoft-com:vml" xmlns:pvml="urn:schemas-microsoft-com:office:powerpoint" xmlns:com="http://schemas.openxmlformats.org/drawingml/2006/compatibility" xmlns:p14="http://schemas.microsoft.com/office/powerpoint/2010/main" xmlns:p15="http://schemas.microsoft.com/office/powerpoint/2012/main">
+<p:sld xmlns:a="http://schemas.openxmlformats.org/drawingml/2006/main" xmlns:r="http://schemas.openxmlformats.org/officeDocument/2006/relationships" xmlns:p="http://schemas.openxmlformats.org/presentationml/2006/main">
   <p:cSld>
     <p:spTree>
       <p:nvGrpSpPr>
-        <p:cNvPr id="231" name="Shape 231"/>
+        <p:cNvPr id="1" name="Shape 231"/>
         <p:cNvGrpSpPr/>
         <p:nvPr/>
       </p:nvGrpSpPr>
@@ -12542,7 +12682,9 @@
       <p:sp>
         <p:nvSpPr>
           <p:cNvPr id="232" name="Google Shape;232;p31"/>
-          <p:cNvSpPr txBox="1"/>
+          <p:cNvSpPr txBox="1">
+            <a:spLocks noGrp="1"/>
+          </p:cNvSpPr>
           <p:nvPr>
             <p:ph type="title"/>
           </p:nvPr>
@@ -12557,12 +12699,12 @@
           </a:prstGeom>
         </p:spPr>
         <p:txBody>
-          <a:bodyPr anchorCtr="0" anchor="t" bIns="91425" lIns="91425" spcFirstLastPara="1" rIns="91425" wrap="square" tIns="91425">
+          <a:bodyPr spcFirstLastPara="1" wrap="square" lIns="91425" tIns="91425" rIns="91425" bIns="91425" anchor="t" anchorCtr="0">
             <a:noAutofit/>
           </a:bodyPr>
           <a:lstStyle/>
           <a:p>
-            <a:pPr indent="0" lvl="0" marL="0" rtl="0" algn="l">
+            <a:pPr marL="0" lvl="0" indent="0" algn="l" rtl="0">
               <a:lnSpc>
                 <a:spcPct val="115000"/>
               </a:lnSpc>
@@ -12600,7 +12742,7 @@
       </p:sp>
       <p:pic>
         <p:nvPicPr>
-          <p:cNvPr descr="Gráfico de respostas do Formulários. Título da pergunta: O que achou das tarefas que realizou?. Número de respostas: ." id="233" name="Google Shape;233;p31"/>
+          <p:cNvPr id="233" name="Google Shape;233;p31" descr="Gráfico de respostas do Formulários. Título da pergunta: O que achou das tarefas que realizou?. Número de respostas: ."/>
           <p:cNvPicPr preferRelativeResize="0"/>
           <p:nvPr/>
         </p:nvPicPr>
@@ -12608,7 +12750,7 @@
           <a:blip r:embed="rId3">
             <a:alphaModFix/>
           </a:blip>
-          <a:srcRect b="18759" l="-1307" r="2248" t="22781"/>
+          <a:srcRect l="-1307" t="22781" r="2248" b="18759"/>
           <a:stretch/>
         </p:blipFill>
         <p:spPr>
@@ -12645,12 +12787,12 @@
           </a:ln>
         </p:spPr>
         <p:txBody>
-          <a:bodyPr anchorCtr="0" anchor="t" bIns="91425" lIns="91425" spcFirstLastPara="1" rIns="91425" wrap="square" tIns="91425">
+          <a:bodyPr spcFirstLastPara="1" wrap="square" lIns="91425" tIns="91425" rIns="91425" bIns="91425" anchor="t" anchorCtr="0">
             <a:noAutofit/>
           </a:bodyPr>
           <a:lstStyle/>
           <a:p>
-            <a:pPr indent="-298450" lvl="0" marL="457200" rtl="0" algn="l">
+            <a:pPr marL="457200" lvl="0" indent="-298450" algn="l" rtl="0">
               <a:lnSpc>
                 <a:spcPct val="150000"/>
               </a:lnSpc>
@@ -12681,7 +12823,7 @@
             </a:endParaRPr>
           </a:p>
           <a:p>
-            <a:pPr indent="-298450" lvl="0" marL="457200" rtl="0" algn="l">
+            <a:pPr marL="457200" lvl="0" indent="-298450" algn="l" rtl="0">
               <a:lnSpc>
                 <a:spcPct val="150000"/>
               </a:lnSpc>
@@ -12712,7 +12854,7 @@
             </a:endParaRPr>
           </a:p>
           <a:p>
-            <a:pPr indent="-298450" lvl="0" marL="457200" rtl="0" algn="l">
+            <a:pPr marL="457200" lvl="0" indent="-298450" algn="l" rtl="0">
               <a:lnSpc>
                 <a:spcPct val="150000"/>
               </a:lnSpc>
@@ -12743,7 +12885,7 @@
             </a:endParaRPr>
           </a:p>
           <a:p>
-            <a:pPr indent="-298450" lvl="0" marL="457200" rtl="0" algn="l">
+            <a:pPr marL="457200" lvl="0" indent="-298450" algn="l" rtl="0">
               <a:lnSpc>
                 <a:spcPct val="150000"/>
               </a:lnSpc>
@@ -12774,7 +12916,7 @@
             </a:endParaRPr>
           </a:p>
           <a:p>
-            <a:pPr indent="-298450" lvl="0" marL="457200" rtl="0" algn="l">
+            <a:pPr marL="457200" lvl="0" indent="-298450" algn="l" rtl="0">
               <a:lnSpc>
                 <a:spcPct val="150000"/>
               </a:lnSpc>
@@ -12805,7 +12947,7 @@
             </a:endParaRPr>
           </a:p>
           <a:p>
-            <a:pPr indent="-298450" lvl="0" marL="457200" rtl="0" algn="l">
+            <a:pPr marL="457200" lvl="0" indent="-298450" algn="l" rtl="0">
               <a:lnSpc>
                 <a:spcPct val="150000"/>
               </a:lnSpc>
@@ -12857,12 +12999,12 @@
           </a:ln>
         </p:spPr>
         <p:txBody>
-          <a:bodyPr anchorCtr="0" anchor="t" bIns="91425" lIns="91425" spcFirstLastPara="1" rIns="91425" wrap="square" tIns="91425">
+          <a:bodyPr spcFirstLastPara="1" wrap="square" lIns="91425" tIns="91425" rIns="91425" bIns="91425" anchor="t" anchorCtr="0">
             <a:noAutofit/>
           </a:bodyPr>
           <a:lstStyle/>
           <a:p>
-            <a:pPr indent="0" lvl="0" marL="0" rtl="0" algn="l">
+            <a:pPr marL="0" lvl="0" indent="0" algn="l" rtl="0">
               <a:spcBef>
                 <a:spcPts val="0"/>
               </a:spcBef>
@@ -12909,12 +13051,12 @@
           </a:ln>
         </p:spPr>
         <p:txBody>
-          <a:bodyPr anchorCtr="0" anchor="t" bIns="91425" lIns="91425" spcFirstLastPara="1" rIns="91425" wrap="square" tIns="91425">
+          <a:bodyPr spcFirstLastPara="1" wrap="square" lIns="91425" tIns="91425" rIns="91425" bIns="91425" anchor="t" anchorCtr="0">
             <a:noAutofit/>
           </a:bodyPr>
           <a:lstStyle/>
           <a:p>
-            <a:pPr indent="-298450" lvl="0" marL="457200" rtl="0" algn="l">
+            <a:pPr marL="457200" lvl="0" indent="-298450" algn="l" rtl="0">
               <a:spcBef>
                 <a:spcPts val="0"/>
               </a:spcBef>
@@ -12952,11 +13094,11 @@
 </file>
 
 <file path=ppt/slides/slide2.xml><?xml version="1.0" encoding="utf-8"?>
-<p:sld xmlns:a="http://schemas.openxmlformats.org/drawingml/2006/main" xmlns:r="http://schemas.openxmlformats.org/officeDocument/2006/relationships" xmlns:mc="http://schemas.openxmlformats.org/markup-compatibility/2006" xmlns:mv="urn:schemas-microsoft-com:mac:vml" xmlns:p="http://schemas.openxmlformats.org/presentationml/2006/main" xmlns:c="http://schemas.openxmlformats.org/drawingml/2006/chart" xmlns:dgm="http://schemas.openxmlformats.org/drawingml/2006/diagram" xmlns:o="urn:schemas-microsoft-com:office:office" xmlns:v="urn:schemas-microsoft-com:vml" xmlns:pvml="urn:schemas-microsoft-com:office:powerpoint" xmlns:com="http://schemas.openxmlformats.org/drawingml/2006/compatibility" xmlns:p14="http://schemas.microsoft.com/office/powerpoint/2010/main" xmlns:p15="http://schemas.microsoft.com/office/powerpoint/2012/main">
+<p:sld xmlns:a="http://schemas.openxmlformats.org/drawingml/2006/main" xmlns:r="http://schemas.openxmlformats.org/officeDocument/2006/relationships" xmlns:p="http://schemas.openxmlformats.org/presentationml/2006/main">
   <p:cSld>
     <p:spTree>
       <p:nvGrpSpPr>
-        <p:cNvPr id="93" name="Shape 93"/>
+        <p:cNvPr id="1" name="Shape 93"/>
         <p:cNvGrpSpPr/>
         <p:nvPr/>
       </p:nvGrpSpPr>
@@ -12971,7 +13113,9 @@
       <p:sp>
         <p:nvSpPr>
           <p:cNvPr id="94" name="Google Shape;94;p14"/>
-          <p:cNvSpPr txBox="1"/>
+          <p:cNvSpPr txBox="1">
+            <a:spLocks noGrp="1"/>
+          </p:cNvSpPr>
           <p:nvPr>
             <p:ph type="title"/>
           </p:nvPr>
@@ -12986,12 +13130,12 @@
           </a:prstGeom>
         </p:spPr>
         <p:txBody>
-          <a:bodyPr anchorCtr="0" anchor="t" bIns="91425" lIns="91425" spcFirstLastPara="1" rIns="91425" wrap="square" tIns="91425">
+          <a:bodyPr spcFirstLastPara="1" wrap="square" lIns="91425" tIns="91425" rIns="91425" bIns="91425" anchor="t" anchorCtr="0">
             <a:noAutofit/>
           </a:bodyPr>
           <a:lstStyle/>
           <a:p>
-            <a:pPr indent="0" lvl="0" marL="0" rtl="0" algn="l">
+            <a:pPr marL="0" lvl="0" indent="0" algn="l" rtl="0">
               <a:spcBef>
                 <a:spcPts val="0"/>
               </a:spcBef>
@@ -13011,9 +13155,11 @@
       <p:sp>
         <p:nvSpPr>
           <p:cNvPr id="95" name="Google Shape;95;p14"/>
-          <p:cNvSpPr txBox="1"/>
+          <p:cNvSpPr txBox="1">
+            <a:spLocks noGrp="1"/>
+          </p:cNvSpPr>
           <p:nvPr>
-            <p:ph idx="1" type="body"/>
+            <p:ph type="body" idx="1"/>
           </p:nvPr>
         </p:nvSpPr>
         <p:spPr>
@@ -13026,12 +13172,12 @@
           </a:prstGeom>
         </p:spPr>
         <p:txBody>
-          <a:bodyPr anchorCtr="0" anchor="t" bIns="91425" lIns="91425" spcFirstLastPara="1" rIns="91425" wrap="square" tIns="91425">
+          <a:bodyPr spcFirstLastPara="1" wrap="square" lIns="91425" tIns="91425" rIns="91425" bIns="91425" anchor="t" anchorCtr="0">
             <a:noAutofit/>
           </a:bodyPr>
           <a:lstStyle/>
           <a:p>
-            <a:pPr indent="0" lvl="0" marL="0" rtl="0" algn="l">
+            <a:pPr marL="0" lvl="0" indent="0" algn="l" rtl="0">
               <a:spcBef>
                 <a:spcPts val="0"/>
               </a:spcBef>
@@ -13047,16 +13193,7 @@
                 <a:cs typeface="Raleway"/>
                 <a:sym typeface="Raleway"/>
               </a:rPr>
-              <a:t>A</a:t>
-            </a:r>
-            <a:r>
-              <a:rPr lang="pt-PT">
-                <a:latin typeface="Raleway"/>
-                <a:ea typeface="Raleway"/>
-                <a:cs typeface="Raleway"/>
-                <a:sym typeface="Raleway"/>
-              </a:rPr>
-              <a:t>pp where users can listen to or upload their own songs/podcasts</a:t>
+              <a:t>App where users can listen to or upload their own songs/podcasts</a:t>
             </a:r>
             <a:endParaRPr>
               <a:latin typeface="Raleway"/>
@@ -13066,7 +13203,7 @@
             </a:endParaRPr>
           </a:p>
           <a:p>
-            <a:pPr indent="0" lvl="0" marL="0" rtl="0" algn="l">
+            <a:pPr marL="0" lvl="0" indent="0" algn="l" rtl="0">
               <a:spcBef>
                 <a:spcPts val="1600"/>
               </a:spcBef>
@@ -13092,7 +13229,7 @@
             </a:endParaRPr>
           </a:p>
           <a:p>
-            <a:pPr indent="-298450" lvl="0" marL="457200" rtl="0" algn="l">
+            <a:pPr marL="457200" lvl="0" indent="-298450" algn="l" rtl="0">
               <a:lnSpc>
                 <a:spcPct val="150000"/>
               </a:lnSpc>
@@ -13132,7 +13269,7 @@
             </a:endParaRPr>
           </a:p>
           <a:p>
-            <a:pPr indent="-298450" lvl="1" marL="914400" rtl="0" algn="l">
+            <a:pPr marL="914400" lvl="1" indent="-298450" algn="l" rtl="0">
               <a:lnSpc>
                 <a:spcPct val="150000"/>
               </a:lnSpc>
@@ -13150,7 +13287,7 @@
               <a:buChar char="○"/>
             </a:pPr>
             <a:r>
-              <a:rPr b="1" lang="pt-PT">
+              <a:rPr lang="pt-PT" b="1">
                 <a:solidFill>
                   <a:srgbClr val="000000"/>
                 </a:solidFill>
@@ -13184,7 +13321,7 @@
             </a:endParaRPr>
           </a:p>
           <a:p>
-            <a:pPr indent="-298450" lvl="1" marL="914400" rtl="0" algn="l">
+            <a:pPr marL="914400" lvl="1" indent="-298450" algn="l" rtl="0">
               <a:lnSpc>
                 <a:spcPct val="150000"/>
               </a:lnSpc>
@@ -13202,7 +13339,7 @@
               <a:buChar char="○"/>
             </a:pPr>
             <a:r>
-              <a:rPr b="1" lang="pt-PT">
+              <a:rPr lang="pt-PT" b="1">
                 <a:solidFill>
                   <a:srgbClr val="000000"/>
                 </a:solidFill>
@@ -13236,7 +13373,7 @@
             </a:endParaRPr>
           </a:p>
           <a:p>
-            <a:pPr indent="0" lvl="0" marL="0" rtl="0" algn="l">
+            <a:pPr marL="0" lvl="0" indent="0" algn="l" rtl="0">
               <a:spcBef>
                 <a:spcPts val="1600"/>
               </a:spcBef>
@@ -13245,13 +13382,10 @@
               </a:spcAft>
               <a:buNone/>
             </a:pPr>
-            <a:r>
-              <a:t/>
-            </a:r>
             <a:endParaRPr/>
           </a:p>
           <a:p>
-            <a:pPr indent="0" lvl="0" marL="0" rtl="0" algn="l">
+            <a:pPr marL="0" lvl="0" indent="0" algn="l" rtl="0">
               <a:spcBef>
                 <a:spcPts val="1600"/>
               </a:spcBef>
@@ -13260,9 +13394,6 @@
               </a:spcAft>
               <a:buNone/>
             </a:pPr>
-            <a:r>
-              <a:t/>
-            </a:r>
             <a:endParaRPr/>
           </a:p>
         </p:txBody>
@@ -13304,11 +13435,11 @@
 </file>
 
 <file path=ppt/slides/slide20.xml><?xml version="1.0" encoding="utf-8"?>
-<p:sld xmlns:a="http://schemas.openxmlformats.org/drawingml/2006/main" xmlns:r="http://schemas.openxmlformats.org/officeDocument/2006/relationships" xmlns:mc="http://schemas.openxmlformats.org/markup-compatibility/2006" xmlns:mv="urn:schemas-microsoft-com:mac:vml" xmlns:p="http://schemas.openxmlformats.org/presentationml/2006/main" xmlns:c="http://schemas.openxmlformats.org/drawingml/2006/chart" xmlns:dgm="http://schemas.openxmlformats.org/drawingml/2006/diagram" xmlns:o="urn:schemas-microsoft-com:office:office" xmlns:v="urn:schemas-microsoft-com:vml" xmlns:pvml="urn:schemas-microsoft-com:office:powerpoint" xmlns:com="http://schemas.openxmlformats.org/drawingml/2006/compatibility" xmlns:p14="http://schemas.microsoft.com/office/powerpoint/2010/main" xmlns:p15="http://schemas.microsoft.com/office/powerpoint/2012/main">
+<p:sld xmlns:a="http://schemas.openxmlformats.org/drawingml/2006/main" xmlns:r="http://schemas.openxmlformats.org/officeDocument/2006/relationships" xmlns:p="http://schemas.openxmlformats.org/presentationml/2006/main">
   <p:cSld>
     <p:spTree>
       <p:nvGrpSpPr>
-        <p:cNvPr id="240" name="Shape 240"/>
+        <p:cNvPr id="1" name="Shape 240"/>
         <p:cNvGrpSpPr/>
         <p:nvPr/>
       </p:nvGrpSpPr>
@@ -13323,7 +13454,9 @@
       <p:sp>
         <p:nvSpPr>
           <p:cNvPr id="241" name="Google Shape;241;p32"/>
-          <p:cNvSpPr txBox="1"/>
+          <p:cNvSpPr txBox="1">
+            <a:spLocks noGrp="1"/>
+          </p:cNvSpPr>
           <p:nvPr>
             <p:ph type="title"/>
           </p:nvPr>
@@ -13338,12 +13471,12 @@
           </a:prstGeom>
         </p:spPr>
         <p:txBody>
-          <a:bodyPr anchorCtr="0" anchor="t" bIns="91425" lIns="91425" spcFirstLastPara="1" rIns="91425" wrap="square" tIns="91425">
+          <a:bodyPr spcFirstLastPara="1" wrap="square" lIns="91425" tIns="91425" rIns="91425" bIns="91425" anchor="t" anchorCtr="0">
             <a:noAutofit/>
           </a:bodyPr>
           <a:lstStyle/>
           <a:p>
-            <a:pPr indent="0" lvl="0" marL="0" rtl="0" algn="l">
+            <a:pPr marL="0" lvl="0" indent="0" algn="l" rtl="0">
               <a:spcBef>
                 <a:spcPts val="0"/>
               </a:spcBef>
@@ -13363,9 +13496,11 @@
       <p:sp>
         <p:nvSpPr>
           <p:cNvPr id="242" name="Google Shape;242;p32"/>
-          <p:cNvSpPr txBox="1"/>
+          <p:cNvSpPr txBox="1">
+            <a:spLocks noGrp="1"/>
+          </p:cNvSpPr>
           <p:nvPr>
-            <p:ph idx="1" type="body"/>
+            <p:ph type="body" idx="1"/>
           </p:nvPr>
         </p:nvSpPr>
         <p:spPr>
@@ -13378,12 +13513,12 @@
           </a:prstGeom>
         </p:spPr>
         <p:txBody>
-          <a:bodyPr anchorCtr="0" anchor="t" bIns="91425" lIns="91425" spcFirstLastPara="1" rIns="91425" wrap="square" tIns="91425">
+          <a:bodyPr spcFirstLastPara="1" wrap="square" lIns="91425" tIns="91425" rIns="91425" bIns="91425" anchor="t" anchorCtr="0">
             <a:noAutofit/>
           </a:bodyPr>
           <a:lstStyle/>
           <a:p>
-            <a:pPr indent="-333375" lvl="0" marL="457200" marR="101600" rtl="0" algn="l">
+            <a:pPr marL="457200" marR="101600" lvl="0" indent="-333375" algn="l" rtl="0">
               <a:lnSpc>
                 <a:spcPct val="150000"/>
               </a:lnSpc>
@@ -13429,7 +13564,7 @@
             </a:endParaRPr>
           </a:p>
           <a:p>
-            <a:pPr indent="-333375" lvl="0" marL="457200" marR="101600" rtl="0" algn="l">
+            <a:pPr marL="457200" marR="101600" lvl="0" indent="-333375" algn="l" rtl="0">
               <a:lnSpc>
                 <a:spcPct val="150000"/>
               </a:lnSpc>
@@ -13475,7 +13610,7 @@
             </a:endParaRPr>
           </a:p>
           <a:p>
-            <a:pPr indent="-333375" lvl="0" marL="457200" marR="101600" rtl="0" algn="l">
+            <a:pPr marL="457200" marR="101600" lvl="0" indent="-333375" algn="l" rtl="0">
               <a:lnSpc>
                 <a:spcPct val="150000"/>
               </a:lnSpc>
@@ -13521,7 +13656,7 @@
             </a:endParaRPr>
           </a:p>
           <a:p>
-            <a:pPr indent="-333375" lvl="0" marL="457200" marR="101600" rtl="0" algn="l">
+            <a:pPr marL="457200" marR="101600" lvl="0" indent="-333375" algn="l" rtl="0">
               <a:lnSpc>
                 <a:spcPct val="150000"/>
               </a:lnSpc>
@@ -13567,7 +13702,7 @@
             </a:endParaRPr>
           </a:p>
           <a:p>
-            <a:pPr indent="0" lvl="0" marL="0" rtl="0" algn="l">
+            <a:pPr marL="0" lvl="0" indent="0" algn="l" rtl="0">
               <a:spcBef>
                 <a:spcPts val="0"/>
               </a:spcBef>
@@ -13576,9 +13711,6 @@
               </a:spcAft>
               <a:buNone/>
             </a:pPr>
-            <a:r>
-              <a:t/>
-            </a:r>
             <a:endParaRPr/>
           </a:p>
         </p:txBody>
@@ -13677,7 +13809,7 @@
           <a:blip r:embed="rId4">
             <a:alphaModFix/>
           </a:blip>
-          <a:srcRect b="12018" l="0" r="0" t="0"/>
+          <a:srcRect b="12018"/>
           <a:stretch/>
         </p:blipFill>
         <p:spPr>
@@ -13703,11 +13835,11 @@
 </file>
 
 <file path=ppt/slides/slide21.xml><?xml version="1.0" encoding="utf-8"?>
-<p:sld xmlns:a="http://schemas.openxmlformats.org/drawingml/2006/main" xmlns:r="http://schemas.openxmlformats.org/officeDocument/2006/relationships" xmlns:mc="http://schemas.openxmlformats.org/markup-compatibility/2006" xmlns:mv="urn:schemas-microsoft-com:mac:vml" xmlns:p="http://schemas.openxmlformats.org/presentationml/2006/main" xmlns:c="http://schemas.openxmlformats.org/drawingml/2006/chart" xmlns:dgm="http://schemas.openxmlformats.org/drawingml/2006/diagram" xmlns:o="urn:schemas-microsoft-com:office:office" xmlns:v="urn:schemas-microsoft-com:vml" xmlns:pvml="urn:schemas-microsoft-com:office:powerpoint" xmlns:com="http://schemas.openxmlformats.org/drawingml/2006/compatibility" xmlns:p14="http://schemas.microsoft.com/office/powerpoint/2010/main" xmlns:p15="http://schemas.microsoft.com/office/powerpoint/2012/main">
+<p:sld xmlns:a="http://schemas.openxmlformats.org/drawingml/2006/main" xmlns:r="http://schemas.openxmlformats.org/officeDocument/2006/relationships" xmlns:p="http://schemas.openxmlformats.org/presentationml/2006/main">
   <p:cSld>
     <p:spTree>
       <p:nvGrpSpPr>
-        <p:cNvPr id="250" name="Shape 250"/>
+        <p:cNvPr id="1" name="Shape 250"/>
         <p:cNvGrpSpPr/>
         <p:nvPr/>
       </p:nvGrpSpPr>
@@ -13722,9 +13854,11 @@
       <p:sp>
         <p:nvSpPr>
           <p:cNvPr id="251" name="Google Shape;251;p33"/>
-          <p:cNvSpPr txBox="1"/>
+          <p:cNvSpPr txBox="1">
+            <a:spLocks noGrp="1"/>
+          </p:cNvSpPr>
           <p:nvPr>
-            <p:ph idx="1" type="body"/>
+            <p:ph type="body" idx="1"/>
           </p:nvPr>
         </p:nvSpPr>
         <p:spPr>
@@ -13737,12 +13871,12 @@
           </a:prstGeom>
         </p:spPr>
         <p:txBody>
-          <a:bodyPr anchorCtr="0" anchor="t" bIns="91425" lIns="91425" spcFirstLastPara="1" rIns="91425" wrap="square" tIns="91425">
+          <a:bodyPr spcFirstLastPara="1" wrap="square" lIns="91425" tIns="91425" rIns="91425" bIns="91425" anchor="t" anchorCtr="0">
             <a:noAutofit/>
           </a:bodyPr>
           <a:lstStyle/>
           <a:p>
-            <a:pPr indent="-311150" lvl="0" marL="457200" rtl="0" algn="l">
+            <a:pPr marL="457200" lvl="0" indent="-311150" algn="l" rtl="0">
               <a:lnSpc>
                 <a:spcPct val="150000"/>
               </a:lnSpc>
@@ -13757,15 +13891,159 @@
               <a:buChar char="●"/>
             </a:pPr>
             <a:r>
-              <a:rPr lang="pt-PT">
+              <a:rPr lang="pt-PT" dirty="0" err="1">
                 <a:latin typeface="Raleway"/>
                 <a:ea typeface="Raleway"/>
                 <a:cs typeface="Raleway"/>
                 <a:sym typeface="Raleway"/>
               </a:rPr>
-              <a:t>Add Find Album, Singer and Implement Podcast Version Of App</a:t>
-            </a:r>
-            <a:endParaRPr>
+              <a:t>Add</a:t>
+            </a:r>
+            <a:r>
+              <a:rPr lang="pt-PT" dirty="0">
+                <a:latin typeface="Raleway"/>
+                <a:ea typeface="Raleway"/>
+                <a:cs typeface="Raleway"/>
+                <a:sym typeface="Raleway"/>
+              </a:rPr>
+              <a:t> </a:t>
+            </a:r>
+            <a:r>
+              <a:rPr lang="pt-PT" dirty="0" err="1">
+                <a:latin typeface="Raleway"/>
+                <a:ea typeface="Raleway"/>
+                <a:cs typeface="Raleway"/>
+                <a:sym typeface="Raleway"/>
+              </a:rPr>
+              <a:t>Find</a:t>
+            </a:r>
+            <a:r>
+              <a:rPr lang="pt-PT" dirty="0">
+                <a:latin typeface="Raleway"/>
+                <a:ea typeface="Raleway"/>
+                <a:cs typeface="Raleway"/>
+                <a:sym typeface="Raleway"/>
+              </a:rPr>
+              <a:t> </a:t>
+            </a:r>
+            <a:r>
+              <a:rPr lang="pt-PT" dirty="0" err="1">
+                <a:latin typeface="Raleway"/>
+                <a:ea typeface="Raleway"/>
+                <a:cs typeface="Raleway"/>
+                <a:sym typeface="Raleway"/>
+              </a:rPr>
+              <a:t>Album</a:t>
+            </a:r>
+            <a:r>
+              <a:rPr lang="pt-PT" dirty="0">
+                <a:latin typeface="Raleway"/>
+                <a:ea typeface="Raleway"/>
+                <a:cs typeface="Raleway"/>
+                <a:sym typeface="Raleway"/>
+              </a:rPr>
+              <a:t>, Singer </a:t>
+            </a:r>
+            <a:r>
+              <a:rPr lang="pt-PT" dirty="0" err="1">
+                <a:latin typeface="Raleway"/>
+                <a:ea typeface="Raleway"/>
+                <a:cs typeface="Raleway"/>
+                <a:sym typeface="Raleway"/>
+              </a:rPr>
+              <a:t>and</a:t>
+            </a:r>
+            <a:r>
+              <a:rPr lang="pt-PT" dirty="0">
+                <a:latin typeface="Raleway"/>
+                <a:ea typeface="Raleway"/>
+                <a:cs typeface="Raleway"/>
+                <a:sym typeface="Raleway"/>
+              </a:rPr>
+              <a:t> </a:t>
+            </a:r>
+            <a:r>
+              <a:rPr lang="pt-PT" dirty="0" err="1">
+                <a:latin typeface="Raleway"/>
+                <a:ea typeface="Raleway"/>
+                <a:cs typeface="Raleway"/>
+                <a:sym typeface="Raleway"/>
+              </a:rPr>
+              <a:t>Implement</a:t>
+            </a:r>
+            <a:r>
+              <a:rPr lang="pt-PT" dirty="0">
+                <a:latin typeface="Raleway"/>
+                <a:ea typeface="Raleway"/>
+                <a:cs typeface="Raleway"/>
+                <a:sym typeface="Raleway"/>
+              </a:rPr>
+              <a:t> </a:t>
+            </a:r>
+            <a:r>
+              <a:rPr lang="pt-PT" dirty="0" err="1">
+                <a:latin typeface="Raleway"/>
+                <a:ea typeface="Raleway"/>
+                <a:cs typeface="Raleway"/>
+                <a:sym typeface="Raleway"/>
+              </a:rPr>
+              <a:t>Podcast</a:t>
+            </a:r>
+            <a:r>
+              <a:rPr lang="pt-PT" dirty="0">
+                <a:latin typeface="Raleway"/>
+                <a:ea typeface="Raleway"/>
+                <a:cs typeface="Raleway"/>
+                <a:sym typeface="Raleway"/>
+              </a:rPr>
+              <a:t> </a:t>
+            </a:r>
+            <a:r>
+              <a:rPr lang="pt-PT" dirty="0" err="1">
+                <a:latin typeface="Raleway"/>
+                <a:ea typeface="Raleway"/>
+                <a:cs typeface="Raleway"/>
+                <a:sym typeface="Raleway"/>
+              </a:rPr>
+              <a:t>Version</a:t>
+            </a:r>
+            <a:r>
+              <a:rPr lang="pt-PT" dirty="0">
+                <a:latin typeface="Raleway"/>
+                <a:ea typeface="Raleway"/>
+                <a:cs typeface="Raleway"/>
+                <a:sym typeface="Raleway"/>
+              </a:rPr>
+              <a:t> </a:t>
+            </a:r>
+            <a:r>
+              <a:rPr lang="pt-PT" dirty="0" err="1">
+                <a:latin typeface="Raleway"/>
+                <a:ea typeface="Raleway"/>
+                <a:cs typeface="Raleway"/>
+                <a:sym typeface="Raleway"/>
+              </a:rPr>
+              <a:t>Of</a:t>
+            </a:r>
+            <a:r>
+              <a:rPr lang="pt-PT" dirty="0">
+                <a:latin typeface="Raleway"/>
+                <a:ea typeface="Raleway"/>
+                <a:cs typeface="Raleway"/>
+                <a:sym typeface="Raleway"/>
+              </a:rPr>
+              <a:t> </a:t>
+            </a:r>
+            <a:r>
+              <a:rPr lang="pt-PT" dirty="0" err="1">
+                <a:latin typeface="Raleway"/>
+                <a:ea typeface="Raleway"/>
+                <a:cs typeface="Raleway"/>
+                <a:sym typeface="Raleway"/>
+              </a:rPr>
+              <a:t>App</a:t>
+            </a:r>
+            <a:endParaRPr dirty="0">
               <a:solidFill>
                 <a:srgbClr val="000000"/>
               </a:solidFill>
@@ -13776,7 +14054,7 @@
             </a:endParaRPr>
           </a:p>
           <a:p>
-            <a:pPr indent="-311150" lvl="0" marL="457200" rtl="0" algn="l">
+            <a:pPr marL="457200" lvl="0" indent="-311150" algn="l" rtl="0">
               <a:lnSpc>
                 <a:spcPct val="150000"/>
               </a:lnSpc>
@@ -13794,7 +14072,7 @@
               <a:buChar char="●"/>
             </a:pPr>
             <a:r>
-              <a:rPr lang="pt-PT">
+              <a:rPr lang="pt-PT" dirty="0" err="1">
                 <a:solidFill>
                   <a:srgbClr val="000000"/>
                 </a:solidFill>
@@ -13803,9 +14081,105 @@
                 <a:cs typeface="Raleway"/>
                 <a:sym typeface="Raleway"/>
               </a:rPr>
-              <a:t>Get Shazam and Genius Integration</a:t>
-            </a:r>
-            <a:endParaRPr>
+              <a:t>Get</a:t>
+            </a:r>
+            <a:r>
+              <a:rPr lang="pt-PT" dirty="0">
+                <a:solidFill>
+                  <a:srgbClr val="000000"/>
+                </a:solidFill>
+                <a:latin typeface="Raleway"/>
+                <a:ea typeface="Raleway"/>
+                <a:cs typeface="Raleway"/>
+                <a:sym typeface="Raleway"/>
+              </a:rPr>
+              <a:t> </a:t>
+            </a:r>
+            <a:r>
+              <a:rPr lang="pt-PT" dirty="0" err="1">
+                <a:solidFill>
+                  <a:srgbClr val="000000"/>
+                </a:solidFill>
+                <a:latin typeface="Raleway"/>
+                <a:ea typeface="Raleway"/>
+                <a:cs typeface="Raleway"/>
+                <a:sym typeface="Raleway"/>
+              </a:rPr>
+              <a:t>Shazam</a:t>
+            </a:r>
+            <a:r>
+              <a:rPr lang="pt-PT" dirty="0">
+                <a:solidFill>
+                  <a:srgbClr val="000000"/>
+                </a:solidFill>
+                <a:latin typeface="Raleway"/>
+                <a:ea typeface="Raleway"/>
+                <a:cs typeface="Raleway"/>
+                <a:sym typeface="Raleway"/>
+              </a:rPr>
+              <a:t> </a:t>
+            </a:r>
+            <a:r>
+              <a:rPr lang="pt-PT" dirty="0" err="1">
+                <a:solidFill>
+                  <a:srgbClr val="000000"/>
+                </a:solidFill>
+                <a:latin typeface="Raleway"/>
+                <a:ea typeface="Raleway"/>
+                <a:cs typeface="Raleway"/>
+                <a:sym typeface="Raleway"/>
+              </a:rPr>
+              <a:t>and</a:t>
+            </a:r>
+            <a:r>
+              <a:rPr lang="pt-PT" dirty="0">
+                <a:solidFill>
+                  <a:srgbClr val="000000"/>
+                </a:solidFill>
+                <a:latin typeface="Raleway"/>
+                <a:ea typeface="Raleway"/>
+                <a:cs typeface="Raleway"/>
+                <a:sym typeface="Raleway"/>
+              </a:rPr>
+              <a:t> </a:t>
+            </a:r>
+            <a:r>
+              <a:rPr lang="pt-PT" dirty="0" err="1">
+                <a:solidFill>
+                  <a:srgbClr val="000000"/>
+                </a:solidFill>
+                <a:latin typeface="Raleway"/>
+                <a:ea typeface="Raleway"/>
+                <a:cs typeface="Raleway"/>
+                <a:sym typeface="Raleway"/>
+              </a:rPr>
+              <a:t>Genius</a:t>
+            </a:r>
+            <a:r>
+              <a:rPr lang="pt-PT" dirty="0">
+                <a:solidFill>
+                  <a:srgbClr val="000000"/>
+                </a:solidFill>
+                <a:latin typeface="Raleway"/>
+                <a:ea typeface="Raleway"/>
+                <a:cs typeface="Raleway"/>
+                <a:sym typeface="Raleway"/>
+              </a:rPr>
+              <a:t> </a:t>
+            </a:r>
+            <a:r>
+              <a:rPr lang="pt-PT" dirty="0" err="1">
+                <a:solidFill>
+                  <a:srgbClr val="000000"/>
+                </a:solidFill>
+                <a:latin typeface="Raleway"/>
+                <a:ea typeface="Raleway"/>
+                <a:cs typeface="Raleway"/>
+                <a:sym typeface="Raleway"/>
+              </a:rPr>
+              <a:t>Integration</a:t>
+            </a:r>
+            <a:endParaRPr dirty="0">
               <a:solidFill>
                 <a:srgbClr val="000000"/>
               </a:solidFill>
@@ -13816,7 +14190,7 @@
             </a:endParaRPr>
           </a:p>
           <a:p>
-            <a:pPr indent="-311150" lvl="0" marL="457200" rtl="0" algn="l">
+            <a:pPr marL="457200" lvl="0" indent="-311150" algn="l" rtl="0">
               <a:lnSpc>
                 <a:spcPct val="150000"/>
               </a:lnSpc>
@@ -13834,7 +14208,7 @@
               <a:buChar char="●"/>
             </a:pPr>
             <a:r>
-              <a:rPr lang="pt-PT">
+              <a:rPr lang="pt-PT" dirty="0" err="1">
                 <a:solidFill>
                   <a:srgbClr val="000000"/>
                 </a:solidFill>
@@ -13843,9 +14217,81 @@
                 <a:cs typeface="Raleway"/>
                 <a:sym typeface="Raleway"/>
               </a:rPr>
-              <a:t>Add a Go Back Button</a:t>
-            </a:r>
-            <a:endParaRPr>
+              <a:t>Add</a:t>
+            </a:r>
+            <a:r>
+              <a:rPr lang="pt-PT" dirty="0">
+                <a:solidFill>
+                  <a:srgbClr val="000000"/>
+                </a:solidFill>
+                <a:latin typeface="Raleway"/>
+                <a:ea typeface="Raleway"/>
+                <a:cs typeface="Raleway"/>
+                <a:sym typeface="Raleway"/>
+              </a:rPr>
+              <a:t> a </a:t>
+            </a:r>
+            <a:r>
+              <a:rPr lang="pt-PT" dirty="0" err="1">
+                <a:solidFill>
+                  <a:srgbClr val="000000"/>
+                </a:solidFill>
+                <a:latin typeface="Raleway"/>
+                <a:ea typeface="Raleway"/>
+                <a:cs typeface="Raleway"/>
+                <a:sym typeface="Raleway"/>
+              </a:rPr>
+              <a:t>Go</a:t>
+            </a:r>
+            <a:r>
+              <a:rPr lang="pt-PT" dirty="0">
+                <a:solidFill>
+                  <a:srgbClr val="000000"/>
+                </a:solidFill>
+                <a:latin typeface="Raleway"/>
+                <a:ea typeface="Raleway"/>
+                <a:cs typeface="Raleway"/>
+                <a:sym typeface="Raleway"/>
+              </a:rPr>
+              <a:t> </a:t>
+            </a:r>
+            <a:r>
+              <a:rPr lang="pt-PT" dirty="0" err="1">
+                <a:solidFill>
+                  <a:srgbClr val="000000"/>
+                </a:solidFill>
+                <a:latin typeface="Raleway"/>
+                <a:ea typeface="Raleway"/>
+                <a:cs typeface="Raleway"/>
+                <a:sym typeface="Raleway"/>
+              </a:rPr>
+              <a:t>Back</a:t>
+            </a:r>
+            <a:r>
+              <a:rPr lang="pt-PT" dirty="0">
+                <a:solidFill>
+                  <a:srgbClr val="000000"/>
+                </a:solidFill>
+                <a:latin typeface="Raleway"/>
+                <a:ea typeface="Raleway"/>
+                <a:cs typeface="Raleway"/>
+                <a:sym typeface="Raleway"/>
+              </a:rPr>
+              <a:t> </a:t>
+            </a:r>
+            <a:r>
+              <a:rPr lang="pt-PT" dirty="0" err="1">
+                <a:solidFill>
+                  <a:srgbClr val="000000"/>
+                </a:solidFill>
+                <a:latin typeface="Raleway"/>
+                <a:ea typeface="Raleway"/>
+                <a:cs typeface="Raleway"/>
+                <a:sym typeface="Raleway"/>
+              </a:rPr>
+              <a:t>Button</a:t>
+            </a:r>
+            <a:endParaRPr dirty="0">
               <a:solidFill>
                 <a:srgbClr val="000000"/>
               </a:solidFill>
@@ -13856,7 +14302,7 @@
             </a:endParaRPr>
           </a:p>
           <a:p>
-            <a:pPr indent="-311150" lvl="0" marL="457200" rtl="0" algn="l">
+            <a:pPr marL="457200" lvl="0" indent="-311150" algn="l" rtl="0">
               <a:lnSpc>
                 <a:spcPct val="150000"/>
               </a:lnSpc>
@@ -13874,7 +14320,7 @@
               <a:buChar char="●"/>
             </a:pPr>
             <a:r>
-              <a:rPr lang="pt-PT">
+              <a:rPr lang="pt-PT" dirty="0" err="1">
                 <a:solidFill>
                   <a:srgbClr val="333333"/>
                 </a:solidFill>
@@ -13886,7 +14332,52 @@
                 <a:cs typeface="Raleway"/>
                 <a:sym typeface="Raleway"/>
               </a:rPr>
-              <a:t>Beautify user interface</a:t>
+              <a:t>Beautify</a:t>
+            </a:r>
+            <a:r>
+              <a:rPr lang="pt-PT" dirty="0">
+                <a:solidFill>
+                  <a:srgbClr val="333333"/>
+                </a:solidFill>
+                <a:highlight>
+                  <a:srgbClr val="FFFFFF"/>
+                </a:highlight>
+                <a:latin typeface="Raleway"/>
+                <a:ea typeface="Raleway"/>
+                <a:cs typeface="Raleway"/>
+                <a:sym typeface="Raleway"/>
+              </a:rPr>
+              <a:t> </a:t>
+            </a:r>
+            <a:r>
+              <a:rPr lang="pt-PT" dirty="0" err="1">
+                <a:solidFill>
+                  <a:srgbClr val="333333"/>
+                </a:solidFill>
+                <a:highlight>
+                  <a:srgbClr val="FFFFFF"/>
+                </a:highlight>
+                <a:latin typeface="Raleway"/>
+                <a:ea typeface="Raleway"/>
+                <a:cs typeface="Raleway"/>
+                <a:sym typeface="Raleway"/>
+              </a:rPr>
+              <a:t>user</a:t>
+            </a:r>
+            <a:r>
+              <a:rPr lang="pt-PT">
+                <a:solidFill>
+                  <a:srgbClr val="333333"/>
+                </a:solidFill>
+                <a:highlight>
+                  <a:srgbClr val="FFFFFF"/>
+                </a:highlight>
+                <a:latin typeface="Raleway"/>
+                <a:ea typeface="Raleway"/>
+                <a:cs typeface="Raleway"/>
+                <a:sym typeface="Raleway"/>
+              </a:rPr>
+              <a:t> interface</a:t>
             </a:r>
             <a:endParaRPr>
               <a:solidFill>
@@ -13902,7 +14393,7 @@
             </a:endParaRPr>
           </a:p>
           <a:p>
-            <a:pPr indent="-311150" lvl="0" marL="457200" rtl="0" algn="l">
+            <a:pPr marL="457200" lvl="0" indent="-311150" algn="l" rtl="0">
               <a:lnSpc>
                 <a:spcPct val="150000"/>
               </a:lnSpc>
@@ -13920,7 +14411,7 @@
               <a:buChar char="●"/>
             </a:pPr>
             <a:r>
-              <a:rPr lang="pt-PT">
+              <a:rPr lang="pt-PT" dirty="0" err="1">
                 <a:solidFill>
                   <a:srgbClr val="333333"/>
                 </a:solidFill>
@@ -13932,9 +14423,54 @@
                 <a:cs typeface="Raleway"/>
                 <a:sym typeface="Raleway"/>
               </a:rPr>
-              <a:t>Develop A Database </a:t>
-            </a:r>
-            <a:endParaRPr>
+              <a:t>Develop</a:t>
+            </a:r>
+            <a:r>
+              <a:rPr lang="pt-PT" dirty="0">
+                <a:solidFill>
+                  <a:srgbClr val="333333"/>
+                </a:solidFill>
+                <a:highlight>
+                  <a:srgbClr val="FFFFFF"/>
+                </a:highlight>
+                <a:latin typeface="Raleway"/>
+                <a:ea typeface="Raleway"/>
+                <a:cs typeface="Raleway"/>
+                <a:sym typeface="Raleway"/>
+              </a:rPr>
+              <a:t> A </a:t>
+            </a:r>
+            <a:r>
+              <a:rPr lang="pt-PT" dirty="0" err="1">
+                <a:solidFill>
+                  <a:srgbClr val="333333"/>
+                </a:solidFill>
+                <a:highlight>
+                  <a:srgbClr val="FFFFFF"/>
+                </a:highlight>
+                <a:latin typeface="Raleway"/>
+                <a:ea typeface="Raleway"/>
+                <a:cs typeface="Raleway"/>
+                <a:sym typeface="Raleway"/>
+              </a:rPr>
+              <a:t>Database</a:t>
+            </a:r>
+            <a:r>
+              <a:rPr lang="pt-PT" dirty="0">
+                <a:solidFill>
+                  <a:srgbClr val="333333"/>
+                </a:solidFill>
+                <a:highlight>
+                  <a:srgbClr val="FFFFFF"/>
+                </a:highlight>
+                <a:latin typeface="Raleway"/>
+                <a:ea typeface="Raleway"/>
+                <a:cs typeface="Raleway"/>
+                <a:sym typeface="Raleway"/>
+              </a:rPr>
+              <a:t> </a:t>
+            </a:r>
+            <a:endParaRPr dirty="0">
               <a:solidFill>
                 <a:srgbClr val="333333"/>
               </a:solidFill>
@@ -13948,7 +14484,7 @@
             </a:endParaRPr>
           </a:p>
           <a:p>
-            <a:pPr indent="0" lvl="0" marL="457200" rtl="0" algn="l">
+            <a:pPr marL="457200" lvl="0" indent="0" algn="l" rtl="0">
               <a:lnSpc>
                 <a:spcPct val="150000"/>
               </a:lnSpc>
@@ -13960,10 +14496,7 @@
               </a:spcAft>
               <a:buNone/>
             </a:pPr>
-            <a:r>
-              <a:t/>
-            </a:r>
-            <a:endParaRPr>
+            <a:endParaRPr dirty="0">
               <a:solidFill>
                 <a:srgbClr val="333333"/>
               </a:solidFill>
@@ -13981,7 +14514,9 @@
       <p:sp>
         <p:nvSpPr>
           <p:cNvPr id="252" name="Google Shape;252;p33"/>
-          <p:cNvSpPr txBox="1"/>
+          <p:cNvSpPr txBox="1">
+            <a:spLocks noGrp="1"/>
+          </p:cNvSpPr>
           <p:nvPr>
             <p:ph type="title"/>
           </p:nvPr>
@@ -13996,12 +14531,12 @@
           </a:prstGeom>
         </p:spPr>
         <p:txBody>
-          <a:bodyPr anchorCtr="0" anchor="t" bIns="91425" lIns="91425" spcFirstLastPara="1" rIns="91425" wrap="square" tIns="91425">
+          <a:bodyPr spcFirstLastPara="1" wrap="square" lIns="91425" tIns="91425" rIns="91425" bIns="91425" anchor="t" anchorCtr="0">
             <a:noAutofit/>
           </a:bodyPr>
           <a:lstStyle/>
           <a:p>
-            <a:pPr indent="0" lvl="0" marL="0" rtl="0" algn="l">
+            <a:pPr marL="0" lvl="0" indent="0" algn="l" rtl="0">
               <a:lnSpc>
                 <a:spcPct val="115000"/>
               </a:lnSpc>
@@ -14036,7 +14571,7 @@
             </a:endParaRPr>
           </a:p>
           <a:p>
-            <a:pPr indent="0" lvl="0" marL="0" rtl="0" algn="l">
+            <a:pPr marL="0" lvl="0" indent="0" algn="l" rtl="0">
               <a:lnSpc>
                 <a:spcPct val="115000"/>
               </a:lnSpc>
@@ -14048,9 +14583,6 @@
               </a:spcAft>
               <a:buNone/>
             </a:pPr>
-            <a:r>
-              <a:t/>
-            </a:r>
             <a:endParaRPr>
               <a:solidFill>
                 <a:srgbClr val="000000"/>
@@ -14111,12 +14643,12 @@
           </a:ln>
         </p:spPr>
         <p:txBody>
-          <a:bodyPr anchorCtr="0" anchor="t" bIns="91425" lIns="91425" spcFirstLastPara="1" rIns="91425" wrap="square" tIns="91425">
+          <a:bodyPr spcFirstLastPara="1" wrap="square" lIns="91425" tIns="91425" rIns="91425" bIns="91425" anchor="t" anchorCtr="0">
             <a:noAutofit/>
           </a:bodyPr>
           <a:lstStyle/>
           <a:p>
-            <a:pPr indent="0" lvl="0" marL="0" rtl="0" algn="l">
+            <a:pPr marL="0" lvl="0" indent="0" algn="l" rtl="0">
               <a:spcBef>
                 <a:spcPts val="0"/>
               </a:spcBef>
@@ -14126,7 +14658,7 @@
               <a:buNone/>
             </a:pPr>
             <a:r>
-              <a:rPr b="1" lang="pt-PT">
+              <a:rPr lang="pt-PT" b="1">
                 <a:latin typeface="Lato"/>
                 <a:ea typeface="Lato"/>
                 <a:cs typeface="Lato"/>
@@ -14142,7 +14674,7 @@
             </a:endParaRPr>
           </a:p>
           <a:p>
-            <a:pPr indent="0" lvl="0" marL="0" rtl="0" algn="l">
+            <a:pPr marL="0" lvl="0" indent="0" algn="l" rtl="0">
               <a:spcBef>
                 <a:spcPts val="0"/>
               </a:spcBef>
@@ -14168,7 +14700,7 @@
             </a:endParaRPr>
           </a:p>
           <a:p>
-            <a:pPr indent="0" lvl="0" marL="0" rtl="0" algn="l">
+            <a:pPr marL="0" lvl="0" indent="0" algn="l" rtl="0">
               <a:spcBef>
                 <a:spcPts val="0"/>
               </a:spcBef>
@@ -14185,6 +14717,32 @@
                 <a:sym typeface="Lato"/>
               </a:rPr>
               <a:t>Wei Ye 93442 - 35%;</a:t>
+            </a:r>
+            <a:endParaRPr>
+              <a:latin typeface="Lato"/>
+              <a:ea typeface="Lato"/>
+              <a:cs typeface="Lato"/>
+              <a:sym typeface="Lato"/>
+            </a:endParaRPr>
+          </a:p>
+          <a:p>
+            <a:pPr marL="0" lvl="0" indent="0" algn="l" rtl="0">
+              <a:spcBef>
+                <a:spcPts val="0"/>
+              </a:spcBef>
+              <a:spcAft>
+                <a:spcPts val="0"/>
+              </a:spcAft>
+              <a:buNone/>
+            </a:pPr>
+            <a:r>
+              <a:rPr lang="pt-PT">
+                <a:latin typeface="Lato"/>
+                <a:ea typeface="Lato"/>
+                <a:cs typeface="Lato"/>
+                <a:sym typeface="Lato"/>
+              </a:rPr>
+              <a:t>Eduardo Santos 93107 - 25%</a:t>
             </a:r>
             <a:endParaRPr>
               <a:latin typeface="Lato"/>
@@ -14204,11 +14762,11 @@
 </file>
 
 <file path=ppt/slides/slide3.xml><?xml version="1.0" encoding="utf-8"?>
-<p:sld xmlns:a="http://schemas.openxmlformats.org/drawingml/2006/main" xmlns:r="http://schemas.openxmlformats.org/officeDocument/2006/relationships" xmlns:mc="http://schemas.openxmlformats.org/markup-compatibility/2006" xmlns:mv="urn:schemas-microsoft-com:mac:vml" xmlns:p="http://schemas.openxmlformats.org/presentationml/2006/main" xmlns:c="http://schemas.openxmlformats.org/drawingml/2006/chart" xmlns:dgm="http://schemas.openxmlformats.org/drawingml/2006/diagram" xmlns:o="urn:schemas-microsoft-com:office:office" xmlns:v="urn:schemas-microsoft-com:vml" xmlns:pvml="urn:schemas-microsoft-com:office:powerpoint" xmlns:com="http://schemas.openxmlformats.org/drawingml/2006/compatibility" xmlns:p14="http://schemas.microsoft.com/office/powerpoint/2010/main" xmlns:p15="http://schemas.microsoft.com/office/powerpoint/2012/main">
+<p:sld xmlns:a="http://schemas.openxmlformats.org/drawingml/2006/main" xmlns:r="http://schemas.openxmlformats.org/officeDocument/2006/relationships" xmlns:p="http://schemas.openxmlformats.org/presentationml/2006/main">
   <p:cSld>
     <p:spTree>
       <p:nvGrpSpPr>
-        <p:cNvPr id="100" name="Shape 100"/>
+        <p:cNvPr id="1" name="Shape 100"/>
         <p:cNvGrpSpPr/>
         <p:nvPr/>
       </p:nvGrpSpPr>
@@ -14223,9 +14781,11 @@
       <p:sp>
         <p:nvSpPr>
           <p:cNvPr id="101" name="Google Shape;101;p15"/>
-          <p:cNvSpPr txBox="1"/>
+          <p:cNvSpPr txBox="1">
+            <a:spLocks noGrp="1"/>
+          </p:cNvSpPr>
           <p:nvPr>
-            <p:ph idx="1" type="body"/>
+            <p:ph type="body" idx="1"/>
           </p:nvPr>
         </p:nvSpPr>
         <p:spPr>
@@ -14238,12 +14798,12 @@
           </a:prstGeom>
         </p:spPr>
         <p:txBody>
-          <a:bodyPr anchorCtr="0" anchor="t" bIns="91425" lIns="91425" spcFirstLastPara="1" rIns="91425" wrap="square" tIns="91425">
+          <a:bodyPr spcFirstLastPara="1" wrap="square" lIns="91425" tIns="91425" rIns="91425" bIns="91425" anchor="t" anchorCtr="0">
             <a:noAutofit/>
           </a:bodyPr>
           <a:lstStyle/>
           <a:p>
-            <a:pPr indent="-311150" lvl="0" marL="457200" rtl="0" algn="l">
+            <a:pPr marL="457200" lvl="0" indent="-311150" algn="l" rtl="0">
               <a:lnSpc>
                 <a:spcPct val="150000"/>
               </a:lnSpc>
@@ -14266,7 +14826,7 @@
               <a:t>Create an overall better app that includes many features from top music streaming and music sharing apps like </a:t>
             </a:r>
             <a:r>
-              <a:rPr b="1" lang="pt-PT">
+              <a:rPr lang="pt-PT" b="1">
                 <a:latin typeface="Raleway"/>
                 <a:ea typeface="Raleway"/>
                 <a:cs typeface="Raleway"/>
@@ -14282,7 +14842,7 @@
             </a:endParaRPr>
           </a:p>
           <a:p>
-            <a:pPr indent="-311150" lvl="0" marL="457200" rtl="0" algn="l">
+            <a:pPr marL="457200" lvl="0" indent="-311150" algn="l" rtl="0">
               <a:lnSpc>
                 <a:spcPct val="150000"/>
               </a:lnSpc>
@@ -14305,7 +14865,7 @@
               <a:t>Create A </a:t>
             </a:r>
             <a:r>
-              <a:rPr b="1" lang="pt-PT">
+              <a:rPr lang="pt-PT" b="1">
                 <a:latin typeface="Raleway"/>
                 <a:ea typeface="Raleway"/>
                 <a:cs typeface="Raleway"/>
@@ -14330,7 +14890,7 @@
             </a:endParaRPr>
           </a:p>
           <a:p>
-            <a:pPr indent="0" lvl="0" marL="0" rtl="0" algn="l">
+            <a:pPr marL="0" lvl="0" indent="0" algn="l" rtl="0">
               <a:spcBef>
                 <a:spcPts val="1600"/>
               </a:spcBef>
@@ -14339,9 +14899,6 @@
               </a:spcAft>
               <a:buNone/>
             </a:pPr>
-            <a:r>
-              <a:t/>
-            </a:r>
             <a:endParaRPr/>
           </a:p>
         </p:txBody>
@@ -14433,7 +14990,9 @@
       <p:sp>
         <p:nvSpPr>
           <p:cNvPr id="105" name="Google Shape;105;p15"/>
-          <p:cNvSpPr txBox="1"/>
+          <p:cNvSpPr txBox="1">
+            <a:spLocks noGrp="1"/>
+          </p:cNvSpPr>
           <p:nvPr>
             <p:ph type="title"/>
           </p:nvPr>
@@ -14448,12 +15007,12 @@
           </a:prstGeom>
         </p:spPr>
         <p:txBody>
-          <a:bodyPr anchorCtr="0" anchor="t" bIns="91425" lIns="91425" spcFirstLastPara="1" rIns="91425" wrap="square" tIns="91425">
+          <a:bodyPr spcFirstLastPara="1" wrap="square" lIns="91425" tIns="91425" rIns="91425" bIns="91425" anchor="t" anchorCtr="0">
             <a:noAutofit/>
           </a:bodyPr>
           <a:lstStyle/>
           <a:p>
-            <a:pPr indent="0" lvl="0" marL="0" rtl="0" algn="l">
+            <a:pPr marL="0" lvl="0" indent="0" algn="l" rtl="0">
               <a:spcBef>
                 <a:spcPts val="0"/>
               </a:spcBef>
@@ -14479,11 +15038,11 @@
 </file>
 
 <file path=ppt/slides/slide4.xml><?xml version="1.0" encoding="utf-8"?>
-<p:sld xmlns:a="http://schemas.openxmlformats.org/drawingml/2006/main" xmlns:r="http://schemas.openxmlformats.org/officeDocument/2006/relationships" xmlns:mc="http://schemas.openxmlformats.org/markup-compatibility/2006" xmlns:mv="urn:schemas-microsoft-com:mac:vml" xmlns:p="http://schemas.openxmlformats.org/presentationml/2006/main" xmlns:c="http://schemas.openxmlformats.org/drawingml/2006/chart" xmlns:dgm="http://schemas.openxmlformats.org/drawingml/2006/diagram" xmlns:o="urn:schemas-microsoft-com:office:office" xmlns:v="urn:schemas-microsoft-com:vml" xmlns:pvml="urn:schemas-microsoft-com:office:powerpoint" xmlns:com="http://schemas.openxmlformats.org/drawingml/2006/compatibility" xmlns:p14="http://schemas.microsoft.com/office/powerpoint/2010/main" xmlns:p15="http://schemas.microsoft.com/office/powerpoint/2012/main">
+<p:sld xmlns:a="http://schemas.openxmlformats.org/drawingml/2006/main" xmlns:r="http://schemas.openxmlformats.org/officeDocument/2006/relationships" xmlns:p="http://schemas.openxmlformats.org/presentationml/2006/main">
   <p:cSld>
     <p:spTree>
       <p:nvGrpSpPr>
-        <p:cNvPr id="109" name="Shape 109"/>
+        <p:cNvPr id="1" name="Shape 109"/>
         <p:cNvGrpSpPr/>
         <p:nvPr/>
       </p:nvGrpSpPr>
@@ -14498,9 +15057,11 @@
       <p:sp>
         <p:nvSpPr>
           <p:cNvPr id="110" name="Google Shape;110;p16"/>
-          <p:cNvSpPr txBox="1"/>
+          <p:cNvSpPr txBox="1">
+            <a:spLocks noGrp="1"/>
+          </p:cNvSpPr>
           <p:nvPr>
-            <p:ph idx="1" type="body"/>
+            <p:ph type="body" idx="1"/>
           </p:nvPr>
         </p:nvSpPr>
         <p:spPr>
@@ -14513,12 +15074,12 @@
           </a:prstGeom>
         </p:spPr>
         <p:txBody>
-          <a:bodyPr anchorCtr="0" anchor="ctr" bIns="91425" lIns="91425" spcFirstLastPara="1" rIns="91425" wrap="square" tIns="91425">
+          <a:bodyPr spcFirstLastPara="1" wrap="square" lIns="91425" tIns="91425" rIns="91425" bIns="91425" anchor="ctr" anchorCtr="0">
             <a:noAutofit/>
           </a:bodyPr>
           <a:lstStyle/>
           <a:p>
-            <a:pPr indent="-311150" lvl="0" marL="457200" rtl="0" algn="l">
+            <a:pPr marL="457200" lvl="0" indent="-311150" algn="l" rtl="0">
               <a:lnSpc>
                 <a:spcPct val="150000"/>
               </a:lnSpc>
@@ -14532,7 +15093,7 @@
               <a:buChar char="●"/>
             </a:pPr>
             <a:r>
-              <a:rPr b="1" lang="pt-PT">
+              <a:rPr lang="pt-PT" b="1">
                 <a:latin typeface="Raleway"/>
                 <a:ea typeface="Raleway"/>
                 <a:cs typeface="Raleway"/>
@@ -14557,7 +15118,7 @@
             </a:endParaRPr>
           </a:p>
           <a:p>
-            <a:pPr indent="-311150" lvl="0" marL="457200" rtl="0" algn="l">
+            <a:pPr marL="457200" lvl="0" indent="-311150" algn="l" rtl="0">
               <a:lnSpc>
                 <a:spcPct val="150000"/>
               </a:lnSpc>
@@ -14571,7 +15132,7 @@
               <a:buChar char="●"/>
             </a:pPr>
             <a:r>
-              <a:rPr b="1" lang="pt-PT">
+              <a:rPr lang="pt-PT" b="1">
                 <a:latin typeface="Raleway"/>
                 <a:ea typeface="Raleway"/>
                 <a:cs typeface="Raleway"/>
@@ -14596,7 +15157,7 @@
             </a:endParaRPr>
           </a:p>
           <a:p>
-            <a:pPr indent="-311150" lvl="0" marL="457200" rtl="0" algn="l">
+            <a:pPr marL="457200" lvl="0" indent="-311150" algn="l" rtl="0">
               <a:lnSpc>
                 <a:spcPct val="150000"/>
               </a:lnSpc>
@@ -14610,7 +15171,7 @@
               <a:buChar char="●"/>
             </a:pPr>
             <a:r>
-              <a:rPr b="1" lang="pt-PT">
+              <a:rPr lang="pt-PT" b="1">
                 <a:latin typeface="Raleway"/>
                 <a:ea typeface="Raleway"/>
                 <a:cs typeface="Raleway"/>
@@ -14635,7 +15196,7 @@
             </a:endParaRPr>
           </a:p>
           <a:p>
-            <a:pPr indent="-311150" lvl="0" marL="457200" rtl="0" algn="l">
+            <a:pPr marL="457200" lvl="0" indent="-311150" algn="l" rtl="0">
               <a:lnSpc>
                 <a:spcPct val="150000"/>
               </a:lnSpc>
@@ -14649,7 +15210,7 @@
               <a:buChar char="●"/>
             </a:pPr>
             <a:r>
-              <a:rPr b="1" lang="pt-PT">
+              <a:rPr lang="pt-PT" b="1">
                 <a:latin typeface="Raleway"/>
                 <a:ea typeface="Raleway"/>
                 <a:cs typeface="Raleway"/>
@@ -14674,7 +15235,7 @@
             </a:endParaRPr>
           </a:p>
           <a:p>
-            <a:pPr indent="-311150" lvl="0" marL="457200" rtl="0" algn="l">
+            <a:pPr marL="457200" lvl="0" indent="-311150" algn="l" rtl="0">
               <a:lnSpc>
                 <a:spcPct val="150000"/>
               </a:lnSpc>
@@ -14688,7 +15249,7 @@
               <a:buChar char="●"/>
             </a:pPr>
             <a:r>
-              <a:rPr b="1" lang="pt-PT">
+              <a:rPr lang="pt-PT" b="1">
                 <a:latin typeface="Raleway"/>
                 <a:ea typeface="Raleway"/>
                 <a:cs typeface="Raleway"/>
@@ -14703,16 +15264,7 @@
                 <a:cs typeface="Raleway"/>
                 <a:sym typeface="Raleway"/>
               </a:rPr>
-              <a:t> </a:t>
-            </a:r>
-            <a:r>
-              <a:rPr lang="pt-PT">
-                <a:latin typeface="Raleway"/>
-                <a:ea typeface="Raleway"/>
-                <a:cs typeface="Raleway"/>
-                <a:sym typeface="Raleway"/>
-              </a:rPr>
-              <a:t>Lives in Lista. During semesters lives alone in a department near the University. Francisco usually listens to music during the night, it’s something he loves to do while he studies, because otherwise he thinks the room is too quiet. After some searching he finds Muse-IC.</a:t>
+              <a:t> Lives in Lista. During semesters lives alone in a department near the University. Francisco usually listens to music during the night, it’s something he loves to do while he studies, because otherwise he thinks the room is too quiet. After some searching he finds Muse-IC.</a:t>
             </a:r>
             <a:endParaRPr>
               <a:latin typeface="Raleway"/>
@@ -14754,7 +15306,9 @@
       <p:sp>
         <p:nvSpPr>
           <p:cNvPr id="112" name="Google Shape;112;p16"/>
-          <p:cNvSpPr txBox="1"/>
+          <p:cNvSpPr txBox="1">
+            <a:spLocks noGrp="1"/>
+          </p:cNvSpPr>
           <p:nvPr>
             <p:ph type="title"/>
           </p:nvPr>
@@ -14769,12 +15323,12 @@
           </a:prstGeom>
         </p:spPr>
         <p:txBody>
-          <a:bodyPr anchorCtr="0" anchor="t" bIns="91425" lIns="91425" spcFirstLastPara="1" rIns="91425" wrap="square" tIns="91425">
+          <a:bodyPr spcFirstLastPara="1" wrap="square" lIns="91425" tIns="91425" rIns="91425" bIns="91425" anchor="t" anchorCtr="0">
             <a:noAutofit/>
           </a:bodyPr>
           <a:lstStyle/>
           <a:p>
-            <a:pPr indent="0" lvl="0" marL="0" rtl="0" algn="l">
+            <a:pPr marL="0" lvl="0" indent="0" algn="l" rtl="0">
               <a:spcBef>
                 <a:spcPts val="0"/>
               </a:spcBef>
@@ -14800,11 +15354,11 @@
 </file>
 
 <file path=ppt/slides/slide5.xml><?xml version="1.0" encoding="utf-8"?>
-<p:sld xmlns:a="http://schemas.openxmlformats.org/drawingml/2006/main" xmlns:r="http://schemas.openxmlformats.org/officeDocument/2006/relationships" xmlns:mc="http://schemas.openxmlformats.org/markup-compatibility/2006" xmlns:mv="urn:schemas-microsoft-com:mac:vml" xmlns:p="http://schemas.openxmlformats.org/presentationml/2006/main" xmlns:c="http://schemas.openxmlformats.org/drawingml/2006/chart" xmlns:dgm="http://schemas.openxmlformats.org/drawingml/2006/diagram" xmlns:o="urn:schemas-microsoft-com:office:office" xmlns:v="urn:schemas-microsoft-com:vml" xmlns:pvml="urn:schemas-microsoft-com:office:powerpoint" xmlns:com="http://schemas.openxmlformats.org/drawingml/2006/compatibility" xmlns:p14="http://schemas.microsoft.com/office/powerpoint/2010/main" xmlns:p15="http://schemas.microsoft.com/office/powerpoint/2012/main">
+<p:sld xmlns:a="http://schemas.openxmlformats.org/drawingml/2006/main" xmlns:r="http://schemas.openxmlformats.org/officeDocument/2006/relationships" xmlns:p="http://schemas.openxmlformats.org/presentationml/2006/main">
   <p:cSld>
     <p:spTree>
       <p:nvGrpSpPr>
-        <p:cNvPr id="116" name="Shape 116"/>
+        <p:cNvPr id="1" name="Shape 116"/>
         <p:cNvGrpSpPr/>
         <p:nvPr/>
       </p:nvGrpSpPr>
@@ -14819,7 +15373,9 @@
       <p:sp>
         <p:nvSpPr>
           <p:cNvPr id="117" name="Google Shape;117;p17"/>
-          <p:cNvSpPr txBox="1"/>
+          <p:cNvSpPr txBox="1">
+            <a:spLocks noGrp="1"/>
+          </p:cNvSpPr>
           <p:nvPr>
             <p:ph type="title"/>
           </p:nvPr>
@@ -14834,12 +15390,12 @@
           </a:prstGeom>
         </p:spPr>
         <p:txBody>
-          <a:bodyPr anchorCtr="0" anchor="t" bIns="91425" lIns="91425" spcFirstLastPara="1" rIns="91425" wrap="square" tIns="91425">
+          <a:bodyPr spcFirstLastPara="1" wrap="square" lIns="91425" tIns="91425" rIns="91425" bIns="91425" anchor="t" anchorCtr="0">
             <a:noAutofit/>
           </a:bodyPr>
           <a:lstStyle/>
           <a:p>
-            <a:pPr indent="0" lvl="0" marL="0" rtl="0" algn="l">
+            <a:pPr marL="0" lvl="0" indent="0" algn="l" rtl="0">
               <a:spcBef>
                 <a:spcPts val="0"/>
               </a:spcBef>
@@ -14859,9 +15415,11 @@
       <p:sp>
         <p:nvSpPr>
           <p:cNvPr id="118" name="Google Shape;118;p17"/>
-          <p:cNvSpPr txBox="1"/>
+          <p:cNvSpPr txBox="1">
+            <a:spLocks noGrp="1"/>
+          </p:cNvSpPr>
           <p:nvPr>
-            <p:ph idx="1" type="body"/>
+            <p:ph type="body" idx="1"/>
           </p:nvPr>
         </p:nvSpPr>
         <p:spPr>
@@ -14874,12 +15432,12 @@
           </a:prstGeom>
         </p:spPr>
         <p:txBody>
-          <a:bodyPr anchorCtr="0" anchor="ctr" bIns="91425" lIns="91425" spcFirstLastPara="1" rIns="91425" wrap="square" tIns="91425">
+          <a:bodyPr spcFirstLastPara="1" wrap="square" lIns="91425" tIns="91425" rIns="91425" bIns="91425" anchor="ctr" anchorCtr="0">
             <a:noAutofit/>
           </a:bodyPr>
           <a:lstStyle/>
           <a:p>
-            <a:pPr indent="-311150" lvl="0" marL="457200" rtl="0" algn="l">
+            <a:pPr marL="457200" lvl="0" indent="-311150" algn="l" rtl="0">
               <a:lnSpc>
                 <a:spcPct val="150000"/>
               </a:lnSpc>
@@ -14893,7 +15451,7 @@
               <a:buChar char="●"/>
             </a:pPr>
             <a:r>
-              <a:rPr b="1" lang="pt-PT">
+              <a:rPr lang="pt-PT" b="1">
                 <a:latin typeface="Raleway"/>
                 <a:ea typeface="Raleway"/>
                 <a:cs typeface="Raleway"/>
@@ -14918,7 +15476,7 @@
             </a:endParaRPr>
           </a:p>
           <a:p>
-            <a:pPr indent="-311150" lvl="0" marL="457200" rtl="0" algn="l">
+            <a:pPr marL="457200" lvl="0" indent="-311150" algn="l" rtl="0">
               <a:lnSpc>
                 <a:spcPct val="150000"/>
               </a:lnSpc>
@@ -14932,7 +15490,7 @@
               <a:buChar char="●"/>
             </a:pPr>
             <a:r>
-              <a:rPr b="1" lang="pt-PT">
+              <a:rPr lang="pt-PT" b="1">
                 <a:latin typeface="Raleway"/>
                 <a:ea typeface="Raleway"/>
                 <a:cs typeface="Raleway"/>
@@ -14957,7 +15515,7 @@
             </a:endParaRPr>
           </a:p>
           <a:p>
-            <a:pPr indent="-311150" lvl="0" marL="457200" rtl="0" algn="l">
+            <a:pPr marL="457200" lvl="0" indent="-311150" algn="l" rtl="0">
               <a:lnSpc>
                 <a:spcPct val="150000"/>
               </a:lnSpc>
@@ -14971,7 +15529,7 @@
               <a:buChar char="●"/>
             </a:pPr>
             <a:r>
-              <a:rPr b="1" lang="pt-PT">
+              <a:rPr lang="pt-PT" b="1">
                 <a:latin typeface="Raleway"/>
                 <a:ea typeface="Raleway"/>
                 <a:cs typeface="Raleway"/>
@@ -14996,7 +15554,7 @@
             </a:endParaRPr>
           </a:p>
           <a:p>
-            <a:pPr indent="-311150" lvl="0" marL="457200" rtl="0" algn="l">
+            <a:pPr marL="457200" lvl="0" indent="-311150" algn="l" rtl="0">
               <a:lnSpc>
                 <a:spcPct val="150000"/>
               </a:lnSpc>
@@ -15010,7 +15568,7 @@
               <a:buChar char="●"/>
             </a:pPr>
             <a:r>
-              <a:rPr b="1" lang="pt-PT">
+              <a:rPr lang="pt-PT" b="1">
                 <a:latin typeface="Raleway"/>
                 <a:ea typeface="Raleway"/>
                 <a:cs typeface="Raleway"/>
@@ -15035,7 +15593,7 @@
             </a:endParaRPr>
           </a:p>
           <a:p>
-            <a:pPr indent="-311150" lvl="0" marL="457200" rtl="0" algn="l">
+            <a:pPr marL="457200" lvl="0" indent="-311150" algn="l" rtl="0">
               <a:lnSpc>
                 <a:spcPct val="150000"/>
               </a:lnSpc>
@@ -15049,7 +15607,7 @@
               <a:buChar char="●"/>
             </a:pPr>
             <a:r>
-              <a:rPr b="1" lang="pt-PT">
+              <a:rPr lang="pt-PT" b="1">
                 <a:latin typeface="Raleway"/>
                 <a:ea typeface="Raleway"/>
                 <a:cs typeface="Raleway"/>
@@ -15118,11 +15676,11 @@
 </file>
 
 <file path=ppt/slides/slide6.xml><?xml version="1.0" encoding="utf-8"?>
-<p:sld xmlns:a="http://schemas.openxmlformats.org/drawingml/2006/main" xmlns:r="http://schemas.openxmlformats.org/officeDocument/2006/relationships" xmlns:mc="http://schemas.openxmlformats.org/markup-compatibility/2006" xmlns:mv="urn:schemas-microsoft-com:mac:vml" xmlns:p="http://schemas.openxmlformats.org/presentationml/2006/main" xmlns:c="http://schemas.openxmlformats.org/drawingml/2006/chart" xmlns:dgm="http://schemas.openxmlformats.org/drawingml/2006/diagram" xmlns:o="urn:schemas-microsoft-com:office:office" xmlns:v="urn:schemas-microsoft-com:vml" xmlns:pvml="urn:schemas-microsoft-com:office:powerpoint" xmlns:com="http://schemas.openxmlformats.org/drawingml/2006/compatibility" xmlns:p14="http://schemas.microsoft.com/office/powerpoint/2010/main" xmlns:p15="http://schemas.microsoft.com/office/powerpoint/2012/main">
+<p:sld xmlns:a="http://schemas.openxmlformats.org/drawingml/2006/main" xmlns:r="http://schemas.openxmlformats.org/officeDocument/2006/relationships" xmlns:p="http://schemas.openxmlformats.org/presentationml/2006/main">
   <p:cSld>
     <p:spTree>
       <p:nvGrpSpPr>
-        <p:cNvPr id="123" name="Shape 123"/>
+        <p:cNvPr id="1" name="Shape 123"/>
         <p:cNvGrpSpPr/>
         <p:nvPr/>
       </p:nvGrpSpPr>
@@ -15137,9 +15695,11 @@
       <p:sp>
         <p:nvSpPr>
           <p:cNvPr id="124" name="Google Shape;124;p18"/>
-          <p:cNvSpPr txBox="1"/>
+          <p:cNvSpPr txBox="1">
+            <a:spLocks noGrp="1"/>
+          </p:cNvSpPr>
           <p:nvPr>
-            <p:ph idx="1" type="body"/>
+            <p:ph type="body" idx="1"/>
           </p:nvPr>
         </p:nvSpPr>
         <p:spPr>
@@ -15152,12 +15712,12 @@
           </a:prstGeom>
         </p:spPr>
         <p:txBody>
-          <a:bodyPr anchorCtr="0" anchor="t" bIns="91425" lIns="91425" spcFirstLastPara="1" rIns="91425" wrap="square" tIns="91425">
+          <a:bodyPr spcFirstLastPara="1" wrap="square" lIns="91425" tIns="91425" rIns="91425" bIns="91425" anchor="t" anchorCtr="0">
             <a:noAutofit/>
           </a:bodyPr>
           <a:lstStyle/>
           <a:p>
-            <a:pPr indent="0" lvl="0" marL="0" rtl="0" algn="l">
+            <a:pPr marL="0" lvl="0" indent="0" algn="l" rtl="0">
               <a:lnSpc>
                 <a:spcPct val="150000"/>
               </a:lnSpc>
@@ -15179,31 +15739,7 @@
                 <a:cs typeface="Raleway"/>
                 <a:sym typeface="Raleway"/>
               </a:rPr>
-              <a:t>Francisco searches the desktop app to listen to music on the Web, and sees Muse-ic, considers it an interesting app that has desired features. He installs the app, creates an account, and starts using it. First of all, he wants to create a new playlist with the name "Estudo", which will contain soft musics to help him concentrate more on the study. He goes to the playlists page, clicks in Add button, writes "</a:t>
-            </a:r>
-            <a:r>
-              <a:rPr lang="pt-PT">
-                <a:solidFill>
-                  <a:srgbClr val="000000"/>
-                </a:solidFill>
-                <a:latin typeface="Raleway"/>
-                <a:ea typeface="Raleway"/>
-                <a:cs typeface="Raleway"/>
-                <a:sym typeface="Raleway"/>
-              </a:rPr>
-              <a:t>Estudo</a:t>
-            </a:r>
-            <a:r>
-              <a:rPr lang="pt-PT">
-                <a:solidFill>
-                  <a:srgbClr val="000000"/>
-                </a:solidFill>
-                <a:latin typeface="Raleway"/>
-                <a:ea typeface="Raleway"/>
-                <a:cs typeface="Raleway"/>
-                <a:sym typeface="Raleway"/>
-              </a:rPr>
-              <a:t>" in the text box and clicks in Create button, so the new playlist is created.</a:t>
+              <a:t>Francisco searches the desktop app to listen to music on the Web, and sees Muse-ic, considers it an interesting app that has desired features. He installs the app, creates an account, and starts using it. First of all, he wants to create a new playlist with the name "Estudo", which will contain soft musics to help him concentrate more on the study. He goes to the playlists page, clicks in Add button, writes "Estudo" in the text box and clicks in Create button, so the new playlist is created.</a:t>
             </a:r>
             <a:endParaRPr>
               <a:latin typeface="Raleway"/>
@@ -15217,7 +15753,9 @@
       <p:sp>
         <p:nvSpPr>
           <p:cNvPr id="125" name="Google Shape;125;p18"/>
-          <p:cNvSpPr txBox="1"/>
+          <p:cNvSpPr txBox="1">
+            <a:spLocks noGrp="1"/>
+          </p:cNvSpPr>
           <p:nvPr>
             <p:ph type="title"/>
           </p:nvPr>
@@ -15232,12 +15770,12 @@
           </a:prstGeom>
         </p:spPr>
         <p:txBody>
-          <a:bodyPr anchorCtr="0" anchor="t" bIns="91425" lIns="91425" spcFirstLastPara="1" rIns="91425" wrap="square" tIns="91425">
+          <a:bodyPr spcFirstLastPara="1" wrap="square" lIns="91425" tIns="91425" rIns="91425" bIns="91425" anchor="t" anchorCtr="0">
             <a:noAutofit/>
           </a:bodyPr>
           <a:lstStyle/>
           <a:p>
-            <a:pPr indent="0" lvl="0" marL="0" rtl="0" algn="l">
+            <a:pPr marL="0" lvl="0" indent="0" algn="l" rtl="0">
               <a:spcBef>
                 <a:spcPts val="0"/>
               </a:spcBef>
@@ -15319,11 +15857,11 @@
 </file>
 
 <file path=ppt/slides/slide7.xml><?xml version="1.0" encoding="utf-8"?>
-<p:sld xmlns:a="http://schemas.openxmlformats.org/drawingml/2006/main" xmlns:r="http://schemas.openxmlformats.org/officeDocument/2006/relationships" xmlns:mc="http://schemas.openxmlformats.org/markup-compatibility/2006" xmlns:mv="urn:schemas-microsoft-com:mac:vml" xmlns:p="http://schemas.openxmlformats.org/presentationml/2006/main" xmlns:c="http://schemas.openxmlformats.org/drawingml/2006/chart" xmlns:dgm="http://schemas.openxmlformats.org/drawingml/2006/diagram" xmlns:o="urn:schemas-microsoft-com:office:office" xmlns:v="urn:schemas-microsoft-com:vml" xmlns:pvml="urn:schemas-microsoft-com:office:powerpoint" xmlns:com="http://schemas.openxmlformats.org/drawingml/2006/compatibility" xmlns:p14="http://schemas.microsoft.com/office/powerpoint/2010/main" xmlns:p15="http://schemas.microsoft.com/office/powerpoint/2012/main">
+<p:sld xmlns:a="http://schemas.openxmlformats.org/drawingml/2006/main" xmlns:r="http://schemas.openxmlformats.org/officeDocument/2006/relationships" xmlns:p="http://schemas.openxmlformats.org/presentationml/2006/main">
   <p:cSld>
     <p:spTree>
       <p:nvGrpSpPr>
-        <p:cNvPr id="131" name="Shape 131"/>
+        <p:cNvPr id="1" name="Shape 131"/>
         <p:cNvGrpSpPr/>
         <p:nvPr/>
       </p:nvGrpSpPr>
@@ -15338,7 +15876,9 @@
       <p:sp>
         <p:nvSpPr>
           <p:cNvPr id="132" name="Google Shape;132;p19"/>
-          <p:cNvSpPr txBox="1"/>
+          <p:cNvSpPr txBox="1">
+            <a:spLocks noGrp="1"/>
+          </p:cNvSpPr>
           <p:nvPr>
             <p:ph type="title"/>
           </p:nvPr>
@@ -15353,12 +15893,12 @@
           </a:prstGeom>
         </p:spPr>
         <p:txBody>
-          <a:bodyPr anchorCtr="0" anchor="t" bIns="91425" lIns="91425" spcFirstLastPara="1" rIns="91425" wrap="square" tIns="91425">
+          <a:bodyPr spcFirstLastPara="1" wrap="square" lIns="91425" tIns="91425" rIns="91425" bIns="91425" anchor="t" anchorCtr="0">
             <a:noAutofit/>
           </a:bodyPr>
           <a:lstStyle/>
           <a:p>
-            <a:pPr indent="0" lvl="0" marL="0" rtl="0" algn="l">
+            <a:pPr marL="0" lvl="0" indent="0" algn="l" rtl="0">
               <a:spcBef>
                 <a:spcPts val="0"/>
               </a:spcBef>
@@ -15399,12 +15939,12 @@
           </a:ln>
         </p:spPr>
         <p:txBody>
-          <a:bodyPr anchorCtr="0" anchor="t" bIns="91425" lIns="91425" spcFirstLastPara="1" rIns="91425" wrap="square" tIns="91425">
+          <a:bodyPr spcFirstLastPara="1" wrap="square" lIns="91425" tIns="91425" rIns="91425" bIns="91425" anchor="t" anchorCtr="0">
             <a:noAutofit/>
           </a:bodyPr>
           <a:lstStyle/>
           <a:p>
-            <a:pPr indent="0" lvl="0" marL="0" rtl="0" algn="l">
+            <a:pPr marL="0" lvl="0" indent="0" algn="l" rtl="0">
               <a:lnSpc>
                 <a:spcPct val="150000"/>
               </a:lnSpc>
@@ -15423,25 +15963,7 @@
                 <a:cs typeface="Raleway"/>
                 <a:sym typeface="Raleway"/>
               </a:rPr>
-              <a:t>Her friend Francisco said that he had started listening to music on Muse-IC, and suggested that he could also use it to share her musics on the net. She accepted the suggestion. She installs the app, creates an account, clicks the Upload button, chooses the previously recorded song that she thinks is the best of all and an image for cover, fills in the necessary information for the music, and at the end, clicks the Upload button to finish. The </a:t>
-            </a:r>
-            <a:r>
-              <a:rPr lang="pt-PT" sz="1300">
-                <a:latin typeface="Raleway"/>
-                <a:ea typeface="Raleway"/>
-                <a:cs typeface="Raleway"/>
-                <a:sym typeface="Raleway"/>
-              </a:rPr>
-              <a:t>music </a:t>
-            </a:r>
-            <a:r>
-              <a:rPr lang="pt-PT" sz="1300">
-                <a:latin typeface="Raleway"/>
-                <a:ea typeface="Raleway"/>
-                <a:cs typeface="Raleway"/>
-                <a:sym typeface="Raleway"/>
-              </a:rPr>
-              <a:t>appears in the Uploaded list.</a:t>
+              <a:t>Her friend Francisco said that he had started listening to music on Muse-IC, and suggested that he could also use it to share her musics on the net. She accepted the suggestion. She installs the app, creates an account, clicks the Upload button, chooses the previously recorded song that she thinks is the best of all and an image for cover, fills in the necessary information for the music, and at the end, clicks the Upload button to finish. The music appears in the Uploaded list.</a:t>
             </a:r>
             <a:endParaRPr sz="1300">
               <a:latin typeface="Raleway"/>
@@ -15517,11 +16039,11 @@
 </file>
 
 <file path=ppt/slides/slide8.xml><?xml version="1.0" encoding="utf-8"?>
-<p:sld xmlns:a="http://schemas.openxmlformats.org/drawingml/2006/main" xmlns:r="http://schemas.openxmlformats.org/officeDocument/2006/relationships" xmlns:mc="http://schemas.openxmlformats.org/markup-compatibility/2006" xmlns:mv="urn:schemas-microsoft-com:mac:vml" xmlns:p="http://schemas.openxmlformats.org/presentationml/2006/main" xmlns:c="http://schemas.openxmlformats.org/drawingml/2006/chart" xmlns:dgm="http://schemas.openxmlformats.org/drawingml/2006/diagram" xmlns:o="urn:schemas-microsoft-com:office:office" xmlns:v="urn:schemas-microsoft-com:vml" xmlns:pvml="urn:schemas-microsoft-com:office:powerpoint" xmlns:com="http://schemas.openxmlformats.org/drawingml/2006/compatibility" xmlns:p14="http://schemas.microsoft.com/office/powerpoint/2010/main" xmlns:p15="http://schemas.microsoft.com/office/powerpoint/2012/main">
+<p:sld xmlns:a="http://schemas.openxmlformats.org/drawingml/2006/main" xmlns:r="http://schemas.openxmlformats.org/officeDocument/2006/relationships" xmlns:p="http://schemas.openxmlformats.org/presentationml/2006/main">
   <p:cSld>
     <p:spTree>
       <p:nvGrpSpPr>
-        <p:cNvPr id="139" name="Shape 139"/>
+        <p:cNvPr id="1" name="Shape 139"/>
         <p:cNvGrpSpPr/>
         <p:nvPr/>
       </p:nvGrpSpPr>
@@ -15536,9 +16058,11 @@
       <p:sp>
         <p:nvSpPr>
           <p:cNvPr id="140" name="Google Shape;140;p20"/>
-          <p:cNvSpPr txBox="1"/>
+          <p:cNvSpPr txBox="1">
+            <a:spLocks noGrp="1"/>
+          </p:cNvSpPr>
           <p:nvPr>
-            <p:ph idx="1" type="body"/>
+            <p:ph type="body" idx="1"/>
           </p:nvPr>
         </p:nvSpPr>
         <p:spPr>
@@ -15551,12 +16075,12 @@
           </a:prstGeom>
         </p:spPr>
         <p:txBody>
-          <a:bodyPr anchorCtr="0" anchor="t" bIns="91425" lIns="91425" spcFirstLastPara="1" rIns="91425" wrap="square" tIns="91425">
+          <a:bodyPr spcFirstLastPara="1" wrap="square" lIns="91425" tIns="91425" rIns="91425" bIns="91425" anchor="t" anchorCtr="0">
             <a:noAutofit/>
           </a:bodyPr>
           <a:lstStyle/>
           <a:p>
-            <a:pPr indent="0" lvl="0" marL="0" rtl="0" algn="l">
+            <a:pPr marL="0" lvl="0" indent="0" algn="l" rtl="0">
               <a:lnSpc>
                 <a:spcPct val="150000"/>
               </a:lnSpc>
@@ -15569,7 +16093,7 @@
               <a:buNone/>
             </a:pPr>
             <a:r>
-              <a:rPr b="1" lang="pt-PT">
+              <a:rPr lang="pt-PT" b="1">
                 <a:solidFill>
                   <a:srgbClr val="000000"/>
                 </a:solidFill>
@@ -15591,7 +16115,7 @@
             </a:endParaRPr>
           </a:p>
           <a:p>
-            <a:pPr indent="-311150" lvl="0" marL="457200" rtl="0" algn="l">
+            <a:pPr marL="457200" lvl="0" indent="-311150" algn="l" rtl="0">
               <a:lnSpc>
                 <a:spcPct val="150000"/>
               </a:lnSpc>
@@ -15628,7 +16152,7 @@
             </a:endParaRPr>
           </a:p>
           <a:p>
-            <a:pPr indent="-311150" lvl="0" marL="457200" rtl="0" algn="l">
+            <a:pPr marL="457200" lvl="0" indent="-311150" algn="l" rtl="0">
               <a:lnSpc>
                 <a:spcPct val="150000"/>
               </a:lnSpc>
@@ -15665,7 +16189,7 @@
             </a:endParaRPr>
           </a:p>
           <a:p>
-            <a:pPr indent="-311150" lvl="0" marL="457200" rtl="0" algn="l">
+            <a:pPr marL="457200" lvl="0" indent="-311150" algn="l" rtl="0">
               <a:lnSpc>
                 <a:spcPct val="150000"/>
               </a:lnSpc>
@@ -15705,7 +16229,7 @@
             </a:endParaRPr>
           </a:p>
           <a:p>
-            <a:pPr indent="-311150" lvl="0" marL="457200" rtl="0" algn="l">
+            <a:pPr marL="457200" lvl="0" indent="-311150" algn="l" rtl="0">
               <a:lnSpc>
                 <a:spcPct val="150000"/>
               </a:lnSpc>
@@ -15763,12 +16287,12 @@
           </a:ln>
         </p:spPr>
         <p:txBody>
-          <a:bodyPr anchorCtr="0" anchor="t" bIns="91425" lIns="91425" spcFirstLastPara="1" rIns="91425" wrap="square" tIns="91425">
+          <a:bodyPr spcFirstLastPara="1" wrap="square" lIns="91425" tIns="91425" rIns="91425" bIns="91425" anchor="t" anchorCtr="0">
             <a:noAutofit/>
           </a:bodyPr>
           <a:lstStyle/>
           <a:p>
-            <a:pPr indent="0" lvl="0" marL="0" rtl="0" algn="l">
+            <a:pPr marL="0" lvl="0" indent="0" algn="l" rtl="0">
               <a:lnSpc>
                 <a:spcPct val="115000"/>
               </a:lnSpc>
@@ -15781,7 +16305,7 @@
               <a:buNone/>
             </a:pPr>
             <a:r>
-              <a:rPr b="1" lang="pt-PT" sz="1300">
+              <a:rPr lang="pt-PT" sz="1300" b="1">
                 <a:latin typeface="Raleway"/>
                 <a:ea typeface="Raleway"/>
                 <a:cs typeface="Raleway"/>
@@ -15789,7 +16313,7 @@
               </a:rPr>
               <a:t>Functional Requirements/ App Features:</a:t>
             </a:r>
-            <a:endParaRPr b="1" sz="1300">
+            <a:endParaRPr sz="1300" b="1">
               <a:latin typeface="Raleway"/>
               <a:ea typeface="Raleway"/>
               <a:cs typeface="Raleway"/>
@@ -15797,7 +16321,7 @@
             </a:endParaRPr>
           </a:p>
           <a:p>
-            <a:pPr indent="-323850" lvl="0" marL="457200" rtl="0" algn="l">
+            <a:pPr marL="457200" lvl="0" indent="-323850" algn="l" rtl="0">
               <a:lnSpc>
                 <a:spcPct val="115000"/>
               </a:lnSpc>
@@ -15831,7 +16355,7 @@
             </a:endParaRPr>
           </a:p>
           <a:p>
-            <a:pPr indent="-323850" lvl="0" marL="457200" rtl="0" algn="l">
+            <a:pPr marL="457200" lvl="0" indent="-323850" algn="l" rtl="0">
               <a:lnSpc>
                 <a:spcPct val="115000"/>
               </a:lnSpc>
@@ -15865,7 +16389,7 @@
             </a:endParaRPr>
           </a:p>
           <a:p>
-            <a:pPr indent="-311150" lvl="0" marL="457200" rtl="0" algn="l">
+            <a:pPr marL="457200" lvl="0" indent="-311150" algn="l" rtl="0">
               <a:lnSpc>
                 <a:spcPct val="115000"/>
               </a:lnSpc>
@@ -15899,7 +16423,7 @@
             </a:endParaRPr>
           </a:p>
           <a:p>
-            <a:pPr indent="-311150" lvl="0" marL="457200" rtl="0" algn="l">
+            <a:pPr marL="457200" lvl="0" indent="-311150" algn="l" rtl="0">
               <a:lnSpc>
                 <a:spcPct val="115000"/>
               </a:lnSpc>
@@ -15933,7 +16457,7 @@
             </a:endParaRPr>
           </a:p>
           <a:p>
-            <a:pPr indent="-323850" lvl="0" marL="457200" rtl="0" algn="l">
+            <a:pPr marL="457200" lvl="0" indent="-323850" algn="l" rtl="0">
               <a:lnSpc>
                 <a:spcPct val="115000"/>
               </a:lnSpc>
@@ -15957,16 +16481,7 @@
                 <a:cs typeface="Raleway"/>
                 <a:sym typeface="Raleway"/>
               </a:rPr>
-              <a:t>F</a:t>
-            </a:r>
-            <a:r>
-              <a:rPr lang="pt-PT" sz="1300">
-                <a:latin typeface="Raleway"/>
-                <a:ea typeface="Raleway"/>
-                <a:cs typeface="Raleway"/>
-                <a:sym typeface="Raleway"/>
-              </a:rPr>
-              <a:t>avourites</a:t>
+              <a:t>Favourites</a:t>
             </a:r>
             <a:endParaRPr sz="1300">
               <a:latin typeface="Raleway"/>
@@ -15976,7 +16491,7 @@
             </a:endParaRPr>
           </a:p>
           <a:p>
-            <a:pPr indent="-311150" lvl="0" marL="457200" rtl="0" algn="l">
+            <a:pPr marL="457200" lvl="0" indent="-311150" algn="l" rtl="0">
               <a:lnSpc>
                 <a:spcPct val="115000"/>
               </a:lnSpc>
@@ -16010,7 +16525,7 @@
             </a:endParaRPr>
           </a:p>
           <a:p>
-            <a:pPr indent="0" lvl="0" marL="457200" rtl="0" algn="l">
+            <a:pPr marL="457200" lvl="0" indent="0" algn="l" rtl="0">
               <a:lnSpc>
                 <a:spcPct val="115000"/>
               </a:lnSpc>
@@ -16022,9 +16537,6 @@
               </a:spcAft>
               <a:buNone/>
             </a:pPr>
-            <a:r>
-              <a:t/>
-            </a:r>
             <a:endParaRPr sz="1300">
               <a:solidFill>
                 <a:srgbClr val="595959"/>
@@ -16040,7 +16552,9 @@
       <p:sp>
         <p:nvSpPr>
           <p:cNvPr id="142" name="Google Shape;142;p20"/>
-          <p:cNvSpPr txBox="1"/>
+          <p:cNvSpPr txBox="1">
+            <a:spLocks noGrp="1"/>
+          </p:cNvSpPr>
           <p:nvPr>
             <p:ph type="title"/>
           </p:nvPr>
@@ -16055,12 +16569,12 @@
           </a:prstGeom>
         </p:spPr>
         <p:txBody>
-          <a:bodyPr anchorCtr="0" anchor="t" bIns="91425" lIns="91425" spcFirstLastPara="1" rIns="91425" wrap="square" tIns="91425">
+          <a:bodyPr spcFirstLastPara="1" wrap="square" lIns="91425" tIns="91425" rIns="91425" bIns="91425" anchor="t" anchorCtr="0">
             <a:noAutofit/>
           </a:bodyPr>
           <a:lstStyle/>
           <a:p>
-            <a:pPr indent="0" lvl="0" marL="0" rtl="0" algn="l">
+            <a:pPr marL="0" lvl="0" indent="0" algn="l" rtl="0">
               <a:lnSpc>
                 <a:spcPct val="115000"/>
               </a:lnSpc>
@@ -16125,11 +16639,11 @@
 </file>
 
 <file path=ppt/slides/slide9.xml><?xml version="1.0" encoding="utf-8"?>
-<p:sld xmlns:a="http://schemas.openxmlformats.org/drawingml/2006/main" xmlns:r="http://schemas.openxmlformats.org/officeDocument/2006/relationships" xmlns:mc="http://schemas.openxmlformats.org/markup-compatibility/2006" xmlns:mv="urn:schemas-microsoft-com:mac:vml" xmlns:p="http://schemas.openxmlformats.org/presentationml/2006/main" xmlns:c="http://schemas.openxmlformats.org/drawingml/2006/chart" xmlns:dgm="http://schemas.openxmlformats.org/drawingml/2006/diagram" xmlns:o="urn:schemas-microsoft-com:office:office" xmlns:v="urn:schemas-microsoft-com:vml" xmlns:pvml="urn:schemas-microsoft-com:office:powerpoint" xmlns:com="http://schemas.openxmlformats.org/drawingml/2006/compatibility" xmlns:p14="http://schemas.microsoft.com/office/powerpoint/2010/main" xmlns:p15="http://schemas.microsoft.com/office/powerpoint/2012/main">
+<p:sld xmlns:a="http://schemas.openxmlformats.org/drawingml/2006/main" xmlns:r="http://schemas.openxmlformats.org/officeDocument/2006/relationships" xmlns:p="http://schemas.openxmlformats.org/presentationml/2006/main">
   <p:cSld>
     <p:spTree>
       <p:nvGrpSpPr>
-        <p:cNvPr id="147" name="Shape 147"/>
+        <p:cNvPr id="1" name="Shape 147"/>
         <p:cNvGrpSpPr/>
         <p:nvPr/>
       </p:nvGrpSpPr>
@@ -16189,12 +16703,12 @@
           </a:ln>
         </p:spPr>
         <p:txBody>
-          <a:bodyPr anchorCtr="0" anchor="t" bIns="91425" lIns="91425" spcFirstLastPara="1" rIns="91425" wrap="square" tIns="91425">
+          <a:bodyPr spcFirstLastPara="1" wrap="square" lIns="91425" tIns="91425" rIns="91425" bIns="91425" anchor="t" anchorCtr="0">
             <a:noAutofit/>
           </a:bodyPr>
           <a:lstStyle/>
           <a:p>
-            <a:pPr indent="0" lvl="0" marL="0" rtl="0" algn="l">
+            <a:pPr marL="0" lvl="0" indent="0" algn="l" rtl="0">
               <a:lnSpc>
                 <a:spcPct val="115000"/>
               </a:lnSpc>
@@ -16216,7 +16730,7 @@
               <a:t>For our prototype we used an app called </a:t>
             </a:r>
             <a:r>
-              <a:rPr b="1" lang="pt-PT" sz="1300">
+              <a:rPr lang="pt-PT" sz="1300" b="1">
                 <a:latin typeface="Raleway"/>
                 <a:ea typeface="Raleway"/>
                 <a:cs typeface="Raleway"/>
@@ -16245,7 +16759,9 @@
       <p:sp>
         <p:nvSpPr>
           <p:cNvPr id="150" name="Google Shape;150;p21"/>
-          <p:cNvSpPr txBox="1"/>
+          <p:cNvSpPr txBox="1">
+            <a:spLocks noGrp="1"/>
+          </p:cNvSpPr>
           <p:nvPr>
             <p:ph type="title"/>
           </p:nvPr>
@@ -16260,12 +16776,12 @@
           </a:prstGeom>
         </p:spPr>
         <p:txBody>
-          <a:bodyPr anchorCtr="0" anchor="t" bIns="91425" lIns="91425" spcFirstLastPara="1" rIns="91425" wrap="square" tIns="91425">
+          <a:bodyPr spcFirstLastPara="1" wrap="square" lIns="91425" tIns="91425" rIns="91425" bIns="91425" anchor="t" anchorCtr="0">
             <a:noAutofit/>
           </a:bodyPr>
           <a:lstStyle/>
           <a:p>
-            <a:pPr indent="0" lvl="0" marL="0" rtl="0" algn="l">
+            <a:pPr marL="0" lvl="0" indent="0" algn="l" rtl="0">
               <a:lnSpc>
                 <a:spcPct val="115000"/>
               </a:lnSpc>
@@ -16300,7 +16816,7 @@
             </a:endParaRPr>
           </a:p>
           <a:p>
-            <a:pPr indent="0" lvl="0" marL="0" rtl="0" algn="l">
+            <a:pPr marL="0" lvl="0" indent="0" algn="l" rtl="0">
               <a:lnSpc>
                 <a:spcPct val="115000"/>
               </a:lnSpc>
@@ -16312,9 +16828,6 @@
               </a:spcAft>
               <a:buNone/>
             </a:pPr>
-            <a:r>
-              <a:t/>
-            </a:r>
             <a:endParaRPr>
               <a:solidFill>
                 <a:srgbClr val="000000"/>
@@ -16375,12 +16888,12 @@
           </a:ln>
         </p:spPr>
         <p:txBody>
-          <a:bodyPr anchorCtr="0" anchor="t" bIns="91425" lIns="91425" spcFirstLastPara="1" rIns="91425" wrap="square" tIns="91425">
+          <a:bodyPr spcFirstLastPara="1" wrap="square" lIns="91425" tIns="91425" rIns="91425" bIns="91425" anchor="t" anchorCtr="0">
             <a:noAutofit/>
           </a:bodyPr>
           <a:lstStyle/>
           <a:p>
-            <a:pPr indent="0" lvl="0" marL="0" rtl="0" algn="l">
+            <a:pPr marL="0" lvl="0" indent="0" algn="l" rtl="0">
               <a:spcBef>
                 <a:spcPts val="0"/>
               </a:spcBef>
@@ -16406,7 +16919,7 @@
             </a:endParaRPr>
           </a:p>
           <a:p>
-            <a:pPr indent="0" lvl="0" marL="0" rtl="0" algn="l">
+            <a:pPr marL="0" lvl="0" indent="0" algn="l" rtl="0">
               <a:spcBef>
                 <a:spcPts val="0"/>
               </a:spcBef>
@@ -16415,9 +16928,6 @@
               </a:spcAft>
               <a:buNone/>
             </a:pPr>
-            <a:r>
-              <a:t/>
-            </a:r>
             <a:endParaRPr>
               <a:latin typeface="Lato"/>
               <a:ea typeface="Lato"/>
@@ -16475,12 +16985,12 @@
           </a:ln>
         </p:spPr>
         <p:txBody>
-          <a:bodyPr anchorCtr="0" anchor="t" bIns="91425" lIns="91425" spcFirstLastPara="1" rIns="91425" wrap="square" tIns="91425">
+          <a:bodyPr spcFirstLastPara="1" wrap="square" lIns="91425" tIns="91425" rIns="91425" bIns="91425" anchor="t" anchorCtr="0">
             <a:noAutofit/>
           </a:bodyPr>
           <a:lstStyle/>
           <a:p>
-            <a:pPr indent="0" lvl="0" marL="0" rtl="0" algn="l">
+            <a:pPr marL="0" lvl="0" indent="0" algn="l" rtl="0">
               <a:spcBef>
                 <a:spcPts val="0"/>
               </a:spcBef>
@@ -16506,7 +17016,7 @@
             </a:endParaRPr>
           </a:p>
           <a:p>
-            <a:pPr indent="0" lvl="0" marL="0" rtl="0" algn="l">
+            <a:pPr marL="0" lvl="0" indent="0" algn="l" rtl="0">
               <a:spcBef>
                 <a:spcPts val="0"/>
               </a:spcBef>
@@ -16515,9 +17025,6 @@
               </a:spcAft>
               <a:buNone/>
             </a:pPr>
-            <a:r>
-              <a:t/>
-            </a:r>
             <a:endParaRPr>
               <a:latin typeface="Lato"/>
               <a:ea typeface="Lato"/>
@@ -16648,7 +17155,288 @@
 </file>
 
 <file path=ppt/theme/theme1.xml><?xml version="1.0" encoding="utf-8"?>
-<a:theme xmlns:a="http://schemas.openxmlformats.org/drawingml/2006/main" xmlns:r="http://schemas.openxmlformats.org/officeDocument/2006/relationships">
+<a:theme xmlns:a="http://schemas.openxmlformats.org/drawingml/2006/main" name="Streamline">
+  <a:themeElements>
+    <a:clrScheme name="Streamline">
+      <a:dk1>
+        <a:srgbClr val="1A9988"/>
+      </a:dk1>
+      <a:lt1>
+        <a:srgbClr val="FFFFFF"/>
+      </a:lt1>
+      <a:dk2>
+        <a:srgbClr val="1A1A1A"/>
+      </a:dk2>
+      <a:lt2>
+        <a:srgbClr val="E9EDEE"/>
+      </a:lt2>
+      <a:accent1>
+        <a:srgbClr val="595959"/>
+      </a:accent1>
+      <a:accent2>
+        <a:srgbClr val="6AA4C8"/>
+      </a:accent2>
+      <a:accent3>
+        <a:srgbClr val="EB5600"/>
+      </a:accent3>
+      <a:accent4>
+        <a:srgbClr val="A2FFE8"/>
+      </a:accent4>
+      <a:accent5>
+        <a:srgbClr val="1C3678"/>
+      </a:accent5>
+      <a:accent6>
+        <a:srgbClr val="FFB8A2"/>
+      </a:accent6>
+      <a:hlink>
+        <a:srgbClr val="1C3678"/>
+      </a:hlink>
+      <a:folHlink>
+        <a:srgbClr val="1C3678"/>
+      </a:folHlink>
+    </a:clrScheme>
+    <a:fontScheme name="Office">
+      <a:majorFont>
+        <a:latin typeface="Arial"/>
+        <a:ea typeface=""/>
+        <a:cs typeface=""/>
+        <a:font script="Jpan" typeface="ＭＳ Ｐゴシック"/>
+        <a:font script="Hang" typeface="맑은 고딕"/>
+        <a:font script="Hans" typeface="宋体"/>
+        <a:font script="Hant" typeface="新細明體"/>
+        <a:font script="Arab" typeface="Times New Roman"/>
+        <a:font script="Hebr" typeface="Times New Roman"/>
+        <a:font script="Thai" typeface="Angsana New"/>
+        <a:font script="Ethi" typeface="Nyala"/>
+        <a:font script="Beng" typeface="Vrinda"/>
+        <a:font script="Gujr" typeface="Shruti"/>
+        <a:font script="Khmr" typeface="MoolBoran"/>
+        <a:font script="Knda" typeface="Tunga"/>
+        <a:font script="Guru" typeface="Raavi"/>
+        <a:font script="Cans" typeface="Euphemia"/>
+        <a:font script="Cher" typeface="Plantagenet Cherokee"/>
+        <a:font script="Yiii" typeface="Microsoft Yi Baiti"/>
+        <a:font script="Tibt" typeface="Microsoft Himalaya"/>
+        <a:font script="Thaa" typeface="MV Boli"/>
+        <a:font script="Deva" typeface="Mangal"/>
+        <a:font script="Telu" typeface="Gautami"/>
+        <a:font script="Taml" typeface="Latha"/>
+        <a:font script="Syrc" typeface="Estrangelo Edessa"/>
+        <a:font script="Orya" typeface="Kalinga"/>
+        <a:font script="Mlym" typeface="Kartika"/>
+        <a:font script="Laoo" typeface="DokChampa"/>
+        <a:font script="Sinh" typeface="Iskoola Pota"/>
+        <a:font script="Mong" typeface="Mongolian Baiti"/>
+        <a:font script="Viet" typeface="Times New Roman"/>
+        <a:font script="Uigh" typeface="Microsoft Uighur"/>
+        <a:font script="Geor" typeface="Sylfaen"/>
+      </a:majorFont>
+      <a:minorFont>
+        <a:latin typeface="Arial"/>
+        <a:ea typeface=""/>
+        <a:cs typeface=""/>
+        <a:font script="Jpan" typeface="ＭＳ Ｐゴシック"/>
+        <a:font script="Hang" typeface="맑은 고딕"/>
+        <a:font script="Hans" typeface="宋体"/>
+        <a:font script="Hant" typeface="新細明體"/>
+        <a:font script="Arab" typeface="Arial"/>
+        <a:font script="Hebr" typeface="Arial"/>
+        <a:font script="Thai" typeface="Cordia New"/>
+        <a:font script="Ethi" typeface="Nyala"/>
+        <a:font script="Beng" typeface="Vrinda"/>
+        <a:font script="Gujr" typeface="Shruti"/>
+        <a:font script="Khmr" typeface="DaunPenh"/>
+        <a:font script="Knda" typeface="Tunga"/>
+        <a:font script="Guru" typeface="Raavi"/>
+        <a:font script="Cans" typeface="Euphemia"/>
+        <a:font script="Cher" typeface="Plantagenet Cherokee"/>
+        <a:font script="Yiii" typeface="Microsoft Yi Baiti"/>
+        <a:font script="Tibt" typeface="Microsoft Himalaya"/>
+        <a:font script="Thaa" typeface="MV Boli"/>
+        <a:font script="Deva" typeface="Mangal"/>
+        <a:font script="Telu" typeface="Gautami"/>
+        <a:font script="Taml" typeface="Latha"/>
+        <a:font script="Syrc" typeface="Estrangelo Edessa"/>
+        <a:font script="Orya" typeface="Kalinga"/>
+        <a:font script="Mlym" typeface="Kartika"/>
+        <a:font script="Laoo" typeface="DokChampa"/>
+        <a:font script="Sinh" typeface="Iskoola Pota"/>
+        <a:font script="Mong" typeface="Mongolian Baiti"/>
+        <a:font script="Viet" typeface="Arial"/>
+        <a:font script="Uigh" typeface="Microsoft Uighur"/>
+        <a:font script="Geor" typeface="Sylfaen"/>
+      </a:minorFont>
+    </a:fontScheme>
+    <a:fmtScheme name="Office">
+      <a:fillStyleLst>
+        <a:solidFill>
+          <a:schemeClr val="phClr"/>
+        </a:solidFill>
+        <a:gradFill rotWithShape="1">
+          <a:gsLst>
+            <a:gs pos="0">
+              <a:schemeClr val="phClr">
+                <a:tint val="50000"/>
+                <a:satMod val="300000"/>
+              </a:schemeClr>
+            </a:gs>
+            <a:gs pos="35000">
+              <a:schemeClr val="phClr">
+                <a:tint val="37000"/>
+                <a:satMod val="300000"/>
+              </a:schemeClr>
+            </a:gs>
+            <a:gs pos="100000">
+              <a:schemeClr val="phClr">
+                <a:tint val="15000"/>
+                <a:satMod val="350000"/>
+              </a:schemeClr>
+            </a:gs>
+          </a:gsLst>
+          <a:lin ang="16200000" scaled="1"/>
+        </a:gradFill>
+        <a:gradFill rotWithShape="1">
+          <a:gsLst>
+            <a:gs pos="0">
+              <a:schemeClr val="phClr">
+                <a:tint val="100000"/>
+                <a:shade val="100000"/>
+                <a:satMod val="130000"/>
+              </a:schemeClr>
+            </a:gs>
+            <a:gs pos="100000">
+              <a:schemeClr val="phClr">
+                <a:tint val="50000"/>
+                <a:shade val="100000"/>
+                <a:satMod val="350000"/>
+              </a:schemeClr>
+            </a:gs>
+          </a:gsLst>
+          <a:lin ang="16200000" scaled="0"/>
+        </a:gradFill>
+      </a:fillStyleLst>
+      <a:lnStyleLst>
+        <a:ln w="9525" cap="flat" cmpd="sng" algn="ctr">
+          <a:solidFill>
+            <a:schemeClr val="phClr">
+              <a:shade val="95000"/>
+              <a:satMod val="105000"/>
+            </a:schemeClr>
+          </a:solidFill>
+          <a:prstDash val="solid"/>
+        </a:ln>
+        <a:ln w="25400" cap="flat" cmpd="sng" algn="ctr">
+          <a:solidFill>
+            <a:schemeClr val="phClr"/>
+          </a:solidFill>
+          <a:prstDash val="solid"/>
+        </a:ln>
+        <a:ln w="38100" cap="flat" cmpd="sng" algn="ctr">
+          <a:solidFill>
+            <a:schemeClr val="phClr"/>
+          </a:solidFill>
+          <a:prstDash val="solid"/>
+        </a:ln>
+      </a:lnStyleLst>
+      <a:effectStyleLst>
+        <a:effectStyle>
+          <a:effectLst>
+            <a:outerShdw blurRad="40000" dist="20000" dir="5400000" rotWithShape="0">
+              <a:srgbClr val="000000">
+                <a:alpha val="38000"/>
+              </a:srgbClr>
+            </a:outerShdw>
+          </a:effectLst>
+        </a:effectStyle>
+        <a:effectStyle>
+          <a:effectLst>
+            <a:outerShdw blurRad="40000" dist="23000" dir="5400000" rotWithShape="0">
+              <a:srgbClr val="000000">
+                <a:alpha val="35000"/>
+              </a:srgbClr>
+            </a:outerShdw>
+          </a:effectLst>
+        </a:effectStyle>
+        <a:effectStyle>
+          <a:effectLst>
+            <a:outerShdw blurRad="40000" dist="23000" dir="5400000" rotWithShape="0">
+              <a:srgbClr val="000000">
+                <a:alpha val="35000"/>
+              </a:srgbClr>
+            </a:outerShdw>
+          </a:effectLst>
+          <a:scene3d>
+            <a:camera prst="orthographicFront">
+              <a:rot lat="0" lon="0" rev="0"/>
+            </a:camera>
+            <a:lightRig rig="threePt" dir="t">
+              <a:rot lat="0" lon="0" rev="1200000"/>
+            </a:lightRig>
+          </a:scene3d>
+          <a:sp3d>
+            <a:bevelT w="63500" h="25400"/>
+          </a:sp3d>
+        </a:effectStyle>
+      </a:effectStyleLst>
+      <a:bgFillStyleLst>
+        <a:solidFill>
+          <a:schemeClr val="phClr"/>
+        </a:solidFill>
+        <a:gradFill rotWithShape="1">
+          <a:gsLst>
+            <a:gs pos="0">
+              <a:schemeClr val="phClr">
+                <a:tint val="40000"/>
+                <a:satMod val="350000"/>
+              </a:schemeClr>
+            </a:gs>
+            <a:gs pos="40000">
+              <a:schemeClr val="phClr">
+                <a:tint val="45000"/>
+                <a:shade val="99000"/>
+                <a:satMod val="350000"/>
+              </a:schemeClr>
+            </a:gs>
+            <a:gs pos="100000">
+              <a:schemeClr val="phClr">
+                <a:shade val="20000"/>
+                <a:satMod val="255000"/>
+              </a:schemeClr>
+            </a:gs>
+          </a:gsLst>
+          <a:path path="circle">
+            <a:fillToRect l="50000" t="-80000" r="50000" b="180000"/>
+          </a:path>
+        </a:gradFill>
+        <a:gradFill rotWithShape="1">
+          <a:gsLst>
+            <a:gs pos="0">
+              <a:schemeClr val="phClr">
+                <a:tint val="80000"/>
+                <a:satMod val="300000"/>
+              </a:schemeClr>
+            </a:gs>
+            <a:gs pos="100000">
+              <a:schemeClr val="phClr">
+                <a:shade val="30000"/>
+                <a:satMod val="200000"/>
+              </a:schemeClr>
+            </a:gs>
+          </a:gsLst>
+          <a:path path="circle">
+            <a:fillToRect l="50000" t="50000" r="50000" b="50000"/>
+          </a:path>
+        </a:gradFill>
+      </a:bgFillStyleLst>
+    </a:fmtScheme>
+  </a:themeElements>
+  <a:objectDefaults/>
+  <a:extraClrSchemeLst/>
+</a:theme>
+</file>
+
+<file path=ppt/theme/theme2.xml><?xml version="1.0" encoding="utf-8"?>
+<a:theme xmlns:a="http://schemas.openxmlformats.org/drawingml/2006/main">
   <a:themeElements>
     <a:clrScheme name="Default">
       <a:dk1>
@@ -16923,284 +17711,7 @@
       </a:bgFillStyleLst>
     </a:fmtScheme>
   </a:themeElements>
-</a:theme>
-</file>
-
-<file path=ppt/theme/theme2.xml><?xml version="1.0" encoding="utf-8"?>
-<a:theme xmlns:a="http://schemas.openxmlformats.org/drawingml/2006/main" xmlns:r="http://schemas.openxmlformats.org/officeDocument/2006/relationships" name="Streamline">
-  <a:themeElements>
-    <a:clrScheme name="Streamline">
-      <a:dk1>
-        <a:srgbClr val="1A9988"/>
-      </a:dk1>
-      <a:lt1>
-        <a:srgbClr val="FFFFFF"/>
-      </a:lt1>
-      <a:dk2>
-        <a:srgbClr val="1A1A1A"/>
-      </a:dk2>
-      <a:lt2>
-        <a:srgbClr val="E9EDEE"/>
-      </a:lt2>
-      <a:accent1>
-        <a:srgbClr val="595959"/>
-      </a:accent1>
-      <a:accent2>
-        <a:srgbClr val="6AA4C8"/>
-      </a:accent2>
-      <a:accent3>
-        <a:srgbClr val="EB5600"/>
-      </a:accent3>
-      <a:accent4>
-        <a:srgbClr val="A2FFE8"/>
-      </a:accent4>
-      <a:accent5>
-        <a:srgbClr val="1C3678"/>
-      </a:accent5>
-      <a:accent6>
-        <a:srgbClr val="FFB8A2"/>
-      </a:accent6>
-      <a:hlink>
-        <a:srgbClr val="1C3678"/>
-      </a:hlink>
-      <a:folHlink>
-        <a:srgbClr val="1C3678"/>
-      </a:folHlink>
-    </a:clrScheme>
-    <a:fontScheme name="Office">
-      <a:majorFont>
-        <a:latin typeface="Arial"/>
-        <a:ea typeface=""/>
-        <a:cs typeface=""/>
-        <a:font script="Jpan" typeface="ＭＳ Ｐゴシック"/>
-        <a:font script="Hang" typeface="맑은 고딕"/>
-        <a:font script="Hans" typeface="宋体"/>
-        <a:font script="Hant" typeface="新細明體"/>
-        <a:font script="Arab" typeface="Times New Roman"/>
-        <a:font script="Hebr" typeface="Times New Roman"/>
-        <a:font script="Thai" typeface="Angsana New"/>
-        <a:font script="Ethi" typeface="Nyala"/>
-        <a:font script="Beng" typeface="Vrinda"/>
-        <a:font script="Gujr" typeface="Shruti"/>
-        <a:font script="Khmr" typeface="MoolBoran"/>
-        <a:font script="Knda" typeface="Tunga"/>
-        <a:font script="Guru" typeface="Raavi"/>
-        <a:font script="Cans" typeface="Euphemia"/>
-        <a:font script="Cher" typeface="Plantagenet Cherokee"/>
-        <a:font script="Yiii" typeface="Microsoft Yi Baiti"/>
-        <a:font script="Tibt" typeface="Microsoft Himalaya"/>
-        <a:font script="Thaa" typeface="MV Boli"/>
-        <a:font script="Deva" typeface="Mangal"/>
-        <a:font script="Telu" typeface="Gautami"/>
-        <a:font script="Taml" typeface="Latha"/>
-        <a:font script="Syrc" typeface="Estrangelo Edessa"/>
-        <a:font script="Orya" typeface="Kalinga"/>
-        <a:font script="Mlym" typeface="Kartika"/>
-        <a:font script="Laoo" typeface="DokChampa"/>
-        <a:font script="Sinh" typeface="Iskoola Pota"/>
-        <a:font script="Mong" typeface="Mongolian Baiti"/>
-        <a:font script="Viet" typeface="Times New Roman"/>
-        <a:font script="Uigh" typeface="Microsoft Uighur"/>
-        <a:font script="Geor" typeface="Sylfaen"/>
-      </a:majorFont>
-      <a:minorFont>
-        <a:latin typeface="Arial"/>
-        <a:ea typeface=""/>
-        <a:cs typeface=""/>
-        <a:font script="Jpan" typeface="ＭＳ Ｐゴシック"/>
-        <a:font script="Hang" typeface="맑은 고딕"/>
-        <a:font script="Hans" typeface="宋体"/>
-        <a:font script="Hant" typeface="新細明體"/>
-        <a:font script="Arab" typeface="Arial"/>
-        <a:font script="Hebr" typeface="Arial"/>
-        <a:font script="Thai" typeface="Cordia New"/>
-        <a:font script="Ethi" typeface="Nyala"/>
-        <a:font script="Beng" typeface="Vrinda"/>
-        <a:font script="Gujr" typeface="Shruti"/>
-        <a:font script="Khmr" typeface="DaunPenh"/>
-        <a:font script="Knda" typeface="Tunga"/>
-        <a:font script="Guru" typeface="Raavi"/>
-        <a:font script="Cans" typeface="Euphemia"/>
-        <a:font script="Cher" typeface="Plantagenet Cherokee"/>
-        <a:font script="Yiii" typeface="Microsoft Yi Baiti"/>
-        <a:font script="Tibt" typeface="Microsoft Himalaya"/>
-        <a:font script="Thaa" typeface="MV Boli"/>
-        <a:font script="Deva" typeface="Mangal"/>
-        <a:font script="Telu" typeface="Gautami"/>
-        <a:font script="Taml" typeface="Latha"/>
-        <a:font script="Syrc" typeface="Estrangelo Edessa"/>
-        <a:font script="Orya" typeface="Kalinga"/>
-        <a:font script="Mlym" typeface="Kartika"/>
-        <a:font script="Laoo" typeface="DokChampa"/>
-        <a:font script="Sinh" typeface="Iskoola Pota"/>
-        <a:font script="Mong" typeface="Mongolian Baiti"/>
-        <a:font script="Viet" typeface="Arial"/>
-        <a:font script="Uigh" typeface="Microsoft Uighur"/>
-        <a:font script="Geor" typeface="Sylfaen"/>
-      </a:minorFont>
-    </a:fontScheme>
-    <a:fmtScheme name="Office">
-      <a:fillStyleLst>
-        <a:solidFill>
-          <a:schemeClr val="phClr"/>
-        </a:solidFill>
-        <a:gradFill rotWithShape="1">
-          <a:gsLst>
-            <a:gs pos="0">
-              <a:schemeClr val="phClr">
-                <a:tint val="50000"/>
-                <a:satMod val="300000"/>
-              </a:schemeClr>
-            </a:gs>
-            <a:gs pos="35000">
-              <a:schemeClr val="phClr">
-                <a:tint val="37000"/>
-                <a:satMod val="300000"/>
-              </a:schemeClr>
-            </a:gs>
-            <a:gs pos="100000">
-              <a:schemeClr val="phClr">
-                <a:tint val="15000"/>
-                <a:satMod val="350000"/>
-              </a:schemeClr>
-            </a:gs>
-          </a:gsLst>
-          <a:lin ang="16200000" scaled="1"/>
-        </a:gradFill>
-        <a:gradFill rotWithShape="1">
-          <a:gsLst>
-            <a:gs pos="0">
-              <a:schemeClr val="phClr">
-                <a:tint val="100000"/>
-                <a:shade val="100000"/>
-                <a:satMod val="130000"/>
-              </a:schemeClr>
-            </a:gs>
-            <a:gs pos="100000">
-              <a:schemeClr val="phClr">
-                <a:tint val="50000"/>
-                <a:shade val="100000"/>
-                <a:satMod val="350000"/>
-              </a:schemeClr>
-            </a:gs>
-          </a:gsLst>
-          <a:lin ang="16200000" scaled="0"/>
-        </a:gradFill>
-      </a:fillStyleLst>
-      <a:lnStyleLst>
-        <a:ln w="9525" cap="flat" cmpd="sng" algn="ctr">
-          <a:solidFill>
-            <a:schemeClr val="phClr">
-              <a:shade val="95000"/>
-              <a:satMod val="105000"/>
-            </a:schemeClr>
-          </a:solidFill>
-          <a:prstDash val="solid"/>
-        </a:ln>
-        <a:ln w="25400" cap="flat" cmpd="sng" algn="ctr">
-          <a:solidFill>
-            <a:schemeClr val="phClr"/>
-          </a:solidFill>
-          <a:prstDash val="solid"/>
-        </a:ln>
-        <a:ln w="38100" cap="flat" cmpd="sng" algn="ctr">
-          <a:solidFill>
-            <a:schemeClr val="phClr"/>
-          </a:solidFill>
-          <a:prstDash val="solid"/>
-        </a:ln>
-      </a:lnStyleLst>
-      <a:effectStyleLst>
-        <a:effectStyle>
-          <a:effectLst>
-            <a:outerShdw blurRad="40000" dist="20000" dir="5400000" rotWithShape="0">
-              <a:srgbClr val="000000">
-                <a:alpha val="38000"/>
-              </a:srgbClr>
-            </a:outerShdw>
-          </a:effectLst>
-        </a:effectStyle>
-        <a:effectStyle>
-          <a:effectLst>
-            <a:outerShdw blurRad="40000" dist="23000" dir="5400000" rotWithShape="0">
-              <a:srgbClr val="000000">
-                <a:alpha val="35000"/>
-              </a:srgbClr>
-            </a:outerShdw>
-          </a:effectLst>
-        </a:effectStyle>
-        <a:effectStyle>
-          <a:effectLst>
-            <a:outerShdw blurRad="40000" dist="23000" dir="5400000" rotWithShape="0">
-              <a:srgbClr val="000000">
-                <a:alpha val="35000"/>
-              </a:srgbClr>
-            </a:outerShdw>
-          </a:effectLst>
-          <a:scene3d>
-            <a:camera prst="orthographicFront">
-              <a:rot lat="0" lon="0" rev="0"/>
-            </a:camera>
-            <a:lightRig rig="threePt" dir="t">
-              <a:rot lat="0" lon="0" rev="1200000"/>
-            </a:lightRig>
-          </a:scene3d>
-          <a:sp3d>
-            <a:bevelT w="63500" h="25400"/>
-          </a:sp3d>
-        </a:effectStyle>
-      </a:effectStyleLst>
-      <a:bgFillStyleLst>
-        <a:solidFill>
-          <a:schemeClr val="phClr"/>
-        </a:solidFill>
-        <a:gradFill rotWithShape="1">
-          <a:gsLst>
-            <a:gs pos="0">
-              <a:schemeClr val="phClr">
-                <a:tint val="40000"/>
-                <a:satMod val="350000"/>
-              </a:schemeClr>
-            </a:gs>
-            <a:gs pos="40000">
-              <a:schemeClr val="phClr">
-                <a:tint val="45000"/>
-                <a:shade val="99000"/>
-                <a:satMod val="350000"/>
-              </a:schemeClr>
-            </a:gs>
-            <a:gs pos="100000">
-              <a:schemeClr val="phClr">
-                <a:shade val="20000"/>
-                <a:satMod val="255000"/>
-              </a:schemeClr>
-            </a:gs>
-          </a:gsLst>
-          <a:path path="circle">
-            <a:fillToRect l="50000" t="-80000" r="50000" b="180000"/>
-          </a:path>
-        </a:gradFill>
-        <a:gradFill rotWithShape="1">
-          <a:gsLst>
-            <a:gs pos="0">
-              <a:schemeClr val="phClr">
-                <a:tint val="80000"/>
-                <a:satMod val="300000"/>
-              </a:schemeClr>
-            </a:gs>
-            <a:gs pos="100000">
-              <a:schemeClr val="phClr">
-                <a:shade val="30000"/>
-                <a:satMod val="200000"/>
-              </a:schemeClr>
-            </a:gs>
-          </a:gsLst>
-          <a:path path="circle">
-            <a:fillToRect l="50000" t="50000" r="50000" b="50000"/>
-          </a:path>
-        </a:gradFill>
-      </a:bgFillStyleLst>
-    </a:fmtScheme>
-  </a:themeElements>
+  <a:objectDefaults/>
+  <a:extraClrSchemeLst/>
 </a:theme>
 </file>